--- a/Dataframeの基礎.pptx
+++ b/Dataframeの基礎.pptx
@@ -5,7 +5,7 @@
     <p:sldMasterId id="2147483672" r:id="rId1"/>
   </p:sldMasterIdLst>
   <p:notesMasterIdLst>
-    <p:notesMasterId r:id="rId21"/>
+    <p:notesMasterId r:id="rId22"/>
   </p:notesMasterIdLst>
   <p:sldIdLst>
     <p:sldId id="256" r:id="rId2"/>
@@ -15,18 +15,19 @@
     <p:sldId id="1230" r:id="rId6"/>
     <p:sldId id="1194" r:id="rId7"/>
     <p:sldId id="1186" r:id="rId8"/>
-    <p:sldId id="1219" r:id="rId9"/>
-    <p:sldId id="1215" r:id="rId10"/>
-    <p:sldId id="1221" r:id="rId11"/>
-    <p:sldId id="1188" r:id="rId12"/>
-    <p:sldId id="1220" r:id="rId13"/>
-    <p:sldId id="1225" r:id="rId14"/>
-    <p:sldId id="1217" r:id="rId15"/>
-    <p:sldId id="1226" r:id="rId16"/>
-    <p:sldId id="1196" r:id="rId17"/>
-    <p:sldId id="1198" r:id="rId18"/>
-    <p:sldId id="1192" r:id="rId19"/>
-    <p:sldId id="1218" r:id="rId20"/>
+    <p:sldId id="1231" r:id="rId9"/>
+    <p:sldId id="1219" r:id="rId10"/>
+    <p:sldId id="1215" r:id="rId11"/>
+    <p:sldId id="1221" r:id="rId12"/>
+    <p:sldId id="1188" r:id="rId13"/>
+    <p:sldId id="1220" r:id="rId14"/>
+    <p:sldId id="1225" r:id="rId15"/>
+    <p:sldId id="1217" r:id="rId16"/>
+    <p:sldId id="1226" r:id="rId17"/>
+    <p:sldId id="1196" r:id="rId18"/>
+    <p:sldId id="1198" r:id="rId19"/>
+    <p:sldId id="1192" r:id="rId20"/>
+    <p:sldId id="1218" r:id="rId21"/>
   </p:sldIdLst>
   <p:sldSz cx="12192000" cy="6858000"/>
   <p:notesSz cx="6858000" cy="9144000"/>
@@ -215,7 +216,7 @@
           <a:p>
             <a:fld id="{0135936D-836F-419C-9F68-DEDA5DD6EA2C}" type="datetimeFigureOut">
               <a:rPr kumimoji="1" lang="ja-JP" altLang="en-US" smtClean="0"/>
-              <a:t>2024/6/11</a:t>
+              <a:t>2024/6/19</a:t>
             </a:fld>
             <a:endParaRPr kumimoji="1" lang="ja-JP" altLang="en-US"/>
           </a:p>
@@ -744,7 +745,7 @@
           <a:p>
             <a:fld id="{2ABC02D7-CBD1-4D33-B166-78A898DF0F76}" type="datetimeFigureOut">
               <a:rPr kumimoji="1" lang="ja-JP" altLang="en-US" smtClean="0"/>
-              <a:t>2024/6/11</a:t>
+              <a:t>2024/6/19</a:t>
             </a:fld>
             <a:endParaRPr kumimoji="1" lang="ja-JP" altLang="en-US"/>
           </a:p>
@@ -946,7 +947,7 @@
           <a:p>
             <a:fld id="{2ABC02D7-CBD1-4D33-B166-78A898DF0F76}" type="datetimeFigureOut">
               <a:rPr kumimoji="1" lang="ja-JP" altLang="en-US" smtClean="0"/>
-              <a:t>2024/6/11</a:t>
+              <a:t>2024/6/19</a:t>
             </a:fld>
             <a:endParaRPr kumimoji="1" lang="ja-JP" altLang="en-US"/>
           </a:p>
@@ -1158,7 +1159,7 @@
           <a:p>
             <a:fld id="{2ABC02D7-CBD1-4D33-B166-78A898DF0F76}" type="datetimeFigureOut">
               <a:rPr kumimoji="1" lang="ja-JP" altLang="en-US" smtClean="0"/>
-              <a:t>2024/6/11</a:t>
+              <a:t>2024/6/19</a:t>
             </a:fld>
             <a:endParaRPr kumimoji="1" lang="ja-JP" altLang="en-US"/>
           </a:p>
@@ -1360,7 +1361,7 @@
           <a:p>
             <a:fld id="{2ABC02D7-CBD1-4D33-B166-78A898DF0F76}" type="datetimeFigureOut">
               <a:rPr kumimoji="1" lang="ja-JP" altLang="en-US" smtClean="0"/>
-              <a:t>2024/6/11</a:t>
+              <a:t>2024/6/19</a:t>
             </a:fld>
             <a:endParaRPr kumimoji="1" lang="ja-JP" altLang="en-US"/>
           </a:p>
@@ -1606,7 +1607,7 @@
           <a:p>
             <a:fld id="{2ABC02D7-CBD1-4D33-B166-78A898DF0F76}" type="datetimeFigureOut">
               <a:rPr kumimoji="1" lang="ja-JP" altLang="en-US" smtClean="0"/>
-              <a:t>2024/6/11</a:t>
+              <a:t>2024/6/19</a:t>
             </a:fld>
             <a:endParaRPr kumimoji="1" lang="ja-JP" altLang="en-US"/>
           </a:p>
@@ -1902,7 +1903,7 @@
           <a:p>
             <a:fld id="{2ABC02D7-CBD1-4D33-B166-78A898DF0F76}" type="datetimeFigureOut">
               <a:rPr kumimoji="1" lang="ja-JP" altLang="en-US" smtClean="0"/>
-              <a:t>2024/6/11</a:t>
+              <a:t>2024/6/19</a:t>
             </a:fld>
             <a:endParaRPr kumimoji="1" lang="ja-JP" altLang="en-US"/>
           </a:p>
@@ -2333,7 +2334,7 @@
           <a:p>
             <a:fld id="{2ABC02D7-CBD1-4D33-B166-78A898DF0F76}" type="datetimeFigureOut">
               <a:rPr kumimoji="1" lang="ja-JP" altLang="en-US" smtClean="0"/>
-              <a:t>2024/6/11</a:t>
+              <a:t>2024/6/19</a:t>
             </a:fld>
             <a:endParaRPr kumimoji="1" lang="ja-JP" altLang="en-US"/>
           </a:p>
@@ -2451,7 +2452,7 @@
           <a:p>
             <a:fld id="{2ABC02D7-CBD1-4D33-B166-78A898DF0F76}" type="datetimeFigureOut">
               <a:rPr kumimoji="1" lang="ja-JP" altLang="en-US" smtClean="0"/>
-              <a:t>2024/6/11</a:t>
+              <a:t>2024/6/19</a:t>
             </a:fld>
             <a:endParaRPr kumimoji="1" lang="ja-JP" altLang="en-US"/>
           </a:p>
@@ -2546,7 +2547,7 @@
           <a:p>
             <a:fld id="{2ABC02D7-CBD1-4D33-B166-78A898DF0F76}" type="datetimeFigureOut">
               <a:rPr kumimoji="1" lang="ja-JP" altLang="en-US" smtClean="0"/>
-              <a:t>2024/6/11</a:t>
+              <a:t>2024/6/19</a:t>
             </a:fld>
             <a:endParaRPr kumimoji="1" lang="ja-JP" altLang="en-US"/>
           </a:p>
@@ -2855,7 +2856,7 @@
           <a:p>
             <a:fld id="{2ABC02D7-CBD1-4D33-B166-78A898DF0F76}" type="datetimeFigureOut">
               <a:rPr kumimoji="1" lang="ja-JP" altLang="en-US" smtClean="0"/>
-              <a:t>2024/6/11</a:t>
+              <a:t>2024/6/19</a:t>
             </a:fld>
             <a:endParaRPr kumimoji="1" lang="ja-JP" altLang="en-US"/>
           </a:p>
@@ -3112,7 +3113,7 @@
           <a:p>
             <a:fld id="{2ABC02D7-CBD1-4D33-B166-78A898DF0F76}" type="datetimeFigureOut">
               <a:rPr kumimoji="1" lang="ja-JP" altLang="en-US" smtClean="0"/>
-              <a:t>2024/6/11</a:t>
+              <a:t>2024/6/19</a:t>
             </a:fld>
             <a:endParaRPr kumimoji="1" lang="ja-JP" altLang="en-US"/>
           </a:p>
@@ -3357,7 +3358,7 @@
           <a:p>
             <a:fld id="{2ABC02D7-CBD1-4D33-B166-78A898DF0F76}" type="datetimeFigureOut">
               <a:rPr kumimoji="1" lang="ja-JP" altLang="en-US" smtClean="0"/>
-              <a:t>2024/6/11</a:t>
+              <a:t>2024/6/19</a:t>
             </a:fld>
             <a:endParaRPr kumimoji="1" lang="ja-JP" altLang="en-US"/>
           </a:p>
@@ -3843,6 +3844,720 @@
           <p:cNvPr id="2" name="テキスト ボックス 1">
             <a:extLst>
               <a:ext uri="{FF2B5EF4-FFF2-40B4-BE49-F238E27FC236}">
+                <a16:creationId xmlns:a16="http://schemas.microsoft.com/office/drawing/2014/main" id="{A2C675D6-283D-4E94-AF7D-2009559E58D6}"/>
+              </a:ext>
+            </a:extLst>
+          </p:cNvPr>
+          <p:cNvSpPr txBox="1"/>
+          <p:nvPr/>
+        </p:nvSpPr>
+        <p:spPr>
+          <a:xfrm>
+            <a:off x="2599178" y="1569893"/>
+            <a:ext cx="8025414" cy="2308324"/>
+          </a:xfrm>
+          <a:prstGeom prst="rect">
+            <a:avLst/>
+          </a:prstGeom>
+          <a:noFill/>
+        </p:spPr>
+        <p:txBody>
+          <a:bodyPr wrap="square" rtlCol="0">
+            <a:spAutoFit/>
+          </a:bodyPr>
+          <a:lstStyle/>
+          <a:p>
+            <a:r>
+              <a:rPr kumimoji="1" lang="en-US" altLang="ja-JP" sz="2400" dirty="0">
+                <a:latin typeface="メイリオ" panose="020B0604030504040204" pitchFamily="50" charset="-128"/>
+                <a:ea typeface="メイリオ" panose="020B0604030504040204" pitchFamily="50" charset="-128"/>
+              </a:rPr>
+              <a:t>&gt;&gt;&gt; </a:t>
+            </a:r>
+            <a:r>
+              <a:rPr kumimoji="1" lang="en-US" altLang="ja-JP" sz="2400" dirty="0" err="1">
+                <a:latin typeface="メイリオ" panose="020B0604030504040204" pitchFamily="50" charset="-128"/>
+                <a:ea typeface="メイリオ" panose="020B0604030504040204" pitchFamily="50" charset="-128"/>
+              </a:rPr>
+              <a:t>df</a:t>
+            </a:r>
+            <a:endParaRPr kumimoji="1" lang="en-US" altLang="ja-JP" sz="2400" dirty="0">
+              <a:latin typeface="メイリオ" panose="020B0604030504040204" pitchFamily="50" charset="-128"/>
+              <a:ea typeface="メイリオ" panose="020B0604030504040204" pitchFamily="50" charset="-128"/>
+            </a:endParaRPr>
+          </a:p>
+          <a:p>
+            <a:r>
+              <a:rPr kumimoji="1" lang="en-US" altLang="ja-JP" sz="2400" dirty="0">
+                <a:latin typeface="メイリオ" panose="020B0604030504040204" pitchFamily="50" charset="-128"/>
+                <a:ea typeface="メイリオ" panose="020B0604030504040204" pitchFamily="50" charset="-128"/>
+              </a:rPr>
+              <a:t>       ID     City     Birth Year    Name</a:t>
+            </a:r>
+          </a:p>
+          <a:p>
+            <a:r>
+              <a:rPr kumimoji="1" lang="en-US" altLang="ja-JP" sz="2400" dirty="0">
+                <a:latin typeface="メイリオ" panose="020B0604030504040204" pitchFamily="50" charset="-128"/>
+                <a:ea typeface="メイリオ" panose="020B0604030504040204" pitchFamily="50" charset="-128"/>
+              </a:rPr>
+              <a:t>0  [[100  </a:t>
+            </a:r>
+            <a:r>
+              <a:rPr kumimoji="1" lang="en-US" altLang="ja-JP" sz="2400" dirty="0" err="1">
+                <a:latin typeface="メイリオ" panose="020B0604030504040204" pitchFamily="50" charset="-128"/>
+                <a:ea typeface="メイリオ" panose="020B0604030504040204" pitchFamily="50" charset="-128"/>
+              </a:rPr>
+              <a:t>tokyo</a:t>
+            </a:r>
+            <a:r>
+              <a:rPr kumimoji="1" lang="en-US" altLang="ja-JP" sz="2400" dirty="0">
+                <a:latin typeface="メイリオ" panose="020B0604030504040204" pitchFamily="50" charset="-128"/>
+                <a:ea typeface="メイリオ" panose="020B0604030504040204" pitchFamily="50" charset="-128"/>
+              </a:rPr>
+              <a:t>        1990     Hiroshi]</a:t>
+            </a:r>
+          </a:p>
+          <a:p>
+            <a:r>
+              <a:rPr kumimoji="1" lang="en-US" altLang="ja-JP" sz="2400" dirty="0">
+                <a:latin typeface="メイリオ" panose="020B0604030504040204" pitchFamily="50" charset="-128"/>
+                <a:ea typeface="メイリオ" panose="020B0604030504040204" pitchFamily="50" charset="-128"/>
+              </a:rPr>
+              <a:t>1   [101  </a:t>
+            </a:r>
+            <a:r>
+              <a:rPr kumimoji="1" lang="en-US" altLang="ja-JP" sz="2400" dirty="0" err="1">
+                <a:latin typeface="メイリオ" panose="020B0604030504040204" pitchFamily="50" charset="-128"/>
+                <a:ea typeface="メイリオ" panose="020B0604030504040204" pitchFamily="50" charset="-128"/>
+              </a:rPr>
+              <a:t>osaka</a:t>
+            </a:r>
+            <a:r>
+              <a:rPr kumimoji="1" lang="en-US" altLang="ja-JP" sz="2400" dirty="0">
+                <a:latin typeface="メイリオ" panose="020B0604030504040204" pitchFamily="50" charset="-128"/>
+                <a:ea typeface="メイリオ" panose="020B0604030504040204" pitchFamily="50" charset="-128"/>
+              </a:rPr>
+              <a:t>        1989       Akiko]</a:t>
+            </a:r>
+          </a:p>
+          <a:p>
+            <a:r>
+              <a:rPr kumimoji="1" lang="en-US" altLang="ja-JP" sz="2400" dirty="0">
+                <a:latin typeface="メイリオ" panose="020B0604030504040204" pitchFamily="50" charset="-128"/>
+                <a:ea typeface="メイリオ" panose="020B0604030504040204" pitchFamily="50" charset="-128"/>
+              </a:rPr>
+              <a:t>2   [102  Kyoto        1997     Satoru]</a:t>
+            </a:r>
+          </a:p>
+          <a:p>
+            <a:r>
+              <a:rPr kumimoji="1" lang="en-US" altLang="ja-JP" sz="2400" dirty="0">
+                <a:latin typeface="メイリオ" panose="020B0604030504040204" pitchFamily="50" charset="-128"/>
+                <a:ea typeface="メイリオ" panose="020B0604030504040204" pitchFamily="50" charset="-128"/>
+              </a:rPr>
+              <a:t>3   [104  </a:t>
+            </a:r>
+            <a:r>
+              <a:rPr kumimoji="1" lang="en-US" altLang="ja-JP" sz="2400" dirty="0" err="1">
+                <a:latin typeface="メイリオ" panose="020B0604030504040204" pitchFamily="50" charset="-128"/>
+                <a:ea typeface="メイリオ" panose="020B0604030504040204" pitchFamily="50" charset="-128"/>
+              </a:rPr>
+              <a:t>tokyo</a:t>
+            </a:r>
+            <a:r>
+              <a:rPr kumimoji="1" lang="en-US" altLang="ja-JP" sz="2400" dirty="0">
+                <a:latin typeface="メイリオ" panose="020B0604030504040204" pitchFamily="50" charset="-128"/>
+                <a:ea typeface="メイリオ" panose="020B0604030504040204" pitchFamily="50" charset="-128"/>
+              </a:rPr>
+              <a:t>        1982        Steve]]</a:t>
+            </a:r>
+            <a:endParaRPr kumimoji="1" lang="ja-JP" altLang="en-US" sz="2400" dirty="0">
+              <a:latin typeface="メイリオ" panose="020B0604030504040204" pitchFamily="50" charset="-128"/>
+              <a:ea typeface="メイリオ" panose="020B0604030504040204" pitchFamily="50" charset="-128"/>
+            </a:endParaRPr>
+          </a:p>
+        </p:txBody>
+      </p:sp>
+      <p:sp>
+        <p:nvSpPr>
+          <p:cNvPr id="3" name="テキスト ボックス 2">
+            <a:extLst>
+              <a:ext uri="{FF2B5EF4-FFF2-40B4-BE49-F238E27FC236}">
+                <a16:creationId xmlns:a16="http://schemas.microsoft.com/office/drawing/2014/main" id="{16299383-4AAF-4560-B81C-ED1EBFD350E4}"/>
+              </a:ext>
+            </a:extLst>
+          </p:cNvPr>
+          <p:cNvSpPr txBox="1"/>
+          <p:nvPr/>
+        </p:nvSpPr>
+        <p:spPr>
+          <a:xfrm>
+            <a:off x="1029810" y="497149"/>
+            <a:ext cx="10268388" cy="523220"/>
+          </a:xfrm>
+          <a:prstGeom prst="rect">
+            <a:avLst/>
+          </a:prstGeom>
+          <a:noFill/>
+        </p:spPr>
+        <p:txBody>
+          <a:bodyPr wrap="none" rtlCol="0">
+            <a:spAutoFit/>
+          </a:bodyPr>
+          <a:lstStyle/>
+          <a:p>
+            <a:pPr algn="l"/>
+            <a:r>
+              <a:rPr kumimoji="1" lang="ja-JP" altLang="en-US" sz="2800" dirty="0">
+                <a:latin typeface="メイリオ" panose="020B0604030504040204" pitchFamily="50" charset="-128"/>
+                <a:ea typeface="メイリオ" panose="020B0604030504040204" pitchFamily="50" charset="-128"/>
+              </a:rPr>
+              <a:t>実は、</a:t>
+            </a:r>
+            <a:r>
+              <a:rPr kumimoji="1" lang="en-US" altLang="ja-JP" sz="2800" dirty="0" err="1">
+                <a:latin typeface="メイリオ" panose="020B0604030504040204" pitchFamily="50" charset="-128"/>
+                <a:ea typeface="メイリオ" panose="020B0604030504040204" pitchFamily="50" charset="-128"/>
+              </a:rPr>
+              <a:t>DataFrame</a:t>
+            </a:r>
+            <a:r>
+              <a:rPr kumimoji="1" lang="ja-JP" altLang="en-US" sz="2800" dirty="0">
+                <a:latin typeface="メイリオ" panose="020B0604030504040204" pitchFamily="50" charset="-128"/>
+                <a:ea typeface="メイリオ" panose="020B0604030504040204" pitchFamily="50" charset="-128"/>
+              </a:rPr>
+              <a:t>は</a:t>
+            </a:r>
+            <a:r>
+              <a:rPr kumimoji="1" lang="en-US" altLang="ja-JP" sz="2800" dirty="0">
+                <a:latin typeface="メイリオ" panose="020B0604030504040204" pitchFamily="50" charset="-128"/>
+                <a:ea typeface="メイリオ" panose="020B0604030504040204" pitchFamily="50" charset="-128"/>
+              </a:rPr>
+              <a:t>columns, index</a:t>
+            </a:r>
+            <a:r>
+              <a:rPr kumimoji="1" lang="ja-JP" altLang="en-US" sz="2800" dirty="0">
+                <a:latin typeface="メイリオ" panose="020B0604030504040204" pitchFamily="50" charset="-128"/>
+                <a:ea typeface="メイリオ" panose="020B0604030504040204" pitchFamily="50" charset="-128"/>
+              </a:rPr>
+              <a:t>を取り除くと</a:t>
+            </a:r>
+            <a:r>
+              <a:rPr kumimoji="1" lang="en-US" altLang="ja-JP" sz="2800" dirty="0" err="1">
+                <a:latin typeface="メイリオ" panose="020B0604030504040204" pitchFamily="50" charset="-128"/>
+                <a:ea typeface="メイリオ" panose="020B0604030504040204" pitchFamily="50" charset="-128"/>
+              </a:rPr>
+              <a:t>numpy</a:t>
+            </a:r>
+            <a:r>
+              <a:rPr kumimoji="1" lang="ja-JP" altLang="en-US" sz="2800" dirty="0">
+                <a:latin typeface="メイリオ" panose="020B0604030504040204" pitchFamily="50" charset="-128"/>
+                <a:ea typeface="メイリオ" panose="020B0604030504040204" pitchFamily="50" charset="-128"/>
+              </a:rPr>
+              <a:t>配列</a:t>
+            </a:r>
+          </a:p>
+        </p:txBody>
+      </p:sp>
+      <p:sp>
+        <p:nvSpPr>
+          <p:cNvPr id="4" name="正方形/長方形 3">
+            <a:extLst>
+              <a:ext uri="{FF2B5EF4-FFF2-40B4-BE49-F238E27FC236}">
+                <a16:creationId xmlns:a16="http://schemas.microsoft.com/office/drawing/2014/main" id="{0D4C7EB0-CFB6-4D2F-B20E-AB86100DD9D7}"/>
+              </a:ext>
+            </a:extLst>
+          </p:cNvPr>
+          <p:cNvSpPr/>
+          <p:nvPr/>
+        </p:nvSpPr>
+        <p:spPr>
+          <a:xfrm>
+            <a:off x="3009530" y="2263806"/>
+            <a:ext cx="5450889" cy="1589103"/>
+          </a:xfrm>
+          <a:prstGeom prst="rect">
+            <a:avLst/>
+          </a:prstGeom>
+          <a:noFill/>
+          <a:ln>
+            <a:solidFill>
+              <a:srgbClr val="FF0000"/>
+            </a:solidFill>
+          </a:ln>
+        </p:spPr>
+        <p:style>
+          <a:lnRef idx="2">
+            <a:schemeClr val="accent1">
+              <a:shade val="50000"/>
+            </a:schemeClr>
+          </a:lnRef>
+          <a:fillRef idx="1">
+            <a:schemeClr val="accent1"/>
+          </a:fillRef>
+          <a:effectRef idx="0">
+            <a:schemeClr val="accent1"/>
+          </a:effectRef>
+          <a:fontRef idx="minor">
+            <a:schemeClr val="lt1"/>
+          </a:fontRef>
+        </p:style>
+        <p:txBody>
+          <a:bodyPr rtlCol="0" anchor="ctr"/>
+          <a:lstStyle/>
+          <a:p>
+            <a:pPr algn="ctr"/>
+            <a:endParaRPr kumimoji="1" lang="ja-JP" altLang="en-US"/>
+          </a:p>
+        </p:txBody>
+      </p:sp>
+      <p:sp>
+        <p:nvSpPr>
+          <p:cNvPr id="5" name="テキスト ボックス 4">
+            <a:extLst>
+              <a:ext uri="{FF2B5EF4-FFF2-40B4-BE49-F238E27FC236}">
+                <a16:creationId xmlns:a16="http://schemas.microsoft.com/office/drawing/2014/main" id="{FA15D0F3-BCFE-4222-B5AF-56ED496157A4}"/>
+              </a:ext>
+            </a:extLst>
+          </p:cNvPr>
+          <p:cNvSpPr txBox="1"/>
+          <p:nvPr/>
+        </p:nvSpPr>
+        <p:spPr>
+          <a:xfrm>
+            <a:off x="2885243" y="4577608"/>
+            <a:ext cx="1885003" cy="369332"/>
+          </a:xfrm>
+          <a:prstGeom prst="rect">
+            <a:avLst/>
+          </a:prstGeom>
+          <a:noFill/>
+        </p:spPr>
+        <p:txBody>
+          <a:bodyPr wrap="none" rtlCol="0">
+            <a:spAutoFit/>
+          </a:bodyPr>
+          <a:lstStyle/>
+          <a:p>
+            <a:pPr algn="l"/>
+            <a:r>
+              <a:rPr kumimoji="1" lang="ja-JP" altLang="en-US" dirty="0">
+                <a:latin typeface="メイリオ" panose="020B0604030504040204" pitchFamily="50" charset="-128"/>
+                <a:ea typeface="メイリオ" panose="020B0604030504040204" pitchFamily="50" charset="-128"/>
+              </a:rPr>
+              <a:t>赤枠内は</a:t>
+            </a:r>
+            <a:r>
+              <a:rPr kumimoji="1" lang="en-US" altLang="ja-JP" dirty="0" err="1">
+                <a:latin typeface="メイリオ" panose="020B0604030504040204" pitchFamily="50" charset="-128"/>
+                <a:ea typeface="メイリオ" panose="020B0604030504040204" pitchFamily="50" charset="-128"/>
+              </a:rPr>
+              <a:t>numpy</a:t>
+            </a:r>
+            <a:endParaRPr kumimoji="1" lang="ja-JP" altLang="en-US" dirty="0">
+              <a:latin typeface="メイリオ" panose="020B0604030504040204" pitchFamily="50" charset="-128"/>
+              <a:ea typeface="メイリオ" panose="020B0604030504040204" pitchFamily="50" charset="-128"/>
+            </a:endParaRPr>
+          </a:p>
+        </p:txBody>
+      </p:sp>
+      <p:sp>
+        <p:nvSpPr>
+          <p:cNvPr id="6" name="テキスト ボックス 5">
+            <a:extLst>
+              <a:ext uri="{FF2B5EF4-FFF2-40B4-BE49-F238E27FC236}">
+                <a16:creationId xmlns:a16="http://schemas.microsoft.com/office/drawing/2014/main" id="{D5D92210-83B0-468B-8558-DB620D7AC85B}"/>
+              </a:ext>
+            </a:extLst>
+          </p:cNvPr>
+          <p:cNvSpPr txBox="1"/>
+          <p:nvPr/>
+        </p:nvSpPr>
+        <p:spPr>
+          <a:xfrm>
+            <a:off x="4736667" y="4582146"/>
+            <a:ext cx="4226991" cy="369332"/>
+          </a:xfrm>
+          <a:prstGeom prst="rect">
+            <a:avLst/>
+          </a:prstGeom>
+          <a:noFill/>
+        </p:spPr>
+        <p:txBody>
+          <a:bodyPr wrap="none" rtlCol="0">
+            <a:spAutoFit/>
+          </a:bodyPr>
+          <a:lstStyle/>
+          <a:p>
+            <a:pPr algn="l"/>
+            <a:r>
+              <a:rPr kumimoji="1" lang="en-US" altLang="ja-JP" dirty="0" err="1">
+                <a:latin typeface="メイリオ" panose="020B0604030504040204" pitchFamily="50" charset="-128"/>
+                <a:ea typeface="メイリオ" panose="020B0604030504040204" pitchFamily="50" charset="-128"/>
+              </a:rPr>
+              <a:t>val</a:t>
+            </a:r>
+            <a:r>
+              <a:rPr kumimoji="1" lang="en-US" altLang="ja-JP" dirty="0">
+                <a:latin typeface="メイリオ" panose="020B0604030504040204" pitchFamily="50" charset="-128"/>
+                <a:ea typeface="メイリオ" panose="020B0604030504040204" pitchFamily="50" charset="-128"/>
+              </a:rPr>
+              <a:t> = </a:t>
+            </a:r>
+            <a:r>
+              <a:rPr kumimoji="1" lang="en-US" altLang="ja-JP" dirty="0" err="1">
+                <a:latin typeface="メイリオ" panose="020B0604030504040204" pitchFamily="50" charset="-128"/>
+                <a:ea typeface="メイリオ" panose="020B0604030504040204" pitchFamily="50" charset="-128"/>
+              </a:rPr>
+              <a:t>df.values</a:t>
+            </a:r>
+            <a:r>
+              <a:rPr kumimoji="1" lang="en-US" altLang="ja-JP" dirty="0">
+                <a:latin typeface="メイリオ" panose="020B0604030504040204" pitchFamily="50" charset="-128"/>
+                <a:ea typeface="メイリオ" panose="020B0604030504040204" pitchFamily="50" charset="-128"/>
+              </a:rPr>
+              <a:t> </a:t>
+            </a:r>
+            <a:r>
+              <a:rPr kumimoji="1" lang="ja-JP" altLang="en-US" dirty="0">
+                <a:latin typeface="メイリオ" panose="020B0604030504040204" pitchFamily="50" charset="-128"/>
+                <a:ea typeface="メイリオ" panose="020B0604030504040204" pitchFamily="50" charset="-128"/>
+              </a:rPr>
+              <a:t>ってやると取り出せる</a:t>
+            </a:r>
+          </a:p>
+        </p:txBody>
+      </p:sp>
+      <p:sp>
+        <p:nvSpPr>
+          <p:cNvPr id="7" name="テキスト ボックス 6">
+            <a:extLst>
+              <a:ext uri="{FF2B5EF4-FFF2-40B4-BE49-F238E27FC236}">
+                <a16:creationId xmlns:a16="http://schemas.microsoft.com/office/drawing/2014/main" id="{4FA0947E-B1F8-4237-97AD-857C640AAF1F}"/>
+              </a:ext>
+            </a:extLst>
+          </p:cNvPr>
+          <p:cNvSpPr txBox="1"/>
+          <p:nvPr/>
+        </p:nvSpPr>
+        <p:spPr>
+          <a:xfrm>
+            <a:off x="3882596" y="5056333"/>
+            <a:ext cx="3483069" cy="369332"/>
+          </a:xfrm>
+          <a:prstGeom prst="rect">
+            <a:avLst/>
+          </a:prstGeom>
+          <a:noFill/>
+        </p:spPr>
+        <p:txBody>
+          <a:bodyPr wrap="none" rtlCol="0">
+            <a:spAutoFit/>
+          </a:bodyPr>
+          <a:lstStyle/>
+          <a:p>
+            <a:pPr algn="l"/>
+            <a:r>
+              <a:rPr kumimoji="1" lang="ja-JP" altLang="en-US" dirty="0">
+                <a:latin typeface="メイリオ" panose="020B0604030504040204" pitchFamily="50" charset="-128"/>
+                <a:ea typeface="メイリオ" panose="020B0604030504040204" pitchFamily="50" charset="-128"/>
+              </a:rPr>
+              <a:t>変数名 </a:t>
+            </a:r>
+            <a:r>
+              <a:rPr kumimoji="1" lang="en-US" altLang="ja-JP" dirty="0">
+                <a:latin typeface="メイリオ" panose="020B0604030504040204" pitchFamily="50" charset="-128"/>
+                <a:ea typeface="メイリオ" panose="020B0604030504040204" pitchFamily="50" charset="-128"/>
+              </a:rPr>
+              <a:t>= </a:t>
+            </a:r>
+            <a:r>
+              <a:rPr kumimoji="1" lang="en-US" altLang="ja-JP" dirty="0" err="1">
+                <a:latin typeface="メイリオ" panose="020B0604030504040204" pitchFamily="50" charset="-128"/>
+                <a:ea typeface="メイリオ" panose="020B0604030504040204" pitchFamily="50" charset="-128"/>
+              </a:rPr>
+              <a:t>DataFrame</a:t>
+            </a:r>
+            <a:r>
+              <a:rPr kumimoji="1" lang="ja-JP" altLang="en-US" dirty="0">
+                <a:latin typeface="メイリオ" panose="020B0604030504040204" pitchFamily="50" charset="-128"/>
+                <a:ea typeface="メイリオ" panose="020B0604030504040204" pitchFamily="50" charset="-128"/>
+              </a:rPr>
+              <a:t>名</a:t>
+            </a:r>
+            <a:r>
+              <a:rPr kumimoji="1" lang="en-US" altLang="ja-JP" dirty="0">
+                <a:latin typeface="メイリオ" panose="020B0604030504040204" pitchFamily="50" charset="-128"/>
+                <a:ea typeface="メイリオ" panose="020B0604030504040204" pitchFamily="50" charset="-128"/>
+              </a:rPr>
+              <a:t>.values</a:t>
+            </a:r>
+            <a:endParaRPr kumimoji="1" lang="ja-JP" altLang="en-US" dirty="0">
+              <a:latin typeface="メイリオ" panose="020B0604030504040204" pitchFamily="50" charset="-128"/>
+              <a:ea typeface="メイリオ" panose="020B0604030504040204" pitchFamily="50" charset="-128"/>
+            </a:endParaRPr>
+          </a:p>
+        </p:txBody>
+      </p:sp>
+      <p:sp>
+        <p:nvSpPr>
+          <p:cNvPr id="8" name="テキスト ボックス 7">
+            <a:extLst>
+              <a:ext uri="{FF2B5EF4-FFF2-40B4-BE49-F238E27FC236}">
+                <a16:creationId xmlns:a16="http://schemas.microsoft.com/office/drawing/2014/main" id="{442034DD-DA65-460B-A25F-C5A21EB6AA6F}"/>
+              </a:ext>
+            </a:extLst>
+          </p:cNvPr>
+          <p:cNvSpPr txBox="1"/>
+          <p:nvPr/>
+        </p:nvSpPr>
+        <p:spPr>
+          <a:xfrm>
+            <a:off x="2885243" y="5635375"/>
+            <a:ext cx="3823034" cy="369332"/>
+          </a:xfrm>
+          <a:prstGeom prst="rect">
+            <a:avLst/>
+          </a:prstGeom>
+          <a:noFill/>
+        </p:spPr>
+        <p:txBody>
+          <a:bodyPr wrap="none" rtlCol="0">
+            <a:spAutoFit/>
+          </a:bodyPr>
+          <a:lstStyle/>
+          <a:p>
+            <a:pPr algn="l"/>
+            <a:r>
+              <a:rPr kumimoji="1" lang="en-US" altLang="ja-JP" dirty="0" err="1">
+                <a:latin typeface="メイリオ" panose="020B0604030504040204" pitchFamily="50" charset="-128"/>
+                <a:ea typeface="メイリオ" panose="020B0604030504040204" pitchFamily="50" charset="-128"/>
+              </a:rPr>
+              <a:t>numpy</a:t>
+            </a:r>
+            <a:r>
+              <a:rPr kumimoji="1" lang="ja-JP" altLang="en-US" dirty="0">
+                <a:latin typeface="メイリオ" panose="020B0604030504040204" pitchFamily="50" charset="-128"/>
+                <a:ea typeface="メイリオ" panose="020B0604030504040204" pitchFamily="50" charset="-128"/>
+              </a:rPr>
+              <a:t>を</a:t>
+            </a:r>
+            <a:r>
+              <a:rPr kumimoji="1" lang="en-US" altLang="ja-JP" dirty="0">
+                <a:latin typeface="メイリオ" panose="020B0604030504040204" pitchFamily="50" charset="-128"/>
+                <a:ea typeface="メイリオ" panose="020B0604030504040204" pitchFamily="50" charset="-128"/>
+              </a:rPr>
+              <a:t>list</a:t>
+            </a:r>
+            <a:r>
+              <a:rPr kumimoji="1" lang="ja-JP" altLang="en-US" dirty="0">
+                <a:latin typeface="メイリオ" panose="020B0604030504040204" pitchFamily="50" charset="-128"/>
+                <a:ea typeface="メイリオ" panose="020B0604030504040204" pitchFamily="50" charset="-128"/>
+              </a:rPr>
+              <a:t>型に変換したい場合は</a:t>
+            </a:r>
+          </a:p>
+        </p:txBody>
+      </p:sp>
+      <p:sp>
+        <p:nvSpPr>
+          <p:cNvPr id="9" name="テキスト ボックス 8">
+            <a:extLst>
+              <a:ext uri="{FF2B5EF4-FFF2-40B4-BE49-F238E27FC236}">
+                <a16:creationId xmlns:a16="http://schemas.microsoft.com/office/drawing/2014/main" id="{F8864676-D913-4153-919C-D68D3B302A89}"/>
+              </a:ext>
+            </a:extLst>
+          </p:cNvPr>
+          <p:cNvSpPr txBox="1"/>
+          <p:nvPr/>
+        </p:nvSpPr>
+        <p:spPr>
+          <a:xfrm>
+            <a:off x="3882596" y="6114100"/>
+            <a:ext cx="4313425" cy="369332"/>
+          </a:xfrm>
+          <a:prstGeom prst="rect">
+            <a:avLst/>
+          </a:prstGeom>
+          <a:noFill/>
+        </p:spPr>
+        <p:txBody>
+          <a:bodyPr wrap="none" rtlCol="0">
+            <a:spAutoFit/>
+          </a:bodyPr>
+          <a:lstStyle/>
+          <a:p>
+            <a:pPr algn="l"/>
+            <a:r>
+              <a:rPr kumimoji="1" lang="ja-JP" altLang="en-US" dirty="0">
+                <a:latin typeface="メイリオ" panose="020B0604030504040204" pitchFamily="50" charset="-128"/>
+                <a:ea typeface="メイリオ" panose="020B0604030504040204" pitchFamily="50" charset="-128"/>
+              </a:rPr>
+              <a:t>変数名 </a:t>
+            </a:r>
+            <a:r>
+              <a:rPr kumimoji="1" lang="en-US" altLang="ja-JP" dirty="0">
+                <a:latin typeface="メイリオ" panose="020B0604030504040204" pitchFamily="50" charset="-128"/>
+                <a:ea typeface="メイリオ" panose="020B0604030504040204" pitchFamily="50" charset="-128"/>
+              </a:rPr>
+              <a:t>= </a:t>
+            </a:r>
+            <a:r>
+              <a:rPr kumimoji="1" lang="en-US" altLang="ja-JP" dirty="0" err="1">
+                <a:latin typeface="メイリオ" panose="020B0604030504040204" pitchFamily="50" charset="-128"/>
+                <a:ea typeface="メイリオ" panose="020B0604030504040204" pitchFamily="50" charset="-128"/>
+              </a:rPr>
+              <a:t>DataFrame</a:t>
+            </a:r>
+            <a:r>
+              <a:rPr kumimoji="1" lang="ja-JP" altLang="en-US" dirty="0">
+                <a:latin typeface="メイリオ" panose="020B0604030504040204" pitchFamily="50" charset="-128"/>
+                <a:ea typeface="メイリオ" panose="020B0604030504040204" pitchFamily="50" charset="-128"/>
+              </a:rPr>
+              <a:t>名</a:t>
+            </a:r>
+            <a:r>
+              <a:rPr kumimoji="1" lang="en-US" altLang="ja-JP" dirty="0">
+                <a:latin typeface="メイリオ" panose="020B0604030504040204" pitchFamily="50" charset="-128"/>
+                <a:ea typeface="メイリオ" panose="020B0604030504040204" pitchFamily="50" charset="-128"/>
+              </a:rPr>
+              <a:t>.</a:t>
+            </a:r>
+            <a:r>
+              <a:rPr kumimoji="1" lang="en-US" altLang="ja-JP" dirty="0" err="1">
+                <a:latin typeface="メイリオ" panose="020B0604030504040204" pitchFamily="50" charset="-128"/>
+                <a:ea typeface="メイリオ" panose="020B0604030504040204" pitchFamily="50" charset="-128"/>
+              </a:rPr>
+              <a:t>values.tolist</a:t>
+            </a:r>
+            <a:r>
+              <a:rPr kumimoji="1" lang="en-US" altLang="ja-JP" dirty="0">
+                <a:latin typeface="メイリオ" panose="020B0604030504040204" pitchFamily="50" charset="-128"/>
+                <a:ea typeface="メイリオ" panose="020B0604030504040204" pitchFamily="50" charset="-128"/>
+              </a:rPr>
+              <a:t>()</a:t>
+            </a:r>
+            <a:endParaRPr kumimoji="1" lang="ja-JP" altLang="en-US" dirty="0">
+              <a:latin typeface="メイリオ" panose="020B0604030504040204" pitchFamily="50" charset="-128"/>
+              <a:ea typeface="メイリオ" panose="020B0604030504040204" pitchFamily="50" charset="-128"/>
+            </a:endParaRPr>
+          </a:p>
+        </p:txBody>
+      </p:sp>
+      <p:sp>
+        <p:nvSpPr>
+          <p:cNvPr id="10" name="テキスト ボックス 9">
+            <a:extLst>
+              <a:ext uri="{FF2B5EF4-FFF2-40B4-BE49-F238E27FC236}">
+                <a16:creationId xmlns:a16="http://schemas.microsoft.com/office/drawing/2014/main" id="{89B72BB0-CC93-406F-9A6C-5BBA74F4C2BA}"/>
+              </a:ext>
+            </a:extLst>
+          </p:cNvPr>
+          <p:cNvSpPr txBox="1"/>
+          <p:nvPr/>
+        </p:nvSpPr>
+        <p:spPr>
+          <a:xfrm>
+            <a:off x="3116979" y="5056333"/>
+            <a:ext cx="877163" cy="369332"/>
+          </a:xfrm>
+          <a:prstGeom prst="rect">
+            <a:avLst/>
+          </a:prstGeom>
+          <a:noFill/>
+        </p:spPr>
+        <p:txBody>
+          <a:bodyPr wrap="none" rtlCol="0">
+            <a:spAutoFit/>
+          </a:bodyPr>
+          <a:lstStyle/>
+          <a:p>
+            <a:pPr algn="l"/>
+            <a:r>
+              <a:rPr kumimoji="1" lang="ja-JP" altLang="en-US" dirty="0">
+                <a:latin typeface="メイリオ" panose="020B0604030504040204" pitchFamily="50" charset="-128"/>
+                <a:ea typeface="メイリオ" panose="020B0604030504040204" pitchFamily="50" charset="-128"/>
+              </a:rPr>
+              <a:t>構文：</a:t>
+            </a:r>
+          </a:p>
+        </p:txBody>
+      </p:sp>
+      <p:sp>
+        <p:nvSpPr>
+          <p:cNvPr id="11" name="テキスト ボックス 10">
+            <a:extLst>
+              <a:ext uri="{FF2B5EF4-FFF2-40B4-BE49-F238E27FC236}">
+                <a16:creationId xmlns:a16="http://schemas.microsoft.com/office/drawing/2014/main" id="{A44FA2E8-1299-48BC-99B7-F59DF052CA4E}"/>
+              </a:ext>
+            </a:extLst>
+          </p:cNvPr>
+          <p:cNvSpPr txBox="1"/>
+          <p:nvPr/>
+        </p:nvSpPr>
+        <p:spPr>
+          <a:xfrm>
+            <a:off x="3116979" y="6114100"/>
+            <a:ext cx="877163" cy="369332"/>
+          </a:xfrm>
+          <a:prstGeom prst="rect">
+            <a:avLst/>
+          </a:prstGeom>
+          <a:noFill/>
+        </p:spPr>
+        <p:txBody>
+          <a:bodyPr wrap="none" rtlCol="0">
+            <a:spAutoFit/>
+          </a:bodyPr>
+          <a:lstStyle/>
+          <a:p>
+            <a:pPr algn="l"/>
+            <a:r>
+              <a:rPr kumimoji="1" lang="ja-JP" altLang="en-US" dirty="0">
+                <a:latin typeface="メイリオ" panose="020B0604030504040204" pitchFamily="50" charset="-128"/>
+                <a:ea typeface="メイリオ" panose="020B0604030504040204" pitchFamily="50" charset="-128"/>
+              </a:rPr>
+              <a:t>構文：</a:t>
+            </a:r>
+          </a:p>
+        </p:txBody>
+      </p:sp>
+    </p:spTree>
+    <p:extLst>
+      <p:ext uri="{BB962C8B-B14F-4D97-AF65-F5344CB8AC3E}">
+        <p14:creationId xmlns:p14="http://schemas.microsoft.com/office/powerpoint/2010/main" val="1631340592"/>
+      </p:ext>
+    </p:extLst>
+  </p:cSld>
+  <p:clrMapOvr>
+    <a:masterClrMapping/>
+  </p:clrMapOvr>
+</p:sld>
+</file>
+
+<file path=ppt/slides/slide11.xml><?xml version="1.0" encoding="utf-8"?>
+<p:sld xmlns:a="http://schemas.openxmlformats.org/drawingml/2006/main" xmlns:r="http://schemas.openxmlformats.org/officeDocument/2006/relationships" xmlns:p="http://schemas.openxmlformats.org/presentationml/2006/main">
+  <p:cSld>
+    <p:spTree>
+      <p:nvGrpSpPr>
+        <p:cNvPr id="1" name=""/>
+        <p:cNvGrpSpPr/>
+        <p:nvPr/>
+      </p:nvGrpSpPr>
+      <p:grpSpPr>
+        <a:xfrm>
+          <a:off x="0" y="0"/>
+          <a:ext cx="0" cy="0"/>
+          <a:chOff x="0" y="0"/>
+          <a:chExt cx="0" cy="0"/>
+        </a:xfrm>
+      </p:grpSpPr>
+      <p:sp>
+        <p:nvSpPr>
+          <p:cNvPr id="2" name="テキスト ボックス 1">
+            <a:extLst>
+              <a:ext uri="{FF2B5EF4-FFF2-40B4-BE49-F238E27FC236}">
                 <a16:creationId xmlns:a16="http://schemas.microsoft.com/office/drawing/2014/main" id="{CB4FCCFE-82FC-BDC4-63B1-FBB30BFA78E2}"/>
               </a:ext>
             </a:extLst>
@@ -4151,7 +4866,7 @@
 </p:sld>
 </file>
 
-<file path=ppt/slides/slide11.xml><?xml version="1.0" encoding="utf-8"?>
+<file path=ppt/slides/slide12.xml><?xml version="1.0" encoding="utf-8"?>
 <p:sld xmlns:a="http://schemas.openxmlformats.org/drawingml/2006/main" xmlns:r="http://schemas.openxmlformats.org/officeDocument/2006/relationships" xmlns:p="http://schemas.openxmlformats.org/presentationml/2006/main">
   <p:cSld>
     <p:spTree>
@@ -5107,435 +5822,6 @@
 </p:sld>
 </file>
 
-<file path=ppt/slides/slide12.xml><?xml version="1.0" encoding="utf-8"?>
-<p:sld xmlns:a="http://schemas.openxmlformats.org/drawingml/2006/main" xmlns:r="http://schemas.openxmlformats.org/officeDocument/2006/relationships" xmlns:p="http://schemas.openxmlformats.org/presentationml/2006/main">
-  <p:cSld>
-    <p:spTree>
-      <p:nvGrpSpPr>
-        <p:cNvPr id="1" name=""/>
-        <p:cNvGrpSpPr/>
-        <p:nvPr/>
-      </p:nvGrpSpPr>
-      <p:grpSpPr>
-        <a:xfrm>
-          <a:off x="0" y="0"/>
-          <a:ext cx="0" cy="0"/>
-          <a:chOff x="0" y="0"/>
-          <a:chExt cx="0" cy="0"/>
-        </a:xfrm>
-      </p:grpSpPr>
-      <p:sp>
-        <p:nvSpPr>
-          <p:cNvPr id="3" name="テキスト ボックス 2">
-            <a:extLst>
-              <a:ext uri="{FF2B5EF4-FFF2-40B4-BE49-F238E27FC236}">
-                <a16:creationId xmlns:a16="http://schemas.microsoft.com/office/drawing/2014/main" id="{58629BFC-946B-22A3-47F3-2231FF4562E5}"/>
-              </a:ext>
-            </a:extLst>
-          </p:cNvPr>
-          <p:cNvSpPr txBox="1"/>
-          <p:nvPr/>
-        </p:nvSpPr>
-        <p:spPr>
-          <a:xfrm>
-            <a:off x="559837" y="391886"/>
-            <a:ext cx="1005403" cy="584775"/>
-          </a:xfrm>
-          <a:prstGeom prst="rect">
-            <a:avLst/>
-          </a:prstGeom>
-          <a:noFill/>
-        </p:spPr>
-        <p:txBody>
-          <a:bodyPr wrap="none" rtlCol="0">
-            <a:spAutoFit/>
-          </a:bodyPr>
-          <a:lstStyle/>
-          <a:p>
-            <a:pPr algn="l"/>
-            <a:r>
-              <a:rPr kumimoji="1" lang="ja-JP" altLang="en-US" sz="3200" dirty="0">
-                <a:latin typeface="メイリオ" panose="020B0604030504040204" pitchFamily="50" charset="-128"/>
-                <a:ea typeface="メイリオ" panose="020B0604030504040204" pitchFamily="50" charset="-128"/>
-              </a:rPr>
-              <a:t>演習</a:t>
-            </a:r>
-          </a:p>
-        </p:txBody>
-      </p:sp>
-      <p:sp>
-        <p:nvSpPr>
-          <p:cNvPr id="4" name="テキスト ボックス 3">
-            <a:extLst>
-              <a:ext uri="{FF2B5EF4-FFF2-40B4-BE49-F238E27FC236}">
-                <a16:creationId xmlns:a16="http://schemas.microsoft.com/office/drawing/2014/main" id="{FDE58E43-C4BE-7FE8-DFDD-55E250CBCA12}"/>
-              </a:ext>
-            </a:extLst>
-          </p:cNvPr>
-          <p:cNvSpPr txBox="1"/>
-          <p:nvPr/>
-        </p:nvSpPr>
-        <p:spPr>
-          <a:xfrm>
-            <a:off x="1950098" y="499607"/>
-            <a:ext cx="4028667" cy="523220"/>
-          </a:xfrm>
-          <a:prstGeom prst="rect">
-            <a:avLst/>
-          </a:prstGeom>
-          <a:noFill/>
-        </p:spPr>
-        <p:txBody>
-          <a:bodyPr wrap="none" rtlCol="0">
-            <a:spAutoFit/>
-          </a:bodyPr>
-          <a:lstStyle/>
-          <a:p>
-            <a:pPr algn="l"/>
-            <a:r>
-              <a:rPr kumimoji="1" lang="en-US" altLang="ja-JP" sz="2800" dirty="0">
-                <a:latin typeface="メイリオ" panose="020B0604030504040204" pitchFamily="50" charset="-128"/>
-                <a:ea typeface="メイリオ" panose="020B0604030504040204" pitchFamily="50" charset="-128"/>
-              </a:rPr>
-              <a:t>.loc</a:t>
-            </a:r>
-            <a:r>
-              <a:rPr kumimoji="1" lang="ja-JP" altLang="en-US" sz="2800" dirty="0">
-                <a:latin typeface="メイリオ" panose="020B0604030504040204" pitchFamily="50" charset="-128"/>
-                <a:ea typeface="メイリオ" panose="020B0604030504040204" pitchFamily="50" charset="-128"/>
-              </a:rPr>
-              <a:t>によるスライシング</a:t>
-            </a:r>
-          </a:p>
-        </p:txBody>
-      </p:sp>
-      <p:sp>
-        <p:nvSpPr>
-          <p:cNvPr id="5" name="テキスト ボックス 4">
-            <a:extLst>
-              <a:ext uri="{FF2B5EF4-FFF2-40B4-BE49-F238E27FC236}">
-                <a16:creationId xmlns:a16="http://schemas.microsoft.com/office/drawing/2014/main" id="{F9ED6786-DF8A-33EA-AB56-F7BBD0CCF426}"/>
-              </a:ext>
-            </a:extLst>
-          </p:cNvPr>
-          <p:cNvSpPr txBox="1"/>
-          <p:nvPr/>
-        </p:nvSpPr>
-        <p:spPr>
-          <a:xfrm>
-            <a:off x="1062538" y="1153886"/>
-            <a:ext cx="11155298" cy="369332"/>
-          </a:xfrm>
-          <a:prstGeom prst="rect">
-            <a:avLst/>
-          </a:prstGeom>
-          <a:noFill/>
-        </p:spPr>
-        <p:txBody>
-          <a:bodyPr wrap="none" rtlCol="0">
-            <a:spAutoFit/>
-          </a:bodyPr>
-          <a:lstStyle/>
-          <a:p>
-            <a:pPr algn="l"/>
-            <a:r>
-              <a:rPr kumimoji="1" lang="ja-JP" altLang="en-US" dirty="0">
-                <a:latin typeface="メイリオ" panose="020B0604030504040204" pitchFamily="50" charset="-128"/>
-                <a:ea typeface="メイリオ" panose="020B0604030504040204" pitchFamily="50" charset="-128"/>
-              </a:rPr>
-              <a:t>まず以下のデータを、</a:t>
-            </a:r>
-            <a:r>
-              <a:rPr kumimoji="1" lang="en-US" altLang="ja-JP" dirty="0">
-                <a:latin typeface="メイリオ" panose="020B0604030504040204" pitchFamily="50" charset="-128"/>
-                <a:ea typeface="メイリオ" panose="020B0604030504040204" pitchFamily="50" charset="-128"/>
-              </a:rPr>
-              <a:t>ID</a:t>
-            </a:r>
-            <a:r>
-              <a:rPr kumimoji="1" lang="ja-JP" altLang="en-US" dirty="0">
-                <a:latin typeface="メイリオ" panose="020B0604030504040204" pitchFamily="50" charset="-128"/>
-                <a:ea typeface="メイリオ" panose="020B0604030504040204" pitchFamily="50" charset="-128"/>
-              </a:rPr>
-              <a:t>を</a:t>
-            </a:r>
-            <a:r>
-              <a:rPr kumimoji="1" lang="en-US" altLang="ja-JP" dirty="0" err="1">
-                <a:latin typeface="メイリオ" panose="020B0604030504040204" pitchFamily="50" charset="-128"/>
-                <a:ea typeface="メイリオ" panose="020B0604030504040204" pitchFamily="50" charset="-128"/>
-              </a:rPr>
-              <a:t>DataFrame</a:t>
-            </a:r>
-            <a:r>
-              <a:rPr kumimoji="1" lang="ja-JP" altLang="en-US" dirty="0">
-                <a:latin typeface="メイリオ" panose="020B0604030504040204" pitchFamily="50" charset="-128"/>
-                <a:ea typeface="メイリオ" panose="020B0604030504040204" pitchFamily="50" charset="-128"/>
-              </a:rPr>
-              <a:t>の</a:t>
-            </a:r>
-            <a:r>
-              <a:rPr kumimoji="1" lang="en-US" altLang="ja-JP" dirty="0">
-                <a:latin typeface="メイリオ" panose="020B0604030504040204" pitchFamily="50" charset="-128"/>
-                <a:ea typeface="メイリオ" panose="020B0604030504040204" pitchFamily="50" charset="-128"/>
-              </a:rPr>
-              <a:t>index</a:t>
-            </a:r>
-            <a:r>
-              <a:rPr kumimoji="1" lang="ja-JP" altLang="en-US" dirty="0">
-                <a:latin typeface="メイリオ" panose="020B0604030504040204" pitchFamily="50" charset="-128"/>
-                <a:ea typeface="メイリオ" panose="020B0604030504040204" pitchFamily="50" charset="-128"/>
-              </a:rPr>
-              <a:t>にして新規で</a:t>
-            </a:r>
-            <a:r>
-              <a:rPr kumimoji="1" lang="en-US" altLang="ja-JP" dirty="0" err="1">
-                <a:latin typeface="メイリオ" panose="020B0604030504040204" pitchFamily="50" charset="-128"/>
-                <a:ea typeface="メイリオ" panose="020B0604030504040204" pitchFamily="50" charset="-128"/>
-              </a:rPr>
-              <a:t>DataFrame</a:t>
-            </a:r>
-            <a:r>
-              <a:rPr kumimoji="1" lang="ja-JP" altLang="en-US" dirty="0">
-                <a:latin typeface="メイリオ" panose="020B0604030504040204" pitchFamily="50" charset="-128"/>
-                <a:ea typeface="メイリオ" panose="020B0604030504040204" pitchFamily="50" charset="-128"/>
-              </a:rPr>
-              <a:t>として作成しなおしてください。</a:t>
-            </a:r>
-          </a:p>
-        </p:txBody>
-      </p:sp>
-      <p:sp>
-        <p:nvSpPr>
-          <p:cNvPr id="6" name="テキスト ボックス 5">
-            <a:extLst>
-              <a:ext uri="{FF2B5EF4-FFF2-40B4-BE49-F238E27FC236}">
-                <a16:creationId xmlns:a16="http://schemas.microsoft.com/office/drawing/2014/main" id="{124EBE4B-7A9E-0AE8-6185-18D43DE90E31}"/>
-              </a:ext>
-            </a:extLst>
-          </p:cNvPr>
-          <p:cNvSpPr txBox="1"/>
-          <p:nvPr/>
-        </p:nvSpPr>
-        <p:spPr>
-          <a:xfrm>
-            <a:off x="2267339" y="1654277"/>
-            <a:ext cx="4227247" cy="1754326"/>
-          </a:xfrm>
-          <a:prstGeom prst="rect">
-            <a:avLst/>
-          </a:prstGeom>
-          <a:noFill/>
-        </p:spPr>
-        <p:txBody>
-          <a:bodyPr wrap="none" rtlCol="0">
-            <a:spAutoFit/>
-          </a:bodyPr>
-          <a:lstStyle/>
-          <a:p>
-            <a:pPr algn="l"/>
-            <a:r>
-              <a:rPr kumimoji="1" lang="en-US" altLang="ja-JP" dirty="0">
-                <a:latin typeface="メイリオ" panose="020B0604030504040204" pitchFamily="50" charset="-128"/>
-                <a:ea typeface="メイリオ" panose="020B0604030504040204" pitchFamily="50" charset="-128"/>
-              </a:rPr>
-              <a:t>ID      City </a:t>
-            </a:r>
-            <a:r>
-              <a:rPr kumimoji="1" lang="ja-JP" altLang="en-US" dirty="0">
-                <a:latin typeface="メイリオ" panose="020B0604030504040204" pitchFamily="50" charset="-128"/>
-                <a:ea typeface="メイリオ" panose="020B0604030504040204" pitchFamily="50" charset="-128"/>
-              </a:rPr>
-              <a:t>　</a:t>
-            </a:r>
-            <a:r>
-              <a:rPr kumimoji="1" lang="en-US" altLang="ja-JP" dirty="0">
-                <a:latin typeface="メイリオ" panose="020B0604030504040204" pitchFamily="50" charset="-128"/>
-                <a:ea typeface="メイリオ" panose="020B0604030504040204" pitchFamily="50" charset="-128"/>
-              </a:rPr>
-              <a:t>Birth Year      Name</a:t>
-            </a:r>
-          </a:p>
-          <a:p>
-            <a:pPr algn="l"/>
-            <a:r>
-              <a:rPr kumimoji="1" lang="en-US" altLang="ja-JP" dirty="0">
-                <a:latin typeface="メイリオ" panose="020B0604030504040204" pitchFamily="50" charset="-128"/>
-                <a:ea typeface="メイリオ" panose="020B0604030504040204" pitchFamily="50" charset="-128"/>
-              </a:rPr>
-              <a:t>  100     </a:t>
-            </a:r>
-            <a:r>
-              <a:rPr kumimoji="1" lang="en-US" altLang="ja-JP" dirty="0" err="1">
-                <a:latin typeface="メイリオ" panose="020B0604030504040204" pitchFamily="50" charset="-128"/>
-                <a:ea typeface="メイリオ" panose="020B0604030504040204" pitchFamily="50" charset="-128"/>
-              </a:rPr>
-              <a:t>tokyo</a:t>
-            </a:r>
-            <a:r>
-              <a:rPr kumimoji="1" lang="en-US" altLang="ja-JP" dirty="0">
-                <a:latin typeface="メイリオ" panose="020B0604030504040204" pitchFamily="50" charset="-128"/>
-                <a:ea typeface="メイリオ" panose="020B0604030504040204" pitchFamily="50" charset="-128"/>
-              </a:rPr>
-              <a:t>       1990 </a:t>
-            </a:r>
-            <a:r>
-              <a:rPr kumimoji="1" lang="ja-JP" altLang="en-US" dirty="0">
-                <a:latin typeface="メイリオ" panose="020B0604030504040204" pitchFamily="50" charset="-128"/>
-                <a:ea typeface="メイリオ" panose="020B0604030504040204" pitchFamily="50" charset="-128"/>
-              </a:rPr>
-              <a:t>　   </a:t>
-            </a:r>
-            <a:r>
-              <a:rPr kumimoji="1" lang="en-US" altLang="ja-JP" dirty="0">
-                <a:latin typeface="メイリオ" panose="020B0604030504040204" pitchFamily="50" charset="-128"/>
-                <a:ea typeface="メイリオ" panose="020B0604030504040204" pitchFamily="50" charset="-128"/>
-              </a:rPr>
-              <a:t>Hiroshi</a:t>
-            </a:r>
-          </a:p>
-          <a:p>
-            <a:pPr algn="l"/>
-            <a:r>
-              <a:rPr kumimoji="1" lang="en-US" altLang="ja-JP" dirty="0">
-                <a:latin typeface="メイリオ" panose="020B0604030504040204" pitchFamily="50" charset="-128"/>
-                <a:ea typeface="メイリオ" panose="020B0604030504040204" pitchFamily="50" charset="-128"/>
-              </a:rPr>
-              <a:t>  101     </a:t>
-            </a:r>
-            <a:r>
-              <a:rPr kumimoji="1" lang="en-US" altLang="ja-JP" dirty="0" err="1">
-                <a:latin typeface="メイリオ" panose="020B0604030504040204" pitchFamily="50" charset="-128"/>
-                <a:ea typeface="メイリオ" panose="020B0604030504040204" pitchFamily="50" charset="-128"/>
-              </a:rPr>
-              <a:t>osaka</a:t>
-            </a:r>
-            <a:r>
-              <a:rPr kumimoji="1" lang="en-US" altLang="ja-JP" dirty="0">
-                <a:latin typeface="メイリオ" panose="020B0604030504040204" pitchFamily="50" charset="-128"/>
-                <a:ea typeface="メイリオ" panose="020B0604030504040204" pitchFamily="50" charset="-128"/>
-              </a:rPr>
-              <a:t>       1989   </a:t>
-            </a:r>
-            <a:r>
-              <a:rPr kumimoji="1" lang="ja-JP" altLang="en-US" dirty="0">
-                <a:latin typeface="メイリオ" panose="020B0604030504040204" pitchFamily="50" charset="-128"/>
-                <a:ea typeface="メイリオ" panose="020B0604030504040204" pitchFamily="50" charset="-128"/>
-              </a:rPr>
-              <a:t>　 </a:t>
-            </a:r>
-            <a:r>
-              <a:rPr kumimoji="1" lang="en-US" altLang="ja-JP" dirty="0">
-                <a:latin typeface="メイリオ" panose="020B0604030504040204" pitchFamily="50" charset="-128"/>
-                <a:ea typeface="メイリオ" panose="020B0604030504040204" pitchFamily="50" charset="-128"/>
-              </a:rPr>
-              <a:t>Akiko</a:t>
-            </a:r>
-          </a:p>
-          <a:p>
-            <a:pPr algn="l"/>
-            <a:r>
-              <a:rPr kumimoji="1" lang="en-US" altLang="ja-JP" dirty="0">
-                <a:latin typeface="メイリオ" panose="020B0604030504040204" pitchFamily="50" charset="-128"/>
-                <a:ea typeface="メイリオ" panose="020B0604030504040204" pitchFamily="50" charset="-128"/>
-              </a:rPr>
-              <a:t>  102     </a:t>
-            </a:r>
-            <a:r>
-              <a:rPr kumimoji="1" lang="en-US" altLang="ja-JP" dirty="0" err="1">
-                <a:latin typeface="メイリオ" panose="020B0604030504040204" pitchFamily="50" charset="-128"/>
-                <a:ea typeface="メイリオ" panose="020B0604030504040204" pitchFamily="50" charset="-128"/>
-              </a:rPr>
-              <a:t>kyoto</a:t>
-            </a:r>
-            <a:r>
-              <a:rPr kumimoji="1" lang="en-US" altLang="ja-JP" dirty="0">
-                <a:latin typeface="メイリオ" panose="020B0604030504040204" pitchFamily="50" charset="-128"/>
-                <a:ea typeface="メイリオ" panose="020B0604030504040204" pitchFamily="50" charset="-128"/>
-              </a:rPr>
-              <a:t>       1992       Yuki</a:t>
-            </a:r>
-          </a:p>
-          <a:p>
-            <a:pPr algn="l"/>
-            <a:r>
-              <a:rPr kumimoji="1" lang="en-US" altLang="ja-JP" dirty="0">
-                <a:latin typeface="メイリオ" panose="020B0604030504040204" pitchFamily="50" charset="-128"/>
-                <a:ea typeface="メイリオ" panose="020B0604030504040204" pitchFamily="50" charset="-128"/>
-              </a:rPr>
-              <a:t>  103  </a:t>
-            </a:r>
-            <a:r>
-              <a:rPr kumimoji="1" lang="en-US" altLang="ja-JP" dirty="0" err="1">
-                <a:latin typeface="メイリオ" panose="020B0604030504040204" pitchFamily="50" charset="-128"/>
-                <a:ea typeface="メイリオ" panose="020B0604030504040204" pitchFamily="50" charset="-128"/>
-              </a:rPr>
-              <a:t>hokkaido</a:t>
-            </a:r>
-            <a:r>
-              <a:rPr kumimoji="1" lang="en-US" altLang="ja-JP" dirty="0">
-                <a:latin typeface="メイリオ" panose="020B0604030504040204" pitchFamily="50" charset="-128"/>
-                <a:ea typeface="メイリオ" panose="020B0604030504040204" pitchFamily="50" charset="-128"/>
-              </a:rPr>
-              <a:t>     1997   </a:t>
-            </a:r>
-            <a:r>
-              <a:rPr kumimoji="1" lang="ja-JP" altLang="en-US" dirty="0">
-                <a:latin typeface="メイリオ" panose="020B0604030504040204" pitchFamily="50" charset="-128"/>
-                <a:ea typeface="メイリオ" panose="020B0604030504040204" pitchFamily="50" charset="-128"/>
-              </a:rPr>
-              <a:t>　 </a:t>
-            </a:r>
-            <a:r>
-              <a:rPr kumimoji="1" lang="en-US" altLang="ja-JP" dirty="0">
-                <a:latin typeface="メイリオ" panose="020B0604030504040204" pitchFamily="50" charset="-128"/>
-                <a:ea typeface="メイリオ" panose="020B0604030504040204" pitchFamily="50" charset="-128"/>
-              </a:rPr>
-              <a:t>Satoru</a:t>
-            </a:r>
-          </a:p>
-          <a:p>
-            <a:pPr algn="l"/>
-            <a:r>
-              <a:rPr kumimoji="1" lang="en-US" altLang="ja-JP" dirty="0">
-                <a:latin typeface="メイリオ" panose="020B0604030504040204" pitchFamily="50" charset="-128"/>
-                <a:ea typeface="メイリオ" panose="020B0604030504040204" pitchFamily="50" charset="-128"/>
-              </a:rPr>
-              <a:t>  104     </a:t>
-            </a:r>
-            <a:r>
-              <a:rPr kumimoji="1" lang="en-US" altLang="ja-JP" dirty="0" err="1">
-                <a:latin typeface="メイリオ" panose="020B0604030504040204" pitchFamily="50" charset="-128"/>
-                <a:ea typeface="メイリオ" panose="020B0604030504040204" pitchFamily="50" charset="-128"/>
-              </a:rPr>
-              <a:t>tokyo</a:t>
-            </a:r>
-            <a:r>
-              <a:rPr kumimoji="1" lang="en-US" altLang="ja-JP" dirty="0">
-                <a:latin typeface="メイリオ" panose="020B0604030504040204" pitchFamily="50" charset="-128"/>
-                <a:ea typeface="メイリオ" panose="020B0604030504040204" pitchFamily="50" charset="-128"/>
-              </a:rPr>
-              <a:t>       1982       Steve</a:t>
-            </a:r>
-            <a:endParaRPr kumimoji="1" lang="ja-JP" altLang="en-US" dirty="0">
-              <a:latin typeface="メイリオ" panose="020B0604030504040204" pitchFamily="50" charset="-128"/>
-              <a:ea typeface="メイリオ" panose="020B0604030504040204" pitchFamily="50" charset="-128"/>
-            </a:endParaRPr>
-          </a:p>
-        </p:txBody>
-      </p:sp>
-    </p:spTree>
-    <p:extLst>
-      <p:ext uri="{BB962C8B-B14F-4D97-AF65-F5344CB8AC3E}">
-        <p14:creationId xmlns:p14="http://schemas.microsoft.com/office/powerpoint/2010/main" val="162108733"/>
-      </p:ext>
-    </p:extLst>
-  </p:cSld>
-  <p:clrMapOvr>
-    <a:masterClrMapping/>
-  </p:clrMapOvr>
-</p:sld>
-</file>
-
 <file path=ppt/slides/slide13.xml><?xml version="1.0" encoding="utf-8"?>
 <p:sld xmlns:a="http://schemas.openxmlformats.org/drawingml/2006/main" xmlns:r="http://schemas.openxmlformats.org/officeDocument/2006/relationships" xmlns:p="http://schemas.openxmlformats.org/presentationml/2006/main">
   <p:cSld>
@@ -5555,10 +5841,10 @@
       </p:grpSpPr>
       <p:sp>
         <p:nvSpPr>
-          <p:cNvPr id="2" name="テキスト ボックス 1">
+          <p:cNvPr id="3" name="テキスト ボックス 2">
             <a:extLst>
               <a:ext uri="{FF2B5EF4-FFF2-40B4-BE49-F238E27FC236}">
-                <a16:creationId xmlns:a16="http://schemas.microsoft.com/office/drawing/2014/main" id="{0C756182-E759-8417-D4C8-0309895542B4}"/>
+                <a16:creationId xmlns:a16="http://schemas.microsoft.com/office/drawing/2014/main" id="{58629BFC-946B-22A3-47F3-2231FF4562E5}"/>
               </a:ext>
             </a:extLst>
           </p:cNvPr>
@@ -5567,8 +5853,8 @@
         </p:nvSpPr>
         <p:spPr>
           <a:xfrm>
-            <a:off x="942795" y="924855"/>
-            <a:ext cx="7578870" cy="2831544"/>
+            <a:off x="559837" y="391886"/>
+            <a:ext cx="1005403" cy="584775"/>
           </a:xfrm>
           <a:prstGeom prst="rect">
             <a:avLst/>
@@ -5583,182 +5869,21 @@
           <a:p>
             <a:pPr algn="l"/>
             <a:r>
-              <a:rPr kumimoji="1" lang="ja-JP" altLang="en-US" sz="2000" dirty="0">
-                <a:latin typeface="メイリオ" panose="020B0604030504040204" pitchFamily="50" charset="-128"/>
-                <a:ea typeface="メイリオ" panose="020B0604030504040204" pitchFamily="50" charset="-128"/>
-              </a:rPr>
-              <a:t>１．列見出しによるスライシング</a:t>
-            </a:r>
-          </a:p>
-          <a:p>
-            <a:pPr algn="l"/>
-            <a:r>
-              <a:rPr kumimoji="1" lang="ja-JP" altLang="en-US" sz="2000" dirty="0">
-                <a:latin typeface="メイリオ" panose="020B0604030504040204" pitchFamily="50" charset="-128"/>
-                <a:ea typeface="メイリオ" panose="020B0604030504040204" pitchFamily="50" charset="-128"/>
-              </a:rPr>
-              <a:t>　　１）以下の</a:t>
-            </a:r>
-            <a:r>
-              <a:rPr kumimoji="1" lang="en-US" altLang="ja-JP" sz="2000" dirty="0" err="1">
-                <a:latin typeface="メイリオ" panose="020B0604030504040204" pitchFamily="50" charset="-128"/>
-                <a:ea typeface="メイリオ" panose="020B0604030504040204" pitchFamily="50" charset="-128"/>
-              </a:rPr>
-              <a:t>dataframe</a:t>
-            </a:r>
-            <a:r>
-              <a:rPr kumimoji="1" lang="ja-JP" altLang="en-US" sz="2000" dirty="0">
-                <a:latin typeface="メイリオ" panose="020B0604030504040204" pitchFamily="50" charset="-128"/>
-                <a:ea typeface="メイリオ" panose="020B0604030504040204" pitchFamily="50" charset="-128"/>
-              </a:rPr>
-              <a:t>から</a:t>
-            </a:r>
-            <a:r>
-              <a:rPr kumimoji="1" lang="en-US" altLang="ja-JP" sz="2000" dirty="0">
-                <a:latin typeface="メイリオ" panose="020B0604030504040204" pitchFamily="50" charset="-128"/>
-                <a:ea typeface="メイリオ" panose="020B0604030504040204" pitchFamily="50" charset="-128"/>
-              </a:rPr>
-              <a:t>Name</a:t>
-            </a:r>
-            <a:r>
-              <a:rPr kumimoji="1" lang="ja-JP" altLang="en-US" sz="2000" dirty="0">
-                <a:latin typeface="メイリオ" panose="020B0604030504040204" pitchFamily="50" charset="-128"/>
-                <a:ea typeface="メイリオ" panose="020B0604030504040204" pitchFamily="50" charset="-128"/>
-              </a:rPr>
-              <a:t>だけを取りだせ</a:t>
-            </a:r>
-            <a:endParaRPr kumimoji="1" lang="en-US" altLang="ja-JP" sz="2000" dirty="0">
-              <a:latin typeface="メイリオ" panose="020B0604030504040204" pitchFamily="50" charset="-128"/>
-              <a:ea typeface="メイリオ" panose="020B0604030504040204" pitchFamily="50" charset="-128"/>
-            </a:endParaRPr>
-          </a:p>
-          <a:p>
-            <a:r>
-              <a:rPr lang="en-US" altLang="ja-JP" sz="1800" dirty="0">
-                <a:effectLst/>
-                <a:latin typeface="メイリオ" panose="020B0604030504040204" pitchFamily="50" charset="-128"/>
-                <a:ea typeface="メイリオ" panose="020B0604030504040204" pitchFamily="50" charset="-128"/>
-              </a:rPr>
-              <a:t>	 </a:t>
-            </a:r>
-            <a:r>
-              <a:rPr lang="ja-JP" altLang="en-US" sz="1800" dirty="0">
-                <a:effectLst/>
-                <a:latin typeface="メイリオ" panose="020B0604030504040204" pitchFamily="50" charset="-128"/>
-                <a:ea typeface="メイリオ" panose="020B0604030504040204" pitchFamily="50" charset="-128"/>
-              </a:rPr>
-              <a:t>２）</a:t>
-            </a:r>
-            <a:r>
-              <a:rPr lang="en-US" altLang="ja-JP" sz="1800" dirty="0">
-                <a:effectLst/>
-                <a:latin typeface="メイリオ" panose="020B0604030504040204" pitchFamily="50" charset="-128"/>
-                <a:ea typeface="メイリオ" panose="020B0604030504040204" pitchFamily="50" charset="-128"/>
-              </a:rPr>
-              <a:t>loc</a:t>
-            </a:r>
-            <a:r>
-              <a:rPr lang="ja-JP" altLang="en-US" sz="1800" dirty="0">
-                <a:effectLst/>
-                <a:latin typeface="メイリオ" panose="020B0604030504040204" pitchFamily="50" charset="-128"/>
-                <a:ea typeface="メイリオ" panose="020B0604030504040204" pitchFamily="50" charset="-128"/>
-              </a:rPr>
-              <a:t>を使って</a:t>
-            </a:r>
-            <a:r>
-              <a:rPr lang="en-US" altLang="ja-JP" sz="1800" dirty="0">
-                <a:effectLst/>
-                <a:latin typeface="メイリオ" panose="020B0604030504040204" pitchFamily="50" charset="-128"/>
-                <a:ea typeface="メイリオ" panose="020B0604030504040204" pitchFamily="50" charset="-128"/>
-              </a:rPr>
-              <a:t>2~4</a:t>
-            </a:r>
-            <a:r>
-              <a:rPr lang="ja-JP" altLang="en-US" sz="1800" dirty="0">
-                <a:effectLst/>
-                <a:latin typeface="メイリオ" panose="020B0604030504040204" pitchFamily="50" charset="-128"/>
-                <a:ea typeface="メイリオ" panose="020B0604030504040204" pitchFamily="50" charset="-128"/>
-              </a:rPr>
-              <a:t>行目かつ　</a:t>
-            </a:r>
-            <a:r>
-              <a:rPr lang="en-US" altLang="ja-JP" sz="1800" dirty="0">
-                <a:effectLst/>
-                <a:latin typeface="メイリオ" panose="020B0604030504040204" pitchFamily="50" charset="-128"/>
-                <a:ea typeface="メイリオ" panose="020B0604030504040204" pitchFamily="50" charset="-128"/>
-              </a:rPr>
-              <a:t>City, Birth Year</a:t>
-            </a:r>
-            <a:r>
-              <a:rPr lang="ja-JP" altLang="en-US" sz="1800" dirty="0">
-                <a:effectLst/>
-                <a:latin typeface="メイリオ" panose="020B0604030504040204" pitchFamily="50" charset="-128"/>
-                <a:ea typeface="メイリオ" panose="020B0604030504040204" pitchFamily="50" charset="-128"/>
-              </a:rPr>
-              <a:t>の要素を取り出せ</a:t>
-            </a:r>
-            <a:endParaRPr lang="ja-JP" altLang="en-US" sz="2000" dirty="0">
-              <a:latin typeface="メイリオ" panose="020B0604030504040204" pitchFamily="50" charset="-128"/>
-              <a:ea typeface="メイリオ" panose="020B0604030504040204" pitchFamily="50" charset="-128"/>
-            </a:endParaRPr>
-          </a:p>
-          <a:p>
-            <a:pPr algn="l"/>
-            <a:endParaRPr kumimoji="1" lang="ja-JP" altLang="en-US" sz="2000" dirty="0">
-              <a:latin typeface="メイリオ" panose="020B0604030504040204" pitchFamily="50" charset="-128"/>
-              <a:ea typeface="メイリオ" panose="020B0604030504040204" pitchFamily="50" charset="-128"/>
-            </a:endParaRPr>
-          </a:p>
-          <a:p>
-            <a:pPr algn="l"/>
-            <a:r>
-              <a:rPr kumimoji="1" lang="ja-JP" altLang="en-US" sz="2000" dirty="0">
-                <a:latin typeface="メイリオ" panose="020B0604030504040204" pitchFamily="50" charset="-128"/>
-                <a:ea typeface="メイリオ" panose="020B0604030504040204" pitchFamily="50" charset="-128"/>
-              </a:rPr>
-              <a:t>　</a:t>
-            </a:r>
-            <a:endParaRPr kumimoji="1" lang="en-US" altLang="ja-JP" sz="2000" dirty="0">
-              <a:latin typeface="メイリオ" panose="020B0604030504040204" pitchFamily="50" charset="-128"/>
-              <a:ea typeface="メイリオ" panose="020B0604030504040204" pitchFamily="50" charset="-128"/>
-            </a:endParaRPr>
-          </a:p>
-          <a:p>
-            <a:pPr algn="l"/>
-            <a:endParaRPr kumimoji="1" lang="en-US" altLang="ja-JP" sz="2000" dirty="0">
-              <a:latin typeface="メイリオ" panose="020B0604030504040204" pitchFamily="50" charset="-128"/>
-              <a:ea typeface="メイリオ" panose="020B0604030504040204" pitchFamily="50" charset="-128"/>
-            </a:endParaRPr>
-          </a:p>
-          <a:p>
-            <a:pPr algn="l"/>
-            <a:endParaRPr kumimoji="1" lang="en-US" altLang="ja-JP" sz="2000" dirty="0">
-              <a:latin typeface="メイリオ" panose="020B0604030504040204" pitchFamily="50" charset="-128"/>
-              <a:ea typeface="メイリオ" panose="020B0604030504040204" pitchFamily="50" charset="-128"/>
-            </a:endParaRPr>
-          </a:p>
-          <a:p>
-            <a:pPr algn="l"/>
-            <a:endParaRPr kumimoji="1" lang="en-US" altLang="ja-JP" sz="2000" dirty="0">
-              <a:latin typeface="メイリオ" panose="020B0604030504040204" pitchFamily="50" charset="-128"/>
-              <a:ea typeface="メイリオ" panose="020B0604030504040204" pitchFamily="50" charset="-128"/>
-            </a:endParaRPr>
-          </a:p>
-          <a:p>
-            <a:pPr algn="l"/>
-            <a:endParaRPr kumimoji="1" lang="en-US" altLang="ja-JP" sz="2000" dirty="0">
-              <a:latin typeface="メイリオ" panose="020B0604030504040204" pitchFamily="50" charset="-128"/>
-              <a:ea typeface="メイリオ" panose="020B0604030504040204" pitchFamily="50" charset="-128"/>
-            </a:endParaRPr>
-          </a:p>
-        </p:txBody>
-      </p:sp>
-      <p:sp>
-        <p:nvSpPr>
-          <p:cNvPr id="3" name="テキスト ボックス 2">
+              <a:rPr kumimoji="1" lang="ja-JP" altLang="en-US" sz="3200" dirty="0">
+                <a:latin typeface="メイリオ" panose="020B0604030504040204" pitchFamily="50" charset="-128"/>
+                <a:ea typeface="メイリオ" panose="020B0604030504040204" pitchFamily="50" charset="-128"/>
+              </a:rPr>
+              <a:t>演習</a:t>
+            </a:r>
+          </a:p>
+        </p:txBody>
+      </p:sp>
+      <p:sp>
+        <p:nvSpPr>
+          <p:cNvPr id="4" name="テキスト ボックス 3">
             <a:extLst>
               <a:ext uri="{FF2B5EF4-FFF2-40B4-BE49-F238E27FC236}">
-                <a16:creationId xmlns:a16="http://schemas.microsoft.com/office/drawing/2014/main" id="{81C3EE6B-D3B2-8A0E-F490-7449C5F41EB6}"/>
+                <a16:creationId xmlns:a16="http://schemas.microsoft.com/office/drawing/2014/main" id="{FDE58E43-C4BE-7FE8-DFDD-55E250CBCA12}"/>
               </a:ext>
             </a:extLst>
           </p:cNvPr>
@@ -5767,8 +5892,8 @@
         </p:nvSpPr>
         <p:spPr>
           <a:xfrm>
-            <a:off x="1599706" y="2340627"/>
-            <a:ext cx="4227247" cy="1754326"/>
+            <a:off x="1950098" y="499607"/>
+            <a:ext cx="4028667" cy="523220"/>
           </a:xfrm>
           <a:prstGeom prst="rect">
             <a:avLst/>
@@ -5783,208 +5908,28 @@
           <a:p>
             <a:pPr algn="l"/>
             <a:r>
-              <a:rPr kumimoji="1" lang="ja-JP" altLang="en-US" dirty="0">
-                <a:latin typeface="メイリオ" panose="020B0604030504040204" pitchFamily="50" charset="-128"/>
-                <a:ea typeface="メイリオ" panose="020B0604030504040204" pitchFamily="50" charset="-128"/>
-              </a:rPr>
-              <a:t>　　　</a:t>
-            </a:r>
-            <a:r>
-              <a:rPr kumimoji="1" lang="en-US" altLang="ja-JP" dirty="0">
-                <a:latin typeface="メイリオ" panose="020B0604030504040204" pitchFamily="50" charset="-128"/>
-                <a:ea typeface="メイリオ" panose="020B0604030504040204" pitchFamily="50" charset="-128"/>
-              </a:rPr>
-              <a:t>     City </a:t>
-            </a:r>
-            <a:r>
-              <a:rPr kumimoji="1" lang="ja-JP" altLang="en-US" dirty="0">
-                <a:latin typeface="メイリオ" panose="020B0604030504040204" pitchFamily="50" charset="-128"/>
-                <a:ea typeface="メイリオ" panose="020B0604030504040204" pitchFamily="50" charset="-128"/>
-              </a:rPr>
-              <a:t>　</a:t>
-            </a:r>
-            <a:r>
-              <a:rPr kumimoji="1" lang="en-US" altLang="ja-JP" dirty="0">
-                <a:latin typeface="メイリオ" panose="020B0604030504040204" pitchFamily="50" charset="-128"/>
-                <a:ea typeface="メイリオ" panose="020B0604030504040204" pitchFamily="50" charset="-128"/>
-              </a:rPr>
-              <a:t>Birth Year      Name</a:t>
-            </a:r>
-          </a:p>
-          <a:p>
-            <a:pPr algn="l"/>
-            <a:r>
-              <a:rPr kumimoji="1" lang="en-US" altLang="ja-JP" dirty="0">
-                <a:latin typeface="メイリオ" panose="020B0604030504040204" pitchFamily="50" charset="-128"/>
-                <a:ea typeface="メイリオ" panose="020B0604030504040204" pitchFamily="50" charset="-128"/>
-              </a:rPr>
-              <a:t>  100     </a:t>
-            </a:r>
-            <a:r>
-              <a:rPr kumimoji="1" lang="en-US" altLang="ja-JP" dirty="0" err="1">
-                <a:latin typeface="メイリオ" panose="020B0604030504040204" pitchFamily="50" charset="-128"/>
-                <a:ea typeface="メイリオ" panose="020B0604030504040204" pitchFamily="50" charset="-128"/>
-              </a:rPr>
-              <a:t>tokyo</a:t>
-            </a:r>
-            <a:r>
-              <a:rPr kumimoji="1" lang="en-US" altLang="ja-JP" dirty="0">
-                <a:latin typeface="メイリオ" panose="020B0604030504040204" pitchFamily="50" charset="-128"/>
-                <a:ea typeface="メイリオ" panose="020B0604030504040204" pitchFamily="50" charset="-128"/>
-              </a:rPr>
-              <a:t>       1990 </a:t>
-            </a:r>
-            <a:r>
-              <a:rPr kumimoji="1" lang="ja-JP" altLang="en-US" dirty="0">
-                <a:latin typeface="メイリオ" panose="020B0604030504040204" pitchFamily="50" charset="-128"/>
-                <a:ea typeface="メイリオ" panose="020B0604030504040204" pitchFamily="50" charset="-128"/>
-              </a:rPr>
-              <a:t>　   </a:t>
-            </a:r>
-            <a:r>
-              <a:rPr kumimoji="1" lang="en-US" altLang="ja-JP" dirty="0">
-                <a:latin typeface="メイリオ" panose="020B0604030504040204" pitchFamily="50" charset="-128"/>
-                <a:ea typeface="メイリオ" panose="020B0604030504040204" pitchFamily="50" charset="-128"/>
-              </a:rPr>
-              <a:t>Hiroshi</a:t>
-            </a:r>
-          </a:p>
-          <a:p>
-            <a:pPr algn="l"/>
-            <a:r>
-              <a:rPr kumimoji="1" lang="en-US" altLang="ja-JP" dirty="0">
-                <a:latin typeface="メイリオ" panose="020B0604030504040204" pitchFamily="50" charset="-128"/>
-                <a:ea typeface="メイリオ" panose="020B0604030504040204" pitchFamily="50" charset="-128"/>
-              </a:rPr>
-              <a:t>  101     </a:t>
-            </a:r>
-            <a:r>
-              <a:rPr kumimoji="1" lang="en-US" altLang="ja-JP" dirty="0" err="1">
-                <a:latin typeface="メイリオ" panose="020B0604030504040204" pitchFamily="50" charset="-128"/>
-                <a:ea typeface="メイリオ" panose="020B0604030504040204" pitchFamily="50" charset="-128"/>
-              </a:rPr>
-              <a:t>osaka</a:t>
-            </a:r>
-            <a:r>
-              <a:rPr kumimoji="1" lang="en-US" altLang="ja-JP" dirty="0">
-                <a:latin typeface="メイリオ" panose="020B0604030504040204" pitchFamily="50" charset="-128"/>
-                <a:ea typeface="メイリオ" panose="020B0604030504040204" pitchFamily="50" charset="-128"/>
-              </a:rPr>
-              <a:t>       1989   </a:t>
-            </a:r>
-            <a:r>
-              <a:rPr kumimoji="1" lang="ja-JP" altLang="en-US" dirty="0">
-                <a:latin typeface="メイリオ" panose="020B0604030504040204" pitchFamily="50" charset="-128"/>
-                <a:ea typeface="メイリオ" panose="020B0604030504040204" pitchFamily="50" charset="-128"/>
-              </a:rPr>
-              <a:t>　 </a:t>
-            </a:r>
-            <a:r>
-              <a:rPr kumimoji="1" lang="en-US" altLang="ja-JP" dirty="0">
-                <a:latin typeface="メイリオ" panose="020B0604030504040204" pitchFamily="50" charset="-128"/>
-                <a:ea typeface="メイリオ" panose="020B0604030504040204" pitchFamily="50" charset="-128"/>
-              </a:rPr>
-              <a:t>Akiko</a:t>
-            </a:r>
-          </a:p>
-          <a:p>
-            <a:pPr algn="l"/>
-            <a:r>
-              <a:rPr kumimoji="1" lang="en-US" altLang="ja-JP" dirty="0">
-                <a:latin typeface="メイリオ" panose="020B0604030504040204" pitchFamily="50" charset="-128"/>
-                <a:ea typeface="メイリオ" panose="020B0604030504040204" pitchFamily="50" charset="-128"/>
-              </a:rPr>
-              <a:t>  102     </a:t>
-            </a:r>
-            <a:r>
-              <a:rPr kumimoji="1" lang="en-US" altLang="ja-JP" dirty="0" err="1">
-                <a:latin typeface="メイリオ" panose="020B0604030504040204" pitchFamily="50" charset="-128"/>
-                <a:ea typeface="メイリオ" panose="020B0604030504040204" pitchFamily="50" charset="-128"/>
-              </a:rPr>
-              <a:t>kyoto</a:t>
-            </a:r>
-            <a:r>
-              <a:rPr kumimoji="1" lang="en-US" altLang="ja-JP" dirty="0">
-                <a:latin typeface="メイリオ" panose="020B0604030504040204" pitchFamily="50" charset="-128"/>
-                <a:ea typeface="メイリオ" panose="020B0604030504040204" pitchFamily="50" charset="-128"/>
-              </a:rPr>
-              <a:t>       1992       Yuki</a:t>
-            </a:r>
-          </a:p>
-          <a:p>
-            <a:pPr algn="l"/>
-            <a:r>
-              <a:rPr kumimoji="1" lang="en-US" altLang="ja-JP" dirty="0">
-                <a:latin typeface="メイリオ" panose="020B0604030504040204" pitchFamily="50" charset="-128"/>
-                <a:ea typeface="メイリオ" panose="020B0604030504040204" pitchFamily="50" charset="-128"/>
-              </a:rPr>
-              <a:t>  103  </a:t>
-            </a:r>
-            <a:r>
-              <a:rPr kumimoji="1" lang="en-US" altLang="ja-JP" dirty="0" err="1">
-                <a:latin typeface="メイリオ" panose="020B0604030504040204" pitchFamily="50" charset="-128"/>
-                <a:ea typeface="メイリオ" panose="020B0604030504040204" pitchFamily="50" charset="-128"/>
-              </a:rPr>
-              <a:t>hokkaido</a:t>
-            </a:r>
-            <a:r>
-              <a:rPr kumimoji="1" lang="en-US" altLang="ja-JP" dirty="0">
-                <a:latin typeface="メイリオ" panose="020B0604030504040204" pitchFamily="50" charset="-128"/>
-                <a:ea typeface="メイリオ" panose="020B0604030504040204" pitchFamily="50" charset="-128"/>
-              </a:rPr>
-              <a:t>     1997   </a:t>
-            </a:r>
-            <a:r>
-              <a:rPr kumimoji="1" lang="ja-JP" altLang="en-US" dirty="0">
-                <a:latin typeface="メイリオ" panose="020B0604030504040204" pitchFamily="50" charset="-128"/>
-                <a:ea typeface="メイリオ" panose="020B0604030504040204" pitchFamily="50" charset="-128"/>
-              </a:rPr>
-              <a:t>　 </a:t>
-            </a:r>
-            <a:r>
-              <a:rPr kumimoji="1" lang="en-US" altLang="ja-JP" dirty="0">
-                <a:latin typeface="メイリオ" panose="020B0604030504040204" pitchFamily="50" charset="-128"/>
-                <a:ea typeface="メイリオ" panose="020B0604030504040204" pitchFamily="50" charset="-128"/>
-              </a:rPr>
-              <a:t>Satoru</a:t>
-            </a:r>
-          </a:p>
-          <a:p>
-            <a:pPr algn="l"/>
-            <a:r>
-              <a:rPr kumimoji="1" lang="en-US" altLang="ja-JP" dirty="0">
-                <a:latin typeface="メイリオ" panose="020B0604030504040204" pitchFamily="50" charset="-128"/>
-                <a:ea typeface="メイリオ" panose="020B0604030504040204" pitchFamily="50" charset="-128"/>
-              </a:rPr>
-              <a:t>  104     </a:t>
-            </a:r>
-            <a:r>
-              <a:rPr kumimoji="1" lang="en-US" altLang="ja-JP" dirty="0" err="1">
-                <a:latin typeface="メイリオ" panose="020B0604030504040204" pitchFamily="50" charset="-128"/>
-                <a:ea typeface="メイリオ" panose="020B0604030504040204" pitchFamily="50" charset="-128"/>
-              </a:rPr>
-              <a:t>tokyo</a:t>
-            </a:r>
-            <a:r>
-              <a:rPr kumimoji="1" lang="en-US" altLang="ja-JP" dirty="0">
-                <a:latin typeface="メイリオ" panose="020B0604030504040204" pitchFamily="50" charset="-128"/>
-                <a:ea typeface="メイリオ" panose="020B0604030504040204" pitchFamily="50" charset="-128"/>
-              </a:rPr>
-              <a:t>       1982       Steve</a:t>
-            </a:r>
-            <a:endParaRPr kumimoji="1" lang="ja-JP" altLang="en-US" dirty="0">
-              <a:latin typeface="メイリオ" panose="020B0604030504040204" pitchFamily="50" charset="-128"/>
-              <a:ea typeface="メイリオ" panose="020B0604030504040204" pitchFamily="50" charset="-128"/>
-            </a:endParaRPr>
-          </a:p>
-        </p:txBody>
-      </p:sp>
-      <p:sp>
-        <p:nvSpPr>
-          <p:cNvPr id="4" name="テキスト ボックス 3">
+              <a:rPr kumimoji="1" lang="en-US" altLang="ja-JP" sz="2800" dirty="0">
+                <a:latin typeface="メイリオ" panose="020B0604030504040204" pitchFamily="50" charset="-128"/>
+                <a:ea typeface="メイリオ" panose="020B0604030504040204" pitchFamily="50" charset="-128"/>
+              </a:rPr>
+              <a:t>.loc</a:t>
+            </a:r>
+            <a:r>
+              <a:rPr kumimoji="1" lang="ja-JP" altLang="en-US" sz="2800" dirty="0">
+                <a:latin typeface="メイリオ" panose="020B0604030504040204" pitchFamily="50" charset="-128"/>
+                <a:ea typeface="メイリオ" panose="020B0604030504040204" pitchFamily="50" charset="-128"/>
+              </a:rPr>
+              <a:t>によるスライシング</a:t>
+            </a:r>
+          </a:p>
+        </p:txBody>
+      </p:sp>
+      <p:sp>
+        <p:nvSpPr>
+          <p:cNvPr id="5" name="テキスト ボックス 4">
             <a:extLst>
               <a:ext uri="{FF2B5EF4-FFF2-40B4-BE49-F238E27FC236}">
-                <a16:creationId xmlns:a16="http://schemas.microsoft.com/office/drawing/2014/main" id="{FE423E21-F4E6-32B4-2158-979001B8C503}"/>
+                <a16:creationId xmlns:a16="http://schemas.microsoft.com/office/drawing/2014/main" id="{F9ED6786-DF8A-33EA-AB56-F7BBD0CCF426}"/>
               </a:ext>
             </a:extLst>
           </p:cNvPr>
@@ -5993,8 +5938,8 @@
         </p:nvSpPr>
         <p:spPr>
           <a:xfrm>
-            <a:off x="315686" y="293914"/>
-            <a:ext cx="1107996" cy="369332"/>
+            <a:off x="1062538" y="1153886"/>
+            <a:ext cx="11155298" cy="369332"/>
           </a:xfrm>
           <a:prstGeom prst="rect">
             <a:avLst/>
@@ -6013,15 +5958,290 @@
                 <a:latin typeface="メイリオ" panose="020B0604030504040204" pitchFamily="50" charset="-128"/>
                 <a:ea typeface="メイリオ" panose="020B0604030504040204" pitchFamily="50" charset="-128"/>
               </a:rPr>
-              <a:t>演習続き</a:t>
-            </a:r>
+              <a:t>まず以下のデータを、</a:t>
+            </a:r>
+            <a:r>
+              <a:rPr kumimoji="1" lang="en-US" altLang="ja-JP" dirty="0">
+                <a:latin typeface="メイリオ" panose="020B0604030504040204" pitchFamily="50" charset="-128"/>
+                <a:ea typeface="メイリオ" panose="020B0604030504040204" pitchFamily="50" charset="-128"/>
+              </a:rPr>
+              <a:t>ID</a:t>
+            </a:r>
+            <a:r>
+              <a:rPr kumimoji="1" lang="ja-JP" altLang="en-US" dirty="0">
+                <a:latin typeface="メイリオ" panose="020B0604030504040204" pitchFamily="50" charset="-128"/>
+                <a:ea typeface="メイリオ" panose="020B0604030504040204" pitchFamily="50" charset="-128"/>
+              </a:rPr>
+              <a:t>を</a:t>
+            </a:r>
+            <a:r>
+              <a:rPr kumimoji="1" lang="en-US" altLang="ja-JP" dirty="0" err="1">
+                <a:latin typeface="メイリオ" panose="020B0604030504040204" pitchFamily="50" charset="-128"/>
+                <a:ea typeface="メイリオ" panose="020B0604030504040204" pitchFamily="50" charset="-128"/>
+              </a:rPr>
+              <a:t>DataFrame</a:t>
+            </a:r>
+            <a:r>
+              <a:rPr kumimoji="1" lang="ja-JP" altLang="en-US" dirty="0">
+                <a:latin typeface="メイリオ" panose="020B0604030504040204" pitchFamily="50" charset="-128"/>
+                <a:ea typeface="メイリオ" panose="020B0604030504040204" pitchFamily="50" charset="-128"/>
+              </a:rPr>
+              <a:t>の</a:t>
+            </a:r>
+            <a:r>
+              <a:rPr kumimoji="1" lang="en-US" altLang="ja-JP" dirty="0">
+                <a:latin typeface="メイリオ" panose="020B0604030504040204" pitchFamily="50" charset="-128"/>
+                <a:ea typeface="メイリオ" panose="020B0604030504040204" pitchFamily="50" charset="-128"/>
+              </a:rPr>
+              <a:t>index</a:t>
+            </a:r>
+            <a:r>
+              <a:rPr kumimoji="1" lang="ja-JP" altLang="en-US" dirty="0">
+                <a:latin typeface="メイリオ" panose="020B0604030504040204" pitchFamily="50" charset="-128"/>
+                <a:ea typeface="メイリオ" panose="020B0604030504040204" pitchFamily="50" charset="-128"/>
+              </a:rPr>
+              <a:t>にして新規で</a:t>
+            </a:r>
+            <a:r>
+              <a:rPr kumimoji="1" lang="en-US" altLang="ja-JP" dirty="0" err="1">
+                <a:latin typeface="メイリオ" panose="020B0604030504040204" pitchFamily="50" charset="-128"/>
+                <a:ea typeface="メイリオ" panose="020B0604030504040204" pitchFamily="50" charset="-128"/>
+              </a:rPr>
+              <a:t>DataFrame</a:t>
+            </a:r>
+            <a:r>
+              <a:rPr kumimoji="1" lang="ja-JP" altLang="en-US" dirty="0">
+                <a:latin typeface="メイリオ" panose="020B0604030504040204" pitchFamily="50" charset="-128"/>
+                <a:ea typeface="メイリオ" panose="020B0604030504040204" pitchFamily="50" charset="-128"/>
+              </a:rPr>
+              <a:t>として作成しなおしてください。</a:t>
+            </a:r>
+          </a:p>
+        </p:txBody>
+      </p:sp>
+      <p:sp>
+        <p:nvSpPr>
+          <p:cNvPr id="6" name="テキスト ボックス 5">
+            <a:extLst>
+              <a:ext uri="{FF2B5EF4-FFF2-40B4-BE49-F238E27FC236}">
+                <a16:creationId xmlns:a16="http://schemas.microsoft.com/office/drawing/2014/main" id="{124EBE4B-7A9E-0AE8-6185-18D43DE90E31}"/>
+              </a:ext>
+            </a:extLst>
+          </p:cNvPr>
+          <p:cNvSpPr txBox="1"/>
+          <p:nvPr/>
+        </p:nvSpPr>
+        <p:spPr>
+          <a:xfrm>
+            <a:off x="2267339" y="1654277"/>
+            <a:ext cx="4227247" cy="1754326"/>
+          </a:xfrm>
+          <a:prstGeom prst="rect">
+            <a:avLst/>
+          </a:prstGeom>
+          <a:noFill/>
+        </p:spPr>
+        <p:txBody>
+          <a:bodyPr wrap="none" rtlCol="0">
+            <a:spAutoFit/>
+          </a:bodyPr>
+          <a:lstStyle/>
+          <a:p>
+            <a:pPr algn="l"/>
+            <a:r>
+              <a:rPr kumimoji="1" lang="en-US" altLang="ja-JP" dirty="0">
+                <a:latin typeface="メイリオ" panose="020B0604030504040204" pitchFamily="50" charset="-128"/>
+                <a:ea typeface="メイリオ" panose="020B0604030504040204" pitchFamily="50" charset="-128"/>
+              </a:rPr>
+              <a:t>ID      City </a:t>
+            </a:r>
+            <a:r>
+              <a:rPr kumimoji="1" lang="ja-JP" altLang="en-US" dirty="0">
+                <a:latin typeface="メイリオ" panose="020B0604030504040204" pitchFamily="50" charset="-128"/>
+                <a:ea typeface="メイリオ" panose="020B0604030504040204" pitchFamily="50" charset="-128"/>
+              </a:rPr>
+              <a:t>　</a:t>
+            </a:r>
+            <a:r>
+              <a:rPr kumimoji="1" lang="en-US" altLang="ja-JP" dirty="0">
+                <a:latin typeface="メイリオ" panose="020B0604030504040204" pitchFamily="50" charset="-128"/>
+                <a:ea typeface="メイリオ" panose="020B0604030504040204" pitchFamily="50" charset="-128"/>
+              </a:rPr>
+              <a:t>Birth Year      Name</a:t>
+            </a:r>
+          </a:p>
+          <a:p>
+            <a:pPr algn="l"/>
+            <a:r>
+              <a:rPr kumimoji="1" lang="en-US" altLang="ja-JP" dirty="0">
+                <a:latin typeface="メイリオ" panose="020B0604030504040204" pitchFamily="50" charset="-128"/>
+                <a:ea typeface="メイリオ" panose="020B0604030504040204" pitchFamily="50" charset="-128"/>
+              </a:rPr>
+              <a:t>  100     </a:t>
+            </a:r>
+            <a:r>
+              <a:rPr kumimoji="1" lang="en-US" altLang="ja-JP" dirty="0" err="1">
+                <a:latin typeface="メイリオ" panose="020B0604030504040204" pitchFamily="50" charset="-128"/>
+                <a:ea typeface="メイリオ" panose="020B0604030504040204" pitchFamily="50" charset="-128"/>
+              </a:rPr>
+              <a:t>tokyo</a:t>
+            </a:r>
+            <a:r>
+              <a:rPr kumimoji="1" lang="en-US" altLang="ja-JP" dirty="0">
+                <a:latin typeface="メイリオ" panose="020B0604030504040204" pitchFamily="50" charset="-128"/>
+                <a:ea typeface="メイリオ" panose="020B0604030504040204" pitchFamily="50" charset="-128"/>
+              </a:rPr>
+              <a:t>       1990 </a:t>
+            </a:r>
+            <a:r>
+              <a:rPr kumimoji="1" lang="ja-JP" altLang="en-US" dirty="0">
+                <a:latin typeface="メイリオ" panose="020B0604030504040204" pitchFamily="50" charset="-128"/>
+                <a:ea typeface="メイリオ" panose="020B0604030504040204" pitchFamily="50" charset="-128"/>
+              </a:rPr>
+              <a:t>　   </a:t>
+            </a:r>
+            <a:r>
+              <a:rPr kumimoji="1" lang="en-US" altLang="ja-JP" dirty="0">
+                <a:latin typeface="メイリオ" panose="020B0604030504040204" pitchFamily="50" charset="-128"/>
+                <a:ea typeface="メイリオ" panose="020B0604030504040204" pitchFamily="50" charset="-128"/>
+              </a:rPr>
+              <a:t>Hiroshi</a:t>
+            </a:r>
+          </a:p>
+          <a:p>
+            <a:pPr algn="l"/>
+            <a:r>
+              <a:rPr kumimoji="1" lang="en-US" altLang="ja-JP" dirty="0">
+                <a:latin typeface="メイリオ" panose="020B0604030504040204" pitchFamily="50" charset="-128"/>
+                <a:ea typeface="メイリオ" panose="020B0604030504040204" pitchFamily="50" charset="-128"/>
+              </a:rPr>
+              <a:t>  101     </a:t>
+            </a:r>
+            <a:r>
+              <a:rPr kumimoji="1" lang="en-US" altLang="ja-JP" dirty="0" err="1">
+                <a:latin typeface="メイリオ" panose="020B0604030504040204" pitchFamily="50" charset="-128"/>
+                <a:ea typeface="メイリオ" panose="020B0604030504040204" pitchFamily="50" charset="-128"/>
+              </a:rPr>
+              <a:t>osaka</a:t>
+            </a:r>
+            <a:r>
+              <a:rPr kumimoji="1" lang="en-US" altLang="ja-JP" dirty="0">
+                <a:latin typeface="メイリオ" panose="020B0604030504040204" pitchFamily="50" charset="-128"/>
+                <a:ea typeface="メイリオ" panose="020B0604030504040204" pitchFamily="50" charset="-128"/>
+              </a:rPr>
+              <a:t>       1989   </a:t>
+            </a:r>
+            <a:r>
+              <a:rPr kumimoji="1" lang="ja-JP" altLang="en-US" dirty="0">
+                <a:latin typeface="メイリオ" panose="020B0604030504040204" pitchFamily="50" charset="-128"/>
+                <a:ea typeface="メイリオ" panose="020B0604030504040204" pitchFamily="50" charset="-128"/>
+              </a:rPr>
+              <a:t>　 </a:t>
+            </a:r>
+            <a:r>
+              <a:rPr kumimoji="1" lang="en-US" altLang="ja-JP" dirty="0">
+                <a:latin typeface="メイリオ" panose="020B0604030504040204" pitchFamily="50" charset="-128"/>
+                <a:ea typeface="メイリオ" panose="020B0604030504040204" pitchFamily="50" charset="-128"/>
+              </a:rPr>
+              <a:t>Akiko</a:t>
+            </a:r>
+          </a:p>
+          <a:p>
+            <a:pPr algn="l"/>
+            <a:r>
+              <a:rPr kumimoji="1" lang="en-US" altLang="ja-JP" dirty="0">
+                <a:latin typeface="メイリオ" panose="020B0604030504040204" pitchFamily="50" charset="-128"/>
+                <a:ea typeface="メイリオ" panose="020B0604030504040204" pitchFamily="50" charset="-128"/>
+              </a:rPr>
+              <a:t>  102     </a:t>
+            </a:r>
+            <a:r>
+              <a:rPr kumimoji="1" lang="en-US" altLang="ja-JP" dirty="0" err="1">
+                <a:latin typeface="メイリオ" panose="020B0604030504040204" pitchFamily="50" charset="-128"/>
+                <a:ea typeface="メイリオ" panose="020B0604030504040204" pitchFamily="50" charset="-128"/>
+              </a:rPr>
+              <a:t>kyoto</a:t>
+            </a:r>
+            <a:r>
+              <a:rPr kumimoji="1" lang="en-US" altLang="ja-JP" dirty="0">
+                <a:latin typeface="メイリオ" panose="020B0604030504040204" pitchFamily="50" charset="-128"/>
+                <a:ea typeface="メイリオ" panose="020B0604030504040204" pitchFamily="50" charset="-128"/>
+              </a:rPr>
+              <a:t>       1992       Yuki</a:t>
+            </a:r>
+          </a:p>
+          <a:p>
+            <a:pPr algn="l"/>
+            <a:r>
+              <a:rPr kumimoji="1" lang="en-US" altLang="ja-JP" dirty="0">
+                <a:latin typeface="メイリオ" panose="020B0604030504040204" pitchFamily="50" charset="-128"/>
+                <a:ea typeface="メイリオ" panose="020B0604030504040204" pitchFamily="50" charset="-128"/>
+              </a:rPr>
+              <a:t>  103  </a:t>
+            </a:r>
+            <a:r>
+              <a:rPr kumimoji="1" lang="en-US" altLang="ja-JP" dirty="0" err="1">
+                <a:latin typeface="メイリオ" panose="020B0604030504040204" pitchFamily="50" charset="-128"/>
+                <a:ea typeface="メイリオ" panose="020B0604030504040204" pitchFamily="50" charset="-128"/>
+              </a:rPr>
+              <a:t>hokkaido</a:t>
+            </a:r>
+            <a:r>
+              <a:rPr kumimoji="1" lang="en-US" altLang="ja-JP" dirty="0">
+                <a:latin typeface="メイリオ" panose="020B0604030504040204" pitchFamily="50" charset="-128"/>
+                <a:ea typeface="メイリオ" panose="020B0604030504040204" pitchFamily="50" charset="-128"/>
+              </a:rPr>
+              <a:t>     1997   </a:t>
+            </a:r>
+            <a:r>
+              <a:rPr kumimoji="1" lang="ja-JP" altLang="en-US" dirty="0">
+                <a:latin typeface="メイリオ" panose="020B0604030504040204" pitchFamily="50" charset="-128"/>
+                <a:ea typeface="メイリオ" panose="020B0604030504040204" pitchFamily="50" charset="-128"/>
+              </a:rPr>
+              <a:t>　 </a:t>
+            </a:r>
+            <a:r>
+              <a:rPr kumimoji="1" lang="en-US" altLang="ja-JP" dirty="0">
+                <a:latin typeface="メイリオ" panose="020B0604030504040204" pitchFamily="50" charset="-128"/>
+                <a:ea typeface="メイリオ" panose="020B0604030504040204" pitchFamily="50" charset="-128"/>
+              </a:rPr>
+              <a:t>Satoru</a:t>
+            </a:r>
+          </a:p>
+          <a:p>
+            <a:pPr algn="l"/>
+            <a:r>
+              <a:rPr kumimoji="1" lang="en-US" altLang="ja-JP" dirty="0">
+                <a:latin typeface="メイリオ" panose="020B0604030504040204" pitchFamily="50" charset="-128"/>
+                <a:ea typeface="メイリオ" panose="020B0604030504040204" pitchFamily="50" charset="-128"/>
+              </a:rPr>
+              <a:t>  104     </a:t>
+            </a:r>
+            <a:r>
+              <a:rPr kumimoji="1" lang="en-US" altLang="ja-JP" dirty="0" err="1">
+                <a:latin typeface="メイリオ" panose="020B0604030504040204" pitchFamily="50" charset="-128"/>
+                <a:ea typeface="メイリオ" panose="020B0604030504040204" pitchFamily="50" charset="-128"/>
+              </a:rPr>
+              <a:t>tokyo</a:t>
+            </a:r>
+            <a:r>
+              <a:rPr kumimoji="1" lang="en-US" altLang="ja-JP" dirty="0">
+                <a:latin typeface="メイリオ" panose="020B0604030504040204" pitchFamily="50" charset="-128"/>
+                <a:ea typeface="メイリオ" panose="020B0604030504040204" pitchFamily="50" charset="-128"/>
+              </a:rPr>
+              <a:t>       1982       Steve</a:t>
+            </a:r>
+            <a:endParaRPr kumimoji="1" lang="ja-JP" altLang="en-US" dirty="0">
+              <a:latin typeface="メイリオ" panose="020B0604030504040204" pitchFamily="50" charset="-128"/>
+              <a:ea typeface="メイリオ" panose="020B0604030504040204" pitchFamily="50" charset="-128"/>
+            </a:endParaRPr>
           </a:p>
         </p:txBody>
       </p:sp>
     </p:spTree>
     <p:extLst>
       <p:ext uri="{BB962C8B-B14F-4D97-AF65-F5344CB8AC3E}">
-        <p14:creationId xmlns:p14="http://schemas.microsoft.com/office/powerpoint/2010/main" val="2140401668"/>
+        <p14:creationId xmlns:p14="http://schemas.microsoft.com/office/powerpoint/2010/main" val="162108733"/>
       </p:ext>
     </p:extLst>
   </p:cSld>
@@ -6050,10 +6270,10 @@
       </p:grpSpPr>
       <p:sp>
         <p:nvSpPr>
-          <p:cNvPr id="3" name="テキスト ボックス 2">
+          <p:cNvPr id="2" name="テキスト ボックス 1">
             <a:extLst>
               <a:ext uri="{FF2B5EF4-FFF2-40B4-BE49-F238E27FC236}">
-                <a16:creationId xmlns:a16="http://schemas.microsoft.com/office/drawing/2014/main" id="{6B49FAF6-F763-4AC3-918D-56C38A32199A}"/>
+                <a16:creationId xmlns:a16="http://schemas.microsoft.com/office/drawing/2014/main" id="{0C756182-E759-8417-D4C8-0309895542B4}"/>
               </a:ext>
             </a:extLst>
           </p:cNvPr>
@@ -6062,8 +6282,8 @@
         </p:nvSpPr>
         <p:spPr>
           <a:xfrm>
-            <a:off x="457565" y="500667"/>
-            <a:ext cx="5335115" cy="523220"/>
+            <a:off x="942795" y="924855"/>
+            <a:ext cx="7578870" cy="2831544"/>
           </a:xfrm>
           <a:prstGeom prst="rect">
             <a:avLst/>
@@ -6078,35 +6298,182 @@
           <a:p>
             <a:pPr algn="l"/>
             <a:r>
-              <a:rPr kumimoji="1" lang="ja-JP" altLang="en-US" sz="2800" dirty="0">
-                <a:latin typeface="メイリオ" panose="020B0604030504040204" pitchFamily="50" charset="-128"/>
-                <a:ea typeface="メイリオ" panose="020B0604030504040204" pitchFamily="50" charset="-128"/>
-              </a:rPr>
-              <a:t>各行を</a:t>
-            </a:r>
-            <a:r>
-              <a:rPr kumimoji="1" lang="en-US" altLang="ja-JP" sz="2800" dirty="0">
-                <a:latin typeface="メイリオ" panose="020B0604030504040204" pitchFamily="50" charset="-128"/>
-                <a:ea typeface="メイリオ" panose="020B0604030504040204" pitchFamily="50" charset="-128"/>
-              </a:rPr>
-              <a:t>for</a:t>
-            </a:r>
-            <a:r>
-              <a:rPr kumimoji="1" lang="ja-JP" altLang="en-US" sz="2800" dirty="0">
-                <a:latin typeface="メイリオ" panose="020B0604030504040204" pitchFamily="50" charset="-128"/>
-                <a:ea typeface="メイリオ" panose="020B0604030504040204" pitchFamily="50" charset="-128"/>
-              </a:rPr>
-              <a:t>文で取り出すには？？</a:t>
-            </a:r>
-          </a:p>
-        </p:txBody>
-      </p:sp>
-      <p:sp>
-        <p:nvSpPr>
-          <p:cNvPr id="4" name="テキスト ボックス 3">
+              <a:rPr kumimoji="1" lang="ja-JP" altLang="en-US" sz="2000" dirty="0">
+                <a:latin typeface="メイリオ" panose="020B0604030504040204" pitchFamily="50" charset="-128"/>
+                <a:ea typeface="メイリオ" panose="020B0604030504040204" pitchFamily="50" charset="-128"/>
+              </a:rPr>
+              <a:t>１．列見出しによるスライシング</a:t>
+            </a:r>
+          </a:p>
+          <a:p>
+            <a:pPr algn="l"/>
+            <a:r>
+              <a:rPr kumimoji="1" lang="ja-JP" altLang="en-US" sz="2000" dirty="0">
+                <a:latin typeface="メイリオ" panose="020B0604030504040204" pitchFamily="50" charset="-128"/>
+                <a:ea typeface="メイリオ" panose="020B0604030504040204" pitchFamily="50" charset="-128"/>
+              </a:rPr>
+              <a:t>　　１）以下の</a:t>
+            </a:r>
+            <a:r>
+              <a:rPr kumimoji="1" lang="en-US" altLang="ja-JP" sz="2000" dirty="0" err="1">
+                <a:latin typeface="メイリオ" panose="020B0604030504040204" pitchFamily="50" charset="-128"/>
+                <a:ea typeface="メイリオ" panose="020B0604030504040204" pitchFamily="50" charset="-128"/>
+              </a:rPr>
+              <a:t>dataframe</a:t>
+            </a:r>
+            <a:r>
+              <a:rPr kumimoji="1" lang="ja-JP" altLang="en-US" sz="2000" dirty="0">
+                <a:latin typeface="メイリオ" panose="020B0604030504040204" pitchFamily="50" charset="-128"/>
+                <a:ea typeface="メイリオ" panose="020B0604030504040204" pitchFamily="50" charset="-128"/>
+              </a:rPr>
+              <a:t>から</a:t>
+            </a:r>
+            <a:r>
+              <a:rPr kumimoji="1" lang="en-US" altLang="ja-JP" sz="2000" dirty="0">
+                <a:latin typeface="メイリオ" panose="020B0604030504040204" pitchFamily="50" charset="-128"/>
+                <a:ea typeface="メイリオ" panose="020B0604030504040204" pitchFamily="50" charset="-128"/>
+              </a:rPr>
+              <a:t>Name</a:t>
+            </a:r>
+            <a:r>
+              <a:rPr kumimoji="1" lang="ja-JP" altLang="en-US" sz="2000" dirty="0">
+                <a:latin typeface="メイリオ" panose="020B0604030504040204" pitchFamily="50" charset="-128"/>
+                <a:ea typeface="メイリオ" panose="020B0604030504040204" pitchFamily="50" charset="-128"/>
+              </a:rPr>
+              <a:t>だけを取りだせ</a:t>
+            </a:r>
+            <a:endParaRPr kumimoji="1" lang="en-US" altLang="ja-JP" sz="2000" dirty="0">
+              <a:latin typeface="メイリオ" panose="020B0604030504040204" pitchFamily="50" charset="-128"/>
+              <a:ea typeface="メイリオ" panose="020B0604030504040204" pitchFamily="50" charset="-128"/>
+            </a:endParaRPr>
+          </a:p>
+          <a:p>
+            <a:r>
+              <a:rPr lang="en-US" altLang="ja-JP" sz="1800" dirty="0">
+                <a:effectLst/>
+                <a:latin typeface="メイリオ" panose="020B0604030504040204" pitchFamily="50" charset="-128"/>
+                <a:ea typeface="メイリオ" panose="020B0604030504040204" pitchFamily="50" charset="-128"/>
+              </a:rPr>
+              <a:t>	 </a:t>
+            </a:r>
+            <a:r>
+              <a:rPr lang="ja-JP" altLang="en-US" sz="1800" dirty="0">
+                <a:effectLst/>
+                <a:latin typeface="メイリオ" panose="020B0604030504040204" pitchFamily="50" charset="-128"/>
+                <a:ea typeface="メイリオ" panose="020B0604030504040204" pitchFamily="50" charset="-128"/>
+              </a:rPr>
+              <a:t>２）</a:t>
+            </a:r>
+            <a:r>
+              <a:rPr lang="en-US" altLang="ja-JP" sz="1800" dirty="0">
+                <a:effectLst/>
+                <a:latin typeface="メイリオ" panose="020B0604030504040204" pitchFamily="50" charset="-128"/>
+                <a:ea typeface="メイリオ" panose="020B0604030504040204" pitchFamily="50" charset="-128"/>
+              </a:rPr>
+              <a:t>loc</a:t>
+            </a:r>
+            <a:r>
+              <a:rPr lang="ja-JP" altLang="en-US" sz="1800" dirty="0">
+                <a:effectLst/>
+                <a:latin typeface="メイリオ" panose="020B0604030504040204" pitchFamily="50" charset="-128"/>
+                <a:ea typeface="メイリオ" panose="020B0604030504040204" pitchFamily="50" charset="-128"/>
+              </a:rPr>
+              <a:t>を使って</a:t>
+            </a:r>
+            <a:r>
+              <a:rPr lang="en-US" altLang="ja-JP" sz="1800" dirty="0">
+                <a:effectLst/>
+                <a:latin typeface="メイリオ" panose="020B0604030504040204" pitchFamily="50" charset="-128"/>
+                <a:ea typeface="メイリオ" panose="020B0604030504040204" pitchFamily="50" charset="-128"/>
+              </a:rPr>
+              <a:t>2~4</a:t>
+            </a:r>
+            <a:r>
+              <a:rPr lang="ja-JP" altLang="en-US" sz="1800" dirty="0">
+                <a:effectLst/>
+                <a:latin typeface="メイリオ" panose="020B0604030504040204" pitchFamily="50" charset="-128"/>
+                <a:ea typeface="メイリオ" panose="020B0604030504040204" pitchFamily="50" charset="-128"/>
+              </a:rPr>
+              <a:t>行目かつ　</a:t>
+            </a:r>
+            <a:r>
+              <a:rPr lang="en-US" altLang="ja-JP" sz="1800" dirty="0">
+                <a:effectLst/>
+                <a:latin typeface="メイリオ" panose="020B0604030504040204" pitchFamily="50" charset="-128"/>
+                <a:ea typeface="メイリオ" panose="020B0604030504040204" pitchFamily="50" charset="-128"/>
+              </a:rPr>
+              <a:t>City, Birth Year</a:t>
+            </a:r>
+            <a:r>
+              <a:rPr lang="ja-JP" altLang="en-US" sz="1800" dirty="0">
+                <a:effectLst/>
+                <a:latin typeface="メイリオ" panose="020B0604030504040204" pitchFamily="50" charset="-128"/>
+                <a:ea typeface="メイリオ" panose="020B0604030504040204" pitchFamily="50" charset="-128"/>
+              </a:rPr>
+              <a:t>の要素を取り出せ</a:t>
+            </a:r>
+            <a:endParaRPr lang="ja-JP" altLang="en-US" sz="2000" dirty="0">
+              <a:latin typeface="メイリオ" panose="020B0604030504040204" pitchFamily="50" charset="-128"/>
+              <a:ea typeface="メイリオ" panose="020B0604030504040204" pitchFamily="50" charset="-128"/>
+            </a:endParaRPr>
+          </a:p>
+          <a:p>
+            <a:pPr algn="l"/>
+            <a:endParaRPr kumimoji="1" lang="ja-JP" altLang="en-US" sz="2000" dirty="0">
+              <a:latin typeface="メイリオ" panose="020B0604030504040204" pitchFamily="50" charset="-128"/>
+              <a:ea typeface="メイリオ" panose="020B0604030504040204" pitchFamily="50" charset="-128"/>
+            </a:endParaRPr>
+          </a:p>
+          <a:p>
+            <a:pPr algn="l"/>
+            <a:r>
+              <a:rPr kumimoji="1" lang="ja-JP" altLang="en-US" sz="2000" dirty="0">
+                <a:latin typeface="メイリオ" panose="020B0604030504040204" pitchFamily="50" charset="-128"/>
+                <a:ea typeface="メイリオ" panose="020B0604030504040204" pitchFamily="50" charset="-128"/>
+              </a:rPr>
+              <a:t>　</a:t>
+            </a:r>
+            <a:endParaRPr kumimoji="1" lang="en-US" altLang="ja-JP" sz="2000" dirty="0">
+              <a:latin typeface="メイリオ" panose="020B0604030504040204" pitchFamily="50" charset="-128"/>
+              <a:ea typeface="メイリオ" panose="020B0604030504040204" pitchFamily="50" charset="-128"/>
+            </a:endParaRPr>
+          </a:p>
+          <a:p>
+            <a:pPr algn="l"/>
+            <a:endParaRPr kumimoji="1" lang="en-US" altLang="ja-JP" sz="2000" dirty="0">
+              <a:latin typeface="メイリオ" panose="020B0604030504040204" pitchFamily="50" charset="-128"/>
+              <a:ea typeface="メイリオ" panose="020B0604030504040204" pitchFamily="50" charset="-128"/>
+            </a:endParaRPr>
+          </a:p>
+          <a:p>
+            <a:pPr algn="l"/>
+            <a:endParaRPr kumimoji="1" lang="en-US" altLang="ja-JP" sz="2000" dirty="0">
+              <a:latin typeface="メイリオ" panose="020B0604030504040204" pitchFamily="50" charset="-128"/>
+              <a:ea typeface="メイリオ" panose="020B0604030504040204" pitchFamily="50" charset="-128"/>
+            </a:endParaRPr>
+          </a:p>
+          <a:p>
+            <a:pPr algn="l"/>
+            <a:endParaRPr kumimoji="1" lang="en-US" altLang="ja-JP" sz="2000" dirty="0">
+              <a:latin typeface="メイリオ" panose="020B0604030504040204" pitchFamily="50" charset="-128"/>
+              <a:ea typeface="メイリオ" panose="020B0604030504040204" pitchFamily="50" charset="-128"/>
+            </a:endParaRPr>
+          </a:p>
+          <a:p>
+            <a:pPr algn="l"/>
+            <a:endParaRPr kumimoji="1" lang="en-US" altLang="ja-JP" sz="2000" dirty="0">
+              <a:latin typeface="メイリオ" panose="020B0604030504040204" pitchFamily="50" charset="-128"/>
+              <a:ea typeface="メイリオ" panose="020B0604030504040204" pitchFamily="50" charset="-128"/>
+            </a:endParaRPr>
+          </a:p>
+        </p:txBody>
+      </p:sp>
+      <p:sp>
+        <p:nvSpPr>
+          <p:cNvPr id="3" name="テキスト ボックス 2">
             <a:extLst>
               <a:ext uri="{FF2B5EF4-FFF2-40B4-BE49-F238E27FC236}">
-                <a16:creationId xmlns:a16="http://schemas.microsoft.com/office/drawing/2014/main" id="{B3E3100C-A8D6-4839-8C45-32A78F99ECAB}"/>
+                <a16:creationId xmlns:a16="http://schemas.microsoft.com/office/drawing/2014/main" id="{81C3EE6B-D3B2-8A0E-F490-7449C5F41EB6}"/>
               </a:ext>
             </a:extLst>
           </p:cNvPr>
@@ -6115,8 +6482,8 @@
         </p:nvSpPr>
         <p:spPr>
           <a:xfrm>
-            <a:off x="2934071" y="4418431"/>
-            <a:ext cx="4483535" cy="1200329"/>
+            <a:off x="1599706" y="2340627"/>
+            <a:ext cx="4227247" cy="1754326"/>
           </a:xfrm>
           <a:prstGeom prst="rect">
             <a:avLst/>
@@ -6129,152 +6496,210 @@
           </a:bodyPr>
           <a:lstStyle/>
           <a:p>
-            <a:r>
-              <a:rPr kumimoji="1" lang="en-US" altLang="ja-JP" sz="2400" dirty="0">
-                <a:latin typeface="メイリオ" panose="020B0604030504040204" pitchFamily="50" charset="-128"/>
-                <a:ea typeface="メイリオ" panose="020B0604030504040204" pitchFamily="50" charset="-128"/>
-              </a:rPr>
-              <a:t>for k, row in </a:t>
-            </a:r>
-            <a:r>
-              <a:rPr kumimoji="1" lang="en-US" altLang="ja-JP" sz="2400" dirty="0" err="1">
-                <a:latin typeface="メイリオ" panose="020B0604030504040204" pitchFamily="50" charset="-128"/>
-                <a:ea typeface="メイリオ" panose="020B0604030504040204" pitchFamily="50" charset="-128"/>
-              </a:rPr>
-              <a:t>df.iterrows</a:t>
-            </a:r>
-            <a:r>
-              <a:rPr kumimoji="1" lang="en-US" altLang="ja-JP" sz="2400" dirty="0">
-                <a:latin typeface="メイリオ" panose="020B0604030504040204" pitchFamily="50" charset="-128"/>
-                <a:ea typeface="メイリオ" panose="020B0604030504040204" pitchFamily="50" charset="-128"/>
-              </a:rPr>
-              <a:t>():</a:t>
-            </a:r>
-            <a:endParaRPr kumimoji="1" lang="ja-JP" altLang="en-US" sz="2400" dirty="0">
+            <a:pPr algn="l"/>
+            <a:r>
+              <a:rPr kumimoji="1" lang="ja-JP" altLang="en-US" dirty="0">
+                <a:latin typeface="メイリオ" panose="020B0604030504040204" pitchFamily="50" charset="-128"/>
+                <a:ea typeface="メイリオ" panose="020B0604030504040204" pitchFamily="50" charset="-128"/>
+              </a:rPr>
+              <a:t>　　　</a:t>
+            </a:r>
+            <a:r>
+              <a:rPr kumimoji="1" lang="en-US" altLang="ja-JP" dirty="0">
+                <a:latin typeface="メイリオ" panose="020B0604030504040204" pitchFamily="50" charset="-128"/>
+                <a:ea typeface="メイリオ" panose="020B0604030504040204" pitchFamily="50" charset="-128"/>
+              </a:rPr>
+              <a:t>     City </a:t>
+            </a:r>
+            <a:r>
+              <a:rPr kumimoji="1" lang="ja-JP" altLang="en-US" dirty="0">
+                <a:latin typeface="メイリオ" panose="020B0604030504040204" pitchFamily="50" charset="-128"/>
+                <a:ea typeface="メイリオ" panose="020B0604030504040204" pitchFamily="50" charset="-128"/>
+              </a:rPr>
+              <a:t>　</a:t>
+            </a:r>
+            <a:r>
+              <a:rPr kumimoji="1" lang="en-US" altLang="ja-JP" dirty="0">
+                <a:latin typeface="メイリオ" panose="020B0604030504040204" pitchFamily="50" charset="-128"/>
+                <a:ea typeface="メイリオ" panose="020B0604030504040204" pitchFamily="50" charset="-128"/>
+              </a:rPr>
+              <a:t>Birth Year      Name</a:t>
+            </a:r>
+          </a:p>
+          <a:p>
+            <a:pPr algn="l"/>
+            <a:r>
+              <a:rPr kumimoji="1" lang="en-US" altLang="ja-JP" dirty="0">
+                <a:latin typeface="メイリオ" panose="020B0604030504040204" pitchFamily="50" charset="-128"/>
+                <a:ea typeface="メイリオ" panose="020B0604030504040204" pitchFamily="50" charset="-128"/>
+              </a:rPr>
+              <a:t>  100     </a:t>
+            </a:r>
+            <a:r>
+              <a:rPr kumimoji="1" lang="en-US" altLang="ja-JP" dirty="0" err="1">
+                <a:latin typeface="メイリオ" panose="020B0604030504040204" pitchFamily="50" charset="-128"/>
+                <a:ea typeface="メイリオ" panose="020B0604030504040204" pitchFamily="50" charset="-128"/>
+              </a:rPr>
+              <a:t>tokyo</a:t>
+            </a:r>
+            <a:r>
+              <a:rPr kumimoji="1" lang="en-US" altLang="ja-JP" dirty="0">
+                <a:latin typeface="メイリオ" panose="020B0604030504040204" pitchFamily="50" charset="-128"/>
+                <a:ea typeface="メイリオ" panose="020B0604030504040204" pitchFamily="50" charset="-128"/>
+              </a:rPr>
+              <a:t>       1990 </a:t>
+            </a:r>
+            <a:r>
+              <a:rPr kumimoji="1" lang="ja-JP" altLang="en-US" dirty="0">
+                <a:latin typeface="メイリオ" panose="020B0604030504040204" pitchFamily="50" charset="-128"/>
+                <a:ea typeface="メイリオ" panose="020B0604030504040204" pitchFamily="50" charset="-128"/>
+              </a:rPr>
+              <a:t>　   </a:t>
+            </a:r>
+            <a:r>
+              <a:rPr kumimoji="1" lang="en-US" altLang="ja-JP" dirty="0">
+                <a:latin typeface="メイリオ" panose="020B0604030504040204" pitchFamily="50" charset="-128"/>
+                <a:ea typeface="メイリオ" panose="020B0604030504040204" pitchFamily="50" charset="-128"/>
+              </a:rPr>
+              <a:t>Hiroshi</a:t>
+            </a:r>
+          </a:p>
+          <a:p>
+            <a:pPr algn="l"/>
+            <a:r>
+              <a:rPr kumimoji="1" lang="en-US" altLang="ja-JP" dirty="0">
+                <a:latin typeface="メイリオ" panose="020B0604030504040204" pitchFamily="50" charset="-128"/>
+                <a:ea typeface="メイリオ" panose="020B0604030504040204" pitchFamily="50" charset="-128"/>
+              </a:rPr>
+              <a:t>  101     </a:t>
+            </a:r>
+            <a:r>
+              <a:rPr kumimoji="1" lang="en-US" altLang="ja-JP" dirty="0" err="1">
+                <a:latin typeface="メイリオ" panose="020B0604030504040204" pitchFamily="50" charset="-128"/>
+                <a:ea typeface="メイリオ" panose="020B0604030504040204" pitchFamily="50" charset="-128"/>
+              </a:rPr>
+              <a:t>osaka</a:t>
+            </a:r>
+            <a:r>
+              <a:rPr kumimoji="1" lang="en-US" altLang="ja-JP" dirty="0">
+                <a:latin typeface="メイリオ" panose="020B0604030504040204" pitchFamily="50" charset="-128"/>
+                <a:ea typeface="メイリオ" panose="020B0604030504040204" pitchFamily="50" charset="-128"/>
+              </a:rPr>
+              <a:t>       1989   </a:t>
+            </a:r>
+            <a:r>
+              <a:rPr kumimoji="1" lang="ja-JP" altLang="en-US" dirty="0">
+                <a:latin typeface="メイリオ" panose="020B0604030504040204" pitchFamily="50" charset="-128"/>
+                <a:ea typeface="メイリオ" panose="020B0604030504040204" pitchFamily="50" charset="-128"/>
+              </a:rPr>
+              <a:t>　 </a:t>
+            </a:r>
+            <a:r>
+              <a:rPr kumimoji="1" lang="en-US" altLang="ja-JP" dirty="0">
+                <a:latin typeface="メイリオ" panose="020B0604030504040204" pitchFamily="50" charset="-128"/>
+                <a:ea typeface="メイリオ" panose="020B0604030504040204" pitchFamily="50" charset="-128"/>
+              </a:rPr>
+              <a:t>Akiko</a:t>
+            </a:r>
+          </a:p>
+          <a:p>
+            <a:pPr algn="l"/>
+            <a:r>
+              <a:rPr kumimoji="1" lang="en-US" altLang="ja-JP" dirty="0">
+                <a:latin typeface="メイリオ" panose="020B0604030504040204" pitchFamily="50" charset="-128"/>
+                <a:ea typeface="メイリオ" panose="020B0604030504040204" pitchFamily="50" charset="-128"/>
+              </a:rPr>
+              <a:t>  102     </a:t>
+            </a:r>
+            <a:r>
+              <a:rPr kumimoji="1" lang="en-US" altLang="ja-JP" dirty="0" err="1">
+                <a:latin typeface="メイリオ" panose="020B0604030504040204" pitchFamily="50" charset="-128"/>
+                <a:ea typeface="メイリオ" panose="020B0604030504040204" pitchFamily="50" charset="-128"/>
+              </a:rPr>
+              <a:t>kyoto</a:t>
+            </a:r>
+            <a:r>
+              <a:rPr kumimoji="1" lang="en-US" altLang="ja-JP" dirty="0">
+                <a:latin typeface="メイリオ" panose="020B0604030504040204" pitchFamily="50" charset="-128"/>
+                <a:ea typeface="メイリオ" panose="020B0604030504040204" pitchFamily="50" charset="-128"/>
+              </a:rPr>
+              <a:t>       1992       Yuki</a:t>
+            </a:r>
+          </a:p>
+          <a:p>
+            <a:pPr algn="l"/>
+            <a:r>
+              <a:rPr kumimoji="1" lang="en-US" altLang="ja-JP" dirty="0">
+                <a:latin typeface="メイリオ" panose="020B0604030504040204" pitchFamily="50" charset="-128"/>
+                <a:ea typeface="メイリオ" panose="020B0604030504040204" pitchFamily="50" charset="-128"/>
+              </a:rPr>
+              <a:t>  103  </a:t>
+            </a:r>
+            <a:r>
+              <a:rPr kumimoji="1" lang="en-US" altLang="ja-JP" dirty="0" err="1">
+                <a:latin typeface="メイリオ" panose="020B0604030504040204" pitchFamily="50" charset="-128"/>
+                <a:ea typeface="メイリオ" panose="020B0604030504040204" pitchFamily="50" charset="-128"/>
+              </a:rPr>
+              <a:t>hokkaido</a:t>
+            </a:r>
+            <a:r>
+              <a:rPr kumimoji="1" lang="en-US" altLang="ja-JP" dirty="0">
+                <a:latin typeface="メイリオ" panose="020B0604030504040204" pitchFamily="50" charset="-128"/>
+                <a:ea typeface="メイリオ" panose="020B0604030504040204" pitchFamily="50" charset="-128"/>
+              </a:rPr>
+              <a:t>     1997   </a:t>
+            </a:r>
+            <a:r>
+              <a:rPr kumimoji="1" lang="ja-JP" altLang="en-US" dirty="0">
+                <a:latin typeface="メイリオ" panose="020B0604030504040204" pitchFamily="50" charset="-128"/>
+                <a:ea typeface="メイリオ" panose="020B0604030504040204" pitchFamily="50" charset="-128"/>
+              </a:rPr>
+              <a:t>　 </a:t>
+            </a:r>
+            <a:r>
+              <a:rPr kumimoji="1" lang="en-US" altLang="ja-JP" dirty="0">
+                <a:latin typeface="メイリオ" panose="020B0604030504040204" pitchFamily="50" charset="-128"/>
+                <a:ea typeface="メイリオ" panose="020B0604030504040204" pitchFamily="50" charset="-128"/>
+              </a:rPr>
+              <a:t>Satoru</a:t>
+            </a:r>
+          </a:p>
+          <a:p>
+            <a:pPr algn="l"/>
+            <a:r>
+              <a:rPr kumimoji="1" lang="en-US" altLang="ja-JP" dirty="0">
+                <a:latin typeface="メイリオ" panose="020B0604030504040204" pitchFamily="50" charset="-128"/>
+                <a:ea typeface="メイリオ" panose="020B0604030504040204" pitchFamily="50" charset="-128"/>
+              </a:rPr>
+              <a:t>  104     </a:t>
+            </a:r>
+            <a:r>
+              <a:rPr kumimoji="1" lang="en-US" altLang="ja-JP" dirty="0" err="1">
+                <a:latin typeface="メイリオ" panose="020B0604030504040204" pitchFamily="50" charset="-128"/>
+                <a:ea typeface="メイリオ" panose="020B0604030504040204" pitchFamily="50" charset="-128"/>
+              </a:rPr>
+              <a:t>tokyo</a:t>
+            </a:r>
+            <a:r>
+              <a:rPr kumimoji="1" lang="en-US" altLang="ja-JP" dirty="0">
+                <a:latin typeface="メイリオ" panose="020B0604030504040204" pitchFamily="50" charset="-128"/>
+                <a:ea typeface="メイリオ" panose="020B0604030504040204" pitchFamily="50" charset="-128"/>
+              </a:rPr>
+              <a:t>       1982       Steve</a:t>
+            </a:r>
+            <a:endParaRPr kumimoji="1" lang="ja-JP" altLang="en-US" dirty="0">
               <a:latin typeface="メイリオ" panose="020B0604030504040204" pitchFamily="50" charset="-128"/>
               <a:ea typeface="メイリオ" panose="020B0604030504040204" pitchFamily="50" charset="-128"/>
             </a:endParaRPr>
           </a:p>
-          <a:p>
-            <a:pPr algn="l"/>
-            <a:r>
-              <a:rPr kumimoji="1" lang="en-US" altLang="ja-JP" sz="2400" dirty="0">
-                <a:latin typeface="メイリオ" panose="020B0604030504040204" pitchFamily="50" charset="-128"/>
-                <a:ea typeface="メイリオ" panose="020B0604030504040204" pitchFamily="50" charset="-128"/>
-              </a:rPr>
-              <a:t>	for </a:t>
-            </a:r>
-            <a:r>
-              <a:rPr kumimoji="1" lang="en-US" altLang="ja-JP" sz="2400" dirty="0" err="1">
-                <a:latin typeface="メイリオ" panose="020B0604030504040204" pitchFamily="50" charset="-128"/>
-                <a:ea typeface="メイリオ" panose="020B0604030504040204" pitchFamily="50" charset="-128"/>
-              </a:rPr>
-              <a:t>i</a:t>
-            </a:r>
-            <a:r>
-              <a:rPr kumimoji="1" lang="en-US" altLang="ja-JP" sz="2400" dirty="0">
-                <a:latin typeface="メイリオ" panose="020B0604030504040204" pitchFamily="50" charset="-128"/>
-                <a:ea typeface="メイリオ" panose="020B0604030504040204" pitchFamily="50" charset="-128"/>
-              </a:rPr>
-              <a:t>, item in </a:t>
-            </a:r>
-            <a:r>
-              <a:rPr kumimoji="1" lang="en-US" altLang="ja-JP" sz="2400" dirty="0" err="1">
-                <a:latin typeface="メイリオ" panose="020B0604030504040204" pitchFamily="50" charset="-128"/>
-                <a:ea typeface="メイリオ" panose="020B0604030504040204" pitchFamily="50" charset="-128"/>
-              </a:rPr>
-              <a:t>row.items</a:t>
-            </a:r>
-            <a:r>
-              <a:rPr kumimoji="1" lang="en-US" altLang="ja-JP" sz="2400" dirty="0">
-                <a:latin typeface="メイリオ" panose="020B0604030504040204" pitchFamily="50" charset="-128"/>
-                <a:ea typeface="メイリオ" panose="020B0604030504040204" pitchFamily="50" charset="-128"/>
-              </a:rPr>
-              <a:t>():</a:t>
-            </a:r>
-          </a:p>
-          <a:p>
-            <a:pPr algn="l"/>
-            <a:r>
-              <a:rPr kumimoji="1" lang="en-US" altLang="ja-JP" sz="2400" dirty="0">
-                <a:latin typeface="メイリオ" panose="020B0604030504040204" pitchFamily="50" charset="-128"/>
-                <a:ea typeface="メイリオ" panose="020B0604030504040204" pitchFamily="50" charset="-128"/>
-              </a:rPr>
-              <a:t>		print(</a:t>
-            </a:r>
-            <a:r>
-              <a:rPr kumimoji="1" lang="en-US" altLang="ja-JP" sz="2400" dirty="0" err="1">
-                <a:latin typeface="メイリオ" panose="020B0604030504040204" pitchFamily="50" charset="-128"/>
-                <a:ea typeface="メイリオ" panose="020B0604030504040204" pitchFamily="50" charset="-128"/>
-              </a:rPr>
-              <a:t>i.item</a:t>
-            </a:r>
-            <a:r>
-              <a:rPr kumimoji="1" lang="en-US" altLang="ja-JP" sz="2400" dirty="0">
-                <a:latin typeface="メイリオ" panose="020B0604030504040204" pitchFamily="50" charset="-128"/>
-                <a:ea typeface="メイリオ" panose="020B0604030504040204" pitchFamily="50" charset="-128"/>
-              </a:rPr>
-              <a:t>)	 </a:t>
-            </a:r>
-            <a:endParaRPr kumimoji="1" lang="ja-JP" altLang="en-US" sz="2400" dirty="0">
-              <a:latin typeface="メイリオ" panose="020B0604030504040204" pitchFamily="50" charset="-128"/>
-              <a:ea typeface="メイリオ" panose="020B0604030504040204" pitchFamily="50" charset="-128"/>
-            </a:endParaRPr>
-          </a:p>
-        </p:txBody>
-      </p:sp>
-      <p:sp>
-        <p:nvSpPr>
-          <p:cNvPr id="6" name="矢印: 下 5">
+        </p:txBody>
+      </p:sp>
+      <p:sp>
+        <p:nvSpPr>
+          <p:cNvPr id="4" name="テキスト ボックス 3">
             <a:extLst>
               <a:ext uri="{FF2B5EF4-FFF2-40B4-BE49-F238E27FC236}">
-                <a16:creationId xmlns:a16="http://schemas.microsoft.com/office/drawing/2014/main" id="{101B82B8-42D0-4EA5-A98D-431D12D26327}"/>
-              </a:ext>
-            </a:extLst>
-          </p:cNvPr>
-          <p:cNvSpPr/>
-          <p:nvPr/>
-        </p:nvSpPr>
-        <p:spPr>
-          <a:xfrm>
-            <a:off x="4622836" y="3670112"/>
-            <a:ext cx="1447060" cy="523782"/>
-          </a:xfrm>
-          <a:prstGeom prst="downArrow">
-            <a:avLst/>
-          </a:prstGeom>
-        </p:spPr>
-        <p:style>
-          <a:lnRef idx="2">
-            <a:schemeClr val="accent1">
-              <a:shade val="50000"/>
-            </a:schemeClr>
-          </a:lnRef>
-          <a:fillRef idx="1">
-            <a:schemeClr val="accent1"/>
-          </a:fillRef>
-          <a:effectRef idx="0">
-            <a:schemeClr val="accent1"/>
-          </a:effectRef>
-          <a:fontRef idx="minor">
-            <a:schemeClr val="lt1"/>
-          </a:fontRef>
-        </p:style>
-        <p:txBody>
-          <a:bodyPr rtlCol="0" anchor="ctr"/>
-          <a:lstStyle/>
-          <a:p>
-            <a:pPr algn="ctr"/>
-            <a:endParaRPr kumimoji="1" lang="ja-JP" altLang="en-US"/>
-          </a:p>
-        </p:txBody>
-      </p:sp>
-      <p:sp>
-        <p:nvSpPr>
-          <p:cNvPr id="8" name="テキスト ボックス 7">
-            <a:extLst>
-              <a:ext uri="{FF2B5EF4-FFF2-40B4-BE49-F238E27FC236}">
-                <a16:creationId xmlns:a16="http://schemas.microsoft.com/office/drawing/2014/main" id="{94D1D7A1-7F47-424B-B106-0727C54AE883}"/>
+                <a16:creationId xmlns:a16="http://schemas.microsoft.com/office/drawing/2014/main" id="{FE423E21-F4E6-32B4-2158-979001B8C503}"/>
               </a:ext>
             </a:extLst>
           </p:cNvPr>
@@ -6283,8 +6708,8 @@
         </p:nvSpPr>
         <p:spPr>
           <a:xfrm>
-            <a:off x="2840251" y="5843297"/>
-            <a:ext cx="6242064" cy="646331"/>
+            <a:off x="315686" y="293914"/>
+            <a:ext cx="1107996" cy="369332"/>
           </a:xfrm>
           <a:prstGeom prst="rect">
             <a:avLst/>
@@ -6292,94 +6717,6 @@
           <a:noFill/>
         </p:spPr>
         <p:txBody>
-          <a:bodyPr wrap="square" rtlCol="0">
-            <a:spAutoFit/>
-          </a:bodyPr>
-          <a:lstStyle/>
-          <a:p>
-            <a:pPr algn="l"/>
-            <a:r>
-              <a:rPr kumimoji="1" lang="en-US" altLang="ja-JP" dirty="0">
-                <a:latin typeface="メイリオ" panose="020B0604030504040204" pitchFamily="50" charset="-128"/>
-                <a:ea typeface="メイリオ" panose="020B0604030504040204" pitchFamily="50" charset="-128"/>
-              </a:rPr>
-              <a:t>.</a:t>
-            </a:r>
-            <a:r>
-              <a:rPr kumimoji="1" lang="en-US" altLang="ja-JP" dirty="0" err="1">
-                <a:latin typeface="メイリオ" panose="020B0604030504040204" pitchFamily="50" charset="-128"/>
-                <a:ea typeface="メイリオ" panose="020B0604030504040204" pitchFamily="50" charset="-128"/>
-              </a:rPr>
-              <a:t>iterrows</a:t>
-            </a:r>
-            <a:r>
-              <a:rPr kumimoji="1" lang="en-US" altLang="ja-JP" dirty="0">
-                <a:latin typeface="メイリオ" panose="020B0604030504040204" pitchFamily="50" charset="-128"/>
-                <a:ea typeface="メイリオ" panose="020B0604030504040204" pitchFamily="50" charset="-128"/>
-              </a:rPr>
-              <a:t>() </a:t>
-            </a:r>
-            <a:r>
-              <a:rPr kumimoji="1" lang="ja-JP" altLang="en-US" dirty="0">
-                <a:latin typeface="メイリオ" panose="020B0604030504040204" pitchFamily="50" charset="-128"/>
-                <a:ea typeface="メイリオ" panose="020B0604030504040204" pitchFamily="50" charset="-128"/>
-              </a:rPr>
-              <a:t>を使ってループすると、</a:t>
-            </a:r>
-            <a:r>
-              <a:rPr kumimoji="1" lang="en-US" altLang="ja-JP" dirty="0" err="1">
-                <a:latin typeface="メイリオ" panose="020B0604030504040204" pitchFamily="50" charset="-128"/>
-                <a:ea typeface="メイリオ" panose="020B0604030504040204" pitchFamily="50" charset="-128"/>
-              </a:rPr>
-              <a:t>dataframe</a:t>
-            </a:r>
-            <a:r>
-              <a:rPr kumimoji="1" lang="ja-JP" altLang="en-US" dirty="0">
-                <a:latin typeface="メイリオ" panose="020B0604030504040204" pitchFamily="50" charset="-128"/>
-                <a:ea typeface="メイリオ" panose="020B0604030504040204" pitchFamily="50" charset="-128"/>
-              </a:rPr>
-              <a:t>の行をごっそり取り出せる（</a:t>
-            </a:r>
-            <a:r>
-              <a:rPr kumimoji="1" lang="en-US" altLang="ja-JP" dirty="0">
-                <a:latin typeface="メイリオ" panose="020B0604030504040204" pitchFamily="50" charset="-128"/>
-                <a:ea typeface="メイリオ" panose="020B0604030504040204" pitchFamily="50" charset="-128"/>
-              </a:rPr>
-              <a:t>k</a:t>
-            </a:r>
-            <a:r>
-              <a:rPr kumimoji="1" lang="ja-JP" altLang="en-US" dirty="0">
-                <a:latin typeface="メイリオ" panose="020B0604030504040204" pitchFamily="50" charset="-128"/>
-                <a:ea typeface="メイリオ" panose="020B0604030504040204" pitchFamily="50" charset="-128"/>
-              </a:rPr>
-              <a:t>はインデックス）</a:t>
-            </a:r>
-          </a:p>
-        </p:txBody>
-      </p:sp>
-      <p:sp>
-        <p:nvSpPr>
-          <p:cNvPr id="9" name="テキスト ボックス 8">
-            <a:extLst>
-              <a:ext uri="{FF2B5EF4-FFF2-40B4-BE49-F238E27FC236}">
-                <a16:creationId xmlns:a16="http://schemas.microsoft.com/office/drawing/2014/main" id="{5F9F734D-4340-78D8-1987-3CCAA4D75044}"/>
-              </a:ext>
-            </a:extLst>
-          </p:cNvPr>
-          <p:cNvSpPr txBox="1"/>
-          <p:nvPr/>
-        </p:nvSpPr>
-        <p:spPr>
-          <a:xfrm>
-            <a:off x="2934071" y="1674674"/>
-            <a:ext cx="4227247" cy="1754326"/>
-          </a:xfrm>
-          <a:prstGeom prst="rect">
-            <a:avLst/>
-          </a:prstGeom>
-          <a:noFill/>
-        </p:spPr>
-        <p:txBody>
           <a:bodyPr wrap="none" rtlCol="0">
             <a:spAutoFit/>
           </a:bodyPr>
@@ -6391,202 +6728,15 @@
                 <a:latin typeface="メイリオ" panose="020B0604030504040204" pitchFamily="50" charset="-128"/>
                 <a:ea typeface="メイリオ" panose="020B0604030504040204" pitchFamily="50" charset="-128"/>
               </a:rPr>
-              <a:t>　　　</a:t>
-            </a:r>
-            <a:r>
-              <a:rPr kumimoji="1" lang="en-US" altLang="ja-JP" dirty="0">
-                <a:latin typeface="メイリオ" panose="020B0604030504040204" pitchFamily="50" charset="-128"/>
-                <a:ea typeface="メイリオ" panose="020B0604030504040204" pitchFamily="50" charset="-128"/>
-              </a:rPr>
-              <a:t>     City </a:t>
-            </a:r>
-            <a:r>
-              <a:rPr kumimoji="1" lang="ja-JP" altLang="en-US" dirty="0">
-                <a:latin typeface="メイリオ" panose="020B0604030504040204" pitchFamily="50" charset="-128"/>
-                <a:ea typeface="メイリオ" panose="020B0604030504040204" pitchFamily="50" charset="-128"/>
-              </a:rPr>
-              <a:t>　</a:t>
-            </a:r>
-            <a:r>
-              <a:rPr kumimoji="1" lang="en-US" altLang="ja-JP" dirty="0">
-                <a:latin typeface="メイリオ" panose="020B0604030504040204" pitchFamily="50" charset="-128"/>
-                <a:ea typeface="メイリオ" panose="020B0604030504040204" pitchFamily="50" charset="-128"/>
-              </a:rPr>
-              <a:t>Birth Year      Name</a:t>
-            </a:r>
-          </a:p>
-          <a:p>
-            <a:pPr algn="l"/>
-            <a:r>
-              <a:rPr kumimoji="1" lang="en-US" altLang="ja-JP" dirty="0">
-                <a:latin typeface="メイリオ" panose="020B0604030504040204" pitchFamily="50" charset="-128"/>
-                <a:ea typeface="メイリオ" panose="020B0604030504040204" pitchFamily="50" charset="-128"/>
-              </a:rPr>
-              <a:t>  100     </a:t>
-            </a:r>
-            <a:r>
-              <a:rPr kumimoji="1" lang="en-US" altLang="ja-JP" dirty="0" err="1">
-                <a:latin typeface="メイリオ" panose="020B0604030504040204" pitchFamily="50" charset="-128"/>
-                <a:ea typeface="メイリオ" panose="020B0604030504040204" pitchFamily="50" charset="-128"/>
-              </a:rPr>
-              <a:t>tokyo</a:t>
-            </a:r>
-            <a:r>
-              <a:rPr kumimoji="1" lang="en-US" altLang="ja-JP" dirty="0">
-                <a:latin typeface="メイリオ" panose="020B0604030504040204" pitchFamily="50" charset="-128"/>
-                <a:ea typeface="メイリオ" panose="020B0604030504040204" pitchFamily="50" charset="-128"/>
-              </a:rPr>
-              <a:t>       1990 </a:t>
-            </a:r>
-            <a:r>
-              <a:rPr kumimoji="1" lang="ja-JP" altLang="en-US" dirty="0">
-                <a:latin typeface="メイリオ" panose="020B0604030504040204" pitchFamily="50" charset="-128"/>
-                <a:ea typeface="メイリオ" panose="020B0604030504040204" pitchFamily="50" charset="-128"/>
-              </a:rPr>
-              <a:t>　   </a:t>
-            </a:r>
-            <a:r>
-              <a:rPr kumimoji="1" lang="en-US" altLang="ja-JP" dirty="0">
-                <a:latin typeface="メイリオ" panose="020B0604030504040204" pitchFamily="50" charset="-128"/>
-                <a:ea typeface="メイリオ" panose="020B0604030504040204" pitchFamily="50" charset="-128"/>
-              </a:rPr>
-              <a:t>Hiroshi</a:t>
-            </a:r>
-          </a:p>
-          <a:p>
-            <a:pPr algn="l"/>
-            <a:r>
-              <a:rPr kumimoji="1" lang="en-US" altLang="ja-JP" dirty="0">
-                <a:latin typeface="メイリオ" panose="020B0604030504040204" pitchFamily="50" charset="-128"/>
-                <a:ea typeface="メイリオ" panose="020B0604030504040204" pitchFamily="50" charset="-128"/>
-              </a:rPr>
-              <a:t>  101     </a:t>
-            </a:r>
-            <a:r>
-              <a:rPr kumimoji="1" lang="en-US" altLang="ja-JP" dirty="0" err="1">
-                <a:latin typeface="メイリオ" panose="020B0604030504040204" pitchFamily="50" charset="-128"/>
-                <a:ea typeface="メイリオ" panose="020B0604030504040204" pitchFamily="50" charset="-128"/>
-              </a:rPr>
-              <a:t>osaka</a:t>
-            </a:r>
-            <a:r>
-              <a:rPr kumimoji="1" lang="en-US" altLang="ja-JP" dirty="0">
-                <a:latin typeface="メイリオ" panose="020B0604030504040204" pitchFamily="50" charset="-128"/>
-                <a:ea typeface="メイリオ" panose="020B0604030504040204" pitchFamily="50" charset="-128"/>
-              </a:rPr>
-              <a:t>       1989   </a:t>
-            </a:r>
-            <a:r>
-              <a:rPr kumimoji="1" lang="ja-JP" altLang="en-US" dirty="0">
-                <a:latin typeface="メイリオ" panose="020B0604030504040204" pitchFamily="50" charset="-128"/>
-                <a:ea typeface="メイリオ" panose="020B0604030504040204" pitchFamily="50" charset="-128"/>
-              </a:rPr>
-              <a:t>　 </a:t>
-            </a:r>
-            <a:r>
-              <a:rPr kumimoji="1" lang="en-US" altLang="ja-JP" dirty="0">
-                <a:latin typeface="メイリオ" panose="020B0604030504040204" pitchFamily="50" charset="-128"/>
-                <a:ea typeface="メイリオ" panose="020B0604030504040204" pitchFamily="50" charset="-128"/>
-              </a:rPr>
-              <a:t>Akiko</a:t>
-            </a:r>
-          </a:p>
-          <a:p>
-            <a:pPr algn="l"/>
-            <a:r>
-              <a:rPr kumimoji="1" lang="en-US" altLang="ja-JP" dirty="0">
-                <a:latin typeface="メイリオ" panose="020B0604030504040204" pitchFamily="50" charset="-128"/>
-                <a:ea typeface="メイリオ" panose="020B0604030504040204" pitchFamily="50" charset="-128"/>
-              </a:rPr>
-              <a:t>  102     </a:t>
-            </a:r>
-            <a:r>
-              <a:rPr kumimoji="1" lang="en-US" altLang="ja-JP" dirty="0" err="1">
-                <a:latin typeface="メイリオ" panose="020B0604030504040204" pitchFamily="50" charset="-128"/>
-                <a:ea typeface="メイリオ" panose="020B0604030504040204" pitchFamily="50" charset="-128"/>
-              </a:rPr>
-              <a:t>kyoto</a:t>
-            </a:r>
-            <a:r>
-              <a:rPr kumimoji="1" lang="en-US" altLang="ja-JP" dirty="0">
-                <a:latin typeface="メイリオ" panose="020B0604030504040204" pitchFamily="50" charset="-128"/>
-                <a:ea typeface="メイリオ" panose="020B0604030504040204" pitchFamily="50" charset="-128"/>
-              </a:rPr>
-              <a:t>       1992       Yuki</a:t>
-            </a:r>
-          </a:p>
-          <a:p>
-            <a:pPr algn="l"/>
-            <a:r>
-              <a:rPr kumimoji="1" lang="en-US" altLang="ja-JP" dirty="0">
-                <a:latin typeface="メイリオ" panose="020B0604030504040204" pitchFamily="50" charset="-128"/>
-                <a:ea typeface="メイリオ" panose="020B0604030504040204" pitchFamily="50" charset="-128"/>
-              </a:rPr>
-              <a:t>  103  </a:t>
-            </a:r>
-            <a:r>
-              <a:rPr kumimoji="1" lang="en-US" altLang="ja-JP" dirty="0" err="1">
-                <a:latin typeface="メイリオ" panose="020B0604030504040204" pitchFamily="50" charset="-128"/>
-                <a:ea typeface="メイリオ" panose="020B0604030504040204" pitchFamily="50" charset="-128"/>
-              </a:rPr>
-              <a:t>hokkaido</a:t>
-            </a:r>
-            <a:r>
-              <a:rPr kumimoji="1" lang="en-US" altLang="ja-JP" dirty="0">
-                <a:latin typeface="メイリオ" panose="020B0604030504040204" pitchFamily="50" charset="-128"/>
-                <a:ea typeface="メイリオ" panose="020B0604030504040204" pitchFamily="50" charset="-128"/>
-              </a:rPr>
-              <a:t>     1997   </a:t>
-            </a:r>
-            <a:r>
-              <a:rPr kumimoji="1" lang="ja-JP" altLang="en-US" dirty="0">
-                <a:latin typeface="メイリオ" panose="020B0604030504040204" pitchFamily="50" charset="-128"/>
-                <a:ea typeface="メイリオ" panose="020B0604030504040204" pitchFamily="50" charset="-128"/>
-              </a:rPr>
-              <a:t>　 </a:t>
-            </a:r>
-            <a:r>
-              <a:rPr kumimoji="1" lang="en-US" altLang="ja-JP" dirty="0">
-                <a:latin typeface="メイリオ" panose="020B0604030504040204" pitchFamily="50" charset="-128"/>
-                <a:ea typeface="メイリオ" panose="020B0604030504040204" pitchFamily="50" charset="-128"/>
-              </a:rPr>
-              <a:t>Satoru</a:t>
-            </a:r>
-          </a:p>
-          <a:p>
-            <a:pPr algn="l"/>
-            <a:r>
-              <a:rPr kumimoji="1" lang="en-US" altLang="ja-JP" dirty="0">
-                <a:latin typeface="メイリオ" panose="020B0604030504040204" pitchFamily="50" charset="-128"/>
-                <a:ea typeface="メイリオ" panose="020B0604030504040204" pitchFamily="50" charset="-128"/>
-              </a:rPr>
-              <a:t>  104     </a:t>
-            </a:r>
-            <a:r>
-              <a:rPr kumimoji="1" lang="en-US" altLang="ja-JP" dirty="0" err="1">
-                <a:latin typeface="メイリオ" panose="020B0604030504040204" pitchFamily="50" charset="-128"/>
-                <a:ea typeface="メイリオ" panose="020B0604030504040204" pitchFamily="50" charset="-128"/>
-              </a:rPr>
-              <a:t>tokyo</a:t>
-            </a:r>
-            <a:r>
-              <a:rPr kumimoji="1" lang="en-US" altLang="ja-JP" dirty="0">
-                <a:latin typeface="メイリオ" panose="020B0604030504040204" pitchFamily="50" charset="-128"/>
-                <a:ea typeface="メイリオ" panose="020B0604030504040204" pitchFamily="50" charset="-128"/>
-              </a:rPr>
-              <a:t>       1982       Steve</a:t>
-            </a:r>
-            <a:endParaRPr kumimoji="1" lang="ja-JP" altLang="en-US" dirty="0">
-              <a:latin typeface="メイリオ" panose="020B0604030504040204" pitchFamily="50" charset="-128"/>
-              <a:ea typeface="メイリオ" panose="020B0604030504040204" pitchFamily="50" charset="-128"/>
-            </a:endParaRPr>
+              <a:t>演習続き</a:t>
+            </a:r>
           </a:p>
         </p:txBody>
       </p:sp>
     </p:spTree>
     <p:extLst>
       <p:ext uri="{BB962C8B-B14F-4D97-AF65-F5344CB8AC3E}">
-        <p14:creationId xmlns:p14="http://schemas.microsoft.com/office/powerpoint/2010/main" val="3140637600"/>
+        <p14:creationId xmlns:p14="http://schemas.microsoft.com/office/powerpoint/2010/main" val="2140401668"/>
       </p:ext>
     </p:extLst>
   </p:cSld>
@@ -6615,10 +6765,10 @@
       </p:grpSpPr>
       <p:sp>
         <p:nvSpPr>
-          <p:cNvPr id="2" name="テキスト ボックス 1">
+          <p:cNvPr id="3" name="テキスト ボックス 2">
             <a:extLst>
               <a:ext uri="{FF2B5EF4-FFF2-40B4-BE49-F238E27FC236}">
-                <a16:creationId xmlns:a16="http://schemas.microsoft.com/office/drawing/2014/main" id="{A226EBE3-B988-DFC3-4F81-68557FDEB950}"/>
+                <a16:creationId xmlns:a16="http://schemas.microsoft.com/office/drawing/2014/main" id="{6B49FAF6-F763-4AC3-918D-56C38A32199A}"/>
               </a:ext>
             </a:extLst>
           </p:cNvPr>
@@ -6627,8 +6777,8 @@
         </p:nvSpPr>
         <p:spPr>
           <a:xfrm>
-            <a:off x="729343" y="685800"/>
-            <a:ext cx="646331" cy="369332"/>
+            <a:off x="457565" y="500667"/>
+            <a:ext cx="5335115" cy="523220"/>
           </a:xfrm>
           <a:prstGeom prst="rect">
             <a:avLst/>
@@ -6643,21 +6793,35 @@
           <a:p>
             <a:pPr algn="l"/>
             <a:r>
-              <a:rPr kumimoji="1" lang="ja-JP" altLang="en-US" dirty="0">
-                <a:latin typeface="メイリオ" panose="020B0604030504040204" pitchFamily="50" charset="-128"/>
-                <a:ea typeface="メイリオ" panose="020B0604030504040204" pitchFamily="50" charset="-128"/>
-              </a:rPr>
-              <a:t>演習</a:t>
-            </a:r>
-          </a:p>
-        </p:txBody>
-      </p:sp>
-      <p:sp>
-        <p:nvSpPr>
-          <p:cNvPr id="5" name="テキスト ボックス 4">
+              <a:rPr kumimoji="1" lang="ja-JP" altLang="en-US" sz="2800" dirty="0">
+                <a:latin typeface="メイリオ" panose="020B0604030504040204" pitchFamily="50" charset="-128"/>
+                <a:ea typeface="メイリオ" panose="020B0604030504040204" pitchFamily="50" charset="-128"/>
+              </a:rPr>
+              <a:t>各行を</a:t>
+            </a:r>
+            <a:r>
+              <a:rPr kumimoji="1" lang="en-US" altLang="ja-JP" sz="2800" dirty="0">
+                <a:latin typeface="メイリオ" panose="020B0604030504040204" pitchFamily="50" charset="-128"/>
+                <a:ea typeface="メイリオ" panose="020B0604030504040204" pitchFamily="50" charset="-128"/>
+              </a:rPr>
+              <a:t>for</a:t>
+            </a:r>
+            <a:r>
+              <a:rPr kumimoji="1" lang="ja-JP" altLang="en-US" sz="2800" dirty="0">
+                <a:latin typeface="メイリオ" panose="020B0604030504040204" pitchFamily="50" charset="-128"/>
+                <a:ea typeface="メイリオ" panose="020B0604030504040204" pitchFamily="50" charset="-128"/>
+              </a:rPr>
+              <a:t>文で取り出すには？？</a:t>
+            </a:r>
+          </a:p>
+        </p:txBody>
+      </p:sp>
+      <p:sp>
+        <p:nvSpPr>
+          <p:cNvPr id="4" name="テキスト ボックス 3">
             <a:extLst>
               <a:ext uri="{FF2B5EF4-FFF2-40B4-BE49-F238E27FC236}">
-                <a16:creationId xmlns:a16="http://schemas.microsoft.com/office/drawing/2014/main" id="{BC044036-3339-54FD-69F6-AD06248405AD}"/>
+                <a16:creationId xmlns:a16="http://schemas.microsoft.com/office/drawing/2014/main" id="{B3E3100C-A8D6-4839-8C45-32A78F99ECAB}"/>
               </a:ext>
             </a:extLst>
           </p:cNvPr>
@@ -6666,8 +6830,8 @@
         </p:nvSpPr>
         <p:spPr>
           <a:xfrm>
-            <a:off x="1073424" y="1513114"/>
-            <a:ext cx="5176353" cy="369332"/>
+            <a:off x="2934071" y="4418431"/>
+            <a:ext cx="4483535" cy="1200329"/>
           </a:xfrm>
           <a:prstGeom prst="rect">
             <a:avLst/>
@@ -6680,51 +6844,152 @@
           </a:bodyPr>
           <a:lstStyle/>
           <a:p>
+            <a:r>
+              <a:rPr kumimoji="1" lang="en-US" altLang="ja-JP" sz="2400" dirty="0">
+                <a:latin typeface="メイリオ" panose="020B0604030504040204" pitchFamily="50" charset="-128"/>
+                <a:ea typeface="メイリオ" panose="020B0604030504040204" pitchFamily="50" charset="-128"/>
+              </a:rPr>
+              <a:t>for k, row in </a:t>
+            </a:r>
+            <a:r>
+              <a:rPr kumimoji="1" lang="en-US" altLang="ja-JP" sz="2400" dirty="0" err="1">
+                <a:latin typeface="メイリオ" panose="020B0604030504040204" pitchFamily="50" charset="-128"/>
+                <a:ea typeface="メイリオ" panose="020B0604030504040204" pitchFamily="50" charset="-128"/>
+              </a:rPr>
+              <a:t>df.iterrows</a:t>
+            </a:r>
+            <a:r>
+              <a:rPr kumimoji="1" lang="en-US" altLang="ja-JP" sz="2400" dirty="0">
+                <a:latin typeface="メイリオ" panose="020B0604030504040204" pitchFamily="50" charset="-128"/>
+                <a:ea typeface="メイリオ" panose="020B0604030504040204" pitchFamily="50" charset="-128"/>
+              </a:rPr>
+              <a:t>():</a:t>
+            </a:r>
+            <a:endParaRPr kumimoji="1" lang="ja-JP" altLang="en-US" sz="2400" dirty="0">
+              <a:latin typeface="メイリオ" panose="020B0604030504040204" pitchFamily="50" charset="-128"/>
+              <a:ea typeface="メイリオ" panose="020B0604030504040204" pitchFamily="50" charset="-128"/>
+            </a:endParaRPr>
+          </a:p>
+          <a:p>
             <a:pPr algn="l"/>
             <a:r>
-              <a:rPr kumimoji="1" lang="ja-JP" altLang="en-US" dirty="0">
-                <a:latin typeface="メイリオ" panose="020B0604030504040204" pitchFamily="50" charset="-128"/>
-                <a:ea typeface="メイリオ" panose="020B0604030504040204" pitchFamily="50" charset="-128"/>
-              </a:rPr>
-              <a:t>前頁の</a:t>
-            </a:r>
-            <a:r>
-              <a:rPr kumimoji="1" lang="en-US" altLang="ja-JP" dirty="0" err="1">
-                <a:latin typeface="メイリオ" panose="020B0604030504040204" pitchFamily="50" charset="-128"/>
-                <a:ea typeface="メイリオ" panose="020B0604030504040204" pitchFamily="50" charset="-128"/>
-              </a:rPr>
-              <a:t>dataframe</a:t>
-            </a:r>
-            <a:r>
-              <a:rPr kumimoji="1" lang="ja-JP" altLang="en-US" dirty="0">
-                <a:latin typeface="メイリオ" panose="020B0604030504040204" pitchFamily="50" charset="-128"/>
-                <a:ea typeface="メイリオ" panose="020B0604030504040204" pitchFamily="50" charset="-128"/>
-              </a:rPr>
-              <a:t>を</a:t>
-            </a:r>
-            <a:r>
-              <a:rPr kumimoji="1" lang="en-US" altLang="ja-JP" dirty="0">
-                <a:latin typeface="メイリオ" panose="020B0604030504040204" pitchFamily="50" charset="-128"/>
-                <a:ea typeface="メイリオ" panose="020B0604030504040204" pitchFamily="50" charset="-128"/>
-              </a:rPr>
-              <a:t>1</a:t>
-            </a:r>
-            <a:r>
-              <a:rPr kumimoji="1" lang="ja-JP" altLang="en-US" dirty="0">
-                <a:latin typeface="メイリオ" panose="020B0604030504040204" pitchFamily="50" charset="-128"/>
-                <a:ea typeface="メイリオ" panose="020B0604030504040204" pitchFamily="50" charset="-128"/>
-              </a:rPr>
-              <a:t>行づつ取り出して表示せよ</a:t>
-            </a:r>
-          </a:p>
-        </p:txBody>
-      </p:sp>
-      <p:sp>
-        <p:nvSpPr>
-          <p:cNvPr id="6" name="テキスト ボックス 5">
+              <a:rPr kumimoji="1" lang="en-US" altLang="ja-JP" sz="2400" dirty="0">
+                <a:latin typeface="メイリオ" panose="020B0604030504040204" pitchFamily="50" charset="-128"/>
+                <a:ea typeface="メイリオ" panose="020B0604030504040204" pitchFamily="50" charset="-128"/>
+              </a:rPr>
+              <a:t>	for </a:t>
+            </a:r>
+            <a:r>
+              <a:rPr kumimoji="1" lang="en-US" altLang="ja-JP" sz="2400" dirty="0" err="1">
+                <a:latin typeface="メイリオ" panose="020B0604030504040204" pitchFamily="50" charset="-128"/>
+                <a:ea typeface="メイリオ" panose="020B0604030504040204" pitchFamily="50" charset="-128"/>
+              </a:rPr>
+              <a:t>i</a:t>
+            </a:r>
+            <a:r>
+              <a:rPr kumimoji="1" lang="en-US" altLang="ja-JP" sz="2400" dirty="0">
+                <a:latin typeface="メイリオ" panose="020B0604030504040204" pitchFamily="50" charset="-128"/>
+                <a:ea typeface="メイリオ" panose="020B0604030504040204" pitchFamily="50" charset="-128"/>
+              </a:rPr>
+              <a:t>, item in </a:t>
+            </a:r>
+            <a:r>
+              <a:rPr kumimoji="1" lang="en-US" altLang="ja-JP" sz="2400" dirty="0" err="1">
+                <a:latin typeface="メイリオ" panose="020B0604030504040204" pitchFamily="50" charset="-128"/>
+                <a:ea typeface="メイリオ" panose="020B0604030504040204" pitchFamily="50" charset="-128"/>
+              </a:rPr>
+              <a:t>row.items</a:t>
+            </a:r>
+            <a:r>
+              <a:rPr kumimoji="1" lang="en-US" altLang="ja-JP" sz="2400" dirty="0">
+                <a:latin typeface="メイリオ" panose="020B0604030504040204" pitchFamily="50" charset="-128"/>
+                <a:ea typeface="メイリオ" panose="020B0604030504040204" pitchFamily="50" charset="-128"/>
+              </a:rPr>
+              <a:t>():</a:t>
+            </a:r>
+          </a:p>
+          <a:p>
+            <a:pPr algn="l"/>
+            <a:r>
+              <a:rPr kumimoji="1" lang="en-US" altLang="ja-JP" sz="2400" dirty="0">
+                <a:latin typeface="メイリオ" panose="020B0604030504040204" pitchFamily="50" charset="-128"/>
+                <a:ea typeface="メイリオ" panose="020B0604030504040204" pitchFamily="50" charset="-128"/>
+              </a:rPr>
+              <a:t>		print(</a:t>
+            </a:r>
+            <a:r>
+              <a:rPr kumimoji="1" lang="en-US" altLang="ja-JP" sz="2400" dirty="0" err="1">
+                <a:latin typeface="メイリオ" panose="020B0604030504040204" pitchFamily="50" charset="-128"/>
+                <a:ea typeface="メイリオ" panose="020B0604030504040204" pitchFamily="50" charset="-128"/>
+              </a:rPr>
+              <a:t>i.item</a:t>
+            </a:r>
+            <a:r>
+              <a:rPr kumimoji="1" lang="en-US" altLang="ja-JP" sz="2400" dirty="0">
+                <a:latin typeface="メイリオ" panose="020B0604030504040204" pitchFamily="50" charset="-128"/>
+                <a:ea typeface="メイリオ" panose="020B0604030504040204" pitchFamily="50" charset="-128"/>
+              </a:rPr>
+              <a:t>)	 </a:t>
+            </a:r>
+            <a:endParaRPr kumimoji="1" lang="ja-JP" altLang="en-US" sz="2400" dirty="0">
+              <a:latin typeface="メイリオ" panose="020B0604030504040204" pitchFamily="50" charset="-128"/>
+              <a:ea typeface="メイリオ" panose="020B0604030504040204" pitchFamily="50" charset="-128"/>
+            </a:endParaRPr>
+          </a:p>
+        </p:txBody>
+      </p:sp>
+      <p:sp>
+        <p:nvSpPr>
+          <p:cNvPr id="6" name="矢印: 下 5">
             <a:extLst>
               <a:ext uri="{FF2B5EF4-FFF2-40B4-BE49-F238E27FC236}">
-                <a16:creationId xmlns:a16="http://schemas.microsoft.com/office/drawing/2014/main" id="{F31351D1-3559-55BC-C38E-4C3AB69E597B}"/>
+                <a16:creationId xmlns:a16="http://schemas.microsoft.com/office/drawing/2014/main" id="{101B82B8-42D0-4EA5-A98D-431D12D26327}"/>
+              </a:ext>
+            </a:extLst>
+          </p:cNvPr>
+          <p:cNvSpPr/>
+          <p:nvPr/>
+        </p:nvSpPr>
+        <p:spPr>
+          <a:xfrm>
+            <a:off x="4622836" y="3670112"/>
+            <a:ext cx="1447060" cy="523782"/>
+          </a:xfrm>
+          <a:prstGeom prst="downArrow">
+            <a:avLst/>
+          </a:prstGeom>
+        </p:spPr>
+        <p:style>
+          <a:lnRef idx="2">
+            <a:schemeClr val="accent1">
+              <a:shade val="50000"/>
+            </a:schemeClr>
+          </a:lnRef>
+          <a:fillRef idx="1">
+            <a:schemeClr val="accent1"/>
+          </a:fillRef>
+          <a:effectRef idx="0">
+            <a:schemeClr val="accent1"/>
+          </a:effectRef>
+          <a:fontRef idx="minor">
+            <a:schemeClr val="lt1"/>
+          </a:fontRef>
+        </p:style>
+        <p:txBody>
+          <a:bodyPr rtlCol="0" anchor="ctr"/>
+          <a:lstStyle/>
+          <a:p>
+            <a:pPr algn="ctr"/>
+            <a:endParaRPr kumimoji="1" lang="ja-JP" altLang="en-US"/>
+          </a:p>
+        </p:txBody>
+      </p:sp>
+      <p:sp>
+        <p:nvSpPr>
+          <p:cNvPr id="8" name="テキスト ボックス 7">
+            <a:extLst>
+              <a:ext uri="{FF2B5EF4-FFF2-40B4-BE49-F238E27FC236}">
+                <a16:creationId xmlns:a16="http://schemas.microsoft.com/office/drawing/2014/main" id="{94D1D7A1-7F47-424B-B106-0727C54AE883}"/>
               </a:ext>
             </a:extLst>
           </p:cNvPr>
@@ -6733,8 +6998,8 @@
         </p:nvSpPr>
         <p:spPr>
           <a:xfrm>
-            <a:off x="1730335" y="2177143"/>
-            <a:ext cx="877163" cy="369332"/>
+            <a:off x="2840251" y="5843297"/>
+            <a:ext cx="6242064" cy="646331"/>
           </a:xfrm>
           <a:prstGeom prst="rect">
             <a:avLst/>
@@ -6742,28 +7007,77 @@
           <a:noFill/>
         </p:spPr>
         <p:txBody>
-          <a:bodyPr wrap="none" rtlCol="0">
+          <a:bodyPr wrap="square" rtlCol="0">
             <a:spAutoFit/>
           </a:bodyPr>
           <a:lstStyle/>
           <a:p>
             <a:pPr algn="l"/>
             <a:r>
+              <a:rPr kumimoji="1" lang="en-US" altLang="ja-JP" dirty="0">
+                <a:latin typeface="メイリオ" panose="020B0604030504040204" pitchFamily="50" charset="-128"/>
+                <a:ea typeface="メイリオ" panose="020B0604030504040204" pitchFamily="50" charset="-128"/>
+              </a:rPr>
+              <a:t>.</a:t>
+            </a:r>
+            <a:r>
+              <a:rPr kumimoji="1" lang="en-US" altLang="ja-JP" dirty="0" err="1">
+                <a:latin typeface="メイリオ" panose="020B0604030504040204" pitchFamily="50" charset="-128"/>
+                <a:ea typeface="メイリオ" panose="020B0604030504040204" pitchFamily="50" charset="-128"/>
+              </a:rPr>
+              <a:t>iterrows</a:t>
+            </a:r>
+            <a:r>
+              <a:rPr kumimoji="1" lang="en-US" altLang="ja-JP" dirty="0">
+                <a:latin typeface="メイリオ" panose="020B0604030504040204" pitchFamily="50" charset="-128"/>
+                <a:ea typeface="メイリオ" panose="020B0604030504040204" pitchFamily="50" charset="-128"/>
+              </a:rPr>
+              <a:t>() </a:t>
+            </a:r>
+            <a:r>
               <a:rPr kumimoji="1" lang="ja-JP" altLang="en-US" dirty="0">
                 <a:latin typeface="メイリオ" panose="020B0604030504040204" pitchFamily="50" charset="-128"/>
                 <a:ea typeface="メイリオ" panose="020B0604030504040204" pitchFamily="50" charset="-128"/>
               </a:rPr>
-              <a:t>ヒント</a:t>
-            </a:r>
-          </a:p>
-        </p:txBody>
-      </p:sp>
-      <p:sp>
-        <p:nvSpPr>
-          <p:cNvPr id="7" name="テキスト ボックス 6">
+              <a:t>を使ってループすると、</a:t>
+            </a:r>
+            <a:r>
+              <a:rPr kumimoji="1" lang="en-US" altLang="ja-JP" dirty="0" err="1">
+                <a:latin typeface="メイリオ" panose="020B0604030504040204" pitchFamily="50" charset="-128"/>
+                <a:ea typeface="メイリオ" panose="020B0604030504040204" pitchFamily="50" charset="-128"/>
+              </a:rPr>
+              <a:t>dataframe</a:t>
+            </a:r>
+            <a:r>
+              <a:rPr kumimoji="1" lang="ja-JP" altLang="en-US" dirty="0">
+                <a:latin typeface="メイリオ" panose="020B0604030504040204" pitchFamily="50" charset="-128"/>
+                <a:ea typeface="メイリオ" panose="020B0604030504040204" pitchFamily="50" charset="-128"/>
+              </a:rPr>
+              <a:t>の行をごっそり取り出せる（</a:t>
+            </a:r>
+            <a:r>
+              <a:rPr kumimoji="1" lang="en-US" altLang="ja-JP" dirty="0">
+                <a:latin typeface="メイリオ" panose="020B0604030504040204" pitchFamily="50" charset="-128"/>
+                <a:ea typeface="メイリオ" panose="020B0604030504040204" pitchFamily="50" charset="-128"/>
+              </a:rPr>
+              <a:t>k</a:t>
+            </a:r>
+            <a:r>
+              <a:rPr kumimoji="1" lang="ja-JP" altLang="en-US" dirty="0">
+                <a:latin typeface="メイリオ" panose="020B0604030504040204" pitchFamily="50" charset="-128"/>
+                <a:ea typeface="メイリオ" panose="020B0604030504040204" pitchFamily="50" charset="-128"/>
+              </a:rPr>
+              <a:t>はインデックス）</a:t>
+            </a:r>
+          </a:p>
+        </p:txBody>
+      </p:sp>
+      <p:sp>
+        <p:nvSpPr>
+          <p:cNvPr id="9" name="テキスト ボックス 8">
             <a:extLst>
               <a:ext uri="{FF2B5EF4-FFF2-40B4-BE49-F238E27FC236}">
-                <a16:creationId xmlns:a16="http://schemas.microsoft.com/office/drawing/2014/main" id="{9BCBBC56-4FF4-93DE-7A74-3FC63723E218}"/>
+                <a16:creationId xmlns:a16="http://schemas.microsoft.com/office/drawing/2014/main" id="{5F9F734D-4340-78D8-1987-3CCAA4D75044}"/>
               </a:ext>
             </a:extLst>
           </p:cNvPr>
@@ -6772,8 +7086,8 @@
         </p:nvSpPr>
         <p:spPr>
           <a:xfrm>
-            <a:off x="2721428" y="2175532"/>
-            <a:ext cx="7333674" cy="646331"/>
+            <a:off x="2934071" y="1674674"/>
+            <a:ext cx="4227247" cy="1754326"/>
           </a:xfrm>
           <a:prstGeom prst="rect">
             <a:avLst/>
@@ -6788,20 +7102,195 @@
           <a:p>
             <a:pPr algn="l"/>
             <a:r>
+              <a:rPr kumimoji="1" lang="ja-JP" altLang="en-US" dirty="0">
+                <a:latin typeface="メイリオ" panose="020B0604030504040204" pitchFamily="50" charset="-128"/>
+                <a:ea typeface="メイリオ" panose="020B0604030504040204" pitchFamily="50" charset="-128"/>
+              </a:rPr>
+              <a:t>　　　</a:t>
+            </a:r>
+            <a:r>
               <a:rPr kumimoji="1" lang="en-US" altLang="ja-JP" dirty="0">
                 <a:latin typeface="メイリオ" panose="020B0604030504040204" pitchFamily="50" charset="-128"/>
                 <a:ea typeface="メイリオ" panose="020B0604030504040204" pitchFamily="50" charset="-128"/>
-                <a:hlinkClick r:id="rId2"/>
-              </a:rPr>
-              <a:t>https://note.nkmk.me/python-pandas-dataframe-for-iteration/</a:t>
-            </a:r>
-            <a:endParaRPr kumimoji="1" lang="en-US" altLang="ja-JP" dirty="0">
-              <a:latin typeface="メイリオ" panose="020B0604030504040204" pitchFamily="50" charset="-128"/>
-              <a:ea typeface="メイリオ" panose="020B0604030504040204" pitchFamily="50" charset="-128"/>
-            </a:endParaRPr>
+              </a:rPr>
+              <a:t>     City </a:t>
+            </a:r>
+            <a:r>
+              <a:rPr kumimoji="1" lang="ja-JP" altLang="en-US" dirty="0">
+                <a:latin typeface="メイリオ" panose="020B0604030504040204" pitchFamily="50" charset="-128"/>
+                <a:ea typeface="メイリオ" panose="020B0604030504040204" pitchFamily="50" charset="-128"/>
+              </a:rPr>
+              <a:t>　</a:t>
+            </a:r>
+            <a:r>
+              <a:rPr kumimoji="1" lang="en-US" altLang="ja-JP" dirty="0">
+                <a:latin typeface="メイリオ" panose="020B0604030504040204" pitchFamily="50" charset="-128"/>
+                <a:ea typeface="メイリオ" panose="020B0604030504040204" pitchFamily="50" charset="-128"/>
+              </a:rPr>
+              <a:t>Birth Year      Name</a:t>
+            </a:r>
           </a:p>
           <a:p>
             <a:pPr algn="l"/>
+            <a:r>
+              <a:rPr kumimoji="1" lang="en-US" altLang="ja-JP" dirty="0">
+                <a:latin typeface="メイリオ" panose="020B0604030504040204" pitchFamily="50" charset="-128"/>
+                <a:ea typeface="メイリオ" panose="020B0604030504040204" pitchFamily="50" charset="-128"/>
+              </a:rPr>
+              <a:t>  100     </a:t>
+            </a:r>
+            <a:r>
+              <a:rPr kumimoji="1" lang="en-US" altLang="ja-JP" dirty="0" err="1">
+                <a:latin typeface="メイリオ" panose="020B0604030504040204" pitchFamily="50" charset="-128"/>
+                <a:ea typeface="メイリオ" panose="020B0604030504040204" pitchFamily="50" charset="-128"/>
+              </a:rPr>
+              <a:t>tokyo</a:t>
+            </a:r>
+            <a:r>
+              <a:rPr kumimoji="1" lang="en-US" altLang="ja-JP" dirty="0">
+                <a:latin typeface="メイリオ" panose="020B0604030504040204" pitchFamily="50" charset="-128"/>
+                <a:ea typeface="メイリオ" panose="020B0604030504040204" pitchFamily="50" charset="-128"/>
+              </a:rPr>
+              <a:t>       1990 </a:t>
+            </a:r>
+            <a:r>
+              <a:rPr kumimoji="1" lang="ja-JP" altLang="en-US" dirty="0">
+                <a:latin typeface="メイリオ" panose="020B0604030504040204" pitchFamily="50" charset="-128"/>
+                <a:ea typeface="メイリオ" panose="020B0604030504040204" pitchFamily="50" charset="-128"/>
+              </a:rPr>
+              <a:t>　   </a:t>
+            </a:r>
+            <a:r>
+              <a:rPr kumimoji="1" lang="en-US" altLang="ja-JP" dirty="0">
+                <a:latin typeface="メイリオ" panose="020B0604030504040204" pitchFamily="50" charset="-128"/>
+                <a:ea typeface="メイリオ" panose="020B0604030504040204" pitchFamily="50" charset="-128"/>
+              </a:rPr>
+              <a:t>Hiroshi</a:t>
+            </a:r>
+          </a:p>
+          <a:p>
+            <a:pPr algn="l"/>
+            <a:r>
+              <a:rPr kumimoji="1" lang="en-US" altLang="ja-JP" dirty="0">
+                <a:latin typeface="メイリオ" panose="020B0604030504040204" pitchFamily="50" charset="-128"/>
+                <a:ea typeface="メイリオ" panose="020B0604030504040204" pitchFamily="50" charset="-128"/>
+              </a:rPr>
+              <a:t>  101     </a:t>
+            </a:r>
+            <a:r>
+              <a:rPr kumimoji="1" lang="en-US" altLang="ja-JP" dirty="0" err="1">
+                <a:latin typeface="メイリオ" panose="020B0604030504040204" pitchFamily="50" charset="-128"/>
+                <a:ea typeface="メイリオ" panose="020B0604030504040204" pitchFamily="50" charset="-128"/>
+              </a:rPr>
+              <a:t>osaka</a:t>
+            </a:r>
+            <a:r>
+              <a:rPr kumimoji="1" lang="en-US" altLang="ja-JP" dirty="0">
+                <a:latin typeface="メイリオ" panose="020B0604030504040204" pitchFamily="50" charset="-128"/>
+                <a:ea typeface="メイリオ" panose="020B0604030504040204" pitchFamily="50" charset="-128"/>
+              </a:rPr>
+              <a:t>       1989   </a:t>
+            </a:r>
+            <a:r>
+              <a:rPr kumimoji="1" lang="ja-JP" altLang="en-US" dirty="0">
+                <a:latin typeface="メイリオ" panose="020B0604030504040204" pitchFamily="50" charset="-128"/>
+                <a:ea typeface="メイリオ" panose="020B0604030504040204" pitchFamily="50" charset="-128"/>
+              </a:rPr>
+              <a:t>　 </a:t>
+            </a:r>
+            <a:r>
+              <a:rPr kumimoji="1" lang="en-US" altLang="ja-JP" dirty="0">
+                <a:latin typeface="メイリオ" panose="020B0604030504040204" pitchFamily="50" charset="-128"/>
+                <a:ea typeface="メイリオ" panose="020B0604030504040204" pitchFamily="50" charset="-128"/>
+              </a:rPr>
+              <a:t>Akiko</a:t>
+            </a:r>
+          </a:p>
+          <a:p>
+            <a:pPr algn="l"/>
+            <a:r>
+              <a:rPr kumimoji="1" lang="en-US" altLang="ja-JP" dirty="0">
+                <a:latin typeface="メイリオ" panose="020B0604030504040204" pitchFamily="50" charset="-128"/>
+                <a:ea typeface="メイリオ" panose="020B0604030504040204" pitchFamily="50" charset="-128"/>
+              </a:rPr>
+              <a:t>  102     </a:t>
+            </a:r>
+            <a:r>
+              <a:rPr kumimoji="1" lang="en-US" altLang="ja-JP" dirty="0" err="1">
+                <a:latin typeface="メイリオ" panose="020B0604030504040204" pitchFamily="50" charset="-128"/>
+                <a:ea typeface="メイリオ" panose="020B0604030504040204" pitchFamily="50" charset="-128"/>
+              </a:rPr>
+              <a:t>kyoto</a:t>
+            </a:r>
+            <a:r>
+              <a:rPr kumimoji="1" lang="en-US" altLang="ja-JP" dirty="0">
+                <a:latin typeface="メイリオ" panose="020B0604030504040204" pitchFamily="50" charset="-128"/>
+                <a:ea typeface="メイリオ" panose="020B0604030504040204" pitchFamily="50" charset="-128"/>
+              </a:rPr>
+              <a:t>       1992       Yuki</a:t>
+            </a:r>
+          </a:p>
+          <a:p>
+            <a:pPr algn="l"/>
+            <a:r>
+              <a:rPr kumimoji="1" lang="en-US" altLang="ja-JP" dirty="0">
+                <a:latin typeface="メイリオ" panose="020B0604030504040204" pitchFamily="50" charset="-128"/>
+                <a:ea typeface="メイリオ" panose="020B0604030504040204" pitchFamily="50" charset="-128"/>
+              </a:rPr>
+              <a:t>  103  </a:t>
+            </a:r>
+            <a:r>
+              <a:rPr kumimoji="1" lang="en-US" altLang="ja-JP" dirty="0" err="1">
+                <a:latin typeface="メイリオ" panose="020B0604030504040204" pitchFamily="50" charset="-128"/>
+                <a:ea typeface="メイリオ" panose="020B0604030504040204" pitchFamily="50" charset="-128"/>
+              </a:rPr>
+              <a:t>hokkaido</a:t>
+            </a:r>
+            <a:r>
+              <a:rPr kumimoji="1" lang="en-US" altLang="ja-JP" dirty="0">
+                <a:latin typeface="メイリオ" panose="020B0604030504040204" pitchFamily="50" charset="-128"/>
+                <a:ea typeface="メイリオ" panose="020B0604030504040204" pitchFamily="50" charset="-128"/>
+              </a:rPr>
+              <a:t>     1997   </a:t>
+            </a:r>
+            <a:r>
+              <a:rPr kumimoji="1" lang="ja-JP" altLang="en-US" dirty="0">
+                <a:latin typeface="メイリオ" panose="020B0604030504040204" pitchFamily="50" charset="-128"/>
+                <a:ea typeface="メイリオ" panose="020B0604030504040204" pitchFamily="50" charset="-128"/>
+              </a:rPr>
+              <a:t>　 </a:t>
+            </a:r>
+            <a:r>
+              <a:rPr kumimoji="1" lang="en-US" altLang="ja-JP" dirty="0">
+                <a:latin typeface="メイリオ" panose="020B0604030504040204" pitchFamily="50" charset="-128"/>
+                <a:ea typeface="メイリオ" panose="020B0604030504040204" pitchFamily="50" charset="-128"/>
+              </a:rPr>
+              <a:t>Satoru</a:t>
+            </a:r>
+          </a:p>
+          <a:p>
+            <a:pPr algn="l"/>
+            <a:r>
+              <a:rPr kumimoji="1" lang="en-US" altLang="ja-JP" dirty="0">
+                <a:latin typeface="メイリオ" panose="020B0604030504040204" pitchFamily="50" charset="-128"/>
+                <a:ea typeface="メイリオ" panose="020B0604030504040204" pitchFamily="50" charset="-128"/>
+              </a:rPr>
+              <a:t>  104     </a:t>
+            </a:r>
+            <a:r>
+              <a:rPr kumimoji="1" lang="en-US" altLang="ja-JP" dirty="0" err="1">
+                <a:latin typeface="メイリオ" panose="020B0604030504040204" pitchFamily="50" charset="-128"/>
+                <a:ea typeface="メイリオ" panose="020B0604030504040204" pitchFamily="50" charset="-128"/>
+              </a:rPr>
+              <a:t>tokyo</a:t>
+            </a:r>
+            <a:r>
+              <a:rPr kumimoji="1" lang="en-US" altLang="ja-JP" dirty="0">
+                <a:latin typeface="メイリオ" panose="020B0604030504040204" pitchFamily="50" charset="-128"/>
+                <a:ea typeface="メイリオ" panose="020B0604030504040204" pitchFamily="50" charset="-128"/>
+              </a:rPr>
+              <a:t>       1982       Steve</a:t>
+            </a:r>
             <a:endParaRPr kumimoji="1" lang="ja-JP" altLang="en-US" dirty="0">
               <a:latin typeface="メイリオ" panose="020B0604030504040204" pitchFamily="50" charset="-128"/>
               <a:ea typeface="メイリオ" panose="020B0604030504040204" pitchFamily="50" charset="-128"/>
@@ -6812,7 +7301,7 @@
     </p:spTree>
     <p:extLst>
       <p:ext uri="{BB962C8B-B14F-4D97-AF65-F5344CB8AC3E}">
-        <p14:creationId xmlns:p14="http://schemas.microsoft.com/office/powerpoint/2010/main" val="3993905904"/>
+        <p14:creationId xmlns:p14="http://schemas.microsoft.com/office/powerpoint/2010/main" val="3140637600"/>
       </p:ext>
     </p:extLst>
   </p:cSld>
@@ -6844,7 +7333,7 @@
           <p:cNvPr id="2" name="テキスト ボックス 1">
             <a:extLst>
               <a:ext uri="{FF2B5EF4-FFF2-40B4-BE49-F238E27FC236}">
-                <a16:creationId xmlns:a16="http://schemas.microsoft.com/office/drawing/2014/main" id="{6B6B89CB-7E76-4A10-A695-5CC5E36696E0}"/>
+                <a16:creationId xmlns:a16="http://schemas.microsoft.com/office/drawing/2014/main" id="{A226EBE3-B988-DFC3-4F81-68557FDEB950}"/>
               </a:ext>
             </a:extLst>
           </p:cNvPr>
@@ -6853,8 +7342,8 @@
         </p:nvSpPr>
         <p:spPr>
           <a:xfrm>
-            <a:off x="694906" y="400180"/>
-            <a:ext cx="1826141" cy="584775"/>
+            <a:off x="729343" y="685800"/>
+            <a:ext cx="646331" cy="369332"/>
           </a:xfrm>
           <a:prstGeom prst="rect">
             <a:avLst/>
@@ -6869,21 +7358,21 @@
           <a:p>
             <a:pPr algn="l"/>
             <a:r>
-              <a:rPr kumimoji="1" lang="ja-JP" altLang="en-US" sz="3200" b="1" dirty="0">
-                <a:latin typeface="メイリオ" panose="020B0604030504040204" pitchFamily="50" charset="-128"/>
-                <a:ea typeface="メイリオ" panose="020B0604030504040204" pitchFamily="50" charset="-128"/>
-              </a:rPr>
-              <a:t>条件抽出</a:t>
-            </a:r>
-          </a:p>
-        </p:txBody>
-      </p:sp>
-      <p:sp>
-        <p:nvSpPr>
-          <p:cNvPr id="3" name="テキスト ボックス 2">
+              <a:rPr kumimoji="1" lang="ja-JP" altLang="en-US" dirty="0">
+                <a:latin typeface="メイリオ" panose="020B0604030504040204" pitchFamily="50" charset="-128"/>
+                <a:ea typeface="メイリオ" panose="020B0604030504040204" pitchFamily="50" charset="-128"/>
+              </a:rPr>
+              <a:t>演習</a:t>
+            </a:r>
+          </a:p>
+        </p:txBody>
+      </p:sp>
+      <p:sp>
+        <p:nvSpPr>
+          <p:cNvPr id="5" name="テキスト ボックス 4">
             <a:extLst>
               <a:ext uri="{FF2B5EF4-FFF2-40B4-BE49-F238E27FC236}">
-                <a16:creationId xmlns:a16="http://schemas.microsoft.com/office/drawing/2014/main" id="{38795C77-EC0A-4BFB-9848-B9F74DC2749B}"/>
+                <a16:creationId xmlns:a16="http://schemas.microsoft.com/office/drawing/2014/main" id="{BC044036-3339-54FD-69F6-AD06248405AD}"/>
               </a:ext>
             </a:extLst>
           </p:cNvPr>
@@ -6892,8 +7381,8 @@
         </p:nvSpPr>
         <p:spPr>
           <a:xfrm>
-            <a:off x="3303373" y="1841157"/>
-            <a:ext cx="5762540" cy="461665"/>
+            <a:off x="1073424" y="1513114"/>
+            <a:ext cx="5176353" cy="369332"/>
           </a:xfrm>
           <a:prstGeom prst="rect">
             <a:avLst/>
@@ -6908,28 +7397,49 @@
           <a:p>
             <a:pPr algn="l"/>
             <a:r>
-              <a:rPr kumimoji="1" lang="en-US" altLang="ja-JP" sz="2400" dirty="0">
-                <a:latin typeface="メイリオ" panose="020B0604030504040204" pitchFamily="50" charset="-128"/>
-                <a:ea typeface="メイリオ" panose="020B0604030504040204" pitchFamily="50" charset="-128"/>
-              </a:rPr>
-              <a:t>Birth Year &gt; 1990 </a:t>
-            </a:r>
-            <a:r>
-              <a:rPr kumimoji="1" lang="ja-JP" altLang="en-US" sz="2400" dirty="0">
-                <a:latin typeface="メイリオ" panose="020B0604030504040204" pitchFamily="50" charset="-128"/>
-                <a:ea typeface="メイリオ" panose="020B0604030504040204" pitchFamily="50" charset="-128"/>
-              </a:rPr>
-              <a:t>のデータを抽出する</a:t>
-            </a:r>
-          </a:p>
-        </p:txBody>
-      </p:sp>
-      <p:sp>
-        <p:nvSpPr>
-          <p:cNvPr id="4" name="テキスト ボックス 3">
+              <a:rPr kumimoji="1" lang="ja-JP" altLang="en-US" dirty="0">
+                <a:latin typeface="メイリオ" panose="020B0604030504040204" pitchFamily="50" charset="-128"/>
+                <a:ea typeface="メイリオ" panose="020B0604030504040204" pitchFamily="50" charset="-128"/>
+              </a:rPr>
+              <a:t>前頁の</a:t>
+            </a:r>
+            <a:r>
+              <a:rPr kumimoji="1" lang="en-US" altLang="ja-JP" dirty="0" err="1">
+                <a:latin typeface="メイリオ" panose="020B0604030504040204" pitchFamily="50" charset="-128"/>
+                <a:ea typeface="メイリオ" panose="020B0604030504040204" pitchFamily="50" charset="-128"/>
+              </a:rPr>
+              <a:t>dataframe</a:t>
+            </a:r>
+            <a:r>
+              <a:rPr kumimoji="1" lang="ja-JP" altLang="en-US" dirty="0">
+                <a:latin typeface="メイリオ" panose="020B0604030504040204" pitchFamily="50" charset="-128"/>
+                <a:ea typeface="メイリオ" panose="020B0604030504040204" pitchFamily="50" charset="-128"/>
+              </a:rPr>
+              <a:t>を</a:t>
+            </a:r>
+            <a:r>
+              <a:rPr kumimoji="1" lang="en-US" altLang="ja-JP" dirty="0">
+                <a:latin typeface="メイリオ" panose="020B0604030504040204" pitchFamily="50" charset="-128"/>
+                <a:ea typeface="メイリオ" panose="020B0604030504040204" pitchFamily="50" charset="-128"/>
+              </a:rPr>
+              <a:t>1</a:t>
+            </a:r>
+            <a:r>
+              <a:rPr kumimoji="1" lang="ja-JP" altLang="en-US" dirty="0">
+                <a:latin typeface="メイリオ" panose="020B0604030504040204" pitchFamily="50" charset="-128"/>
+                <a:ea typeface="メイリオ" panose="020B0604030504040204" pitchFamily="50" charset="-128"/>
+              </a:rPr>
+              <a:t>行づつ取り出して表示せよ</a:t>
+            </a:r>
+          </a:p>
+        </p:txBody>
+      </p:sp>
+      <p:sp>
+        <p:nvSpPr>
+          <p:cNvPr id="6" name="テキスト ボックス 5">
             <a:extLst>
               <a:ext uri="{FF2B5EF4-FFF2-40B4-BE49-F238E27FC236}">
-                <a16:creationId xmlns:a16="http://schemas.microsoft.com/office/drawing/2014/main" id="{2123813B-2866-4AC5-BD8F-DDC1FD13F7F4}"/>
+                <a16:creationId xmlns:a16="http://schemas.microsoft.com/office/drawing/2014/main" id="{F31351D1-3559-55BC-C38E-4C3AB69E597B}"/>
               </a:ext>
             </a:extLst>
           </p:cNvPr>
@@ -6938,8 +7448,8 @@
         </p:nvSpPr>
         <p:spPr>
           <a:xfrm>
-            <a:off x="3488924" y="2778711"/>
-            <a:ext cx="2492990" cy="369332"/>
+            <a:off x="1730335" y="2177143"/>
+            <a:ext cx="877163" cy="369332"/>
           </a:xfrm>
           <a:prstGeom prst="rect">
             <a:avLst/>
@@ -6958,15 +7468,66 @@
                 <a:latin typeface="メイリオ" panose="020B0604030504040204" pitchFamily="50" charset="-128"/>
                 <a:ea typeface="メイリオ" panose="020B0604030504040204" pitchFamily="50" charset="-128"/>
               </a:rPr>
-              <a:t>やってみてください。</a:t>
-            </a:r>
+              <a:t>ヒント</a:t>
+            </a:r>
+          </a:p>
+        </p:txBody>
+      </p:sp>
+      <p:sp>
+        <p:nvSpPr>
+          <p:cNvPr id="7" name="テキスト ボックス 6">
+            <a:extLst>
+              <a:ext uri="{FF2B5EF4-FFF2-40B4-BE49-F238E27FC236}">
+                <a16:creationId xmlns:a16="http://schemas.microsoft.com/office/drawing/2014/main" id="{9BCBBC56-4FF4-93DE-7A74-3FC63723E218}"/>
+              </a:ext>
+            </a:extLst>
+          </p:cNvPr>
+          <p:cNvSpPr txBox="1"/>
+          <p:nvPr/>
+        </p:nvSpPr>
+        <p:spPr>
+          <a:xfrm>
+            <a:off x="2721428" y="2175532"/>
+            <a:ext cx="7333674" cy="646331"/>
+          </a:xfrm>
+          <a:prstGeom prst="rect">
+            <a:avLst/>
+          </a:prstGeom>
+          <a:noFill/>
+        </p:spPr>
+        <p:txBody>
+          <a:bodyPr wrap="none" rtlCol="0">
+            <a:spAutoFit/>
+          </a:bodyPr>
+          <a:lstStyle/>
+          <a:p>
+            <a:pPr algn="l"/>
+            <a:r>
+              <a:rPr kumimoji="1" lang="en-US" altLang="ja-JP" dirty="0">
+                <a:latin typeface="メイリオ" panose="020B0604030504040204" pitchFamily="50" charset="-128"/>
+                <a:ea typeface="メイリオ" panose="020B0604030504040204" pitchFamily="50" charset="-128"/>
+                <a:hlinkClick r:id="rId2"/>
+              </a:rPr>
+              <a:t>https://note.nkmk.me/python-pandas-dataframe-for-iteration/</a:t>
+            </a:r>
+            <a:endParaRPr kumimoji="1" lang="en-US" altLang="ja-JP" dirty="0">
+              <a:latin typeface="メイリオ" panose="020B0604030504040204" pitchFamily="50" charset="-128"/>
+              <a:ea typeface="メイリオ" panose="020B0604030504040204" pitchFamily="50" charset="-128"/>
+            </a:endParaRPr>
+          </a:p>
+          <a:p>
+            <a:pPr algn="l"/>
+            <a:endParaRPr kumimoji="1" lang="ja-JP" altLang="en-US" dirty="0">
+              <a:latin typeface="メイリオ" panose="020B0604030504040204" pitchFamily="50" charset="-128"/>
+              <a:ea typeface="メイリオ" panose="020B0604030504040204" pitchFamily="50" charset="-128"/>
+            </a:endParaRPr>
           </a:p>
         </p:txBody>
       </p:sp>
     </p:spTree>
     <p:extLst>
       <p:ext uri="{BB962C8B-B14F-4D97-AF65-F5344CB8AC3E}">
-        <p14:creationId xmlns:p14="http://schemas.microsoft.com/office/powerpoint/2010/main" val="967503940"/>
+        <p14:creationId xmlns:p14="http://schemas.microsoft.com/office/powerpoint/2010/main" val="3993905904"/>
       </p:ext>
     </p:extLst>
   </p:cSld>
@@ -6998,6 +7559,160 @@
           <p:cNvPr id="2" name="テキスト ボックス 1">
             <a:extLst>
               <a:ext uri="{FF2B5EF4-FFF2-40B4-BE49-F238E27FC236}">
+                <a16:creationId xmlns:a16="http://schemas.microsoft.com/office/drawing/2014/main" id="{6B6B89CB-7E76-4A10-A695-5CC5E36696E0}"/>
+              </a:ext>
+            </a:extLst>
+          </p:cNvPr>
+          <p:cNvSpPr txBox="1"/>
+          <p:nvPr/>
+        </p:nvSpPr>
+        <p:spPr>
+          <a:xfrm>
+            <a:off x="694906" y="400180"/>
+            <a:ext cx="1826141" cy="584775"/>
+          </a:xfrm>
+          <a:prstGeom prst="rect">
+            <a:avLst/>
+          </a:prstGeom>
+          <a:noFill/>
+        </p:spPr>
+        <p:txBody>
+          <a:bodyPr wrap="none" rtlCol="0">
+            <a:spAutoFit/>
+          </a:bodyPr>
+          <a:lstStyle/>
+          <a:p>
+            <a:pPr algn="l"/>
+            <a:r>
+              <a:rPr kumimoji="1" lang="ja-JP" altLang="en-US" sz="3200" b="1" dirty="0">
+                <a:latin typeface="メイリオ" panose="020B0604030504040204" pitchFamily="50" charset="-128"/>
+                <a:ea typeface="メイリオ" panose="020B0604030504040204" pitchFamily="50" charset="-128"/>
+              </a:rPr>
+              <a:t>条件抽出</a:t>
+            </a:r>
+          </a:p>
+        </p:txBody>
+      </p:sp>
+      <p:sp>
+        <p:nvSpPr>
+          <p:cNvPr id="3" name="テキスト ボックス 2">
+            <a:extLst>
+              <a:ext uri="{FF2B5EF4-FFF2-40B4-BE49-F238E27FC236}">
+                <a16:creationId xmlns:a16="http://schemas.microsoft.com/office/drawing/2014/main" id="{38795C77-EC0A-4BFB-9848-B9F74DC2749B}"/>
+              </a:ext>
+            </a:extLst>
+          </p:cNvPr>
+          <p:cNvSpPr txBox="1"/>
+          <p:nvPr/>
+        </p:nvSpPr>
+        <p:spPr>
+          <a:xfrm>
+            <a:off x="3303373" y="1841157"/>
+            <a:ext cx="5762540" cy="461665"/>
+          </a:xfrm>
+          <a:prstGeom prst="rect">
+            <a:avLst/>
+          </a:prstGeom>
+          <a:noFill/>
+        </p:spPr>
+        <p:txBody>
+          <a:bodyPr wrap="none" rtlCol="0">
+            <a:spAutoFit/>
+          </a:bodyPr>
+          <a:lstStyle/>
+          <a:p>
+            <a:pPr algn="l"/>
+            <a:r>
+              <a:rPr kumimoji="1" lang="en-US" altLang="ja-JP" sz="2400" dirty="0">
+                <a:latin typeface="メイリオ" panose="020B0604030504040204" pitchFamily="50" charset="-128"/>
+                <a:ea typeface="メイリオ" panose="020B0604030504040204" pitchFamily="50" charset="-128"/>
+              </a:rPr>
+              <a:t>Birth Year &gt; 1990 </a:t>
+            </a:r>
+            <a:r>
+              <a:rPr kumimoji="1" lang="ja-JP" altLang="en-US" sz="2400" dirty="0">
+                <a:latin typeface="メイリオ" panose="020B0604030504040204" pitchFamily="50" charset="-128"/>
+                <a:ea typeface="メイリオ" panose="020B0604030504040204" pitchFamily="50" charset="-128"/>
+              </a:rPr>
+              <a:t>のデータを抽出する</a:t>
+            </a:r>
+          </a:p>
+        </p:txBody>
+      </p:sp>
+      <p:sp>
+        <p:nvSpPr>
+          <p:cNvPr id="4" name="テキスト ボックス 3">
+            <a:extLst>
+              <a:ext uri="{FF2B5EF4-FFF2-40B4-BE49-F238E27FC236}">
+                <a16:creationId xmlns:a16="http://schemas.microsoft.com/office/drawing/2014/main" id="{2123813B-2866-4AC5-BD8F-DDC1FD13F7F4}"/>
+              </a:ext>
+            </a:extLst>
+          </p:cNvPr>
+          <p:cNvSpPr txBox="1"/>
+          <p:nvPr/>
+        </p:nvSpPr>
+        <p:spPr>
+          <a:xfrm>
+            <a:off x="3488924" y="2778711"/>
+            <a:ext cx="2492990" cy="369332"/>
+          </a:xfrm>
+          <a:prstGeom prst="rect">
+            <a:avLst/>
+          </a:prstGeom>
+          <a:noFill/>
+        </p:spPr>
+        <p:txBody>
+          <a:bodyPr wrap="none" rtlCol="0">
+            <a:spAutoFit/>
+          </a:bodyPr>
+          <a:lstStyle/>
+          <a:p>
+            <a:pPr algn="l"/>
+            <a:r>
+              <a:rPr kumimoji="1" lang="ja-JP" altLang="en-US" dirty="0">
+                <a:latin typeface="メイリオ" panose="020B0604030504040204" pitchFamily="50" charset="-128"/>
+                <a:ea typeface="メイリオ" panose="020B0604030504040204" pitchFamily="50" charset="-128"/>
+              </a:rPr>
+              <a:t>やってみてください。</a:t>
+            </a:r>
+          </a:p>
+        </p:txBody>
+      </p:sp>
+    </p:spTree>
+    <p:extLst>
+      <p:ext uri="{BB962C8B-B14F-4D97-AF65-F5344CB8AC3E}">
+        <p14:creationId xmlns:p14="http://schemas.microsoft.com/office/powerpoint/2010/main" val="967503940"/>
+      </p:ext>
+    </p:extLst>
+  </p:cSld>
+  <p:clrMapOvr>
+    <a:masterClrMapping/>
+  </p:clrMapOvr>
+</p:sld>
+</file>
+
+<file path=ppt/slides/slide18.xml><?xml version="1.0" encoding="utf-8"?>
+<p:sld xmlns:a="http://schemas.openxmlformats.org/drawingml/2006/main" xmlns:r="http://schemas.openxmlformats.org/officeDocument/2006/relationships" xmlns:p="http://schemas.openxmlformats.org/presentationml/2006/main">
+  <p:cSld>
+    <p:spTree>
+      <p:nvGrpSpPr>
+        <p:cNvPr id="1" name=""/>
+        <p:cNvGrpSpPr/>
+        <p:nvPr/>
+      </p:nvGrpSpPr>
+      <p:grpSpPr>
+        <a:xfrm>
+          <a:off x="0" y="0"/>
+          <a:ext cx="0" cy="0"/>
+          <a:chOff x="0" y="0"/>
+          <a:chExt cx="0" cy="0"/>
+        </a:xfrm>
+      </p:grpSpPr>
+      <p:sp>
+        <p:nvSpPr>
+          <p:cNvPr id="2" name="テキスト ボックス 1">
+            <a:extLst>
+              <a:ext uri="{FF2B5EF4-FFF2-40B4-BE49-F238E27FC236}">
                 <a16:creationId xmlns:a16="http://schemas.microsoft.com/office/drawing/2014/main" id="{113EB4A2-5D5A-4E60-90B6-D37512C39290}"/>
               </a:ext>
             </a:extLst>
@@ -7781,7 +8496,7 @@
 </p:sld>
 </file>
 
-<file path=ppt/slides/slide18.xml><?xml version="1.0" encoding="utf-8"?>
+<file path=ppt/slides/slide19.xml><?xml version="1.0" encoding="utf-8"?>
 <p:sld xmlns:a="http://schemas.openxmlformats.org/drawingml/2006/main" xmlns:r="http://schemas.openxmlformats.org/officeDocument/2006/relationships" xmlns:p="http://schemas.openxmlformats.org/presentationml/2006/main">
   <p:cSld>
     <p:spTree>
@@ -8967,1204 +9682,6 @@
     <p:extLst>
       <p:ext uri="{BB962C8B-B14F-4D97-AF65-F5344CB8AC3E}">
         <p14:creationId xmlns:p14="http://schemas.microsoft.com/office/powerpoint/2010/main" val="2267377767"/>
-      </p:ext>
-    </p:extLst>
-  </p:cSld>
-  <p:clrMapOvr>
-    <a:masterClrMapping/>
-  </p:clrMapOvr>
-</p:sld>
-</file>
-
-<file path=ppt/slides/slide19.xml><?xml version="1.0" encoding="utf-8"?>
-<p:sld xmlns:a="http://schemas.openxmlformats.org/drawingml/2006/main" xmlns:r="http://schemas.openxmlformats.org/officeDocument/2006/relationships" xmlns:p="http://schemas.openxmlformats.org/presentationml/2006/main">
-  <p:cSld>
-    <p:spTree>
-      <p:nvGrpSpPr>
-        <p:cNvPr id="1" name=""/>
-        <p:cNvGrpSpPr/>
-        <p:nvPr/>
-      </p:nvGrpSpPr>
-      <p:grpSpPr>
-        <a:xfrm>
-          <a:off x="0" y="0"/>
-          <a:ext cx="0" cy="0"/>
-          <a:chOff x="0" y="0"/>
-          <a:chExt cx="0" cy="0"/>
-        </a:xfrm>
-      </p:grpSpPr>
-      <p:sp>
-        <p:nvSpPr>
-          <p:cNvPr id="4" name="テキスト ボックス 3">
-            <a:extLst>
-              <a:ext uri="{FF2B5EF4-FFF2-40B4-BE49-F238E27FC236}">
-                <a16:creationId xmlns:a16="http://schemas.microsoft.com/office/drawing/2014/main" id="{CE2CC666-D9AA-6F33-5C69-8E87B8C2BF11}"/>
-              </a:ext>
-            </a:extLst>
-          </p:cNvPr>
-          <p:cNvSpPr txBox="1"/>
-          <p:nvPr/>
-        </p:nvSpPr>
-        <p:spPr>
-          <a:xfrm>
-            <a:off x="1567542" y="1000450"/>
-            <a:ext cx="4126451" cy="461665"/>
-          </a:xfrm>
-          <a:prstGeom prst="rect">
-            <a:avLst/>
-          </a:prstGeom>
-          <a:noFill/>
-        </p:spPr>
-        <p:txBody>
-          <a:bodyPr wrap="none" rtlCol="0">
-            <a:spAutoFit/>
-          </a:bodyPr>
-          <a:lstStyle/>
-          <a:p>
-            <a:r>
-              <a:rPr kumimoji="1" lang="en-US" altLang="ja-JP" sz="2400" dirty="0">
-                <a:latin typeface="メイリオ" panose="020B0604030504040204" pitchFamily="50" charset="-128"/>
-                <a:ea typeface="メイリオ" panose="020B0604030504040204" pitchFamily="50" charset="-128"/>
-              </a:rPr>
-              <a:t>for </a:t>
-            </a:r>
-            <a:r>
-              <a:rPr kumimoji="1" lang="en-US" altLang="ja-JP" sz="2400" dirty="0" err="1">
-                <a:latin typeface="メイリオ" panose="020B0604030504040204" pitchFamily="50" charset="-128"/>
-                <a:ea typeface="メイリオ" panose="020B0604030504040204" pitchFamily="50" charset="-128"/>
-              </a:rPr>
-              <a:t>i,t</a:t>
-            </a:r>
-            <a:r>
-              <a:rPr kumimoji="1" lang="en-US" altLang="ja-JP" sz="2400" dirty="0">
-                <a:latin typeface="メイリオ" panose="020B0604030504040204" pitchFamily="50" charset="-128"/>
-                <a:ea typeface="メイリオ" panose="020B0604030504040204" pitchFamily="50" charset="-128"/>
-              </a:rPr>
-              <a:t> in </a:t>
-            </a:r>
-            <a:r>
-              <a:rPr kumimoji="1" lang="en-US" altLang="ja-JP" sz="2400" dirty="0" err="1">
-                <a:latin typeface="メイリオ" panose="020B0604030504040204" pitchFamily="50" charset="-128"/>
-                <a:ea typeface="メイリオ" panose="020B0604030504040204" pitchFamily="50" charset="-128"/>
-              </a:rPr>
-              <a:t>titanic.iterrows</a:t>
-            </a:r>
-            <a:r>
-              <a:rPr kumimoji="1" lang="en-US" altLang="ja-JP" sz="2400" dirty="0">
-                <a:latin typeface="メイリオ" panose="020B0604030504040204" pitchFamily="50" charset="-128"/>
-                <a:ea typeface="メイリオ" panose="020B0604030504040204" pitchFamily="50" charset="-128"/>
-              </a:rPr>
-              <a:t>():</a:t>
-            </a:r>
-            <a:endParaRPr kumimoji="1" lang="ja-JP" altLang="en-US" sz="2400" dirty="0">
-              <a:latin typeface="メイリオ" panose="020B0604030504040204" pitchFamily="50" charset="-128"/>
-              <a:ea typeface="メイリオ" panose="020B0604030504040204" pitchFamily="50" charset="-128"/>
-            </a:endParaRPr>
-          </a:p>
-        </p:txBody>
-      </p:sp>
-      <p:pic>
-        <p:nvPicPr>
-          <p:cNvPr id="6" name="図 5">
-            <a:extLst>
-              <a:ext uri="{FF2B5EF4-FFF2-40B4-BE49-F238E27FC236}">
-                <a16:creationId xmlns:a16="http://schemas.microsoft.com/office/drawing/2014/main" id="{E0E71440-F782-876B-66E6-45920425186F}"/>
-              </a:ext>
-            </a:extLst>
-          </p:cNvPr>
-          <p:cNvPicPr>
-            <a:picLocks noChangeAspect="1"/>
-          </p:cNvPicPr>
-          <p:nvPr/>
-        </p:nvPicPr>
-        <p:blipFill>
-          <a:blip r:embed="rId2"/>
-          <a:stretch>
-            <a:fillRect/>
-          </a:stretch>
-        </p:blipFill>
-        <p:spPr>
-          <a:xfrm>
-            <a:off x="7036993" y="652180"/>
-            <a:ext cx="4702629" cy="1980054"/>
-          </a:xfrm>
-          <a:prstGeom prst="rect">
-            <a:avLst/>
-          </a:prstGeom>
-        </p:spPr>
-      </p:pic>
-      <p:sp>
-        <p:nvSpPr>
-          <p:cNvPr id="7" name="テキスト ボックス 6">
-            <a:extLst>
-              <a:ext uri="{FF2B5EF4-FFF2-40B4-BE49-F238E27FC236}">
-                <a16:creationId xmlns:a16="http://schemas.microsoft.com/office/drawing/2014/main" id="{43F9F2BB-1E75-A037-80B6-0C0117696423}"/>
-              </a:ext>
-            </a:extLst>
-          </p:cNvPr>
-          <p:cNvSpPr txBox="1"/>
-          <p:nvPr/>
-        </p:nvSpPr>
-        <p:spPr>
-          <a:xfrm>
-            <a:off x="296709" y="233591"/>
-            <a:ext cx="8043164" cy="584775"/>
-          </a:xfrm>
-          <a:prstGeom prst="rect">
-            <a:avLst/>
-          </a:prstGeom>
-          <a:noFill/>
-        </p:spPr>
-        <p:txBody>
-          <a:bodyPr wrap="none" rtlCol="0">
-            <a:spAutoFit/>
-          </a:bodyPr>
-          <a:lstStyle/>
-          <a:p>
-            <a:r>
-              <a:rPr kumimoji="1" lang="en-US" altLang="ja-JP" sz="3200" dirty="0" err="1">
-                <a:latin typeface="メイリオ" panose="020B0604030504040204" pitchFamily="50" charset="-128"/>
-                <a:ea typeface="メイリオ" panose="020B0604030504040204" pitchFamily="50" charset="-128"/>
-              </a:rPr>
-              <a:t>Datafram</a:t>
-            </a:r>
-            <a:r>
-              <a:rPr lang="en-US" altLang="ja-JP" sz="3200" dirty="0" err="1">
-                <a:latin typeface="メイリオ" panose="020B0604030504040204" pitchFamily="50" charset="-128"/>
-                <a:ea typeface="メイリオ" panose="020B0604030504040204" pitchFamily="50" charset="-128"/>
-              </a:rPr>
-              <a:t>e</a:t>
-            </a:r>
-            <a:r>
-              <a:rPr lang="ja-JP" altLang="en-US" sz="3200" dirty="0">
-                <a:latin typeface="メイリオ" panose="020B0604030504040204" pitchFamily="50" charset="-128"/>
-                <a:ea typeface="メイリオ" panose="020B0604030504040204" pitchFamily="50" charset="-128"/>
-              </a:rPr>
-              <a:t>はキーが縦横についた辞書構造</a:t>
-            </a:r>
-            <a:endParaRPr kumimoji="1" lang="ja-JP" altLang="en-US" sz="3200" dirty="0">
-              <a:latin typeface="メイリオ" panose="020B0604030504040204" pitchFamily="50" charset="-128"/>
-              <a:ea typeface="メイリオ" panose="020B0604030504040204" pitchFamily="50" charset="-128"/>
-            </a:endParaRPr>
-          </a:p>
-        </p:txBody>
-      </p:sp>
-      <p:pic>
-        <p:nvPicPr>
-          <p:cNvPr id="11" name="図 10">
-            <a:extLst>
-              <a:ext uri="{FF2B5EF4-FFF2-40B4-BE49-F238E27FC236}">
-                <a16:creationId xmlns:a16="http://schemas.microsoft.com/office/drawing/2014/main" id="{B4251D25-8E18-2062-5ABE-FBA663B345F9}"/>
-              </a:ext>
-            </a:extLst>
-          </p:cNvPr>
-          <p:cNvPicPr>
-            <a:picLocks noChangeAspect="1"/>
-          </p:cNvPicPr>
-          <p:nvPr/>
-        </p:nvPicPr>
-        <p:blipFill>
-          <a:blip r:embed="rId3"/>
-          <a:stretch>
-            <a:fillRect/>
-          </a:stretch>
-        </p:blipFill>
-        <p:spPr>
-          <a:xfrm>
-            <a:off x="2686147" y="4095872"/>
-            <a:ext cx="4514850" cy="590550"/>
-          </a:xfrm>
-          <a:prstGeom prst="rect">
-            <a:avLst/>
-          </a:prstGeom>
-        </p:spPr>
-      </p:pic>
-      <p:pic>
-        <p:nvPicPr>
-          <p:cNvPr id="13" name="図 12">
-            <a:extLst>
-              <a:ext uri="{FF2B5EF4-FFF2-40B4-BE49-F238E27FC236}">
-                <a16:creationId xmlns:a16="http://schemas.microsoft.com/office/drawing/2014/main" id="{5B381A76-BE2D-C126-642D-D3C0D349D762}"/>
-              </a:ext>
-            </a:extLst>
-          </p:cNvPr>
-          <p:cNvPicPr>
-            <a:picLocks noChangeAspect="1"/>
-          </p:cNvPicPr>
-          <p:nvPr/>
-        </p:nvPicPr>
-        <p:blipFill>
-          <a:blip r:embed="rId4"/>
-          <a:stretch>
-            <a:fillRect/>
-          </a:stretch>
-        </p:blipFill>
-        <p:spPr>
-          <a:xfrm>
-            <a:off x="2726497" y="6260842"/>
-            <a:ext cx="4419600" cy="314325"/>
-          </a:xfrm>
-          <a:prstGeom prst="rect">
-            <a:avLst/>
-          </a:prstGeom>
-        </p:spPr>
-      </p:pic>
-      <p:pic>
-        <p:nvPicPr>
-          <p:cNvPr id="19" name="図 18">
-            <a:extLst>
-              <a:ext uri="{FF2B5EF4-FFF2-40B4-BE49-F238E27FC236}">
-                <a16:creationId xmlns:a16="http://schemas.microsoft.com/office/drawing/2014/main" id="{58C5E7A2-7AB5-63DE-679A-A08115F0F4EB}"/>
-              </a:ext>
-            </a:extLst>
-          </p:cNvPr>
-          <p:cNvPicPr>
-            <a:picLocks noChangeAspect="1"/>
-          </p:cNvPicPr>
-          <p:nvPr/>
-        </p:nvPicPr>
-        <p:blipFill>
-          <a:blip r:embed="rId5"/>
-          <a:stretch>
-            <a:fillRect/>
-          </a:stretch>
-        </p:blipFill>
-        <p:spPr>
-          <a:xfrm>
-            <a:off x="2726497" y="5924183"/>
-            <a:ext cx="4419600" cy="333375"/>
-          </a:xfrm>
-          <a:prstGeom prst="rect">
-            <a:avLst/>
-          </a:prstGeom>
-        </p:spPr>
-      </p:pic>
-      <p:cxnSp>
-        <p:nvCxnSpPr>
-          <p:cNvPr id="24" name="コネクタ: カギ線 23">
-            <a:extLst>
-              <a:ext uri="{FF2B5EF4-FFF2-40B4-BE49-F238E27FC236}">
-                <a16:creationId xmlns:a16="http://schemas.microsoft.com/office/drawing/2014/main" id="{BF50E439-300C-9C4C-BD5E-F245748EC495}"/>
-              </a:ext>
-            </a:extLst>
-          </p:cNvPr>
-          <p:cNvCxnSpPr>
-            <a:cxnSpLocks/>
-            <a:stCxn id="4" idx="1"/>
-            <a:endCxn id="11" idx="1"/>
-          </p:cNvCxnSpPr>
-          <p:nvPr/>
-        </p:nvCxnSpPr>
-        <p:spPr>
-          <a:xfrm rot="10800000" flipH="1" flipV="1">
-            <a:off x="1567541" y="1231283"/>
-            <a:ext cx="1118605" cy="3159864"/>
-          </a:xfrm>
-          <a:prstGeom prst="bentConnector3">
-            <a:avLst>
-              <a:gd name="adj1" fmla="val -20436"/>
-            </a:avLst>
-          </a:prstGeom>
-          <a:ln>
-            <a:tailEnd type="triangle"/>
-          </a:ln>
-        </p:spPr>
-        <p:style>
-          <a:lnRef idx="1">
-            <a:schemeClr val="accent1"/>
-          </a:lnRef>
-          <a:fillRef idx="0">
-            <a:schemeClr val="accent1"/>
-          </a:fillRef>
-          <a:effectRef idx="0">
-            <a:schemeClr val="accent1"/>
-          </a:effectRef>
-          <a:fontRef idx="minor">
-            <a:schemeClr val="tx1"/>
-          </a:fontRef>
-        </p:style>
-      </p:cxnSp>
-      <p:sp>
-        <p:nvSpPr>
-          <p:cNvPr id="25" name="テキスト ボックス 24">
-            <a:extLst>
-              <a:ext uri="{FF2B5EF4-FFF2-40B4-BE49-F238E27FC236}">
-                <a16:creationId xmlns:a16="http://schemas.microsoft.com/office/drawing/2014/main" id="{A9B80F14-235A-F942-A52E-40FDF8F44621}"/>
-              </a:ext>
-            </a:extLst>
-          </p:cNvPr>
-          <p:cNvSpPr txBox="1"/>
-          <p:nvPr/>
-        </p:nvSpPr>
-        <p:spPr>
-          <a:xfrm>
-            <a:off x="2984050" y="1500775"/>
-            <a:ext cx="3919043" cy="461665"/>
-          </a:xfrm>
-          <a:prstGeom prst="rect">
-            <a:avLst/>
-          </a:prstGeom>
-          <a:noFill/>
-        </p:spPr>
-        <p:txBody>
-          <a:bodyPr wrap="square" rtlCol="0">
-            <a:spAutoFit/>
-          </a:bodyPr>
-          <a:lstStyle/>
-          <a:p>
-            <a:r>
-              <a:rPr lang="en-US" altLang="ja-JP" sz="2400" dirty="0">
-                <a:latin typeface="メイリオ" panose="020B0604030504040204" pitchFamily="50" charset="-128"/>
-                <a:ea typeface="メイリオ" panose="020B0604030504040204" pitchFamily="50" charset="-128"/>
-              </a:rPr>
-              <a:t>for </a:t>
-            </a:r>
-            <a:r>
-              <a:rPr lang="en-US" altLang="ja-JP" sz="2400" dirty="0" err="1">
-                <a:latin typeface="メイリオ" panose="020B0604030504040204" pitchFamily="50" charset="-128"/>
-                <a:ea typeface="メイリオ" panose="020B0604030504040204" pitchFamily="50" charset="-128"/>
-              </a:rPr>
-              <a:t>k,v</a:t>
-            </a:r>
-            <a:r>
-              <a:rPr lang="en-US" altLang="ja-JP" sz="2400" dirty="0">
-                <a:latin typeface="メイリオ" panose="020B0604030504040204" pitchFamily="50" charset="-128"/>
-                <a:ea typeface="メイリオ" panose="020B0604030504040204" pitchFamily="50" charset="-128"/>
-              </a:rPr>
-              <a:t> in </a:t>
-            </a:r>
-            <a:r>
-              <a:rPr lang="en-US" altLang="ja-JP" sz="2400" dirty="0" err="1">
-                <a:latin typeface="メイリオ" panose="020B0604030504040204" pitchFamily="50" charset="-128"/>
-                <a:ea typeface="メイリオ" panose="020B0604030504040204" pitchFamily="50" charset="-128"/>
-              </a:rPr>
-              <a:t>t.items</a:t>
-            </a:r>
-            <a:r>
-              <a:rPr lang="en-US" altLang="ja-JP" sz="2400" dirty="0">
-                <a:latin typeface="メイリオ" panose="020B0604030504040204" pitchFamily="50" charset="-128"/>
-                <a:ea typeface="メイリオ" panose="020B0604030504040204" pitchFamily="50" charset="-128"/>
-              </a:rPr>
-              <a:t>():</a:t>
-            </a:r>
-            <a:endParaRPr kumimoji="1" lang="ja-JP" altLang="en-US" sz="2400" dirty="0" err="1">
-              <a:latin typeface="メイリオ" panose="020B0604030504040204" pitchFamily="50" charset="-128"/>
-              <a:ea typeface="メイリオ" panose="020B0604030504040204" pitchFamily="50" charset="-128"/>
-            </a:endParaRPr>
-          </a:p>
-        </p:txBody>
-      </p:sp>
-      <p:cxnSp>
-        <p:nvCxnSpPr>
-          <p:cNvPr id="27" name="コネクタ: カギ線 26">
-            <a:extLst>
-              <a:ext uri="{FF2B5EF4-FFF2-40B4-BE49-F238E27FC236}">
-                <a16:creationId xmlns:a16="http://schemas.microsoft.com/office/drawing/2014/main" id="{6D252147-7660-2073-5485-E9160F6990D6}"/>
-              </a:ext>
-            </a:extLst>
-          </p:cNvPr>
-          <p:cNvCxnSpPr>
-            <a:cxnSpLocks/>
-            <a:stCxn id="4" idx="1"/>
-            <a:endCxn id="13" idx="1"/>
-          </p:cNvCxnSpPr>
-          <p:nvPr/>
-        </p:nvCxnSpPr>
-        <p:spPr>
-          <a:xfrm rot="10800000" flipH="1" flipV="1">
-            <a:off x="1567541" y="1231283"/>
-            <a:ext cx="1158955" cy="5186722"/>
-          </a:xfrm>
-          <a:prstGeom prst="bentConnector3">
-            <a:avLst>
-              <a:gd name="adj1" fmla="val -19725"/>
-            </a:avLst>
-          </a:prstGeom>
-          <a:ln>
-            <a:tailEnd type="triangle"/>
-          </a:ln>
-        </p:spPr>
-        <p:style>
-          <a:lnRef idx="1">
-            <a:schemeClr val="accent1"/>
-          </a:lnRef>
-          <a:fillRef idx="0">
-            <a:schemeClr val="accent1"/>
-          </a:fillRef>
-          <a:effectRef idx="0">
-            <a:schemeClr val="accent1"/>
-          </a:effectRef>
-          <a:fontRef idx="minor">
-            <a:schemeClr val="tx1"/>
-          </a:fontRef>
-        </p:style>
-      </p:cxnSp>
-      <p:sp>
-        <p:nvSpPr>
-          <p:cNvPr id="30" name="テキスト ボックス 29">
-            <a:extLst>
-              <a:ext uri="{FF2B5EF4-FFF2-40B4-BE49-F238E27FC236}">
-                <a16:creationId xmlns:a16="http://schemas.microsoft.com/office/drawing/2014/main" id="{9DE1429A-6BBB-6B2F-B3C3-3962617E759F}"/>
-              </a:ext>
-            </a:extLst>
-          </p:cNvPr>
-          <p:cNvSpPr txBox="1"/>
-          <p:nvPr/>
-        </p:nvSpPr>
-        <p:spPr>
-          <a:xfrm>
-            <a:off x="1406684" y="4059704"/>
-            <a:ext cx="788999" cy="369332"/>
-          </a:xfrm>
-          <a:prstGeom prst="rect">
-            <a:avLst/>
-          </a:prstGeom>
-          <a:noFill/>
-        </p:spPr>
-        <p:txBody>
-          <a:bodyPr wrap="none" rtlCol="0">
-            <a:spAutoFit/>
-          </a:bodyPr>
-          <a:lstStyle/>
-          <a:p>
-            <a:pPr algn="l"/>
-            <a:r>
-              <a:rPr lang="en-US" altLang="ja-JP" dirty="0">
-                <a:latin typeface="メイリオ" panose="020B0604030504040204" pitchFamily="50" charset="-128"/>
-                <a:ea typeface="メイリオ" panose="020B0604030504040204" pitchFamily="50" charset="-128"/>
-              </a:rPr>
-              <a:t>1</a:t>
-            </a:r>
-            <a:r>
-              <a:rPr lang="ja-JP" altLang="en-US" dirty="0">
-                <a:latin typeface="メイリオ" panose="020B0604030504040204" pitchFamily="50" charset="-128"/>
-                <a:ea typeface="メイリオ" panose="020B0604030504040204" pitchFamily="50" charset="-128"/>
-              </a:rPr>
-              <a:t>回目</a:t>
-            </a:r>
-            <a:endParaRPr kumimoji="1" lang="ja-JP" altLang="en-US" dirty="0">
-              <a:latin typeface="メイリオ" panose="020B0604030504040204" pitchFamily="50" charset="-128"/>
-              <a:ea typeface="メイリオ" panose="020B0604030504040204" pitchFamily="50" charset="-128"/>
-            </a:endParaRPr>
-          </a:p>
-        </p:txBody>
-      </p:sp>
-      <p:sp>
-        <p:nvSpPr>
-          <p:cNvPr id="31" name="テキスト ボックス 30">
-            <a:extLst>
-              <a:ext uri="{FF2B5EF4-FFF2-40B4-BE49-F238E27FC236}">
-                <a16:creationId xmlns:a16="http://schemas.microsoft.com/office/drawing/2014/main" id="{D6E35E33-D768-7F05-7851-9066A961C7BE}"/>
-              </a:ext>
-            </a:extLst>
-          </p:cNvPr>
-          <p:cNvSpPr txBox="1"/>
-          <p:nvPr/>
-        </p:nvSpPr>
-        <p:spPr>
-          <a:xfrm>
-            <a:off x="1406684" y="6048672"/>
-            <a:ext cx="788999" cy="369332"/>
-          </a:xfrm>
-          <a:prstGeom prst="rect">
-            <a:avLst/>
-          </a:prstGeom>
-          <a:noFill/>
-        </p:spPr>
-        <p:txBody>
-          <a:bodyPr wrap="none" rtlCol="0">
-            <a:spAutoFit/>
-          </a:bodyPr>
-          <a:lstStyle/>
-          <a:p>
-            <a:pPr algn="l"/>
-            <a:r>
-              <a:rPr kumimoji="1" lang="en-US" altLang="ja-JP" dirty="0">
-                <a:latin typeface="メイリオ" panose="020B0604030504040204" pitchFamily="50" charset="-128"/>
-                <a:ea typeface="メイリオ" panose="020B0604030504040204" pitchFamily="50" charset="-128"/>
-              </a:rPr>
-              <a:t>2</a:t>
-            </a:r>
-            <a:r>
-              <a:rPr kumimoji="1" lang="ja-JP" altLang="en-US" dirty="0">
-                <a:latin typeface="メイリオ" panose="020B0604030504040204" pitchFamily="50" charset="-128"/>
-                <a:ea typeface="メイリオ" panose="020B0604030504040204" pitchFamily="50" charset="-128"/>
-              </a:rPr>
-              <a:t>回目</a:t>
-            </a:r>
-          </a:p>
-        </p:txBody>
-      </p:sp>
-      <p:sp>
-        <p:nvSpPr>
-          <p:cNvPr id="32" name="テキスト ボックス 31">
-            <a:extLst>
-              <a:ext uri="{FF2B5EF4-FFF2-40B4-BE49-F238E27FC236}">
-                <a16:creationId xmlns:a16="http://schemas.microsoft.com/office/drawing/2014/main" id="{466F5023-B165-C144-C048-E7A3A603D7BB}"/>
-              </a:ext>
-            </a:extLst>
-          </p:cNvPr>
-          <p:cNvSpPr txBox="1"/>
-          <p:nvPr/>
-        </p:nvSpPr>
-        <p:spPr>
-          <a:xfrm>
-            <a:off x="2643621" y="3305733"/>
-            <a:ext cx="1298753" cy="461665"/>
-          </a:xfrm>
-          <a:prstGeom prst="rect">
-            <a:avLst/>
-          </a:prstGeom>
-          <a:noFill/>
-        </p:spPr>
-        <p:txBody>
-          <a:bodyPr wrap="none" rtlCol="0">
-            <a:spAutoFit/>
-          </a:bodyPr>
-          <a:lstStyle/>
-          <a:p>
-            <a:pPr algn="l"/>
-            <a:r>
-              <a:rPr kumimoji="1" lang="en-US" altLang="ja-JP" sz="2400" dirty="0">
-                <a:latin typeface="メイリオ" panose="020B0604030504040204" pitchFamily="50" charset="-128"/>
-                <a:ea typeface="メイリオ" panose="020B0604030504040204" pitchFamily="50" charset="-128"/>
-              </a:rPr>
-              <a:t>{ </a:t>
-            </a:r>
-            <a:r>
-              <a:rPr kumimoji="1" lang="en-US" altLang="ja-JP" sz="2400" dirty="0" err="1">
-                <a:latin typeface="メイリオ" panose="020B0604030504040204" pitchFamily="50" charset="-128"/>
-                <a:ea typeface="メイリオ" panose="020B0604030504040204" pitchFamily="50" charset="-128"/>
-              </a:rPr>
-              <a:t>i</a:t>
-            </a:r>
-            <a:r>
-              <a:rPr kumimoji="1" lang="en-US" altLang="ja-JP" sz="2400" dirty="0">
-                <a:latin typeface="メイリオ" panose="020B0604030504040204" pitchFamily="50" charset="-128"/>
-                <a:ea typeface="メイリオ" panose="020B0604030504040204" pitchFamily="50" charset="-128"/>
-              </a:rPr>
-              <a:t> :  t}</a:t>
-            </a:r>
-            <a:endParaRPr kumimoji="1" lang="ja-JP" altLang="en-US" sz="2400" dirty="0" err="1">
-              <a:latin typeface="メイリオ" panose="020B0604030504040204" pitchFamily="50" charset="-128"/>
-              <a:ea typeface="メイリオ" panose="020B0604030504040204" pitchFamily="50" charset="-128"/>
-            </a:endParaRPr>
-          </a:p>
-        </p:txBody>
-      </p:sp>
-      <p:sp>
-        <p:nvSpPr>
-          <p:cNvPr id="33" name="右中かっこ 32">
-            <a:extLst>
-              <a:ext uri="{FF2B5EF4-FFF2-40B4-BE49-F238E27FC236}">
-                <a16:creationId xmlns:a16="http://schemas.microsoft.com/office/drawing/2014/main" id="{9473E975-9EEB-1FE6-6A17-8012B161EDD9}"/>
-              </a:ext>
-            </a:extLst>
-          </p:cNvPr>
-          <p:cNvSpPr/>
-          <p:nvPr/>
-        </p:nvSpPr>
-        <p:spPr>
-          <a:xfrm rot="16200000">
-            <a:off x="4952367" y="1958353"/>
-            <a:ext cx="326440" cy="3820728"/>
-          </a:xfrm>
-          <a:prstGeom prst="rightBrace">
-            <a:avLst>
-              <a:gd name="adj1" fmla="val 45491"/>
-              <a:gd name="adj2" fmla="val 12880"/>
-            </a:avLst>
-          </a:prstGeom>
-          <a:ln>
-            <a:solidFill>
-              <a:srgbClr val="FF0000"/>
-            </a:solidFill>
-          </a:ln>
-        </p:spPr>
-        <p:style>
-          <a:lnRef idx="1">
-            <a:schemeClr val="accent1"/>
-          </a:lnRef>
-          <a:fillRef idx="0">
-            <a:schemeClr val="accent1"/>
-          </a:fillRef>
-          <a:effectRef idx="0">
-            <a:schemeClr val="accent1"/>
-          </a:effectRef>
-          <a:fontRef idx="minor">
-            <a:schemeClr val="tx1"/>
-          </a:fontRef>
-        </p:style>
-        <p:txBody>
-          <a:bodyPr rtlCol="0" anchor="ctr"/>
-          <a:lstStyle/>
-          <a:p>
-            <a:pPr algn="ctr"/>
-            <a:endParaRPr kumimoji="1" lang="ja-JP" altLang="en-US"/>
-          </a:p>
-        </p:txBody>
-      </p:sp>
-      <p:sp>
-        <p:nvSpPr>
-          <p:cNvPr id="34" name="テキスト ボックス 33">
-            <a:extLst>
-              <a:ext uri="{FF2B5EF4-FFF2-40B4-BE49-F238E27FC236}">
-                <a16:creationId xmlns:a16="http://schemas.microsoft.com/office/drawing/2014/main" id="{F67B61E0-60A8-91CF-29F2-24388EBF6AD7}"/>
-              </a:ext>
-            </a:extLst>
-          </p:cNvPr>
-          <p:cNvSpPr txBox="1"/>
-          <p:nvPr/>
-        </p:nvSpPr>
-        <p:spPr>
-          <a:xfrm>
-            <a:off x="2604191" y="5230044"/>
-            <a:ext cx="1298753" cy="461665"/>
-          </a:xfrm>
-          <a:prstGeom prst="rect">
-            <a:avLst/>
-          </a:prstGeom>
-          <a:noFill/>
-        </p:spPr>
-        <p:txBody>
-          <a:bodyPr wrap="none" rtlCol="0">
-            <a:spAutoFit/>
-          </a:bodyPr>
-          <a:lstStyle/>
-          <a:p>
-            <a:pPr algn="l"/>
-            <a:r>
-              <a:rPr kumimoji="1" lang="en-US" altLang="ja-JP" sz="2400" dirty="0">
-                <a:latin typeface="メイリオ" panose="020B0604030504040204" pitchFamily="50" charset="-128"/>
-                <a:ea typeface="メイリオ" panose="020B0604030504040204" pitchFamily="50" charset="-128"/>
-              </a:rPr>
-              <a:t>{ </a:t>
-            </a:r>
-            <a:r>
-              <a:rPr kumimoji="1" lang="en-US" altLang="ja-JP" sz="2400" dirty="0" err="1">
-                <a:latin typeface="メイリオ" panose="020B0604030504040204" pitchFamily="50" charset="-128"/>
-                <a:ea typeface="メイリオ" panose="020B0604030504040204" pitchFamily="50" charset="-128"/>
-              </a:rPr>
-              <a:t>i</a:t>
-            </a:r>
-            <a:r>
-              <a:rPr kumimoji="1" lang="en-US" altLang="ja-JP" sz="2400" dirty="0">
-                <a:latin typeface="メイリオ" panose="020B0604030504040204" pitchFamily="50" charset="-128"/>
-                <a:ea typeface="メイリオ" panose="020B0604030504040204" pitchFamily="50" charset="-128"/>
-              </a:rPr>
-              <a:t> :  t}</a:t>
-            </a:r>
-            <a:endParaRPr kumimoji="1" lang="ja-JP" altLang="en-US" sz="2400" dirty="0" err="1">
-              <a:latin typeface="メイリオ" panose="020B0604030504040204" pitchFamily="50" charset="-128"/>
-              <a:ea typeface="メイリオ" panose="020B0604030504040204" pitchFamily="50" charset="-128"/>
-            </a:endParaRPr>
-          </a:p>
-        </p:txBody>
-      </p:sp>
-      <p:sp>
-        <p:nvSpPr>
-          <p:cNvPr id="35" name="右中かっこ 34">
-            <a:extLst>
-              <a:ext uri="{FF2B5EF4-FFF2-40B4-BE49-F238E27FC236}">
-                <a16:creationId xmlns:a16="http://schemas.microsoft.com/office/drawing/2014/main" id="{971C5B85-15D0-CEB0-4F67-0CC820E8B1E2}"/>
-              </a:ext>
-            </a:extLst>
-          </p:cNvPr>
-          <p:cNvSpPr/>
-          <p:nvPr/>
-        </p:nvSpPr>
-        <p:spPr>
-          <a:xfrm rot="16200000">
-            <a:off x="4952367" y="3904461"/>
-            <a:ext cx="326440" cy="3820728"/>
-          </a:xfrm>
-          <a:prstGeom prst="rightBrace">
-            <a:avLst>
-              <a:gd name="adj1" fmla="val 45491"/>
-              <a:gd name="adj2" fmla="val 12880"/>
-            </a:avLst>
-          </a:prstGeom>
-          <a:ln>
-            <a:solidFill>
-              <a:srgbClr val="FF0000"/>
-            </a:solidFill>
-          </a:ln>
-        </p:spPr>
-        <p:style>
-          <a:lnRef idx="1">
-            <a:schemeClr val="accent1"/>
-          </a:lnRef>
-          <a:fillRef idx="0">
-            <a:schemeClr val="accent1"/>
-          </a:fillRef>
-          <a:effectRef idx="0">
-            <a:schemeClr val="accent1"/>
-          </a:effectRef>
-          <a:fontRef idx="minor">
-            <a:schemeClr val="tx1"/>
-          </a:fontRef>
-        </p:style>
-        <p:txBody>
-          <a:bodyPr rtlCol="0" anchor="ctr"/>
-          <a:lstStyle/>
-          <a:p>
-            <a:pPr algn="ctr"/>
-            <a:endParaRPr kumimoji="1" lang="ja-JP" altLang="en-US"/>
-          </a:p>
-        </p:txBody>
-      </p:sp>
-      <p:sp>
-        <p:nvSpPr>
-          <p:cNvPr id="36" name="テキスト ボックス 35">
-            <a:extLst>
-              <a:ext uri="{FF2B5EF4-FFF2-40B4-BE49-F238E27FC236}">
-                <a16:creationId xmlns:a16="http://schemas.microsoft.com/office/drawing/2014/main" id="{352B62D1-F7AC-8230-C047-2A8B54C1BC99}"/>
-              </a:ext>
-            </a:extLst>
-          </p:cNvPr>
-          <p:cNvSpPr txBox="1"/>
-          <p:nvPr/>
-        </p:nvSpPr>
-        <p:spPr>
-          <a:xfrm rot="5400000">
-            <a:off x="7222968" y="4126307"/>
-            <a:ext cx="889987" cy="400110"/>
-          </a:xfrm>
-          <a:prstGeom prst="rect">
-            <a:avLst/>
-          </a:prstGeom>
-          <a:noFill/>
-        </p:spPr>
-        <p:txBody>
-          <a:bodyPr wrap="none" rtlCol="0">
-            <a:spAutoFit/>
-          </a:bodyPr>
-          <a:lstStyle/>
-          <a:p>
-            <a:pPr algn="l"/>
-            <a:r>
-              <a:rPr kumimoji="1" lang="en-US" altLang="ja-JP" sz="2000" dirty="0">
-                <a:latin typeface="メイリオ" panose="020B0604030504040204" pitchFamily="50" charset="-128"/>
-                <a:ea typeface="メイリオ" panose="020B0604030504040204" pitchFamily="50" charset="-128"/>
-              </a:rPr>
-              <a:t>{</a:t>
-            </a:r>
-            <a:r>
-              <a:rPr kumimoji="1" lang="en-US" altLang="ja-JP" sz="2000" dirty="0" err="1">
-                <a:latin typeface="メイリオ" panose="020B0604030504040204" pitchFamily="50" charset="-128"/>
-                <a:ea typeface="メイリオ" panose="020B0604030504040204" pitchFamily="50" charset="-128"/>
-              </a:rPr>
-              <a:t>k:v</a:t>
-            </a:r>
-            <a:r>
-              <a:rPr kumimoji="1" lang="en-US" altLang="ja-JP" sz="2000" dirty="0">
-                <a:latin typeface="メイリオ" panose="020B0604030504040204" pitchFamily="50" charset="-128"/>
-                <a:ea typeface="メイリオ" panose="020B0604030504040204" pitchFamily="50" charset="-128"/>
-              </a:rPr>
-              <a:t>}</a:t>
-            </a:r>
-            <a:endParaRPr kumimoji="1" lang="ja-JP" altLang="en-US" sz="2000" dirty="0" err="1">
-              <a:latin typeface="メイリオ" panose="020B0604030504040204" pitchFamily="50" charset="-128"/>
-              <a:ea typeface="メイリオ" panose="020B0604030504040204" pitchFamily="50" charset="-128"/>
-            </a:endParaRPr>
-          </a:p>
-        </p:txBody>
-      </p:sp>
-      <p:sp>
-        <p:nvSpPr>
-          <p:cNvPr id="37" name="右中かっこ 36">
-            <a:extLst>
-              <a:ext uri="{FF2B5EF4-FFF2-40B4-BE49-F238E27FC236}">
-                <a16:creationId xmlns:a16="http://schemas.microsoft.com/office/drawing/2014/main" id="{394991CC-C1A8-9008-BE7D-A97CCCAAD841}"/>
-              </a:ext>
-            </a:extLst>
-          </p:cNvPr>
-          <p:cNvSpPr/>
-          <p:nvPr/>
-        </p:nvSpPr>
-        <p:spPr>
-          <a:xfrm>
-            <a:off x="7247462" y="4109667"/>
-            <a:ext cx="173980" cy="484315"/>
-          </a:xfrm>
-          <a:prstGeom prst="rightBrace">
-            <a:avLst/>
-          </a:prstGeom>
-        </p:spPr>
-        <p:style>
-          <a:lnRef idx="1">
-            <a:schemeClr val="accent1"/>
-          </a:lnRef>
-          <a:fillRef idx="0">
-            <a:schemeClr val="accent1"/>
-          </a:fillRef>
-          <a:effectRef idx="0">
-            <a:schemeClr val="accent1"/>
-          </a:effectRef>
-          <a:fontRef idx="minor">
-            <a:schemeClr val="tx1"/>
-          </a:fontRef>
-        </p:style>
-        <p:txBody>
-          <a:bodyPr rtlCol="0" anchor="ctr"/>
-          <a:lstStyle/>
-          <a:p>
-            <a:pPr algn="ctr"/>
-            <a:endParaRPr kumimoji="1" lang="ja-JP" altLang="en-US"/>
-          </a:p>
-        </p:txBody>
-      </p:sp>
-      <p:sp>
-        <p:nvSpPr>
-          <p:cNvPr id="38" name="テキスト ボックス 37">
-            <a:extLst>
-              <a:ext uri="{FF2B5EF4-FFF2-40B4-BE49-F238E27FC236}">
-                <a16:creationId xmlns:a16="http://schemas.microsoft.com/office/drawing/2014/main" id="{2D5B0327-CFE7-8CA8-8354-C9182662C053}"/>
-              </a:ext>
-            </a:extLst>
-          </p:cNvPr>
-          <p:cNvSpPr txBox="1"/>
-          <p:nvPr/>
-        </p:nvSpPr>
-        <p:spPr>
-          <a:xfrm rot="5400000">
-            <a:off x="7179829" y="6057503"/>
-            <a:ext cx="889987" cy="400110"/>
-          </a:xfrm>
-          <a:prstGeom prst="rect">
-            <a:avLst/>
-          </a:prstGeom>
-          <a:noFill/>
-        </p:spPr>
-        <p:txBody>
-          <a:bodyPr wrap="none" rtlCol="0">
-            <a:spAutoFit/>
-          </a:bodyPr>
-          <a:lstStyle/>
-          <a:p>
-            <a:pPr algn="l"/>
-            <a:r>
-              <a:rPr kumimoji="1" lang="en-US" altLang="ja-JP" sz="2000" dirty="0">
-                <a:latin typeface="メイリオ" panose="020B0604030504040204" pitchFamily="50" charset="-128"/>
-                <a:ea typeface="メイリオ" panose="020B0604030504040204" pitchFamily="50" charset="-128"/>
-              </a:rPr>
-              <a:t>{</a:t>
-            </a:r>
-            <a:r>
-              <a:rPr kumimoji="1" lang="en-US" altLang="ja-JP" sz="2000" dirty="0" err="1">
-                <a:latin typeface="メイリオ" panose="020B0604030504040204" pitchFamily="50" charset="-128"/>
-                <a:ea typeface="メイリオ" panose="020B0604030504040204" pitchFamily="50" charset="-128"/>
-              </a:rPr>
-              <a:t>k:v</a:t>
-            </a:r>
-            <a:r>
-              <a:rPr kumimoji="1" lang="en-US" altLang="ja-JP" sz="2000" dirty="0">
-                <a:latin typeface="メイリオ" panose="020B0604030504040204" pitchFamily="50" charset="-128"/>
-                <a:ea typeface="メイリオ" panose="020B0604030504040204" pitchFamily="50" charset="-128"/>
-              </a:rPr>
-              <a:t>}</a:t>
-            </a:r>
-            <a:endParaRPr kumimoji="1" lang="ja-JP" altLang="en-US" sz="2000" dirty="0" err="1">
-              <a:latin typeface="メイリオ" panose="020B0604030504040204" pitchFamily="50" charset="-128"/>
-              <a:ea typeface="メイリオ" panose="020B0604030504040204" pitchFamily="50" charset="-128"/>
-            </a:endParaRPr>
-          </a:p>
-        </p:txBody>
-      </p:sp>
-      <p:sp>
-        <p:nvSpPr>
-          <p:cNvPr id="39" name="右中かっこ 38">
-            <a:extLst>
-              <a:ext uri="{FF2B5EF4-FFF2-40B4-BE49-F238E27FC236}">
-                <a16:creationId xmlns:a16="http://schemas.microsoft.com/office/drawing/2014/main" id="{14911598-122E-7036-5D97-59DDB221A69C}"/>
-              </a:ext>
-            </a:extLst>
-          </p:cNvPr>
-          <p:cNvSpPr/>
-          <p:nvPr/>
-        </p:nvSpPr>
-        <p:spPr>
-          <a:xfrm>
-            <a:off x="7204323" y="6040863"/>
-            <a:ext cx="173980" cy="484315"/>
-          </a:xfrm>
-          <a:prstGeom prst="rightBrace">
-            <a:avLst/>
-          </a:prstGeom>
-        </p:spPr>
-        <p:style>
-          <a:lnRef idx="1">
-            <a:schemeClr val="accent1"/>
-          </a:lnRef>
-          <a:fillRef idx="0">
-            <a:schemeClr val="accent1"/>
-          </a:fillRef>
-          <a:effectRef idx="0">
-            <a:schemeClr val="accent1"/>
-          </a:effectRef>
-          <a:fontRef idx="minor">
-            <a:schemeClr val="tx1"/>
-          </a:fontRef>
-        </p:style>
-        <p:txBody>
-          <a:bodyPr rtlCol="0" anchor="ctr"/>
-          <a:lstStyle/>
-          <a:p>
-            <a:pPr algn="ctr"/>
-            <a:endParaRPr kumimoji="1" lang="ja-JP" altLang="en-US"/>
-          </a:p>
-        </p:txBody>
-      </p:sp>
-      <p:sp>
-        <p:nvSpPr>
-          <p:cNvPr id="40" name="テキスト ボックス 39">
-            <a:extLst>
-              <a:ext uri="{FF2B5EF4-FFF2-40B4-BE49-F238E27FC236}">
-                <a16:creationId xmlns:a16="http://schemas.microsoft.com/office/drawing/2014/main" id="{BF7A2759-E4FD-8C4E-88A7-51E0F3E89A7A}"/>
-              </a:ext>
-            </a:extLst>
-          </p:cNvPr>
-          <p:cNvSpPr txBox="1"/>
-          <p:nvPr/>
-        </p:nvSpPr>
-        <p:spPr>
-          <a:xfrm>
-            <a:off x="1406684" y="2639495"/>
-            <a:ext cx="8031238" cy="646331"/>
-          </a:xfrm>
-          <a:prstGeom prst="rect">
-            <a:avLst/>
-          </a:prstGeom>
-          <a:noFill/>
-        </p:spPr>
-        <p:txBody>
-          <a:bodyPr wrap="none" rtlCol="0">
-            <a:spAutoFit/>
-          </a:bodyPr>
-          <a:lstStyle/>
-          <a:p>
-            <a:pPr marL="285750" indent="-285750" algn="l">
-              <a:buFont typeface="Wingdings" panose="05000000000000000000" pitchFamily="2" charset="2"/>
-              <a:buChar char="l"/>
-            </a:pPr>
-            <a:r>
-              <a:rPr lang="en-US" altLang="ja-JP" dirty="0">
-                <a:latin typeface="メイリオ" panose="020B0604030504040204" pitchFamily="50" charset="-128"/>
-                <a:ea typeface="メイリオ" panose="020B0604030504040204" pitchFamily="50" charset="-128"/>
-              </a:rPr>
-              <a:t>t</a:t>
-            </a:r>
-            <a:r>
-              <a:rPr kumimoji="1" lang="en-US" altLang="ja-JP" dirty="0">
-                <a:latin typeface="メイリオ" panose="020B0604030504040204" pitchFamily="50" charset="-128"/>
-                <a:ea typeface="メイリオ" panose="020B0604030504040204" pitchFamily="50" charset="-128"/>
-              </a:rPr>
-              <a:t>itanic(</a:t>
-            </a:r>
-            <a:r>
-              <a:rPr kumimoji="1" lang="en-US" altLang="ja-JP" dirty="0" err="1">
-                <a:latin typeface="メイリオ" panose="020B0604030504040204" pitchFamily="50" charset="-128"/>
-                <a:ea typeface="メイリオ" panose="020B0604030504040204" pitchFamily="50" charset="-128"/>
-              </a:rPr>
-              <a:t>dataframe</a:t>
-            </a:r>
-            <a:r>
-              <a:rPr kumimoji="1" lang="en-US" altLang="ja-JP" dirty="0">
-                <a:latin typeface="メイリオ" panose="020B0604030504040204" pitchFamily="50" charset="-128"/>
-                <a:ea typeface="メイリオ" panose="020B0604030504040204" pitchFamily="50" charset="-128"/>
-              </a:rPr>
-              <a:t>)</a:t>
-            </a:r>
-            <a:r>
-              <a:rPr kumimoji="1" lang="ja-JP" altLang="en-US" dirty="0">
-                <a:latin typeface="メイリオ" panose="020B0604030504040204" pitchFamily="50" charset="-128"/>
-                <a:ea typeface="メイリオ" panose="020B0604030504040204" pitchFamily="50" charset="-128"/>
-              </a:rPr>
-              <a:t>は、</a:t>
-            </a:r>
-            <a:r>
-              <a:rPr lang="ja-JP" altLang="en-US" dirty="0">
-                <a:latin typeface="メイリオ" panose="020B0604030504040204" pitchFamily="50" charset="-128"/>
-                <a:ea typeface="メイリオ" panose="020B0604030504040204" pitchFamily="50" charset="-128"/>
-              </a:rPr>
-              <a:t>インデックスを</a:t>
-            </a:r>
-            <a:r>
-              <a:rPr lang="en-US" altLang="ja-JP" dirty="0">
-                <a:latin typeface="メイリオ" panose="020B0604030504040204" pitchFamily="50" charset="-128"/>
-                <a:ea typeface="メイリオ" panose="020B0604030504040204" pitchFamily="50" charset="-128"/>
-              </a:rPr>
-              <a:t>key</a:t>
-            </a:r>
-            <a:r>
-              <a:rPr lang="ja-JP" altLang="en-US" dirty="0">
-                <a:latin typeface="メイリオ" panose="020B0604030504040204" pitchFamily="50" charset="-128"/>
-                <a:ea typeface="メイリオ" panose="020B0604030504040204" pitchFamily="50" charset="-128"/>
-              </a:rPr>
-              <a:t>，</a:t>
-            </a:r>
-            <a:r>
-              <a:rPr lang="en-US" altLang="ja-JP" dirty="0">
-                <a:latin typeface="メイリオ" panose="020B0604030504040204" pitchFamily="50" charset="-128"/>
-                <a:ea typeface="メイリオ" panose="020B0604030504040204" pitchFamily="50" charset="-128"/>
-              </a:rPr>
-              <a:t>1</a:t>
-            </a:r>
-            <a:r>
-              <a:rPr lang="ja-JP" altLang="en-US" dirty="0">
-                <a:latin typeface="メイリオ" panose="020B0604030504040204" pitchFamily="50" charset="-128"/>
-                <a:ea typeface="メイリオ" panose="020B0604030504040204" pitchFamily="50" charset="-128"/>
-              </a:rPr>
-              <a:t>行を</a:t>
-            </a:r>
-            <a:r>
-              <a:rPr lang="en-US" altLang="ja-JP" dirty="0">
-                <a:latin typeface="メイリオ" panose="020B0604030504040204" pitchFamily="50" charset="-128"/>
-                <a:ea typeface="メイリオ" panose="020B0604030504040204" pitchFamily="50" charset="-128"/>
-              </a:rPr>
-              <a:t>value</a:t>
-            </a:r>
-            <a:r>
-              <a:rPr lang="ja-JP" altLang="en-US" dirty="0">
-                <a:latin typeface="メイリオ" panose="020B0604030504040204" pitchFamily="50" charset="-128"/>
-                <a:ea typeface="メイリオ" panose="020B0604030504040204" pitchFamily="50" charset="-128"/>
-              </a:rPr>
-              <a:t>とする辞書型</a:t>
-            </a:r>
-            <a:endParaRPr kumimoji="1" lang="en-US" altLang="ja-JP" dirty="0">
-              <a:latin typeface="メイリオ" panose="020B0604030504040204" pitchFamily="50" charset="-128"/>
-              <a:ea typeface="メイリオ" panose="020B0604030504040204" pitchFamily="50" charset="-128"/>
-            </a:endParaRPr>
-          </a:p>
-          <a:p>
-            <a:pPr marL="285750" indent="-285750" algn="l">
-              <a:buFont typeface="Wingdings" panose="05000000000000000000" pitchFamily="2" charset="2"/>
-              <a:buChar char="l"/>
-            </a:pPr>
-            <a:r>
-              <a:rPr kumimoji="1" lang="en-US" altLang="ja-JP" dirty="0">
-                <a:latin typeface="メイリオ" panose="020B0604030504040204" pitchFamily="50" charset="-128"/>
-                <a:ea typeface="メイリオ" panose="020B0604030504040204" pitchFamily="50" charset="-128"/>
-              </a:rPr>
-              <a:t>t</a:t>
-            </a:r>
-            <a:r>
-              <a:rPr kumimoji="1" lang="ja-JP" altLang="en-US" dirty="0">
-                <a:latin typeface="メイリオ" panose="020B0604030504040204" pitchFamily="50" charset="-128"/>
-                <a:ea typeface="メイリオ" panose="020B0604030504040204" pitchFamily="50" charset="-128"/>
-              </a:rPr>
-              <a:t>は、</a:t>
-            </a:r>
-            <a:r>
-              <a:rPr kumimoji="1" lang="en-US" altLang="ja-JP" dirty="0">
-                <a:latin typeface="メイリオ" panose="020B0604030504040204" pitchFamily="50" charset="-128"/>
-                <a:ea typeface="メイリオ" panose="020B0604030504040204" pitchFamily="50" charset="-128"/>
-              </a:rPr>
-              <a:t>1</a:t>
-            </a:r>
-            <a:r>
-              <a:rPr kumimoji="1" lang="ja-JP" altLang="en-US" dirty="0">
-                <a:latin typeface="メイリオ" panose="020B0604030504040204" pitchFamily="50" charset="-128"/>
-                <a:ea typeface="メイリオ" panose="020B0604030504040204" pitchFamily="50" charset="-128"/>
-              </a:rPr>
-              <a:t>行の値に見出しがついた</a:t>
-            </a:r>
-            <a:r>
-              <a:rPr kumimoji="1" lang="en-US" altLang="ja-JP" dirty="0">
-                <a:latin typeface="メイリオ" panose="020B0604030504040204" pitchFamily="50" charset="-128"/>
-                <a:ea typeface="メイリオ" panose="020B0604030504040204" pitchFamily="50" charset="-128"/>
-              </a:rPr>
-              <a:t>series</a:t>
-            </a:r>
-            <a:r>
-              <a:rPr kumimoji="1" lang="ja-JP" altLang="en-US" dirty="0">
-                <a:latin typeface="メイリオ" panose="020B0604030504040204" pitchFamily="50" charset="-128"/>
-                <a:ea typeface="メイリオ" panose="020B0604030504040204" pitchFamily="50" charset="-128"/>
-              </a:rPr>
-              <a:t>辞書型（見出しが</a:t>
-            </a:r>
-            <a:r>
-              <a:rPr kumimoji="1" lang="en-US" altLang="ja-JP" dirty="0">
-                <a:latin typeface="メイリオ" panose="020B0604030504040204" pitchFamily="50" charset="-128"/>
-                <a:ea typeface="メイリオ" panose="020B0604030504040204" pitchFamily="50" charset="-128"/>
-              </a:rPr>
-              <a:t>key : </a:t>
-            </a:r>
-            <a:r>
-              <a:rPr kumimoji="1" lang="ja-JP" altLang="en-US" dirty="0">
-                <a:latin typeface="メイリオ" panose="020B0604030504040204" pitchFamily="50" charset="-128"/>
-                <a:ea typeface="メイリオ" panose="020B0604030504040204" pitchFamily="50" charset="-128"/>
-              </a:rPr>
-              <a:t>値が</a:t>
-            </a:r>
-            <a:r>
-              <a:rPr kumimoji="1" lang="en-US" altLang="ja-JP" dirty="0">
-                <a:latin typeface="メイリオ" panose="020B0604030504040204" pitchFamily="50" charset="-128"/>
-                <a:ea typeface="メイリオ" panose="020B0604030504040204" pitchFamily="50" charset="-128"/>
-              </a:rPr>
-              <a:t>value) </a:t>
-            </a:r>
-            <a:endParaRPr kumimoji="1" lang="ja-JP" altLang="en-US" dirty="0">
-              <a:latin typeface="メイリオ" panose="020B0604030504040204" pitchFamily="50" charset="-128"/>
-              <a:ea typeface="メイリオ" panose="020B0604030504040204" pitchFamily="50" charset="-128"/>
-            </a:endParaRPr>
-          </a:p>
-        </p:txBody>
-      </p:sp>
-      <p:sp>
-        <p:nvSpPr>
-          <p:cNvPr id="41" name="テキスト ボックス 40">
-            <a:extLst>
-              <a:ext uri="{FF2B5EF4-FFF2-40B4-BE49-F238E27FC236}">
-                <a16:creationId xmlns:a16="http://schemas.microsoft.com/office/drawing/2014/main" id="{8579FEE8-A109-A575-214E-5F6E04913C1B}"/>
-              </a:ext>
-            </a:extLst>
-          </p:cNvPr>
-          <p:cNvSpPr txBox="1"/>
-          <p:nvPr/>
-        </p:nvSpPr>
-        <p:spPr>
-          <a:xfrm>
-            <a:off x="1406684" y="2312237"/>
-            <a:ext cx="1712328" cy="369332"/>
-          </a:xfrm>
-          <a:prstGeom prst="rect">
-            <a:avLst/>
-          </a:prstGeom>
-          <a:noFill/>
-        </p:spPr>
-        <p:txBody>
-          <a:bodyPr wrap="none" rtlCol="0">
-            <a:spAutoFit/>
-          </a:bodyPr>
-          <a:lstStyle/>
-          <a:p>
-            <a:pPr algn="l"/>
-            <a:r>
-              <a:rPr lang="en-US" altLang="ja-JP" b="1" u="sng" dirty="0">
-                <a:latin typeface="メイリオ" panose="020B0604030504040204" pitchFamily="50" charset="-128"/>
-                <a:ea typeface="メイリオ" panose="020B0604030504040204" pitchFamily="50" charset="-128"/>
-              </a:rPr>
-              <a:t>2</a:t>
-            </a:r>
-            <a:r>
-              <a:rPr lang="ja-JP" altLang="en-US" b="1" u="sng" dirty="0">
-                <a:latin typeface="メイリオ" panose="020B0604030504040204" pitchFamily="50" charset="-128"/>
-                <a:ea typeface="メイリオ" panose="020B0604030504040204" pitchFamily="50" charset="-128"/>
-              </a:rPr>
-              <a:t>重構造の辞書</a:t>
-            </a:r>
-            <a:endParaRPr kumimoji="1" lang="ja-JP" altLang="en-US" b="1" u="sng" dirty="0">
-              <a:latin typeface="メイリオ" panose="020B0604030504040204" pitchFamily="50" charset="-128"/>
-              <a:ea typeface="メイリオ" panose="020B0604030504040204" pitchFamily="50" charset="-128"/>
-            </a:endParaRPr>
-          </a:p>
-        </p:txBody>
-      </p:sp>
-    </p:spTree>
-    <p:extLst>
-      <p:ext uri="{BB962C8B-B14F-4D97-AF65-F5344CB8AC3E}">
-        <p14:creationId xmlns:p14="http://schemas.microsoft.com/office/powerpoint/2010/main" val="4229810116"/>
       </p:ext>
     </p:extLst>
   </p:cSld>
@@ -10602,6 +10119,1204 @@
     <p:extLst>
       <p:ext uri="{BB962C8B-B14F-4D97-AF65-F5344CB8AC3E}">
         <p14:creationId xmlns:p14="http://schemas.microsoft.com/office/powerpoint/2010/main" val="3390596896"/>
+      </p:ext>
+    </p:extLst>
+  </p:cSld>
+  <p:clrMapOvr>
+    <a:masterClrMapping/>
+  </p:clrMapOvr>
+</p:sld>
+</file>
+
+<file path=ppt/slides/slide20.xml><?xml version="1.0" encoding="utf-8"?>
+<p:sld xmlns:a="http://schemas.openxmlformats.org/drawingml/2006/main" xmlns:r="http://schemas.openxmlformats.org/officeDocument/2006/relationships" xmlns:p="http://schemas.openxmlformats.org/presentationml/2006/main">
+  <p:cSld>
+    <p:spTree>
+      <p:nvGrpSpPr>
+        <p:cNvPr id="1" name=""/>
+        <p:cNvGrpSpPr/>
+        <p:nvPr/>
+      </p:nvGrpSpPr>
+      <p:grpSpPr>
+        <a:xfrm>
+          <a:off x="0" y="0"/>
+          <a:ext cx="0" cy="0"/>
+          <a:chOff x="0" y="0"/>
+          <a:chExt cx="0" cy="0"/>
+        </a:xfrm>
+      </p:grpSpPr>
+      <p:sp>
+        <p:nvSpPr>
+          <p:cNvPr id="4" name="テキスト ボックス 3">
+            <a:extLst>
+              <a:ext uri="{FF2B5EF4-FFF2-40B4-BE49-F238E27FC236}">
+                <a16:creationId xmlns:a16="http://schemas.microsoft.com/office/drawing/2014/main" id="{CE2CC666-D9AA-6F33-5C69-8E87B8C2BF11}"/>
+              </a:ext>
+            </a:extLst>
+          </p:cNvPr>
+          <p:cNvSpPr txBox="1"/>
+          <p:nvPr/>
+        </p:nvSpPr>
+        <p:spPr>
+          <a:xfrm>
+            <a:off x="1567542" y="1000450"/>
+            <a:ext cx="4126451" cy="461665"/>
+          </a:xfrm>
+          <a:prstGeom prst="rect">
+            <a:avLst/>
+          </a:prstGeom>
+          <a:noFill/>
+        </p:spPr>
+        <p:txBody>
+          <a:bodyPr wrap="none" rtlCol="0">
+            <a:spAutoFit/>
+          </a:bodyPr>
+          <a:lstStyle/>
+          <a:p>
+            <a:r>
+              <a:rPr kumimoji="1" lang="en-US" altLang="ja-JP" sz="2400" dirty="0">
+                <a:latin typeface="メイリオ" panose="020B0604030504040204" pitchFamily="50" charset="-128"/>
+                <a:ea typeface="メイリオ" panose="020B0604030504040204" pitchFamily="50" charset="-128"/>
+              </a:rPr>
+              <a:t>for </a:t>
+            </a:r>
+            <a:r>
+              <a:rPr kumimoji="1" lang="en-US" altLang="ja-JP" sz="2400" dirty="0" err="1">
+                <a:latin typeface="メイリオ" panose="020B0604030504040204" pitchFamily="50" charset="-128"/>
+                <a:ea typeface="メイリオ" panose="020B0604030504040204" pitchFamily="50" charset="-128"/>
+              </a:rPr>
+              <a:t>i,t</a:t>
+            </a:r>
+            <a:r>
+              <a:rPr kumimoji="1" lang="en-US" altLang="ja-JP" sz="2400" dirty="0">
+                <a:latin typeface="メイリオ" panose="020B0604030504040204" pitchFamily="50" charset="-128"/>
+                <a:ea typeface="メイリオ" panose="020B0604030504040204" pitchFamily="50" charset="-128"/>
+              </a:rPr>
+              <a:t> in </a:t>
+            </a:r>
+            <a:r>
+              <a:rPr kumimoji="1" lang="en-US" altLang="ja-JP" sz="2400" dirty="0" err="1">
+                <a:latin typeface="メイリオ" panose="020B0604030504040204" pitchFamily="50" charset="-128"/>
+                <a:ea typeface="メイリオ" panose="020B0604030504040204" pitchFamily="50" charset="-128"/>
+              </a:rPr>
+              <a:t>titanic.iterrows</a:t>
+            </a:r>
+            <a:r>
+              <a:rPr kumimoji="1" lang="en-US" altLang="ja-JP" sz="2400" dirty="0">
+                <a:latin typeface="メイリオ" panose="020B0604030504040204" pitchFamily="50" charset="-128"/>
+                <a:ea typeface="メイリオ" panose="020B0604030504040204" pitchFamily="50" charset="-128"/>
+              </a:rPr>
+              <a:t>():</a:t>
+            </a:r>
+            <a:endParaRPr kumimoji="1" lang="ja-JP" altLang="en-US" sz="2400" dirty="0">
+              <a:latin typeface="メイリオ" panose="020B0604030504040204" pitchFamily="50" charset="-128"/>
+              <a:ea typeface="メイリオ" panose="020B0604030504040204" pitchFamily="50" charset="-128"/>
+            </a:endParaRPr>
+          </a:p>
+        </p:txBody>
+      </p:sp>
+      <p:pic>
+        <p:nvPicPr>
+          <p:cNvPr id="6" name="図 5">
+            <a:extLst>
+              <a:ext uri="{FF2B5EF4-FFF2-40B4-BE49-F238E27FC236}">
+                <a16:creationId xmlns:a16="http://schemas.microsoft.com/office/drawing/2014/main" id="{E0E71440-F782-876B-66E6-45920425186F}"/>
+              </a:ext>
+            </a:extLst>
+          </p:cNvPr>
+          <p:cNvPicPr>
+            <a:picLocks noChangeAspect="1"/>
+          </p:cNvPicPr>
+          <p:nvPr/>
+        </p:nvPicPr>
+        <p:blipFill>
+          <a:blip r:embed="rId2"/>
+          <a:stretch>
+            <a:fillRect/>
+          </a:stretch>
+        </p:blipFill>
+        <p:spPr>
+          <a:xfrm>
+            <a:off x="7036993" y="652180"/>
+            <a:ext cx="4702629" cy="1980054"/>
+          </a:xfrm>
+          <a:prstGeom prst="rect">
+            <a:avLst/>
+          </a:prstGeom>
+        </p:spPr>
+      </p:pic>
+      <p:sp>
+        <p:nvSpPr>
+          <p:cNvPr id="7" name="テキスト ボックス 6">
+            <a:extLst>
+              <a:ext uri="{FF2B5EF4-FFF2-40B4-BE49-F238E27FC236}">
+                <a16:creationId xmlns:a16="http://schemas.microsoft.com/office/drawing/2014/main" id="{43F9F2BB-1E75-A037-80B6-0C0117696423}"/>
+              </a:ext>
+            </a:extLst>
+          </p:cNvPr>
+          <p:cNvSpPr txBox="1"/>
+          <p:nvPr/>
+        </p:nvSpPr>
+        <p:spPr>
+          <a:xfrm>
+            <a:off x="296709" y="233591"/>
+            <a:ext cx="8043164" cy="584775"/>
+          </a:xfrm>
+          <a:prstGeom prst="rect">
+            <a:avLst/>
+          </a:prstGeom>
+          <a:noFill/>
+        </p:spPr>
+        <p:txBody>
+          <a:bodyPr wrap="none" rtlCol="0">
+            <a:spAutoFit/>
+          </a:bodyPr>
+          <a:lstStyle/>
+          <a:p>
+            <a:r>
+              <a:rPr kumimoji="1" lang="en-US" altLang="ja-JP" sz="3200" dirty="0" err="1">
+                <a:latin typeface="メイリオ" panose="020B0604030504040204" pitchFamily="50" charset="-128"/>
+                <a:ea typeface="メイリオ" panose="020B0604030504040204" pitchFamily="50" charset="-128"/>
+              </a:rPr>
+              <a:t>Datafram</a:t>
+            </a:r>
+            <a:r>
+              <a:rPr lang="en-US" altLang="ja-JP" sz="3200" dirty="0" err="1">
+                <a:latin typeface="メイリオ" panose="020B0604030504040204" pitchFamily="50" charset="-128"/>
+                <a:ea typeface="メイリオ" panose="020B0604030504040204" pitchFamily="50" charset="-128"/>
+              </a:rPr>
+              <a:t>e</a:t>
+            </a:r>
+            <a:r>
+              <a:rPr lang="ja-JP" altLang="en-US" sz="3200" dirty="0">
+                <a:latin typeface="メイリオ" panose="020B0604030504040204" pitchFamily="50" charset="-128"/>
+                <a:ea typeface="メイリオ" panose="020B0604030504040204" pitchFamily="50" charset="-128"/>
+              </a:rPr>
+              <a:t>はキーが縦横についた辞書構造</a:t>
+            </a:r>
+            <a:endParaRPr kumimoji="1" lang="ja-JP" altLang="en-US" sz="3200" dirty="0">
+              <a:latin typeface="メイリオ" panose="020B0604030504040204" pitchFamily="50" charset="-128"/>
+              <a:ea typeface="メイリオ" panose="020B0604030504040204" pitchFamily="50" charset="-128"/>
+            </a:endParaRPr>
+          </a:p>
+        </p:txBody>
+      </p:sp>
+      <p:pic>
+        <p:nvPicPr>
+          <p:cNvPr id="11" name="図 10">
+            <a:extLst>
+              <a:ext uri="{FF2B5EF4-FFF2-40B4-BE49-F238E27FC236}">
+                <a16:creationId xmlns:a16="http://schemas.microsoft.com/office/drawing/2014/main" id="{B4251D25-8E18-2062-5ABE-FBA663B345F9}"/>
+              </a:ext>
+            </a:extLst>
+          </p:cNvPr>
+          <p:cNvPicPr>
+            <a:picLocks noChangeAspect="1"/>
+          </p:cNvPicPr>
+          <p:nvPr/>
+        </p:nvPicPr>
+        <p:blipFill>
+          <a:blip r:embed="rId3"/>
+          <a:stretch>
+            <a:fillRect/>
+          </a:stretch>
+        </p:blipFill>
+        <p:spPr>
+          <a:xfrm>
+            <a:off x="2686147" y="4095872"/>
+            <a:ext cx="4514850" cy="590550"/>
+          </a:xfrm>
+          <a:prstGeom prst="rect">
+            <a:avLst/>
+          </a:prstGeom>
+        </p:spPr>
+      </p:pic>
+      <p:pic>
+        <p:nvPicPr>
+          <p:cNvPr id="13" name="図 12">
+            <a:extLst>
+              <a:ext uri="{FF2B5EF4-FFF2-40B4-BE49-F238E27FC236}">
+                <a16:creationId xmlns:a16="http://schemas.microsoft.com/office/drawing/2014/main" id="{5B381A76-BE2D-C126-642D-D3C0D349D762}"/>
+              </a:ext>
+            </a:extLst>
+          </p:cNvPr>
+          <p:cNvPicPr>
+            <a:picLocks noChangeAspect="1"/>
+          </p:cNvPicPr>
+          <p:nvPr/>
+        </p:nvPicPr>
+        <p:blipFill>
+          <a:blip r:embed="rId4"/>
+          <a:stretch>
+            <a:fillRect/>
+          </a:stretch>
+        </p:blipFill>
+        <p:spPr>
+          <a:xfrm>
+            <a:off x="2726497" y="6260842"/>
+            <a:ext cx="4419600" cy="314325"/>
+          </a:xfrm>
+          <a:prstGeom prst="rect">
+            <a:avLst/>
+          </a:prstGeom>
+        </p:spPr>
+      </p:pic>
+      <p:pic>
+        <p:nvPicPr>
+          <p:cNvPr id="19" name="図 18">
+            <a:extLst>
+              <a:ext uri="{FF2B5EF4-FFF2-40B4-BE49-F238E27FC236}">
+                <a16:creationId xmlns:a16="http://schemas.microsoft.com/office/drawing/2014/main" id="{58C5E7A2-7AB5-63DE-679A-A08115F0F4EB}"/>
+              </a:ext>
+            </a:extLst>
+          </p:cNvPr>
+          <p:cNvPicPr>
+            <a:picLocks noChangeAspect="1"/>
+          </p:cNvPicPr>
+          <p:nvPr/>
+        </p:nvPicPr>
+        <p:blipFill>
+          <a:blip r:embed="rId5"/>
+          <a:stretch>
+            <a:fillRect/>
+          </a:stretch>
+        </p:blipFill>
+        <p:spPr>
+          <a:xfrm>
+            <a:off x="2726497" y="5924183"/>
+            <a:ext cx="4419600" cy="333375"/>
+          </a:xfrm>
+          <a:prstGeom prst="rect">
+            <a:avLst/>
+          </a:prstGeom>
+        </p:spPr>
+      </p:pic>
+      <p:cxnSp>
+        <p:nvCxnSpPr>
+          <p:cNvPr id="24" name="コネクタ: カギ線 23">
+            <a:extLst>
+              <a:ext uri="{FF2B5EF4-FFF2-40B4-BE49-F238E27FC236}">
+                <a16:creationId xmlns:a16="http://schemas.microsoft.com/office/drawing/2014/main" id="{BF50E439-300C-9C4C-BD5E-F245748EC495}"/>
+              </a:ext>
+            </a:extLst>
+          </p:cNvPr>
+          <p:cNvCxnSpPr>
+            <a:cxnSpLocks/>
+            <a:stCxn id="4" idx="1"/>
+            <a:endCxn id="11" idx="1"/>
+          </p:cNvCxnSpPr>
+          <p:nvPr/>
+        </p:nvCxnSpPr>
+        <p:spPr>
+          <a:xfrm rot="10800000" flipH="1" flipV="1">
+            <a:off x="1567541" y="1231283"/>
+            <a:ext cx="1118605" cy="3159864"/>
+          </a:xfrm>
+          <a:prstGeom prst="bentConnector3">
+            <a:avLst>
+              <a:gd name="adj1" fmla="val -20436"/>
+            </a:avLst>
+          </a:prstGeom>
+          <a:ln>
+            <a:tailEnd type="triangle"/>
+          </a:ln>
+        </p:spPr>
+        <p:style>
+          <a:lnRef idx="1">
+            <a:schemeClr val="accent1"/>
+          </a:lnRef>
+          <a:fillRef idx="0">
+            <a:schemeClr val="accent1"/>
+          </a:fillRef>
+          <a:effectRef idx="0">
+            <a:schemeClr val="accent1"/>
+          </a:effectRef>
+          <a:fontRef idx="minor">
+            <a:schemeClr val="tx1"/>
+          </a:fontRef>
+        </p:style>
+      </p:cxnSp>
+      <p:sp>
+        <p:nvSpPr>
+          <p:cNvPr id="25" name="テキスト ボックス 24">
+            <a:extLst>
+              <a:ext uri="{FF2B5EF4-FFF2-40B4-BE49-F238E27FC236}">
+                <a16:creationId xmlns:a16="http://schemas.microsoft.com/office/drawing/2014/main" id="{A9B80F14-235A-F942-A52E-40FDF8F44621}"/>
+              </a:ext>
+            </a:extLst>
+          </p:cNvPr>
+          <p:cNvSpPr txBox="1"/>
+          <p:nvPr/>
+        </p:nvSpPr>
+        <p:spPr>
+          <a:xfrm>
+            <a:off x="2984050" y="1500775"/>
+            <a:ext cx="3919043" cy="461665"/>
+          </a:xfrm>
+          <a:prstGeom prst="rect">
+            <a:avLst/>
+          </a:prstGeom>
+          <a:noFill/>
+        </p:spPr>
+        <p:txBody>
+          <a:bodyPr wrap="square" rtlCol="0">
+            <a:spAutoFit/>
+          </a:bodyPr>
+          <a:lstStyle/>
+          <a:p>
+            <a:r>
+              <a:rPr lang="en-US" altLang="ja-JP" sz="2400" dirty="0">
+                <a:latin typeface="メイリオ" panose="020B0604030504040204" pitchFamily="50" charset="-128"/>
+                <a:ea typeface="メイリオ" panose="020B0604030504040204" pitchFamily="50" charset="-128"/>
+              </a:rPr>
+              <a:t>for </a:t>
+            </a:r>
+            <a:r>
+              <a:rPr lang="en-US" altLang="ja-JP" sz="2400" dirty="0" err="1">
+                <a:latin typeface="メイリオ" panose="020B0604030504040204" pitchFamily="50" charset="-128"/>
+                <a:ea typeface="メイリオ" panose="020B0604030504040204" pitchFamily="50" charset="-128"/>
+              </a:rPr>
+              <a:t>k,v</a:t>
+            </a:r>
+            <a:r>
+              <a:rPr lang="en-US" altLang="ja-JP" sz="2400" dirty="0">
+                <a:latin typeface="メイリオ" panose="020B0604030504040204" pitchFamily="50" charset="-128"/>
+                <a:ea typeface="メイリオ" panose="020B0604030504040204" pitchFamily="50" charset="-128"/>
+              </a:rPr>
+              <a:t> in </a:t>
+            </a:r>
+            <a:r>
+              <a:rPr lang="en-US" altLang="ja-JP" sz="2400" dirty="0" err="1">
+                <a:latin typeface="メイリオ" panose="020B0604030504040204" pitchFamily="50" charset="-128"/>
+                <a:ea typeface="メイリオ" panose="020B0604030504040204" pitchFamily="50" charset="-128"/>
+              </a:rPr>
+              <a:t>t.items</a:t>
+            </a:r>
+            <a:r>
+              <a:rPr lang="en-US" altLang="ja-JP" sz="2400" dirty="0">
+                <a:latin typeface="メイリオ" panose="020B0604030504040204" pitchFamily="50" charset="-128"/>
+                <a:ea typeface="メイリオ" panose="020B0604030504040204" pitchFamily="50" charset="-128"/>
+              </a:rPr>
+              <a:t>():</a:t>
+            </a:r>
+            <a:endParaRPr kumimoji="1" lang="ja-JP" altLang="en-US" sz="2400" dirty="0" err="1">
+              <a:latin typeface="メイリオ" panose="020B0604030504040204" pitchFamily="50" charset="-128"/>
+              <a:ea typeface="メイリオ" panose="020B0604030504040204" pitchFamily="50" charset="-128"/>
+            </a:endParaRPr>
+          </a:p>
+        </p:txBody>
+      </p:sp>
+      <p:cxnSp>
+        <p:nvCxnSpPr>
+          <p:cNvPr id="27" name="コネクタ: カギ線 26">
+            <a:extLst>
+              <a:ext uri="{FF2B5EF4-FFF2-40B4-BE49-F238E27FC236}">
+                <a16:creationId xmlns:a16="http://schemas.microsoft.com/office/drawing/2014/main" id="{6D252147-7660-2073-5485-E9160F6990D6}"/>
+              </a:ext>
+            </a:extLst>
+          </p:cNvPr>
+          <p:cNvCxnSpPr>
+            <a:cxnSpLocks/>
+            <a:stCxn id="4" idx="1"/>
+            <a:endCxn id="13" idx="1"/>
+          </p:cNvCxnSpPr>
+          <p:nvPr/>
+        </p:nvCxnSpPr>
+        <p:spPr>
+          <a:xfrm rot="10800000" flipH="1" flipV="1">
+            <a:off x="1567541" y="1231283"/>
+            <a:ext cx="1158955" cy="5186722"/>
+          </a:xfrm>
+          <a:prstGeom prst="bentConnector3">
+            <a:avLst>
+              <a:gd name="adj1" fmla="val -19725"/>
+            </a:avLst>
+          </a:prstGeom>
+          <a:ln>
+            <a:tailEnd type="triangle"/>
+          </a:ln>
+        </p:spPr>
+        <p:style>
+          <a:lnRef idx="1">
+            <a:schemeClr val="accent1"/>
+          </a:lnRef>
+          <a:fillRef idx="0">
+            <a:schemeClr val="accent1"/>
+          </a:fillRef>
+          <a:effectRef idx="0">
+            <a:schemeClr val="accent1"/>
+          </a:effectRef>
+          <a:fontRef idx="minor">
+            <a:schemeClr val="tx1"/>
+          </a:fontRef>
+        </p:style>
+      </p:cxnSp>
+      <p:sp>
+        <p:nvSpPr>
+          <p:cNvPr id="30" name="テキスト ボックス 29">
+            <a:extLst>
+              <a:ext uri="{FF2B5EF4-FFF2-40B4-BE49-F238E27FC236}">
+                <a16:creationId xmlns:a16="http://schemas.microsoft.com/office/drawing/2014/main" id="{9DE1429A-6BBB-6B2F-B3C3-3962617E759F}"/>
+              </a:ext>
+            </a:extLst>
+          </p:cNvPr>
+          <p:cNvSpPr txBox="1"/>
+          <p:nvPr/>
+        </p:nvSpPr>
+        <p:spPr>
+          <a:xfrm>
+            <a:off x="1406684" y="4059704"/>
+            <a:ext cx="788999" cy="369332"/>
+          </a:xfrm>
+          <a:prstGeom prst="rect">
+            <a:avLst/>
+          </a:prstGeom>
+          <a:noFill/>
+        </p:spPr>
+        <p:txBody>
+          <a:bodyPr wrap="none" rtlCol="0">
+            <a:spAutoFit/>
+          </a:bodyPr>
+          <a:lstStyle/>
+          <a:p>
+            <a:pPr algn="l"/>
+            <a:r>
+              <a:rPr lang="en-US" altLang="ja-JP" dirty="0">
+                <a:latin typeface="メイリオ" panose="020B0604030504040204" pitchFamily="50" charset="-128"/>
+                <a:ea typeface="メイリオ" panose="020B0604030504040204" pitchFamily="50" charset="-128"/>
+              </a:rPr>
+              <a:t>1</a:t>
+            </a:r>
+            <a:r>
+              <a:rPr lang="ja-JP" altLang="en-US" dirty="0">
+                <a:latin typeface="メイリオ" panose="020B0604030504040204" pitchFamily="50" charset="-128"/>
+                <a:ea typeface="メイリオ" panose="020B0604030504040204" pitchFamily="50" charset="-128"/>
+              </a:rPr>
+              <a:t>回目</a:t>
+            </a:r>
+            <a:endParaRPr kumimoji="1" lang="ja-JP" altLang="en-US" dirty="0">
+              <a:latin typeface="メイリオ" panose="020B0604030504040204" pitchFamily="50" charset="-128"/>
+              <a:ea typeface="メイリオ" panose="020B0604030504040204" pitchFamily="50" charset="-128"/>
+            </a:endParaRPr>
+          </a:p>
+        </p:txBody>
+      </p:sp>
+      <p:sp>
+        <p:nvSpPr>
+          <p:cNvPr id="31" name="テキスト ボックス 30">
+            <a:extLst>
+              <a:ext uri="{FF2B5EF4-FFF2-40B4-BE49-F238E27FC236}">
+                <a16:creationId xmlns:a16="http://schemas.microsoft.com/office/drawing/2014/main" id="{D6E35E33-D768-7F05-7851-9066A961C7BE}"/>
+              </a:ext>
+            </a:extLst>
+          </p:cNvPr>
+          <p:cNvSpPr txBox="1"/>
+          <p:nvPr/>
+        </p:nvSpPr>
+        <p:spPr>
+          <a:xfrm>
+            <a:off x="1406684" y="6048672"/>
+            <a:ext cx="788999" cy="369332"/>
+          </a:xfrm>
+          <a:prstGeom prst="rect">
+            <a:avLst/>
+          </a:prstGeom>
+          <a:noFill/>
+        </p:spPr>
+        <p:txBody>
+          <a:bodyPr wrap="none" rtlCol="0">
+            <a:spAutoFit/>
+          </a:bodyPr>
+          <a:lstStyle/>
+          <a:p>
+            <a:pPr algn="l"/>
+            <a:r>
+              <a:rPr kumimoji="1" lang="en-US" altLang="ja-JP" dirty="0">
+                <a:latin typeface="メイリオ" panose="020B0604030504040204" pitchFamily="50" charset="-128"/>
+                <a:ea typeface="メイリオ" panose="020B0604030504040204" pitchFamily="50" charset="-128"/>
+              </a:rPr>
+              <a:t>2</a:t>
+            </a:r>
+            <a:r>
+              <a:rPr kumimoji="1" lang="ja-JP" altLang="en-US" dirty="0">
+                <a:latin typeface="メイリオ" panose="020B0604030504040204" pitchFamily="50" charset="-128"/>
+                <a:ea typeface="メイリオ" panose="020B0604030504040204" pitchFamily="50" charset="-128"/>
+              </a:rPr>
+              <a:t>回目</a:t>
+            </a:r>
+          </a:p>
+        </p:txBody>
+      </p:sp>
+      <p:sp>
+        <p:nvSpPr>
+          <p:cNvPr id="32" name="テキスト ボックス 31">
+            <a:extLst>
+              <a:ext uri="{FF2B5EF4-FFF2-40B4-BE49-F238E27FC236}">
+                <a16:creationId xmlns:a16="http://schemas.microsoft.com/office/drawing/2014/main" id="{466F5023-B165-C144-C048-E7A3A603D7BB}"/>
+              </a:ext>
+            </a:extLst>
+          </p:cNvPr>
+          <p:cNvSpPr txBox="1"/>
+          <p:nvPr/>
+        </p:nvSpPr>
+        <p:spPr>
+          <a:xfrm>
+            <a:off x="2643621" y="3305733"/>
+            <a:ext cx="1298753" cy="461665"/>
+          </a:xfrm>
+          <a:prstGeom prst="rect">
+            <a:avLst/>
+          </a:prstGeom>
+          <a:noFill/>
+        </p:spPr>
+        <p:txBody>
+          <a:bodyPr wrap="none" rtlCol="0">
+            <a:spAutoFit/>
+          </a:bodyPr>
+          <a:lstStyle/>
+          <a:p>
+            <a:pPr algn="l"/>
+            <a:r>
+              <a:rPr kumimoji="1" lang="en-US" altLang="ja-JP" sz="2400" dirty="0">
+                <a:latin typeface="メイリオ" panose="020B0604030504040204" pitchFamily="50" charset="-128"/>
+                <a:ea typeface="メイリオ" panose="020B0604030504040204" pitchFamily="50" charset="-128"/>
+              </a:rPr>
+              <a:t>{ </a:t>
+            </a:r>
+            <a:r>
+              <a:rPr kumimoji="1" lang="en-US" altLang="ja-JP" sz="2400" dirty="0" err="1">
+                <a:latin typeface="メイリオ" panose="020B0604030504040204" pitchFamily="50" charset="-128"/>
+                <a:ea typeface="メイリオ" panose="020B0604030504040204" pitchFamily="50" charset="-128"/>
+              </a:rPr>
+              <a:t>i</a:t>
+            </a:r>
+            <a:r>
+              <a:rPr kumimoji="1" lang="en-US" altLang="ja-JP" sz="2400" dirty="0">
+                <a:latin typeface="メイリオ" panose="020B0604030504040204" pitchFamily="50" charset="-128"/>
+                <a:ea typeface="メイリオ" panose="020B0604030504040204" pitchFamily="50" charset="-128"/>
+              </a:rPr>
+              <a:t> :  t}</a:t>
+            </a:r>
+            <a:endParaRPr kumimoji="1" lang="ja-JP" altLang="en-US" sz="2400" dirty="0" err="1">
+              <a:latin typeface="メイリオ" panose="020B0604030504040204" pitchFamily="50" charset="-128"/>
+              <a:ea typeface="メイリオ" panose="020B0604030504040204" pitchFamily="50" charset="-128"/>
+            </a:endParaRPr>
+          </a:p>
+        </p:txBody>
+      </p:sp>
+      <p:sp>
+        <p:nvSpPr>
+          <p:cNvPr id="33" name="右中かっこ 32">
+            <a:extLst>
+              <a:ext uri="{FF2B5EF4-FFF2-40B4-BE49-F238E27FC236}">
+                <a16:creationId xmlns:a16="http://schemas.microsoft.com/office/drawing/2014/main" id="{9473E975-9EEB-1FE6-6A17-8012B161EDD9}"/>
+              </a:ext>
+            </a:extLst>
+          </p:cNvPr>
+          <p:cNvSpPr/>
+          <p:nvPr/>
+        </p:nvSpPr>
+        <p:spPr>
+          <a:xfrm rot="16200000">
+            <a:off x="4952367" y="1958353"/>
+            <a:ext cx="326440" cy="3820728"/>
+          </a:xfrm>
+          <a:prstGeom prst="rightBrace">
+            <a:avLst>
+              <a:gd name="adj1" fmla="val 45491"/>
+              <a:gd name="adj2" fmla="val 12880"/>
+            </a:avLst>
+          </a:prstGeom>
+          <a:ln>
+            <a:solidFill>
+              <a:srgbClr val="FF0000"/>
+            </a:solidFill>
+          </a:ln>
+        </p:spPr>
+        <p:style>
+          <a:lnRef idx="1">
+            <a:schemeClr val="accent1"/>
+          </a:lnRef>
+          <a:fillRef idx="0">
+            <a:schemeClr val="accent1"/>
+          </a:fillRef>
+          <a:effectRef idx="0">
+            <a:schemeClr val="accent1"/>
+          </a:effectRef>
+          <a:fontRef idx="minor">
+            <a:schemeClr val="tx1"/>
+          </a:fontRef>
+        </p:style>
+        <p:txBody>
+          <a:bodyPr rtlCol="0" anchor="ctr"/>
+          <a:lstStyle/>
+          <a:p>
+            <a:pPr algn="ctr"/>
+            <a:endParaRPr kumimoji="1" lang="ja-JP" altLang="en-US"/>
+          </a:p>
+        </p:txBody>
+      </p:sp>
+      <p:sp>
+        <p:nvSpPr>
+          <p:cNvPr id="34" name="テキスト ボックス 33">
+            <a:extLst>
+              <a:ext uri="{FF2B5EF4-FFF2-40B4-BE49-F238E27FC236}">
+                <a16:creationId xmlns:a16="http://schemas.microsoft.com/office/drawing/2014/main" id="{F67B61E0-60A8-91CF-29F2-24388EBF6AD7}"/>
+              </a:ext>
+            </a:extLst>
+          </p:cNvPr>
+          <p:cNvSpPr txBox="1"/>
+          <p:nvPr/>
+        </p:nvSpPr>
+        <p:spPr>
+          <a:xfrm>
+            <a:off x="2604191" y="5230044"/>
+            <a:ext cx="1298753" cy="461665"/>
+          </a:xfrm>
+          <a:prstGeom prst="rect">
+            <a:avLst/>
+          </a:prstGeom>
+          <a:noFill/>
+        </p:spPr>
+        <p:txBody>
+          <a:bodyPr wrap="none" rtlCol="0">
+            <a:spAutoFit/>
+          </a:bodyPr>
+          <a:lstStyle/>
+          <a:p>
+            <a:pPr algn="l"/>
+            <a:r>
+              <a:rPr kumimoji="1" lang="en-US" altLang="ja-JP" sz="2400" dirty="0">
+                <a:latin typeface="メイリオ" panose="020B0604030504040204" pitchFamily="50" charset="-128"/>
+                <a:ea typeface="メイリオ" panose="020B0604030504040204" pitchFamily="50" charset="-128"/>
+              </a:rPr>
+              <a:t>{ </a:t>
+            </a:r>
+            <a:r>
+              <a:rPr kumimoji="1" lang="en-US" altLang="ja-JP" sz="2400" dirty="0" err="1">
+                <a:latin typeface="メイリオ" panose="020B0604030504040204" pitchFamily="50" charset="-128"/>
+                <a:ea typeface="メイリオ" panose="020B0604030504040204" pitchFamily="50" charset="-128"/>
+              </a:rPr>
+              <a:t>i</a:t>
+            </a:r>
+            <a:r>
+              <a:rPr kumimoji="1" lang="en-US" altLang="ja-JP" sz="2400" dirty="0">
+                <a:latin typeface="メイリオ" panose="020B0604030504040204" pitchFamily="50" charset="-128"/>
+                <a:ea typeface="メイリオ" panose="020B0604030504040204" pitchFamily="50" charset="-128"/>
+              </a:rPr>
+              <a:t> :  t}</a:t>
+            </a:r>
+            <a:endParaRPr kumimoji="1" lang="ja-JP" altLang="en-US" sz="2400" dirty="0" err="1">
+              <a:latin typeface="メイリオ" panose="020B0604030504040204" pitchFamily="50" charset="-128"/>
+              <a:ea typeface="メイリオ" panose="020B0604030504040204" pitchFamily="50" charset="-128"/>
+            </a:endParaRPr>
+          </a:p>
+        </p:txBody>
+      </p:sp>
+      <p:sp>
+        <p:nvSpPr>
+          <p:cNvPr id="35" name="右中かっこ 34">
+            <a:extLst>
+              <a:ext uri="{FF2B5EF4-FFF2-40B4-BE49-F238E27FC236}">
+                <a16:creationId xmlns:a16="http://schemas.microsoft.com/office/drawing/2014/main" id="{971C5B85-15D0-CEB0-4F67-0CC820E8B1E2}"/>
+              </a:ext>
+            </a:extLst>
+          </p:cNvPr>
+          <p:cNvSpPr/>
+          <p:nvPr/>
+        </p:nvSpPr>
+        <p:spPr>
+          <a:xfrm rot="16200000">
+            <a:off x="4952367" y="3904461"/>
+            <a:ext cx="326440" cy="3820728"/>
+          </a:xfrm>
+          <a:prstGeom prst="rightBrace">
+            <a:avLst>
+              <a:gd name="adj1" fmla="val 45491"/>
+              <a:gd name="adj2" fmla="val 12880"/>
+            </a:avLst>
+          </a:prstGeom>
+          <a:ln>
+            <a:solidFill>
+              <a:srgbClr val="FF0000"/>
+            </a:solidFill>
+          </a:ln>
+        </p:spPr>
+        <p:style>
+          <a:lnRef idx="1">
+            <a:schemeClr val="accent1"/>
+          </a:lnRef>
+          <a:fillRef idx="0">
+            <a:schemeClr val="accent1"/>
+          </a:fillRef>
+          <a:effectRef idx="0">
+            <a:schemeClr val="accent1"/>
+          </a:effectRef>
+          <a:fontRef idx="minor">
+            <a:schemeClr val="tx1"/>
+          </a:fontRef>
+        </p:style>
+        <p:txBody>
+          <a:bodyPr rtlCol="0" anchor="ctr"/>
+          <a:lstStyle/>
+          <a:p>
+            <a:pPr algn="ctr"/>
+            <a:endParaRPr kumimoji="1" lang="ja-JP" altLang="en-US"/>
+          </a:p>
+        </p:txBody>
+      </p:sp>
+      <p:sp>
+        <p:nvSpPr>
+          <p:cNvPr id="36" name="テキスト ボックス 35">
+            <a:extLst>
+              <a:ext uri="{FF2B5EF4-FFF2-40B4-BE49-F238E27FC236}">
+                <a16:creationId xmlns:a16="http://schemas.microsoft.com/office/drawing/2014/main" id="{352B62D1-F7AC-8230-C047-2A8B54C1BC99}"/>
+              </a:ext>
+            </a:extLst>
+          </p:cNvPr>
+          <p:cNvSpPr txBox="1"/>
+          <p:nvPr/>
+        </p:nvSpPr>
+        <p:spPr>
+          <a:xfrm rot="5400000">
+            <a:off x="7222968" y="4126307"/>
+            <a:ext cx="889987" cy="400110"/>
+          </a:xfrm>
+          <a:prstGeom prst="rect">
+            <a:avLst/>
+          </a:prstGeom>
+          <a:noFill/>
+        </p:spPr>
+        <p:txBody>
+          <a:bodyPr wrap="none" rtlCol="0">
+            <a:spAutoFit/>
+          </a:bodyPr>
+          <a:lstStyle/>
+          <a:p>
+            <a:pPr algn="l"/>
+            <a:r>
+              <a:rPr kumimoji="1" lang="en-US" altLang="ja-JP" sz="2000" dirty="0">
+                <a:latin typeface="メイリオ" panose="020B0604030504040204" pitchFamily="50" charset="-128"/>
+                <a:ea typeface="メイリオ" panose="020B0604030504040204" pitchFamily="50" charset="-128"/>
+              </a:rPr>
+              <a:t>{</a:t>
+            </a:r>
+            <a:r>
+              <a:rPr kumimoji="1" lang="en-US" altLang="ja-JP" sz="2000" dirty="0" err="1">
+                <a:latin typeface="メイリオ" panose="020B0604030504040204" pitchFamily="50" charset="-128"/>
+                <a:ea typeface="メイリオ" panose="020B0604030504040204" pitchFamily="50" charset="-128"/>
+              </a:rPr>
+              <a:t>k:v</a:t>
+            </a:r>
+            <a:r>
+              <a:rPr kumimoji="1" lang="en-US" altLang="ja-JP" sz="2000" dirty="0">
+                <a:latin typeface="メイリオ" panose="020B0604030504040204" pitchFamily="50" charset="-128"/>
+                <a:ea typeface="メイリオ" panose="020B0604030504040204" pitchFamily="50" charset="-128"/>
+              </a:rPr>
+              <a:t>}</a:t>
+            </a:r>
+            <a:endParaRPr kumimoji="1" lang="ja-JP" altLang="en-US" sz="2000" dirty="0" err="1">
+              <a:latin typeface="メイリオ" panose="020B0604030504040204" pitchFamily="50" charset="-128"/>
+              <a:ea typeface="メイリオ" panose="020B0604030504040204" pitchFamily="50" charset="-128"/>
+            </a:endParaRPr>
+          </a:p>
+        </p:txBody>
+      </p:sp>
+      <p:sp>
+        <p:nvSpPr>
+          <p:cNvPr id="37" name="右中かっこ 36">
+            <a:extLst>
+              <a:ext uri="{FF2B5EF4-FFF2-40B4-BE49-F238E27FC236}">
+                <a16:creationId xmlns:a16="http://schemas.microsoft.com/office/drawing/2014/main" id="{394991CC-C1A8-9008-BE7D-A97CCCAAD841}"/>
+              </a:ext>
+            </a:extLst>
+          </p:cNvPr>
+          <p:cNvSpPr/>
+          <p:nvPr/>
+        </p:nvSpPr>
+        <p:spPr>
+          <a:xfrm>
+            <a:off x="7247462" y="4109667"/>
+            <a:ext cx="173980" cy="484315"/>
+          </a:xfrm>
+          <a:prstGeom prst="rightBrace">
+            <a:avLst/>
+          </a:prstGeom>
+        </p:spPr>
+        <p:style>
+          <a:lnRef idx="1">
+            <a:schemeClr val="accent1"/>
+          </a:lnRef>
+          <a:fillRef idx="0">
+            <a:schemeClr val="accent1"/>
+          </a:fillRef>
+          <a:effectRef idx="0">
+            <a:schemeClr val="accent1"/>
+          </a:effectRef>
+          <a:fontRef idx="minor">
+            <a:schemeClr val="tx1"/>
+          </a:fontRef>
+        </p:style>
+        <p:txBody>
+          <a:bodyPr rtlCol="0" anchor="ctr"/>
+          <a:lstStyle/>
+          <a:p>
+            <a:pPr algn="ctr"/>
+            <a:endParaRPr kumimoji="1" lang="ja-JP" altLang="en-US"/>
+          </a:p>
+        </p:txBody>
+      </p:sp>
+      <p:sp>
+        <p:nvSpPr>
+          <p:cNvPr id="38" name="テキスト ボックス 37">
+            <a:extLst>
+              <a:ext uri="{FF2B5EF4-FFF2-40B4-BE49-F238E27FC236}">
+                <a16:creationId xmlns:a16="http://schemas.microsoft.com/office/drawing/2014/main" id="{2D5B0327-CFE7-8CA8-8354-C9182662C053}"/>
+              </a:ext>
+            </a:extLst>
+          </p:cNvPr>
+          <p:cNvSpPr txBox="1"/>
+          <p:nvPr/>
+        </p:nvSpPr>
+        <p:spPr>
+          <a:xfrm rot="5400000">
+            <a:off x="7179829" y="6057503"/>
+            <a:ext cx="889987" cy="400110"/>
+          </a:xfrm>
+          <a:prstGeom prst="rect">
+            <a:avLst/>
+          </a:prstGeom>
+          <a:noFill/>
+        </p:spPr>
+        <p:txBody>
+          <a:bodyPr wrap="none" rtlCol="0">
+            <a:spAutoFit/>
+          </a:bodyPr>
+          <a:lstStyle/>
+          <a:p>
+            <a:pPr algn="l"/>
+            <a:r>
+              <a:rPr kumimoji="1" lang="en-US" altLang="ja-JP" sz="2000" dirty="0">
+                <a:latin typeface="メイリオ" panose="020B0604030504040204" pitchFamily="50" charset="-128"/>
+                <a:ea typeface="メイリオ" panose="020B0604030504040204" pitchFamily="50" charset="-128"/>
+              </a:rPr>
+              <a:t>{</a:t>
+            </a:r>
+            <a:r>
+              <a:rPr kumimoji="1" lang="en-US" altLang="ja-JP" sz="2000" dirty="0" err="1">
+                <a:latin typeface="メイリオ" panose="020B0604030504040204" pitchFamily="50" charset="-128"/>
+                <a:ea typeface="メイリオ" panose="020B0604030504040204" pitchFamily="50" charset="-128"/>
+              </a:rPr>
+              <a:t>k:v</a:t>
+            </a:r>
+            <a:r>
+              <a:rPr kumimoji="1" lang="en-US" altLang="ja-JP" sz="2000" dirty="0">
+                <a:latin typeface="メイリオ" panose="020B0604030504040204" pitchFamily="50" charset="-128"/>
+                <a:ea typeface="メイリオ" panose="020B0604030504040204" pitchFamily="50" charset="-128"/>
+              </a:rPr>
+              <a:t>}</a:t>
+            </a:r>
+            <a:endParaRPr kumimoji="1" lang="ja-JP" altLang="en-US" sz="2000" dirty="0" err="1">
+              <a:latin typeface="メイリオ" panose="020B0604030504040204" pitchFamily="50" charset="-128"/>
+              <a:ea typeface="メイリオ" panose="020B0604030504040204" pitchFamily="50" charset="-128"/>
+            </a:endParaRPr>
+          </a:p>
+        </p:txBody>
+      </p:sp>
+      <p:sp>
+        <p:nvSpPr>
+          <p:cNvPr id="39" name="右中かっこ 38">
+            <a:extLst>
+              <a:ext uri="{FF2B5EF4-FFF2-40B4-BE49-F238E27FC236}">
+                <a16:creationId xmlns:a16="http://schemas.microsoft.com/office/drawing/2014/main" id="{14911598-122E-7036-5D97-59DDB221A69C}"/>
+              </a:ext>
+            </a:extLst>
+          </p:cNvPr>
+          <p:cNvSpPr/>
+          <p:nvPr/>
+        </p:nvSpPr>
+        <p:spPr>
+          <a:xfrm>
+            <a:off x="7204323" y="6040863"/>
+            <a:ext cx="173980" cy="484315"/>
+          </a:xfrm>
+          <a:prstGeom prst="rightBrace">
+            <a:avLst/>
+          </a:prstGeom>
+        </p:spPr>
+        <p:style>
+          <a:lnRef idx="1">
+            <a:schemeClr val="accent1"/>
+          </a:lnRef>
+          <a:fillRef idx="0">
+            <a:schemeClr val="accent1"/>
+          </a:fillRef>
+          <a:effectRef idx="0">
+            <a:schemeClr val="accent1"/>
+          </a:effectRef>
+          <a:fontRef idx="minor">
+            <a:schemeClr val="tx1"/>
+          </a:fontRef>
+        </p:style>
+        <p:txBody>
+          <a:bodyPr rtlCol="0" anchor="ctr"/>
+          <a:lstStyle/>
+          <a:p>
+            <a:pPr algn="ctr"/>
+            <a:endParaRPr kumimoji="1" lang="ja-JP" altLang="en-US"/>
+          </a:p>
+        </p:txBody>
+      </p:sp>
+      <p:sp>
+        <p:nvSpPr>
+          <p:cNvPr id="40" name="テキスト ボックス 39">
+            <a:extLst>
+              <a:ext uri="{FF2B5EF4-FFF2-40B4-BE49-F238E27FC236}">
+                <a16:creationId xmlns:a16="http://schemas.microsoft.com/office/drawing/2014/main" id="{BF7A2759-E4FD-8C4E-88A7-51E0F3E89A7A}"/>
+              </a:ext>
+            </a:extLst>
+          </p:cNvPr>
+          <p:cNvSpPr txBox="1"/>
+          <p:nvPr/>
+        </p:nvSpPr>
+        <p:spPr>
+          <a:xfrm>
+            <a:off x="1406684" y="2639495"/>
+            <a:ext cx="8031238" cy="646331"/>
+          </a:xfrm>
+          <a:prstGeom prst="rect">
+            <a:avLst/>
+          </a:prstGeom>
+          <a:noFill/>
+        </p:spPr>
+        <p:txBody>
+          <a:bodyPr wrap="none" rtlCol="0">
+            <a:spAutoFit/>
+          </a:bodyPr>
+          <a:lstStyle/>
+          <a:p>
+            <a:pPr marL="285750" indent="-285750" algn="l">
+              <a:buFont typeface="Wingdings" panose="05000000000000000000" pitchFamily="2" charset="2"/>
+              <a:buChar char="l"/>
+            </a:pPr>
+            <a:r>
+              <a:rPr lang="en-US" altLang="ja-JP" dirty="0">
+                <a:latin typeface="メイリオ" panose="020B0604030504040204" pitchFamily="50" charset="-128"/>
+                <a:ea typeface="メイリオ" panose="020B0604030504040204" pitchFamily="50" charset="-128"/>
+              </a:rPr>
+              <a:t>t</a:t>
+            </a:r>
+            <a:r>
+              <a:rPr kumimoji="1" lang="en-US" altLang="ja-JP" dirty="0">
+                <a:latin typeface="メイリオ" panose="020B0604030504040204" pitchFamily="50" charset="-128"/>
+                <a:ea typeface="メイリオ" panose="020B0604030504040204" pitchFamily="50" charset="-128"/>
+              </a:rPr>
+              <a:t>itanic(</a:t>
+            </a:r>
+            <a:r>
+              <a:rPr kumimoji="1" lang="en-US" altLang="ja-JP" dirty="0" err="1">
+                <a:latin typeface="メイリオ" panose="020B0604030504040204" pitchFamily="50" charset="-128"/>
+                <a:ea typeface="メイリオ" panose="020B0604030504040204" pitchFamily="50" charset="-128"/>
+              </a:rPr>
+              <a:t>dataframe</a:t>
+            </a:r>
+            <a:r>
+              <a:rPr kumimoji="1" lang="en-US" altLang="ja-JP" dirty="0">
+                <a:latin typeface="メイリオ" panose="020B0604030504040204" pitchFamily="50" charset="-128"/>
+                <a:ea typeface="メイリオ" panose="020B0604030504040204" pitchFamily="50" charset="-128"/>
+              </a:rPr>
+              <a:t>)</a:t>
+            </a:r>
+            <a:r>
+              <a:rPr kumimoji="1" lang="ja-JP" altLang="en-US" dirty="0">
+                <a:latin typeface="メイリオ" panose="020B0604030504040204" pitchFamily="50" charset="-128"/>
+                <a:ea typeface="メイリオ" panose="020B0604030504040204" pitchFamily="50" charset="-128"/>
+              </a:rPr>
+              <a:t>は、</a:t>
+            </a:r>
+            <a:r>
+              <a:rPr lang="ja-JP" altLang="en-US" dirty="0">
+                <a:latin typeface="メイリオ" panose="020B0604030504040204" pitchFamily="50" charset="-128"/>
+                <a:ea typeface="メイリオ" panose="020B0604030504040204" pitchFamily="50" charset="-128"/>
+              </a:rPr>
+              <a:t>インデックスを</a:t>
+            </a:r>
+            <a:r>
+              <a:rPr lang="en-US" altLang="ja-JP" dirty="0">
+                <a:latin typeface="メイリオ" panose="020B0604030504040204" pitchFamily="50" charset="-128"/>
+                <a:ea typeface="メイリオ" panose="020B0604030504040204" pitchFamily="50" charset="-128"/>
+              </a:rPr>
+              <a:t>key</a:t>
+            </a:r>
+            <a:r>
+              <a:rPr lang="ja-JP" altLang="en-US" dirty="0">
+                <a:latin typeface="メイリオ" panose="020B0604030504040204" pitchFamily="50" charset="-128"/>
+                <a:ea typeface="メイリオ" panose="020B0604030504040204" pitchFamily="50" charset="-128"/>
+              </a:rPr>
+              <a:t>，</a:t>
+            </a:r>
+            <a:r>
+              <a:rPr lang="en-US" altLang="ja-JP" dirty="0">
+                <a:latin typeface="メイリオ" panose="020B0604030504040204" pitchFamily="50" charset="-128"/>
+                <a:ea typeface="メイリオ" panose="020B0604030504040204" pitchFamily="50" charset="-128"/>
+              </a:rPr>
+              <a:t>1</a:t>
+            </a:r>
+            <a:r>
+              <a:rPr lang="ja-JP" altLang="en-US" dirty="0">
+                <a:latin typeface="メイリオ" panose="020B0604030504040204" pitchFamily="50" charset="-128"/>
+                <a:ea typeface="メイリオ" panose="020B0604030504040204" pitchFamily="50" charset="-128"/>
+              </a:rPr>
+              <a:t>行を</a:t>
+            </a:r>
+            <a:r>
+              <a:rPr lang="en-US" altLang="ja-JP" dirty="0">
+                <a:latin typeface="メイリオ" panose="020B0604030504040204" pitchFamily="50" charset="-128"/>
+                <a:ea typeface="メイリオ" panose="020B0604030504040204" pitchFamily="50" charset="-128"/>
+              </a:rPr>
+              <a:t>value</a:t>
+            </a:r>
+            <a:r>
+              <a:rPr lang="ja-JP" altLang="en-US" dirty="0">
+                <a:latin typeface="メイリオ" panose="020B0604030504040204" pitchFamily="50" charset="-128"/>
+                <a:ea typeface="メイリオ" panose="020B0604030504040204" pitchFamily="50" charset="-128"/>
+              </a:rPr>
+              <a:t>とする辞書型</a:t>
+            </a:r>
+            <a:endParaRPr kumimoji="1" lang="en-US" altLang="ja-JP" dirty="0">
+              <a:latin typeface="メイリオ" panose="020B0604030504040204" pitchFamily="50" charset="-128"/>
+              <a:ea typeface="メイリオ" panose="020B0604030504040204" pitchFamily="50" charset="-128"/>
+            </a:endParaRPr>
+          </a:p>
+          <a:p>
+            <a:pPr marL="285750" indent="-285750" algn="l">
+              <a:buFont typeface="Wingdings" panose="05000000000000000000" pitchFamily="2" charset="2"/>
+              <a:buChar char="l"/>
+            </a:pPr>
+            <a:r>
+              <a:rPr kumimoji="1" lang="en-US" altLang="ja-JP" dirty="0">
+                <a:latin typeface="メイリオ" panose="020B0604030504040204" pitchFamily="50" charset="-128"/>
+                <a:ea typeface="メイリオ" panose="020B0604030504040204" pitchFamily="50" charset="-128"/>
+              </a:rPr>
+              <a:t>t</a:t>
+            </a:r>
+            <a:r>
+              <a:rPr kumimoji="1" lang="ja-JP" altLang="en-US" dirty="0">
+                <a:latin typeface="メイリオ" panose="020B0604030504040204" pitchFamily="50" charset="-128"/>
+                <a:ea typeface="メイリオ" panose="020B0604030504040204" pitchFamily="50" charset="-128"/>
+              </a:rPr>
+              <a:t>は、</a:t>
+            </a:r>
+            <a:r>
+              <a:rPr kumimoji="1" lang="en-US" altLang="ja-JP" dirty="0">
+                <a:latin typeface="メイリオ" panose="020B0604030504040204" pitchFamily="50" charset="-128"/>
+                <a:ea typeface="メイリオ" panose="020B0604030504040204" pitchFamily="50" charset="-128"/>
+              </a:rPr>
+              <a:t>1</a:t>
+            </a:r>
+            <a:r>
+              <a:rPr kumimoji="1" lang="ja-JP" altLang="en-US" dirty="0">
+                <a:latin typeface="メイリオ" panose="020B0604030504040204" pitchFamily="50" charset="-128"/>
+                <a:ea typeface="メイリオ" panose="020B0604030504040204" pitchFamily="50" charset="-128"/>
+              </a:rPr>
+              <a:t>行の値に見出しがついた</a:t>
+            </a:r>
+            <a:r>
+              <a:rPr kumimoji="1" lang="en-US" altLang="ja-JP" dirty="0">
+                <a:latin typeface="メイリオ" panose="020B0604030504040204" pitchFamily="50" charset="-128"/>
+                <a:ea typeface="メイリオ" panose="020B0604030504040204" pitchFamily="50" charset="-128"/>
+              </a:rPr>
+              <a:t>series</a:t>
+            </a:r>
+            <a:r>
+              <a:rPr kumimoji="1" lang="ja-JP" altLang="en-US" dirty="0">
+                <a:latin typeface="メイリオ" panose="020B0604030504040204" pitchFamily="50" charset="-128"/>
+                <a:ea typeface="メイリオ" panose="020B0604030504040204" pitchFamily="50" charset="-128"/>
+              </a:rPr>
+              <a:t>辞書型（見出しが</a:t>
+            </a:r>
+            <a:r>
+              <a:rPr kumimoji="1" lang="en-US" altLang="ja-JP" dirty="0">
+                <a:latin typeface="メイリオ" panose="020B0604030504040204" pitchFamily="50" charset="-128"/>
+                <a:ea typeface="メイリオ" panose="020B0604030504040204" pitchFamily="50" charset="-128"/>
+              </a:rPr>
+              <a:t>key : </a:t>
+            </a:r>
+            <a:r>
+              <a:rPr kumimoji="1" lang="ja-JP" altLang="en-US" dirty="0">
+                <a:latin typeface="メイリオ" panose="020B0604030504040204" pitchFamily="50" charset="-128"/>
+                <a:ea typeface="メイリオ" panose="020B0604030504040204" pitchFamily="50" charset="-128"/>
+              </a:rPr>
+              <a:t>値が</a:t>
+            </a:r>
+            <a:r>
+              <a:rPr kumimoji="1" lang="en-US" altLang="ja-JP" dirty="0">
+                <a:latin typeface="メイリオ" panose="020B0604030504040204" pitchFamily="50" charset="-128"/>
+                <a:ea typeface="メイリオ" panose="020B0604030504040204" pitchFamily="50" charset="-128"/>
+              </a:rPr>
+              <a:t>value) </a:t>
+            </a:r>
+            <a:endParaRPr kumimoji="1" lang="ja-JP" altLang="en-US" dirty="0">
+              <a:latin typeface="メイリオ" panose="020B0604030504040204" pitchFamily="50" charset="-128"/>
+              <a:ea typeface="メイリオ" panose="020B0604030504040204" pitchFamily="50" charset="-128"/>
+            </a:endParaRPr>
+          </a:p>
+        </p:txBody>
+      </p:sp>
+      <p:sp>
+        <p:nvSpPr>
+          <p:cNvPr id="41" name="テキスト ボックス 40">
+            <a:extLst>
+              <a:ext uri="{FF2B5EF4-FFF2-40B4-BE49-F238E27FC236}">
+                <a16:creationId xmlns:a16="http://schemas.microsoft.com/office/drawing/2014/main" id="{8579FEE8-A109-A575-214E-5F6E04913C1B}"/>
+              </a:ext>
+            </a:extLst>
+          </p:cNvPr>
+          <p:cNvSpPr txBox="1"/>
+          <p:nvPr/>
+        </p:nvSpPr>
+        <p:spPr>
+          <a:xfrm>
+            <a:off x="1406684" y="2312237"/>
+            <a:ext cx="1712328" cy="369332"/>
+          </a:xfrm>
+          <a:prstGeom prst="rect">
+            <a:avLst/>
+          </a:prstGeom>
+          <a:noFill/>
+        </p:spPr>
+        <p:txBody>
+          <a:bodyPr wrap="none" rtlCol="0">
+            <a:spAutoFit/>
+          </a:bodyPr>
+          <a:lstStyle/>
+          <a:p>
+            <a:pPr algn="l"/>
+            <a:r>
+              <a:rPr lang="en-US" altLang="ja-JP" b="1" u="sng" dirty="0">
+                <a:latin typeface="メイリオ" panose="020B0604030504040204" pitchFamily="50" charset="-128"/>
+                <a:ea typeface="メイリオ" panose="020B0604030504040204" pitchFamily="50" charset="-128"/>
+              </a:rPr>
+              <a:t>2</a:t>
+            </a:r>
+            <a:r>
+              <a:rPr lang="ja-JP" altLang="en-US" b="1" u="sng" dirty="0">
+                <a:latin typeface="メイリオ" panose="020B0604030504040204" pitchFamily="50" charset="-128"/>
+                <a:ea typeface="メイリオ" panose="020B0604030504040204" pitchFamily="50" charset="-128"/>
+              </a:rPr>
+              <a:t>重構造の辞書</a:t>
+            </a:r>
+            <a:endParaRPr kumimoji="1" lang="ja-JP" altLang="en-US" b="1" u="sng" dirty="0">
+              <a:latin typeface="メイリオ" panose="020B0604030504040204" pitchFamily="50" charset="-128"/>
+              <a:ea typeface="メイリオ" panose="020B0604030504040204" pitchFamily="50" charset="-128"/>
+            </a:endParaRPr>
+          </a:p>
+        </p:txBody>
+      </p:sp>
+    </p:spTree>
+    <p:extLst>
+      <p:ext uri="{BB962C8B-B14F-4D97-AF65-F5344CB8AC3E}">
+        <p14:creationId xmlns:p14="http://schemas.microsoft.com/office/powerpoint/2010/main" val="4229810116"/>
       </p:ext>
     </p:extLst>
   </p:cSld>
@@ -16091,10 +16806,10 @@
       </p:grpSpPr>
       <p:sp>
         <p:nvSpPr>
-          <p:cNvPr id="2" name="テキスト ボックス 1">
+          <p:cNvPr id="4" name="テキスト ボックス 3">
             <a:extLst>
               <a:ext uri="{FF2B5EF4-FFF2-40B4-BE49-F238E27FC236}">
-                <a16:creationId xmlns:a16="http://schemas.microsoft.com/office/drawing/2014/main" id="{31636062-3AA6-7FB9-ED86-60772D168310}"/>
+                <a16:creationId xmlns:a16="http://schemas.microsoft.com/office/drawing/2014/main" id="{1530C3B1-574C-102F-1FA9-0B409CBD95F7}"/>
               </a:ext>
             </a:extLst>
           </p:cNvPr>
@@ -16102,9 +16817,9 @@
           <p:nvPr/>
         </p:nvSpPr>
         <p:spPr>
-          <a:xfrm>
-            <a:off x="373224" y="643812"/>
-            <a:ext cx="1005403" cy="584775"/>
+          <a:xfrm rot="16200000">
+            <a:off x="-135833" y="3386023"/>
+            <a:ext cx="2321469" cy="707886"/>
           </a:xfrm>
           <a:prstGeom prst="rect">
             <a:avLst/>
@@ -16119,21 +16834,763 @@
           <a:p>
             <a:pPr algn="l"/>
             <a:r>
-              <a:rPr kumimoji="1" lang="ja-JP" altLang="en-US" sz="3200" dirty="0">
-                <a:latin typeface="メイリオ" panose="020B0604030504040204" pitchFamily="50" charset="-128"/>
-                <a:ea typeface="メイリオ" panose="020B0604030504040204" pitchFamily="50" charset="-128"/>
-              </a:rPr>
-              <a:t>演習</a:t>
-            </a:r>
-          </a:p>
-        </p:txBody>
-      </p:sp>
-      <p:sp>
-        <p:nvSpPr>
-          <p:cNvPr id="3" name="テキスト ボックス 2">
+              <a:rPr kumimoji="1" lang="en-US" altLang="ja-JP" sz="2000" dirty="0">
+                <a:latin typeface="メイリオ" panose="020B0604030504040204" pitchFamily="50" charset="-128"/>
+                <a:ea typeface="メイリオ" panose="020B0604030504040204" pitchFamily="50" charset="-128"/>
+              </a:rPr>
+              <a:t>axis = 0 </a:t>
+            </a:r>
+            <a:r>
+              <a:rPr kumimoji="1" lang="ja-JP" altLang="en-US" sz="2000" dirty="0">
+                <a:latin typeface="メイリオ" panose="020B0604030504040204" pitchFamily="50" charset="-128"/>
+                <a:ea typeface="メイリオ" panose="020B0604030504040204" pitchFamily="50" charset="-128"/>
+              </a:rPr>
+              <a:t>は行方向</a:t>
+            </a:r>
+            <a:endParaRPr kumimoji="1" lang="en-US" altLang="ja-JP" sz="2000" dirty="0">
+              <a:latin typeface="メイリオ" panose="020B0604030504040204" pitchFamily="50" charset="-128"/>
+              <a:ea typeface="メイリオ" panose="020B0604030504040204" pitchFamily="50" charset="-128"/>
+            </a:endParaRPr>
+          </a:p>
+          <a:p>
+            <a:pPr algn="l"/>
+            <a:r>
+              <a:rPr kumimoji="1" lang="ja-JP" altLang="en-US" sz="2000" dirty="0">
+                <a:latin typeface="メイリオ" panose="020B0604030504040204" pitchFamily="50" charset="-128"/>
+                <a:ea typeface="メイリオ" panose="020B0604030504040204" pitchFamily="50" charset="-128"/>
+              </a:rPr>
+              <a:t>（列ごとの処理）</a:t>
+            </a:r>
+            <a:endParaRPr kumimoji="1" lang="en-US" altLang="ja-JP" sz="2000" dirty="0">
+              <a:latin typeface="メイリオ" panose="020B0604030504040204" pitchFamily="50" charset="-128"/>
+              <a:ea typeface="メイリオ" panose="020B0604030504040204" pitchFamily="50" charset="-128"/>
+            </a:endParaRPr>
+          </a:p>
+        </p:txBody>
+      </p:sp>
+      <p:graphicFrame>
+        <p:nvGraphicFramePr>
+          <p:cNvPr id="5" name="表 4">
             <a:extLst>
               <a:ext uri="{FF2B5EF4-FFF2-40B4-BE49-F238E27FC236}">
-                <a16:creationId xmlns:a16="http://schemas.microsoft.com/office/drawing/2014/main" id="{C99D7C1D-3ABA-CA44-B834-9D1618FD7753}"/>
+                <a16:creationId xmlns:a16="http://schemas.microsoft.com/office/drawing/2014/main" id="{81141E89-196B-6018-9BA6-341F3AD21980}"/>
+              </a:ext>
+            </a:extLst>
+          </p:cNvPr>
+          <p:cNvGraphicFramePr>
+            <a:graphicFrameLocks noGrp="1"/>
+          </p:cNvGraphicFramePr>
+          <p:nvPr>
+            <p:extLst>
+              <p:ext uri="{D42A27DB-BD31-4B8C-83A1-F6EECF244321}">
+                <p14:modId xmlns:p14="http://schemas.microsoft.com/office/powerpoint/2010/main" val="2846896494"/>
+              </p:ext>
+            </p:extLst>
+          </p:nvPr>
+        </p:nvGraphicFramePr>
+        <p:xfrm>
+          <a:off x="1716417" y="2304820"/>
+          <a:ext cx="2887362" cy="2595880"/>
+        </p:xfrm>
+        <a:graphic>
+          <a:graphicData uri="http://schemas.openxmlformats.org/drawingml/2006/table">
+            <a:tbl>
+              <a:tblPr firstRow="1" bandRow="1">
+                <a:tableStyleId>{5940675A-B579-460E-94D1-54222C63F5DA}</a:tableStyleId>
+              </a:tblPr>
+              <a:tblGrid>
+                <a:gridCol w="481227">
+                  <a:extLst>
+                    <a:ext uri="{9D8B030D-6E8A-4147-A177-3AD203B41FA5}">
+                      <a16:colId xmlns:a16="http://schemas.microsoft.com/office/drawing/2014/main" val="763781444"/>
+                    </a:ext>
+                  </a:extLst>
+                </a:gridCol>
+                <a:gridCol w="481227">
+                  <a:extLst>
+                    <a:ext uri="{9D8B030D-6E8A-4147-A177-3AD203B41FA5}">
+                      <a16:colId xmlns:a16="http://schemas.microsoft.com/office/drawing/2014/main" val="3034272740"/>
+                    </a:ext>
+                  </a:extLst>
+                </a:gridCol>
+                <a:gridCol w="481227">
+                  <a:extLst>
+                    <a:ext uri="{9D8B030D-6E8A-4147-A177-3AD203B41FA5}">
+                      <a16:colId xmlns:a16="http://schemas.microsoft.com/office/drawing/2014/main" val="2123752603"/>
+                    </a:ext>
+                  </a:extLst>
+                </a:gridCol>
+                <a:gridCol w="481227">
+                  <a:extLst>
+                    <a:ext uri="{9D8B030D-6E8A-4147-A177-3AD203B41FA5}">
+                      <a16:colId xmlns:a16="http://schemas.microsoft.com/office/drawing/2014/main" val="3415653458"/>
+                    </a:ext>
+                  </a:extLst>
+                </a:gridCol>
+                <a:gridCol w="481227">
+                  <a:extLst>
+                    <a:ext uri="{9D8B030D-6E8A-4147-A177-3AD203B41FA5}">
+                      <a16:colId xmlns:a16="http://schemas.microsoft.com/office/drawing/2014/main" val="3366814763"/>
+                    </a:ext>
+                  </a:extLst>
+                </a:gridCol>
+                <a:gridCol w="481227">
+                  <a:extLst>
+                    <a:ext uri="{9D8B030D-6E8A-4147-A177-3AD203B41FA5}">
+                      <a16:colId xmlns:a16="http://schemas.microsoft.com/office/drawing/2014/main" val="389225763"/>
+                    </a:ext>
+                  </a:extLst>
+                </a:gridCol>
+              </a:tblGrid>
+              <a:tr h="370840">
+                <a:tc>
+                  <a:txBody>
+                    <a:bodyPr/>
+                    <a:lstStyle/>
+                    <a:p>
+                      <a:endParaRPr kumimoji="1" lang="ja-JP" altLang="en-US" dirty="0"/>
+                    </a:p>
+                  </a:txBody>
+                  <a:tcPr>
+                    <a:lnL w="12700" cmpd="sng">
+                      <a:noFill/>
+                    </a:lnL>
+                    <a:lnR w="12700" cap="flat" cmpd="sng" algn="ctr">
+                      <a:solidFill>
+                        <a:schemeClr val="tx1"/>
+                      </a:solidFill>
+                      <a:prstDash val="solid"/>
+                      <a:round/>
+                      <a:headEnd type="none" w="med" len="med"/>
+                      <a:tailEnd type="none" w="med" len="med"/>
+                    </a:lnR>
+                    <a:lnT w="12700" cmpd="sng">
+                      <a:noFill/>
+                    </a:lnT>
+                    <a:lnB w="12700" cap="flat" cmpd="sng" algn="ctr">
+                      <a:solidFill>
+                        <a:schemeClr val="tx1"/>
+                      </a:solidFill>
+                      <a:prstDash val="solid"/>
+                      <a:round/>
+                      <a:headEnd type="none" w="med" len="med"/>
+                      <a:tailEnd type="none" w="med" len="med"/>
+                    </a:lnB>
+                    <a:lnTlToBr w="12700" cmpd="sng">
+                      <a:noFill/>
+                      <a:prstDash val="solid"/>
+                    </a:lnTlToBr>
+                    <a:lnBlToTr w="12700" cmpd="sng">
+                      <a:noFill/>
+                      <a:prstDash val="solid"/>
+                    </a:lnBlToTr>
+                    <a:noFill/>
+                  </a:tcPr>
+                </a:tc>
+                <a:tc>
+                  <a:txBody>
+                    <a:bodyPr/>
+                    <a:lstStyle/>
+                    <a:p>
+                      <a:endParaRPr kumimoji="1" lang="ja-JP" altLang="en-US" dirty="0"/>
+                    </a:p>
+                  </a:txBody>
+                  <a:tcPr>
+                    <a:lnL w="12700" cap="flat" cmpd="sng" algn="ctr">
+                      <a:solidFill>
+                        <a:schemeClr val="tx1"/>
+                      </a:solidFill>
+                      <a:prstDash val="solid"/>
+                      <a:round/>
+                      <a:headEnd type="none" w="med" len="med"/>
+                      <a:tailEnd type="none" w="med" len="med"/>
+                    </a:lnL>
+                    <a:solidFill>
+                      <a:schemeClr val="bg1">
+                        <a:lumMod val="75000"/>
+                      </a:schemeClr>
+                    </a:solidFill>
+                  </a:tcPr>
+                </a:tc>
+                <a:tc>
+                  <a:txBody>
+                    <a:bodyPr/>
+                    <a:lstStyle/>
+                    <a:p>
+                      <a:endParaRPr kumimoji="1" lang="ja-JP" altLang="en-US" dirty="0"/>
+                    </a:p>
+                  </a:txBody>
+                  <a:tcPr>
+                    <a:solidFill>
+                      <a:schemeClr val="bg1">
+                        <a:lumMod val="75000"/>
+                      </a:schemeClr>
+                    </a:solidFill>
+                  </a:tcPr>
+                </a:tc>
+                <a:tc>
+                  <a:txBody>
+                    <a:bodyPr/>
+                    <a:lstStyle/>
+                    <a:p>
+                      <a:endParaRPr kumimoji="1" lang="ja-JP" altLang="en-US" dirty="0"/>
+                    </a:p>
+                  </a:txBody>
+                  <a:tcPr>
+                    <a:solidFill>
+                      <a:schemeClr val="bg1">
+                        <a:lumMod val="75000"/>
+                      </a:schemeClr>
+                    </a:solidFill>
+                  </a:tcPr>
+                </a:tc>
+                <a:tc>
+                  <a:txBody>
+                    <a:bodyPr/>
+                    <a:lstStyle/>
+                    <a:p>
+                      <a:endParaRPr kumimoji="1" lang="ja-JP" altLang="en-US" dirty="0"/>
+                    </a:p>
+                  </a:txBody>
+                  <a:tcPr>
+                    <a:solidFill>
+                      <a:schemeClr val="bg1">
+                        <a:lumMod val="75000"/>
+                      </a:schemeClr>
+                    </a:solidFill>
+                  </a:tcPr>
+                </a:tc>
+                <a:tc>
+                  <a:txBody>
+                    <a:bodyPr/>
+                    <a:lstStyle/>
+                    <a:p>
+                      <a:endParaRPr kumimoji="1" lang="ja-JP" altLang="en-US" dirty="0"/>
+                    </a:p>
+                  </a:txBody>
+                  <a:tcPr>
+                    <a:solidFill>
+                      <a:schemeClr val="bg1">
+                        <a:lumMod val="75000"/>
+                      </a:schemeClr>
+                    </a:solidFill>
+                  </a:tcPr>
+                </a:tc>
+                <a:extLst>
+                  <a:ext uri="{0D108BD9-81ED-4DB2-BD59-A6C34878D82A}">
+                    <a16:rowId xmlns:a16="http://schemas.microsoft.com/office/drawing/2014/main" val="1706621241"/>
+                  </a:ext>
+                </a:extLst>
+              </a:tr>
+              <a:tr h="370840">
+                <a:tc>
+                  <a:txBody>
+                    <a:bodyPr/>
+                    <a:lstStyle/>
+                    <a:p>
+                      <a:endParaRPr kumimoji="1" lang="ja-JP" altLang="en-US" dirty="0"/>
+                    </a:p>
+                  </a:txBody>
+                  <a:tcPr>
+                    <a:lnT w="12700" cap="flat" cmpd="sng" algn="ctr">
+                      <a:solidFill>
+                        <a:schemeClr val="tx1"/>
+                      </a:solidFill>
+                      <a:prstDash val="solid"/>
+                      <a:round/>
+                      <a:headEnd type="none" w="med" len="med"/>
+                      <a:tailEnd type="none" w="med" len="med"/>
+                    </a:lnT>
+                    <a:solidFill>
+                      <a:schemeClr val="bg1">
+                        <a:lumMod val="65000"/>
+                      </a:schemeClr>
+                    </a:solidFill>
+                  </a:tcPr>
+                </a:tc>
+                <a:tc>
+                  <a:txBody>
+                    <a:bodyPr/>
+                    <a:lstStyle/>
+                    <a:p>
+                      <a:endParaRPr kumimoji="1" lang="ja-JP" altLang="en-US" dirty="0"/>
+                    </a:p>
+                  </a:txBody>
+                  <a:tcPr/>
+                </a:tc>
+                <a:tc>
+                  <a:txBody>
+                    <a:bodyPr/>
+                    <a:lstStyle/>
+                    <a:p>
+                      <a:endParaRPr kumimoji="1" lang="ja-JP" altLang="en-US"/>
+                    </a:p>
+                  </a:txBody>
+                  <a:tcPr/>
+                </a:tc>
+                <a:tc>
+                  <a:txBody>
+                    <a:bodyPr/>
+                    <a:lstStyle/>
+                    <a:p>
+                      <a:endParaRPr kumimoji="1" lang="ja-JP" altLang="en-US"/>
+                    </a:p>
+                  </a:txBody>
+                  <a:tcPr/>
+                </a:tc>
+                <a:tc>
+                  <a:txBody>
+                    <a:bodyPr/>
+                    <a:lstStyle/>
+                    <a:p>
+                      <a:endParaRPr kumimoji="1" lang="ja-JP" altLang="en-US"/>
+                    </a:p>
+                  </a:txBody>
+                  <a:tcPr/>
+                </a:tc>
+                <a:tc>
+                  <a:txBody>
+                    <a:bodyPr/>
+                    <a:lstStyle/>
+                    <a:p>
+                      <a:endParaRPr kumimoji="1" lang="ja-JP" altLang="en-US"/>
+                    </a:p>
+                  </a:txBody>
+                  <a:tcPr/>
+                </a:tc>
+                <a:extLst>
+                  <a:ext uri="{0D108BD9-81ED-4DB2-BD59-A6C34878D82A}">
+                    <a16:rowId xmlns:a16="http://schemas.microsoft.com/office/drawing/2014/main" val="1227412734"/>
+                  </a:ext>
+                </a:extLst>
+              </a:tr>
+              <a:tr h="370840">
+                <a:tc>
+                  <a:txBody>
+                    <a:bodyPr/>
+                    <a:lstStyle/>
+                    <a:p>
+                      <a:endParaRPr kumimoji="1" lang="ja-JP" altLang="en-US"/>
+                    </a:p>
+                  </a:txBody>
+                  <a:tcPr>
+                    <a:solidFill>
+                      <a:schemeClr val="bg1">
+                        <a:lumMod val="65000"/>
+                      </a:schemeClr>
+                    </a:solidFill>
+                  </a:tcPr>
+                </a:tc>
+                <a:tc>
+                  <a:txBody>
+                    <a:bodyPr/>
+                    <a:lstStyle/>
+                    <a:p>
+                      <a:endParaRPr kumimoji="1" lang="ja-JP" altLang="en-US"/>
+                    </a:p>
+                  </a:txBody>
+                  <a:tcPr/>
+                </a:tc>
+                <a:tc>
+                  <a:txBody>
+                    <a:bodyPr/>
+                    <a:lstStyle/>
+                    <a:p>
+                      <a:endParaRPr kumimoji="1" lang="ja-JP" altLang="en-US"/>
+                    </a:p>
+                  </a:txBody>
+                  <a:tcPr/>
+                </a:tc>
+                <a:tc>
+                  <a:txBody>
+                    <a:bodyPr/>
+                    <a:lstStyle/>
+                    <a:p>
+                      <a:endParaRPr kumimoji="1" lang="ja-JP" altLang="en-US"/>
+                    </a:p>
+                  </a:txBody>
+                  <a:tcPr/>
+                </a:tc>
+                <a:tc>
+                  <a:txBody>
+                    <a:bodyPr/>
+                    <a:lstStyle/>
+                    <a:p>
+                      <a:endParaRPr kumimoji="1" lang="ja-JP" altLang="en-US"/>
+                    </a:p>
+                  </a:txBody>
+                  <a:tcPr/>
+                </a:tc>
+                <a:tc>
+                  <a:txBody>
+                    <a:bodyPr/>
+                    <a:lstStyle/>
+                    <a:p>
+                      <a:endParaRPr kumimoji="1" lang="ja-JP" altLang="en-US"/>
+                    </a:p>
+                  </a:txBody>
+                  <a:tcPr/>
+                </a:tc>
+                <a:extLst>
+                  <a:ext uri="{0D108BD9-81ED-4DB2-BD59-A6C34878D82A}">
+                    <a16:rowId xmlns:a16="http://schemas.microsoft.com/office/drawing/2014/main" val="3475571058"/>
+                  </a:ext>
+                </a:extLst>
+              </a:tr>
+              <a:tr h="370840">
+                <a:tc>
+                  <a:txBody>
+                    <a:bodyPr/>
+                    <a:lstStyle/>
+                    <a:p>
+                      <a:endParaRPr kumimoji="1" lang="ja-JP" altLang="en-US" dirty="0"/>
+                    </a:p>
+                  </a:txBody>
+                  <a:tcPr>
+                    <a:solidFill>
+                      <a:schemeClr val="bg1">
+                        <a:lumMod val="65000"/>
+                      </a:schemeClr>
+                    </a:solidFill>
+                  </a:tcPr>
+                </a:tc>
+                <a:tc>
+                  <a:txBody>
+                    <a:bodyPr/>
+                    <a:lstStyle/>
+                    <a:p>
+                      <a:endParaRPr kumimoji="1" lang="ja-JP" altLang="en-US"/>
+                    </a:p>
+                  </a:txBody>
+                  <a:tcPr/>
+                </a:tc>
+                <a:tc>
+                  <a:txBody>
+                    <a:bodyPr/>
+                    <a:lstStyle/>
+                    <a:p>
+                      <a:endParaRPr kumimoji="1" lang="ja-JP" altLang="en-US"/>
+                    </a:p>
+                  </a:txBody>
+                  <a:tcPr/>
+                </a:tc>
+                <a:tc>
+                  <a:txBody>
+                    <a:bodyPr/>
+                    <a:lstStyle/>
+                    <a:p>
+                      <a:endParaRPr kumimoji="1" lang="ja-JP" altLang="en-US"/>
+                    </a:p>
+                  </a:txBody>
+                  <a:tcPr/>
+                </a:tc>
+                <a:tc>
+                  <a:txBody>
+                    <a:bodyPr/>
+                    <a:lstStyle/>
+                    <a:p>
+                      <a:endParaRPr kumimoji="1" lang="ja-JP" altLang="en-US"/>
+                    </a:p>
+                  </a:txBody>
+                  <a:tcPr/>
+                </a:tc>
+                <a:tc>
+                  <a:txBody>
+                    <a:bodyPr/>
+                    <a:lstStyle/>
+                    <a:p>
+                      <a:endParaRPr kumimoji="1" lang="ja-JP" altLang="en-US" dirty="0"/>
+                    </a:p>
+                  </a:txBody>
+                  <a:tcPr/>
+                </a:tc>
+                <a:extLst>
+                  <a:ext uri="{0D108BD9-81ED-4DB2-BD59-A6C34878D82A}">
+                    <a16:rowId xmlns:a16="http://schemas.microsoft.com/office/drawing/2014/main" val="3530826721"/>
+                  </a:ext>
+                </a:extLst>
+              </a:tr>
+              <a:tr h="370840">
+                <a:tc>
+                  <a:txBody>
+                    <a:bodyPr/>
+                    <a:lstStyle/>
+                    <a:p>
+                      <a:endParaRPr kumimoji="1" lang="ja-JP" altLang="en-US" dirty="0"/>
+                    </a:p>
+                  </a:txBody>
+                  <a:tcPr>
+                    <a:solidFill>
+                      <a:schemeClr val="bg1">
+                        <a:lumMod val="65000"/>
+                      </a:schemeClr>
+                    </a:solidFill>
+                  </a:tcPr>
+                </a:tc>
+                <a:tc>
+                  <a:txBody>
+                    <a:bodyPr/>
+                    <a:lstStyle/>
+                    <a:p>
+                      <a:endParaRPr kumimoji="1" lang="ja-JP" altLang="en-US"/>
+                    </a:p>
+                  </a:txBody>
+                  <a:tcPr/>
+                </a:tc>
+                <a:tc>
+                  <a:txBody>
+                    <a:bodyPr/>
+                    <a:lstStyle/>
+                    <a:p>
+                      <a:endParaRPr kumimoji="1" lang="ja-JP" altLang="en-US"/>
+                    </a:p>
+                  </a:txBody>
+                  <a:tcPr/>
+                </a:tc>
+                <a:tc>
+                  <a:txBody>
+                    <a:bodyPr/>
+                    <a:lstStyle/>
+                    <a:p>
+                      <a:endParaRPr kumimoji="1" lang="ja-JP" altLang="en-US"/>
+                    </a:p>
+                  </a:txBody>
+                  <a:tcPr/>
+                </a:tc>
+                <a:tc>
+                  <a:txBody>
+                    <a:bodyPr/>
+                    <a:lstStyle/>
+                    <a:p>
+                      <a:endParaRPr kumimoji="1" lang="ja-JP" altLang="en-US"/>
+                    </a:p>
+                  </a:txBody>
+                  <a:tcPr/>
+                </a:tc>
+                <a:tc>
+                  <a:txBody>
+                    <a:bodyPr/>
+                    <a:lstStyle/>
+                    <a:p>
+                      <a:endParaRPr kumimoji="1" lang="ja-JP" altLang="en-US"/>
+                    </a:p>
+                  </a:txBody>
+                  <a:tcPr/>
+                </a:tc>
+                <a:extLst>
+                  <a:ext uri="{0D108BD9-81ED-4DB2-BD59-A6C34878D82A}">
+                    <a16:rowId xmlns:a16="http://schemas.microsoft.com/office/drawing/2014/main" val="1135460336"/>
+                  </a:ext>
+                </a:extLst>
+              </a:tr>
+              <a:tr h="370840">
+                <a:tc>
+                  <a:txBody>
+                    <a:bodyPr/>
+                    <a:lstStyle/>
+                    <a:p>
+                      <a:endParaRPr kumimoji="1" lang="ja-JP" altLang="en-US" dirty="0"/>
+                    </a:p>
+                  </a:txBody>
+                  <a:tcPr>
+                    <a:solidFill>
+                      <a:schemeClr val="bg1">
+                        <a:lumMod val="65000"/>
+                      </a:schemeClr>
+                    </a:solidFill>
+                  </a:tcPr>
+                </a:tc>
+                <a:tc>
+                  <a:txBody>
+                    <a:bodyPr/>
+                    <a:lstStyle/>
+                    <a:p>
+                      <a:endParaRPr kumimoji="1" lang="ja-JP" altLang="en-US"/>
+                    </a:p>
+                  </a:txBody>
+                  <a:tcPr/>
+                </a:tc>
+                <a:tc>
+                  <a:txBody>
+                    <a:bodyPr/>
+                    <a:lstStyle/>
+                    <a:p>
+                      <a:endParaRPr kumimoji="1" lang="ja-JP" altLang="en-US"/>
+                    </a:p>
+                  </a:txBody>
+                  <a:tcPr/>
+                </a:tc>
+                <a:tc>
+                  <a:txBody>
+                    <a:bodyPr/>
+                    <a:lstStyle/>
+                    <a:p>
+                      <a:endParaRPr kumimoji="1" lang="ja-JP" altLang="en-US"/>
+                    </a:p>
+                  </a:txBody>
+                  <a:tcPr/>
+                </a:tc>
+                <a:tc>
+                  <a:txBody>
+                    <a:bodyPr/>
+                    <a:lstStyle/>
+                    <a:p>
+                      <a:endParaRPr kumimoji="1" lang="ja-JP" altLang="en-US"/>
+                    </a:p>
+                  </a:txBody>
+                  <a:tcPr/>
+                </a:tc>
+                <a:tc>
+                  <a:txBody>
+                    <a:bodyPr/>
+                    <a:lstStyle/>
+                    <a:p>
+                      <a:endParaRPr kumimoji="1" lang="ja-JP" altLang="en-US"/>
+                    </a:p>
+                  </a:txBody>
+                  <a:tcPr/>
+                </a:tc>
+                <a:extLst>
+                  <a:ext uri="{0D108BD9-81ED-4DB2-BD59-A6C34878D82A}">
+                    <a16:rowId xmlns:a16="http://schemas.microsoft.com/office/drawing/2014/main" val="890191362"/>
+                  </a:ext>
+                </a:extLst>
+              </a:tr>
+              <a:tr h="370840">
+                <a:tc>
+                  <a:txBody>
+                    <a:bodyPr/>
+                    <a:lstStyle/>
+                    <a:p>
+                      <a:endParaRPr kumimoji="1" lang="ja-JP" altLang="en-US" dirty="0"/>
+                    </a:p>
+                  </a:txBody>
+                  <a:tcPr>
+                    <a:solidFill>
+                      <a:schemeClr val="bg1">
+                        <a:lumMod val="65000"/>
+                      </a:schemeClr>
+                    </a:solidFill>
+                  </a:tcPr>
+                </a:tc>
+                <a:tc>
+                  <a:txBody>
+                    <a:bodyPr/>
+                    <a:lstStyle/>
+                    <a:p>
+                      <a:endParaRPr kumimoji="1" lang="ja-JP" altLang="en-US" dirty="0"/>
+                    </a:p>
+                  </a:txBody>
+                  <a:tcPr/>
+                </a:tc>
+                <a:tc>
+                  <a:txBody>
+                    <a:bodyPr/>
+                    <a:lstStyle/>
+                    <a:p>
+                      <a:endParaRPr kumimoji="1" lang="ja-JP" altLang="en-US"/>
+                    </a:p>
+                  </a:txBody>
+                  <a:tcPr/>
+                </a:tc>
+                <a:tc>
+                  <a:txBody>
+                    <a:bodyPr/>
+                    <a:lstStyle/>
+                    <a:p>
+                      <a:endParaRPr kumimoji="1" lang="ja-JP" altLang="en-US"/>
+                    </a:p>
+                  </a:txBody>
+                  <a:tcPr/>
+                </a:tc>
+                <a:tc>
+                  <a:txBody>
+                    <a:bodyPr/>
+                    <a:lstStyle/>
+                    <a:p>
+                      <a:endParaRPr kumimoji="1" lang="ja-JP" altLang="en-US"/>
+                    </a:p>
+                  </a:txBody>
+                  <a:tcPr/>
+                </a:tc>
+                <a:tc>
+                  <a:txBody>
+                    <a:bodyPr/>
+                    <a:lstStyle/>
+                    <a:p>
+                      <a:endParaRPr kumimoji="1" lang="ja-JP" altLang="en-US" dirty="0"/>
+                    </a:p>
+                  </a:txBody>
+                  <a:tcPr/>
+                </a:tc>
+                <a:extLst>
+                  <a:ext uri="{0D108BD9-81ED-4DB2-BD59-A6C34878D82A}">
+                    <a16:rowId xmlns:a16="http://schemas.microsoft.com/office/drawing/2014/main" val="4287702657"/>
+                  </a:ext>
+                </a:extLst>
+              </a:tr>
+            </a:tbl>
+          </a:graphicData>
+        </a:graphic>
+      </p:graphicFrame>
+      <p:sp>
+        <p:nvSpPr>
+          <p:cNvPr id="10" name="矢印: 右 9">
+            <a:extLst>
+              <a:ext uri="{FF2B5EF4-FFF2-40B4-BE49-F238E27FC236}">
+                <a16:creationId xmlns:a16="http://schemas.microsoft.com/office/drawing/2014/main" id="{5A76FBB2-29BB-0D96-BF24-65ECF1DE148E}"/>
+              </a:ext>
+            </a:extLst>
+          </p:cNvPr>
+          <p:cNvSpPr/>
+          <p:nvPr/>
+        </p:nvSpPr>
+        <p:spPr>
+          <a:xfrm>
+            <a:off x="2153336" y="1952156"/>
+            <a:ext cx="3009871" cy="331076"/>
+          </a:xfrm>
+          <a:prstGeom prst="rightArrow">
+            <a:avLst>
+              <a:gd name="adj1" fmla="val 50000"/>
+              <a:gd name="adj2" fmla="val 80952"/>
+            </a:avLst>
+          </a:prstGeom>
+          <a:ln>
+            <a:noFill/>
+          </a:ln>
+        </p:spPr>
+        <p:style>
+          <a:lnRef idx="2">
+            <a:schemeClr val="accent1">
+              <a:shade val="15000"/>
+            </a:schemeClr>
+          </a:lnRef>
+          <a:fillRef idx="1">
+            <a:schemeClr val="accent1"/>
+          </a:fillRef>
+          <a:effectRef idx="0">
+            <a:schemeClr val="accent1"/>
+          </a:effectRef>
+          <a:fontRef idx="minor">
+            <a:schemeClr val="lt1"/>
+          </a:fontRef>
+        </p:style>
+        <p:txBody>
+          <a:bodyPr rtlCol="0" anchor="ctr"/>
+          <a:lstStyle/>
+          <a:p>
+            <a:pPr algn="ctr"/>
+            <a:endParaRPr kumimoji="1" lang="ja-JP" altLang="en-US"/>
+          </a:p>
+        </p:txBody>
+      </p:sp>
+      <p:sp>
+        <p:nvSpPr>
+          <p:cNvPr id="11" name="テキスト ボックス 10">
+            <a:extLst>
+              <a:ext uri="{FF2B5EF4-FFF2-40B4-BE49-F238E27FC236}">
+                <a16:creationId xmlns:a16="http://schemas.microsoft.com/office/drawing/2014/main" id="{63F35224-2787-8016-7462-7A8C99100952}"/>
               </a:ext>
             </a:extLst>
           </p:cNvPr>
@@ -16142,8 +17599,8 @@
         </p:nvSpPr>
         <p:spPr>
           <a:xfrm>
-            <a:off x="681134" y="1619091"/>
-            <a:ext cx="4898572" cy="4801314"/>
+            <a:off x="1998738" y="1640640"/>
+            <a:ext cx="3956532" cy="369332"/>
           </a:xfrm>
           <a:prstGeom prst="rect">
             <a:avLst/>
@@ -16151,130 +17608,276 @@
           <a:noFill/>
         </p:spPr>
         <p:txBody>
-          <a:bodyPr wrap="square" rtlCol="0">
+          <a:bodyPr wrap="none" rtlCol="0">
             <a:spAutoFit/>
           </a:bodyPr>
           <a:lstStyle/>
           <a:p>
             <a:r>
-              <a:rPr lang="ja-JP" altLang="en-US" dirty="0"/>
-              <a:t>以下のループの各回で計算される </a:t>
-            </a:r>
-            <a:r>
-              <a:rPr lang="en-US" altLang="ja-JP" dirty="0"/>
-              <a:t>b, a </a:t>
-            </a:r>
-            <a:r>
-              <a:rPr lang="ja-JP" altLang="en-US" dirty="0"/>
-              <a:t>を書きのような</a:t>
-            </a:r>
-            <a:r>
-              <a:rPr lang="en-US" altLang="ja-JP" dirty="0" err="1"/>
-              <a:t>DataFrame</a:t>
-            </a:r>
-            <a:r>
-              <a:rPr lang="ja-JP" altLang="en-US" dirty="0"/>
-              <a:t>にして表示せよ</a:t>
-            </a:r>
-          </a:p>
-          <a:p>
-            <a:endParaRPr lang="ja-JP" altLang="en-US" dirty="0"/>
-          </a:p>
-          <a:p>
-            <a:r>
-              <a:rPr lang="en-US" altLang="ja-JP" dirty="0"/>
-              <a:t>for a in range(100):</a:t>
-            </a:r>
-          </a:p>
-          <a:p>
-            <a:r>
-              <a:rPr lang="en-US" altLang="ja-JP" dirty="0"/>
-              <a:t>    b = a**</a:t>
-            </a:r>
-          </a:p>
-          <a:p>
-            <a:endParaRPr lang="en-US" altLang="ja-JP" dirty="0"/>
-          </a:p>
-          <a:p>
-            <a:r>
-              <a:rPr lang="en-US" altLang="ja-JP" dirty="0"/>
-              <a:t>b, a </a:t>
-            </a:r>
-            <a:r>
-              <a:rPr lang="ja-JP" altLang="en-US" dirty="0"/>
-              <a:t>を列見出しとする</a:t>
-            </a:r>
-          </a:p>
-          <a:p>
-            <a:endParaRPr lang="ja-JP" altLang="en-US" dirty="0"/>
-          </a:p>
-          <a:p>
-            <a:r>
-              <a:rPr lang="ja-JP" altLang="en-US" dirty="0"/>
-              <a:t>       </a:t>
-            </a:r>
-            <a:r>
-              <a:rPr lang="en-US" altLang="ja-JP" dirty="0"/>
-              <a:t>b  a</a:t>
-            </a:r>
-          </a:p>
-          <a:p>
-            <a:r>
-              <a:rPr lang="en-US" altLang="ja-JP" dirty="0"/>
-              <a:t>0     0  0</a:t>
-            </a:r>
-          </a:p>
-          <a:p>
-            <a:r>
-              <a:rPr lang="en-US" altLang="ja-JP" dirty="0"/>
-              <a:t>1     1  1</a:t>
-            </a:r>
-          </a:p>
-          <a:p>
-            <a:r>
-              <a:rPr lang="en-US" altLang="ja-JP" dirty="0"/>
-              <a:t>2     2  4</a:t>
-            </a:r>
-          </a:p>
-          <a:p>
-            <a:r>
-              <a:rPr lang="en-US" altLang="ja-JP" dirty="0"/>
-              <a:t>3     3  9</a:t>
-            </a:r>
-          </a:p>
-          <a:p>
-            <a:r>
-              <a:rPr lang="en-US" altLang="ja-JP" dirty="0"/>
-              <a:t>4     4  16</a:t>
-            </a:r>
-          </a:p>
-          <a:p>
-            <a:r>
-              <a:rPr lang="en-US" altLang="ja-JP" dirty="0"/>
-              <a:t>5     5   25</a:t>
-            </a:r>
-          </a:p>
-          <a:p>
-            <a:r>
-              <a:rPr lang="en-US" altLang="ja-JP" dirty="0"/>
-              <a:t>6     6   36</a:t>
-            </a:r>
-          </a:p>
-          <a:p>
-            <a:pPr algn="l"/>
-            <a:endParaRPr kumimoji="1" lang="ja-JP" altLang="en-US" dirty="0">
-              <a:latin typeface="メイリオ" panose="020B0604030504040204" pitchFamily="50" charset="-128"/>
-              <a:ea typeface="メイリオ" panose="020B0604030504040204" pitchFamily="50" charset="-128"/>
-            </a:endParaRPr>
-          </a:p>
-        </p:txBody>
-      </p:sp>
-      <p:sp>
-        <p:nvSpPr>
-          <p:cNvPr id="4" name="テキスト ボックス 3">
+              <a:rPr kumimoji="1" lang="en-US" altLang="ja-JP" dirty="0">
+                <a:latin typeface="メイリオ" panose="020B0604030504040204" pitchFamily="50" charset="-128"/>
+                <a:ea typeface="メイリオ" panose="020B0604030504040204" pitchFamily="50" charset="-128"/>
+              </a:rPr>
+              <a:t>axis = 1 </a:t>
+            </a:r>
+            <a:r>
+              <a:rPr kumimoji="1" lang="ja-JP" altLang="en-US" dirty="0">
+                <a:latin typeface="メイリオ" panose="020B0604030504040204" pitchFamily="50" charset="-128"/>
+                <a:ea typeface="メイリオ" panose="020B0604030504040204" pitchFamily="50" charset="-128"/>
+              </a:rPr>
+              <a:t>は列方向（行ごとの処理）</a:t>
+            </a:r>
+          </a:p>
+        </p:txBody>
+      </p:sp>
+      <p:sp>
+        <p:nvSpPr>
+          <p:cNvPr id="12" name="矢印: 下 11">
             <a:extLst>
               <a:ext uri="{FF2B5EF4-FFF2-40B4-BE49-F238E27FC236}">
-                <a16:creationId xmlns:a16="http://schemas.microsoft.com/office/drawing/2014/main" id="{66C56D3F-1091-680A-6FBA-A3D4C5FF125A}"/>
+                <a16:creationId xmlns:a16="http://schemas.microsoft.com/office/drawing/2014/main" id="{4B204842-9503-26D2-55AB-8FEB3CA30620}"/>
+              </a:ext>
+            </a:extLst>
+          </p:cNvPr>
+          <p:cNvSpPr/>
+          <p:nvPr/>
+        </p:nvSpPr>
+        <p:spPr>
+          <a:xfrm>
+            <a:off x="1297894" y="2638454"/>
+            <a:ext cx="323193" cy="2595880"/>
+          </a:xfrm>
+          <a:prstGeom prst="downArrow">
+            <a:avLst>
+              <a:gd name="adj1" fmla="val 50000"/>
+              <a:gd name="adj2" fmla="val 84146"/>
+            </a:avLst>
+          </a:prstGeom>
+          <a:solidFill>
+            <a:srgbClr val="FFC000"/>
+          </a:solidFill>
+          <a:ln>
+            <a:noFill/>
+          </a:ln>
+        </p:spPr>
+        <p:style>
+          <a:lnRef idx="2">
+            <a:schemeClr val="accent1">
+              <a:shade val="15000"/>
+            </a:schemeClr>
+          </a:lnRef>
+          <a:fillRef idx="1">
+            <a:schemeClr val="accent1"/>
+          </a:fillRef>
+          <a:effectRef idx="0">
+            <a:schemeClr val="accent1"/>
+          </a:effectRef>
+          <a:fontRef idx="minor">
+            <a:schemeClr val="lt1"/>
+          </a:fontRef>
+        </p:style>
+        <p:txBody>
+          <a:bodyPr rtlCol="0" anchor="ctr"/>
+          <a:lstStyle/>
+          <a:p>
+            <a:pPr algn="ctr"/>
+            <a:endParaRPr kumimoji="1" lang="ja-JP" altLang="en-US"/>
+          </a:p>
+        </p:txBody>
+      </p:sp>
+      <p:graphicFrame>
+        <p:nvGraphicFramePr>
+          <p:cNvPr id="14" name="表 13">
+            <a:extLst>
+              <a:ext uri="{FF2B5EF4-FFF2-40B4-BE49-F238E27FC236}">
+                <a16:creationId xmlns:a16="http://schemas.microsoft.com/office/drawing/2014/main" id="{8520F9DF-4355-7452-0293-05312B2F547B}"/>
+              </a:ext>
+            </a:extLst>
+          </p:cNvPr>
+          <p:cNvGraphicFramePr>
+            <a:graphicFrameLocks noGrp="1"/>
+          </p:cNvGraphicFramePr>
+          <p:nvPr>
+            <p:extLst>
+              <p:ext uri="{D42A27DB-BD31-4B8C-83A1-F6EECF244321}">
+                <p14:modId xmlns:p14="http://schemas.microsoft.com/office/powerpoint/2010/main" val="3255398679"/>
+              </p:ext>
+            </p:extLst>
+          </p:nvPr>
+        </p:nvGraphicFramePr>
+        <p:xfrm>
+          <a:off x="4941754" y="2656210"/>
+          <a:ext cx="481227" cy="2225040"/>
+        </p:xfrm>
+        <a:graphic>
+          <a:graphicData uri="http://schemas.openxmlformats.org/drawingml/2006/table">
+            <a:tbl>
+              <a:tblPr firstRow="1" bandRow="1">
+                <a:tableStyleId>{5940675A-B579-460E-94D1-54222C63F5DA}</a:tableStyleId>
+              </a:tblPr>
+              <a:tblGrid>
+                <a:gridCol w="481227">
+                  <a:extLst>
+                    <a:ext uri="{9D8B030D-6E8A-4147-A177-3AD203B41FA5}">
+                      <a16:colId xmlns:a16="http://schemas.microsoft.com/office/drawing/2014/main" val="389225763"/>
+                    </a:ext>
+                  </a:extLst>
+                </a:gridCol>
+              </a:tblGrid>
+              <a:tr h="370840">
+                <a:tc>
+                  <a:txBody>
+                    <a:bodyPr/>
+                    <a:lstStyle/>
+                    <a:p>
+                      <a:endParaRPr kumimoji="1" lang="ja-JP" altLang="en-US" dirty="0"/>
+                    </a:p>
+                  </a:txBody>
+                  <a:tcPr>
+                    <a:solidFill>
+                      <a:schemeClr val="accent1">
+                        <a:lumMod val="40000"/>
+                        <a:lumOff val="60000"/>
+                      </a:schemeClr>
+                    </a:solidFill>
+                  </a:tcPr>
+                </a:tc>
+                <a:extLst>
+                  <a:ext uri="{0D108BD9-81ED-4DB2-BD59-A6C34878D82A}">
+                    <a16:rowId xmlns:a16="http://schemas.microsoft.com/office/drawing/2014/main" val="1227412734"/>
+                  </a:ext>
+                </a:extLst>
+              </a:tr>
+              <a:tr h="370840">
+                <a:tc>
+                  <a:txBody>
+                    <a:bodyPr/>
+                    <a:lstStyle/>
+                    <a:p>
+                      <a:endParaRPr kumimoji="1" lang="ja-JP" altLang="en-US"/>
+                    </a:p>
+                  </a:txBody>
+                  <a:tcPr>
+                    <a:solidFill>
+                      <a:schemeClr val="accent1">
+                        <a:lumMod val="40000"/>
+                        <a:lumOff val="60000"/>
+                      </a:schemeClr>
+                    </a:solidFill>
+                  </a:tcPr>
+                </a:tc>
+                <a:extLst>
+                  <a:ext uri="{0D108BD9-81ED-4DB2-BD59-A6C34878D82A}">
+                    <a16:rowId xmlns:a16="http://schemas.microsoft.com/office/drawing/2014/main" val="3475571058"/>
+                  </a:ext>
+                </a:extLst>
+              </a:tr>
+              <a:tr h="370840">
+                <a:tc>
+                  <a:txBody>
+                    <a:bodyPr/>
+                    <a:lstStyle/>
+                    <a:p>
+                      <a:endParaRPr kumimoji="1" lang="ja-JP" altLang="en-US" dirty="0"/>
+                    </a:p>
+                  </a:txBody>
+                  <a:tcPr>
+                    <a:solidFill>
+                      <a:schemeClr val="accent1">
+                        <a:lumMod val="40000"/>
+                        <a:lumOff val="60000"/>
+                      </a:schemeClr>
+                    </a:solidFill>
+                  </a:tcPr>
+                </a:tc>
+                <a:extLst>
+                  <a:ext uri="{0D108BD9-81ED-4DB2-BD59-A6C34878D82A}">
+                    <a16:rowId xmlns:a16="http://schemas.microsoft.com/office/drawing/2014/main" val="3530826721"/>
+                  </a:ext>
+                </a:extLst>
+              </a:tr>
+              <a:tr h="370840">
+                <a:tc>
+                  <a:txBody>
+                    <a:bodyPr/>
+                    <a:lstStyle/>
+                    <a:p>
+                      <a:endParaRPr kumimoji="1" lang="ja-JP" altLang="en-US" dirty="0"/>
+                    </a:p>
+                  </a:txBody>
+                  <a:tcPr>
+                    <a:solidFill>
+                      <a:schemeClr val="accent1">
+                        <a:lumMod val="40000"/>
+                        <a:lumOff val="60000"/>
+                      </a:schemeClr>
+                    </a:solidFill>
+                  </a:tcPr>
+                </a:tc>
+                <a:extLst>
+                  <a:ext uri="{0D108BD9-81ED-4DB2-BD59-A6C34878D82A}">
+                    <a16:rowId xmlns:a16="http://schemas.microsoft.com/office/drawing/2014/main" val="1135460336"/>
+                  </a:ext>
+                </a:extLst>
+              </a:tr>
+              <a:tr h="370840">
+                <a:tc>
+                  <a:txBody>
+                    <a:bodyPr/>
+                    <a:lstStyle/>
+                    <a:p>
+                      <a:endParaRPr kumimoji="1" lang="ja-JP" altLang="en-US" dirty="0"/>
+                    </a:p>
+                  </a:txBody>
+                  <a:tcPr>
+                    <a:solidFill>
+                      <a:schemeClr val="accent1">
+                        <a:lumMod val="40000"/>
+                        <a:lumOff val="60000"/>
+                      </a:schemeClr>
+                    </a:solidFill>
+                  </a:tcPr>
+                </a:tc>
+                <a:extLst>
+                  <a:ext uri="{0D108BD9-81ED-4DB2-BD59-A6C34878D82A}">
+                    <a16:rowId xmlns:a16="http://schemas.microsoft.com/office/drawing/2014/main" val="890191362"/>
+                  </a:ext>
+                </a:extLst>
+              </a:tr>
+              <a:tr h="370840">
+                <a:tc>
+                  <a:txBody>
+                    <a:bodyPr/>
+                    <a:lstStyle/>
+                    <a:p>
+                      <a:endParaRPr kumimoji="1" lang="ja-JP" altLang="en-US" dirty="0"/>
+                    </a:p>
+                  </a:txBody>
+                  <a:tcPr>
+                    <a:solidFill>
+                      <a:schemeClr val="accent1">
+                        <a:lumMod val="40000"/>
+                        <a:lumOff val="60000"/>
+                      </a:schemeClr>
+                    </a:solidFill>
+                  </a:tcPr>
+                </a:tc>
+                <a:extLst>
+                  <a:ext uri="{0D108BD9-81ED-4DB2-BD59-A6C34878D82A}">
+                    <a16:rowId xmlns:a16="http://schemas.microsoft.com/office/drawing/2014/main" val="4287702657"/>
+                  </a:ext>
+                </a:extLst>
+              </a:tr>
+            </a:tbl>
+          </a:graphicData>
+        </a:graphic>
+      </p:graphicFrame>
+      <p:sp>
+        <p:nvSpPr>
+          <p:cNvPr id="15" name="テキスト ボックス 14">
+            <a:extLst>
+              <a:ext uri="{FF2B5EF4-FFF2-40B4-BE49-F238E27FC236}">
+                <a16:creationId xmlns:a16="http://schemas.microsoft.com/office/drawing/2014/main" id="{11E2651A-2BC4-4880-1C53-8B0BD050A6E2}"/>
               </a:ext>
             </a:extLst>
           </p:cNvPr>
@@ -16283,8 +17886,8 @@
         </p:nvSpPr>
         <p:spPr>
           <a:xfrm>
-            <a:off x="6904653" y="2631234"/>
-            <a:ext cx="4227247" cy="1754326"/>
+            <a:off x="5809593" y="4162097"/>
+            <a:ext cx="184731" cy="738664"/>
           </a:xfrm>
           <a:prstGeom prst="rect">
             <a:avLst/>
@@ -16297,191 +17900,14 @@
           </a:bodyPr>
           <a:lstStyle/>
           <a:p>
+            <a:endParaRPr lang="ja-JP" altLang="ja-JP" sz="1800" b="0" i="0" u="none" strike="noStrike" dirty="0">
+              <a:effectLst/>
+              <a:latin typeface="Arial" panose="020B0604020202020204" pitchFamily="34" charset="0"/>
+            </a:endParaRPr>
+          </a:p>
+          <a:p>
             <a:pPr algn="l"/>
-            <a:r>
-              <a:rPr kumimoji="1" lang="en-US" altLang="ja-JP" dirty="0">
-                <a:latin typeface="メイリオ" panose="020B0604030504040204" pitchFamily="50" charset="-128"/>
-                <a:ea typeface="メイリオ" panose="020B0604030504040204" pitchFamily="50" charset="-128"/>
-              </a:rPr>
-              <a:t>ID      City </a:t>
-            </a:r>
-            <a:r>
-              <a:rPr kumimoji="1" lang="ja-JP" altLang="en-US" dirty="0">
-                <a:latin typeface="メイリオ" panose="020B0604030504040204" pitchFamily="50" charset="-128"/>
-                <a:ea typeface="メイリオ" panose="020B0604030504040204" pitchFamily="50" charset="-128"/>
-              </a:rPr>
-              <a:t>　</a:t>
-            </a:r>
-            <a:r>
-              <a:rPr kumimoji="1" lang="en-US" altLang="ja-JP" dirty="0">
-                <a:latin typeface="メイリオ" panose="020B0604030504040204" pitchFamily="50" charset="-128"/>
-                <a:ea typeface="メイリオ" panose="020B0604030504040204" pitchFamily="50" charset="-128"/>
-              </a:rPr>
-              <a:t>Birth Year      Name</a:t>
-            </a:r>
-          </a:p>
-          <a:p>
-            <a:pPr algn="l"/>
-            <a:r>
-              <a:rPr kumimoji="1" lang="en-US" altLang="ja-JP" dirty="0">
-                <a:latin typeface="メイリオ" panose="020B0604030504040204" pitchFamily="50" charset="-128"/>
-                <a:ea typeface="メイリオ" panose="020B0604030504040204" pitchFamily="50" charset="-128"/>
-              </a:rPr>
-              <a:t>  100     </a:t>
-            </a:r>
-            <a:r>
-              <a:rPr kumimoji="1" lang="en-US" altLang="ja-JP" dirty="0" err="1">
-                <a:latin typeface="メイリオ" panose="020B0604030504040204" pitchFamily="50" charset="-128"/>
-                <a:ea typeface="メイリオ" panose="020B0604030504040204" pitchFamily="50" charset="-128"/>
-              </a:rPr>
-              <a:t>tokyo</a:t>
-            </a:r>
-            <a:r>
-              <a:rPr kumimoji="1" lang="en-US" altLang="ja-JP" dirty="0">
-                <a:latin typeface="メイリオ" panose="020B0604030504040204" pitchFamily="50" charset="-128"/>
-                <a:ea typeface="メイリオ" panose="020B0604030504040204" pitchFamily="50" charset="-128"/>
-              </a:rPr>
-              <a:t>       1990 </a:t>
-            </a:r>
-            <a:r>
-              <a:rPr kumimoji="1" lang="ja-JP" altLang="en-US" dirty="0">
-                <a:latin typeface="メイリオ" panose="020B0604030504040204" pitchFamily="50" charset="-128"/>
-                <a:ea typeface="メイリオ" panose="020B0604030504040204" pitchFamily="50" charset="-128"/>
-              </a:rPr>
-              <a:t>　   </a:t>
-            </a:r>
-            <a:r>
-              <a:rPr kumimoji="1" lang="en-US" altLang="ja-JP" dirty="0">
-                <a:latin typeface="メイリオ" panose="020B0604030504040204" pitchFamily="50" charset="-128"/>
-                <a:ea typeface="メイリオ" panose="020B0604030504040204" pitchFamily="50" charset="-128"/>
-              </a:rPr>
-              <a:t>Hiroshi</a:t>
-            </a:r>
-          </a:p>
-          <a:p>
-            <a:pPr algn="l"/>
-            <a:r>
-              <a:rPr kumimoji="1" lang="en-US" altLang="ja-JP" dirty="0">
-                <a:latin typeface="メイリオ" panose="020B0604030504040204" pitchFamily="50" charset="-128"/>
-                <a:ea typeface="メイリオ" panose="020B0604030504040204" pitchFamily="50" charset="-128"/>
-              </a:rPr>
-              <a:t>  101     </a:t>
-            </a:r>
-            <a:r>
-              <a:rPr kumimoji="1" lang="en-US" altLang="ja-JP" dirty="0" err="1">
-                <a:latin typeface="メイリオ" panose="020B0604030504040204" pitchFamily="50" charset="-128"/>
-                <a:ea typeface="メイリオ" panose="020B0604030504040204" pitchFamily="50" charset="-128"/>
-              </a:rPr>
-              <a:t>osaka</a:t>
-            </a:r>
-            <a:r>
-              <a:rPr kumimoji="1" lang="en-US" altLang="ja-JP" dirty="0">
-                <a:latin typeface="メイリオ" panose="020B0604030504040204" pitchFamily="50" charset="-128"/>
-                <a:ea typeface="メイリオ" panose="020B0604030504040204" pitchFamily="50" charset="-128"/>
-              </a:rPr>
-              <a:t>       1989   </a:t>
-            </a:r>
-            <a:r>
-              <a:rPr kumimoji="1" lang="ja-JP" altLang="en-US" dirty="0">
-                <a:latin typeface="メイリオ" panose="020B0604030504040204" pitchFamily="50" charset="-128"/>
-                <a:ea typeface="メイリオ" panose="020B0604030504040204" pitchFamily="50" charset="-128"/>
-              </a:rPr>
-              <a:t>　 </a:t>
-            </a:r>
-            <a:r>
-              <a:rPr kumimoji="1" lang="en-US" altLang="ja-JP" dirty="0">
-                <a:latin typeface="メイリオ" panose="020B0604030504040204" pitchFamily="50" charset="-128"/>
-                <a:ea typeface="メイリオ" panose="020B0604030504040204" pitchFamily="50" charset="-128"/>
-              </a:rPr>
-              <a:t>Akiko</a:t>
-            </a:r>
-          </a:p>
-          <a:p>
-            <a:pPr algn="l"/>
-            <a:r>
-              <a:rPr kumimoji="1" lang="en-US" altLang="ja-JP" dirty="0">
-                <a:latin typeface="メイリオ" panose="020B0604030504040204" pitchFamily="50" charset="-128"/>
-                <a:ea typeface="メイリオ" panose="020B0604030504040204" pitchFamily="50" charset="-128"/>
-              </a:rPr>
-              <a:t>  102     </a:t>
-            </a:r>
-            <a:r>
-              <a:rPr kumimoji="1" lang="en-US" altLang="ja-JP" dirty="0" err="1">
-                <a:latin typeface="メイリオ" panose="020B0604030504040204" pitchFamily="50" charset="-128"/>
-                <a:ea typeface="メイリオ" panose="020B0604030504040204" pitchFamily="50" charset="-128"/>
-              </a:rPr>
-              <a:t>kyoto</a:t>
-            </a:r>
-            <a:r>
-              <a:rPr kumimoji="1" lang="en-US" altLang="ja-JP" dirty="0">
-                <a:latin typeface="メイリオ" panose="020B0604030504040204" pitchFamily="50" charset="-128"/>
-                <a:ea typeface="メイリオ" panose="020B0604030504040204" pitchFamily="50" charset="-128"/>
-              </a:rPr>
-              <a:t>       1992       Yuki</a:t>
-            </a:r>
-          </a:p>
-          <a:p>
-            <a:pPr algn="l"/>
-            <a:r>
-              <a:rPr kumimoji="1" lang="en-US" altLang="ja-JP" dirty="0">
-                <a:latin typeface="メイリオ" panose="020B0604030504040204" pitchFamily="50" charset="-128"/>
-                <a:ea typeface="メイリオ" panose="020B0604030504040204" pitchFamily="50" charset="-128"/>
-              </a:rPr>
-              <a:t>  103  </a:t>
-            </a:r>
-            <a:r>
-              <a:rPr kumimoji="1" lang="en-US" altLang="ja-JP" dirty="0" err="1">
-                <a:latin typeface="メイリオ" panose="020B0604030504040204" pitchFamily="50" charset="-128"/>
-                <a:ea typeface="メイリオ" panose="020B0604030504040204" pitchFamily="50" charset="-128"/>
-              </a:rPr>
-              <a:t>hokkaido</a:t>
-            </a:r>
-            <a:r>
-              <a:rPr kumimoji="1" lang="en-US" altLang="ja-JP" dirty="0">
-                <a:latin typeface="メイリオ" panose="020B0604030504040204" pitchFamily="50" charset="-128"/>
-                <a:ea typeface="メイリオ" panose="020B0604030504040204" pitchFamily="50" charset="-128"/>
-              </a:rPr>
-              <a:t>     1997   </a:t>
-            </a:r>
-            <a:r>
-              <a:rPr kumimoji="1" lang="ja-JP" altLang="en-US" dirty="0">
-                <a:latin typeface="メイリオ" panose="020B0604030504040204" pitchFamily="50" charset="-128"/>
-                <a:ea typeface="メイリオ" panose="020B0604030504040204" pitchFamily="50" charset="-128"/>
-              </a:rPr>
-              <a:t>　 </a:t>
-            </a:r>
-            <a:r>
-              <a:rPr kumimoji="1" lang="en-US" altLang="ja-JP" dirty="0">
-                <a:latin typeface="メイリオ" panose="020B0604030504040204" pitchFamily="50" charset="-128"/>
-                <a:ea typeface="メイリオ" panose="020B0604030504040204" pitchFamily="50" charset="-128"/>
-              </a:rPr>
-              <a:t>Satoru</a:t>
-            </a:r>
-          </a:p>
-          <a:p>
-            <a:pPr algn="l"/>
-            <a:r>
-              <a:rPr kumimoji="1" lang="en-US" altLang="ja-JP" dirty="0">
-                <a:latin typeface="メイリオ" panose="020B0604030504040204" pitchFamily="50" charset="-128"/>
-                <a:ea typeface="メイリオ" panose="020B0604030504040204" pitchFamily="50" charset="-128"/>
-              </a:rPr>
-              <a:t>  104     </a:t>
-            </a:r>
-            <a:r>
-              <a:rPr kumimoji="1" lang="en-US" altLang="ja-JP" dirty="0" err="1">
-                <a:latin typeface="メイリオ" panose="020B0604030504040204" pitchFamily="50" charset="-128"/>
-                <a:ea typeface="メイリオ" panose="020B0604030504040204" pitchFamily="50" charset="-128"/>
-              </a:rPr>
-              <a:t>tokyo</a:t>
-            </a:r>
-            <a:r>
-              <a:rPr kumimoji="1" lang="en-US" altLang="ja-JP" dirty="0">
-                <a:latin typeface="メイリオ" panose="020B0604030504040204" pitchFamily="50" charset="-128"/>
-                <a:ea typeface="メイリオ" panose="020B0604030504040204" pitchFamily="50" charset="-128"/>
-              </a:rPr>
-              <a:t>       1982       Steve</a:t>
-            </a:r>
-            <a:endParaRPr kumimoji="1" lang="ja-JP" altLang="en-US" dirty="0">
+            <a:endParaRPr kumimoji="1" lang="ja-JP" altLang="en-US" sz="2400" dirty="0">
               <a:latin typeface="メイリオ" panose="020B0604030504040204" pitchFamily="50" charset="-128"/>
               <a:ea typeface="メイリオ" panose="020B0604030504040204" pitchFamily="50" charset="-128"/>
             </a:endParaRPr>
@@ -16490,10 +17916,10 @@
       </p:sp>
       <p:sp>
         <p:nvSpPr>
-          <p:cNvPr id="5" name="テキスト ボックス 4">
+          <p:cNvPr id="16" name="テキスト ボックス 15">
             <a:extLst>
               <a:ext uri="{FF2B5EF4-FFF2-40B4-BE49-F238E27FC236}">
-                <a16:creationId xmlns:a16="http://schemas.microsoft.com/office/drawing/2014/main" id="{10590A82-63CF-956A-16FC-4D0814DF6B49}"/>
+                <a16:creationId xmlns:a16="http://schemas.microsoft.com/office/drawing/2014/main" id="{50F887F9-FB79-7CBE-9E6F-09696F72FCF9}"/>
               </a:ext>
             </a:extLst>
           </p:cNvPr>
@@ -16502,8 +17928,8 @@
         </p:nvSpPr>
         <p:spPr>
           <a:xfrm>
-            <a:off x="940045" y="6120882"/>
-            <a:ext cx="877163" cy="369332"/>
+            <a:off x="2224281" y="5650850"/>
+            <a:ext cx="3730989" cy="1077218"/>
           </a:xfrm>
           <a:prstGeom prst="rect">
             <a:avLst/>
@@ -16511,28 +17937,118 @@
           <a:noFill/>
         </p:spPr>
         <p:txBody>
-          <a:bodyPr wrap="none" rtlCol="0">
+          <a:bodyPr wrap="square" rtlCol="0">
             <a:spAutoFit/>
           </a:bodyPr>
           <a:lstStyle/>
           <a:p>
             <a:pPr algn="l"/>
             <a:r>
-              <a:rPr kumimoji="1" lang="ja-JP" altLang="en-US" dirty="0">
-                <a:latin typeface="メイリオ" panose="020B0604030504040204" pitchFamily="50" charset="-128"/>
-                <a:ea typeface="メイリオ" panose="020B0604030504040204" pitchFamily="50" charset="-128"/>
-              </a:rPr>
-              <a:t>・・・</a:t>
-            </a:r>
-          </a:p>
-        </p:txBody>
-      </p:sp>
-      <p:sp>
-        <p:nvSpPr>
-          <p:cNvPr id="6" name="テキスト ボックス 5">
+              <a:rPr kumimoji="1" lang="ja-JP" altLang="en-US" sz="1600" dirty="0">
+                <a:latin typeface="メイリオ" panose="020B0604030504040204" pitchFamily="50" charset="-128"/>
+                <a:ea typeface="メイリオ" panose="020B0604030504040204" pitchFamily="50" charset="-128"/>
+              </a:rPr>
+              <a:t>列ごとの合計（行方向の合計</a:t>
+            </a:r>
+            <a:r>
+              <a:rPr kumimoji="1" lang="en-US" altLang="ja-JP" sz="1600" dirty="0">
+                <a:latin typeface="メイリオ" panose="020B0604030504040204" pitchFamily="50" charset="-128"/>
+                <a:ea typeface="メイリオ" panose="020B0604030504040204" pitchFamily="50" charset="-128"/>
+              </a:rPr>
+              <a:t>) </a:t>
+            </a:r>
+          </a:p>
+          <a:p>
+            <a:pPr algn="l"/>
+            <a:r>
+              <a:rPr kumimoji="1" lang="en-US" altLang="ja-JP" sz="1600" dirty="0">
+                <a:latin typeface="メイリオ" panose="020B0604030504040204" pitchFamily="50" charset="-128"/>
+                <a:ea typeface="メイリオ" panose="020B0604030504040204" pitchFamily="50" charset="-128"/>
+              </a:rPr>
+              <a:t>   : </a:t>
+            </a:r>
+            <a:r>
+              <a:rPr kumimoji="1" lang="en-US" altLang="ja-JP" sz="1600" dirty="0" err="1">
+                <a:latin typeface="メイリオ" panose="020B0604030504040204" pitchFamily="50" charset="-128"/>
+                <a:ea typeface="メイリオ" panose="020B0604030504040204" pitchFamily="50" charset="-128"/>
+              </a:rPr>
+              <a:t>dataframe</a:t>
+            </a:r>
+            <a:r>
+              <a:rPr kumimoji="1" lang="ja-JP" altLang="en-US" sz="1600" dirty="0">
+                <a:latin typeface="メイリオ" panose="020B0604030504040204" pitchFamily="50" charset="-128"/>
+                <a:ea typeface="メイリオ" panose="020B0604030504040204" pitchFamily="50" charset="-128"/>
+              </a:rPr>
+              <a:t>名</a:t>
+            </a:r>
+            <a:r>
+              <a:rPr kumimoji="1" lang="en-US" altLang="ja-JP" sz="1600" dirty="0">
+                <a:latin typeface="メイリオ" panose="020B0604030504040204" pitchFamily="50" charset="-128"/>
+                <a:ea typeface="メイリオ" panose="020B0604030504040204" pitchFamily="50" charset="-128"/>
+              </a:rPr>
+              <a:t>.sum(axis=0)</a:t>
+            </a:r>
+          </a:p>
+          <a:p>
+            <a:pPr algn="l"/>
+            <a:r>
+              <a:rPr kumimoji="1" lang="ja-JP" altLang="en-US" sz="1600" dirty="0">
+                <a:latin typeface="メイリオ" panose="020B0604030504040204" pitchFamily="50" charset="-128"/>
+                <a:ea typeface="メイリオ" panose="020B0604030504040204" pitchFamily="50" charset="-128"/>
+              </a:rPr>
+              <a:t>列ごとの合計（行方向の合計</a:t>
+            </a:r>
+            <a:r>
+              <a:rPr kumimoji="1" lang="en-US" altLang="ja-JP" sz="1600" dirty="0">
+                <a:latin typeface="メイリオ" panose="020B0604030504040204" pitchFamily="50" charset="-128"/>
+                <a:ea typeface="メイリオ" panose="020B0604030504040204" pitchFamily="50" charset="-128"/>
+              </a:rPr>
+              <a:t>) </a:t>
+            </a:r>
+          </a:p>
+          <a:p>
+            <a:pPr algn="l"/>
+            <a:r>
+              <a:rPr kumimoji="1" lang="en-US" altLang="ja-JP" sz="1600" dirty="0">
+                <a:latin typeface="メイリオ" panose="020B0604030504040204" pitchFamily="50" charset="-128"/>
+                <a:ea typeface="メイリオ" panose="020B0604030504040204" pitchFamily="50" charset="-128"/>
+              </a:rPr>
+              <a:t>   : </a:t>
+            </a:r>
+            <a:r>
+              <a:rPr kumimoji="1" lang="en-US" altLang="ja-JP" sz="1600" dirty="0" err="1">
+                <a:latin typeface="メイリオ" panose="020B0604030504040204" pitchFamily="50" charset="-128"/>
+                <a:ea typeface="メイリオ" panose="020B0604030504040204" pitchFamily="50" charset="-128"/>
+              </a:rPr>
+              <a:t>dataframe</a:t>
+            </a:r>
+            <a:r>
+              <a:rPr kumimoji="1" lang="ja-JP" altLang="en-US" sz="1600" dirty="0">
+                <a:latin typeface="メイリオ" panose="020B0604030504040204" pitchFamily="50" charset="-128"/>
+                <a:ea typeface="メイリオ" panose="020B0604030504040204" pitchFamily="50" charset="-128"/>
+              </a:rPr>
+              <a:t>名</a:t>
+            </a:r>
+            <a:r>
+              <a:rPr kumimoji="1" lang="en-US" altLang="ja-JP" sz="1600" dirty="0">
+                <a:latin typeface="メイリオ" panose="020B0604030504040204" pitchFamily="50" charset="-128"/>
+                <a:ea typeface="メイリオ" panose="020B0604030504040204" pitchFamily="50" charset="-128"/>
+              </a:rPr>
+              <a:t>.mean(axis=0)</a:t>
+            </a:r>
+            <a:endParaRPr kumimoji="1" lang="ja-JP" altLang="en-US" sz="1600" dirty="0">
+              <a:latin typeface="メイリオ" panose="020B0604030504040204" pitchFamily="50" charset="-128"/>
+              <a:ea typeface="メイリオ" panose="020B0604030504040204" pitchFamily="50" charset="-128"/>
+            </a:endParaRPr>
+          </a:p>
+        </p:txBody>
+      </p:sp>
+      <p:sp>
+        <p:nvSpPr>
+          <p:cNvPr id="17" name="テキスト ボックス 16">
             <a:extLst>
               <a:ext uri="{FF2B5EF4-FFF2-40B4-BE49-F238E27FC236}">
-                <a16:creationId xmlns:a16="http://schemas.microsoft.com/office/drawing/2014/main" id="{2916D9C4-0981-4E51-1218-ACBE04260034}"/>
+                <a16:creationId xmlns:a16="http://schemas.microsoft.com/office/drawing/2014/main" id="{0A5EC40F-AFC8-F95D-76A3-1DF9F4901B98}"/>
               </a:ext>
             </a:extLst>
           </p:cNvPr>
@@ -16541,8 +18057,8 @@
         </p:nvSpPr>
         <p:spPr>
           <a:xfrm>
-            <a:off x="293714" y="1619091"/>
-            <a:ext cx="646331" cy="369332"/>
+            <a:off x="5422981" y="3318181"/>
+            <a:ext cx="3139321" cy="1077218"/>
           </a:xfrm>
           <a:prstGeom prst="rect">
             <a:avLst/>
@@ -16557,125 +18073,272 @@
           <a:p>
             <a:pPr algn="l"/>
             <a:r>
-              <a:rPr kumimoji="1" lang="ja-JP" altLang="en-US" dirty="0">
-                <a:latin typeface="メイリオ" panose="020B0604030504040204" pitchFamily="50" charset="-128"/>
-                <a:ea typeface="メイリオ" panose="020B0604030504040204" pitchFamily="50" charset="-128"/>
-              </a:rPr>
-              <a:t>１．</a:t>
-            </a:r>
-          </a:p>
-        </p:txBody>
-      </p:sp>
-      <p:sp>
-        <p:nvSpPr>
-          <p:cNvPr id="7" name="テキスト ボックス 6">
+              <a:rPr kumimoji="1" lang="ja-JP" altLang="en-US" sz="1600" dirty="0">
+                <a:latin typeface="メイリオ" panose="020B0604030504040204" pitchFamily="50" charset="-128"/>
+                <a:ea typeface="メイリオ" panose="020B0604030504040204" pitchFamily="50" charset="-128"/>
+              </a:rPr>
+              <a:t>行ごとの合計（列方向の合計</a:t>
+            </a:r>
+            <a:r>
+              <a:rPr kumimoji="1" lang="en-US" altLang="ja-JP" sz="1600" dirty="0">
+                <a:latin typeface="メイリオ" panose="020B0604030504040204" pitchFamily="50" charset="-128"/>
+                <a:ea typeface="メイリオ" panose="020B0604030504040204" pitchFamily="50" charset="-128"/>
+              </a:rPr>
+              <a:t>)</a:t>
+            </a:r>
+          </a:p>
+          <a:p>
+            <a:pPr algn="l"/>
+            <a:r>
+              <a:rPr kumimoji="1" lang="en-US" altLang="ja-JP" sz="1600" dirty="0">
+                <a:latin typeface="メイリオ" panose="020B0604030504040204" pitchFamily="50" charset="-128"/>
+                <a:ea typeface="メイリオ" panose="020B0604030504040204" pitchFamily="50" charset="-128"/>
+              </a:rPr>
+              <a:t> :  </a:t>
+            </a:r>
+            <a:r>
+              <a:rPr kumimoji="1" lang="en-US" altLang="ja-JP" sz="1600" dirty="0" err="1">
+                <a:latin typeface="メイリオ" panose="020B0604030504040204" pitchFamily="50" charset="-128"/>
+                <a:ea typeface="メイリオ" panose="020B0604030504040204" pitchFamily="50" charset="-128"/>
+              </a:rPr>
+              <a:t>dataframe</a:t>
+            </a:r>
+            <a:r>
+              <a:rPr kumimoji="1" lang="ja-JP" altLang="en-US" sz="1600" dirty="0">
+                <a:latin typeface="メイリオ" panose="020B0604030504040204" pitchFamily="50" charset="-128"/>
+                <a:ea typeface="メイリオ" panose="020B0604030504040204" pitchFamily="50" charset="-128"/>
+              </a:rPr>
+              <a:t>名</a:t>
+            </a:r>
+            <a:r>
+              <a:rPr kumimoji="1" lang="en-US" altLang="ja-JP" sz="1600" dirty="0">
+                <a:latin typeface="メイリオ" panose="020B0604030504040204" pitchFamily="50" charset="-128"/>
+                <a:ea typeface="メイリオ" panose="020B0604030504040204" pitchFamily="50" charset="-128"/>
+              </a:rPr>
+              <a:t>.sum(axis=1)</a:t>
+            </a:r>
+          </a:p>
+          <a:p>
+            <a:pPr algn="l"/>
+            <a:r>
+              <a:rPr kumimoji="1" lang="ja-JP" altLang="en-US" sz="1600" dirty="0">
+                <a:latin typeface="メイリオ" panose="020B0604030504040204" pitchFamily="50" charset="-128"/>
+                <a:ea typeface="メイリオ" panose="020B0604030504040204" pitchFamily="50" charset="-128"/>
+              </a:rPr>
+              <a:t>行ごとの平均（列方向の平均</a:t>
+            </a:r>
+            <a:r>
+              <a:rPr kumimoji="1" lang="en-US" altLang="ja-JP" sz="1600" dirty="0">
+                <a:latin typeface="メイリオ" panose="020B0604030504040204" pitchFamily="50" charset="-128"/>
+                <a:ea typeface="メイリオ" panose="020B0604030504040204" pitchFamily="50" charset="-128"/>
+              </a:rPr>
+              <a:t>)</a:t>
+            </a:r>
+          </a:p>
+          <a:p>
+            <a:pPr algn="l"/>
+            <a:r>
+              <a:rPr kumimoji="1" lang="en-US" altLang="ja-JP" sz="1600" dirty="0">
+                <a:latin typeface="メイリオ" panose="020B0604030504040204" pitchFamily="50" charset="-128"/>
+                <a:ea typeface="メイリオ" panose="020B0604030504040204" pitchFamily="50" charset="-128"/>
+              </a:rPr>
+              <a:t> : </a:t>
+            </a:r>
+            <a:r>
+              <a:rPr kumimoji="1" lang="en-US" altLang="ja-JP" sz="1600" dirty="0" err="1">
+                <a:latin typeface="メイリオ" panose="020B0604030504040204" pitchFamily="50" charset="-128"/>
+                <a:ea typeface="メイリオ" panose="020B0604030504040204" pitchFamily="50" charset="-128"/>
+              </a:rPr>
+              <a:t>dataframe</a:t>
+            </a:r>
+            <a:r>
+              <a:rPr kumimoji="1" lang="ja-JP" altLang="en-US" sz="1600" dirty="0">
+                <a:latin typeface="メイリオ" panose="020B0604030504040204" pitchFamily="50" charset="-128"/>
+                <a:ea typeface="メイリオ" panose="020B0604030504040204" pitchFamily="50" charset="-128"/>
+              </a:rPr>
+              <a:t>名</a:t>
+            </a:r>
+            <a:r>
+              <a:rPr kumimoji="1" lang="en-US" altLang="ja-JP" sz="1600" dirty="0">
+                <a:latin typeface="メイリオ" panose="020B0604030504040204" pitchFamily="50" charset="-128"/>
+                <a:ea typeface="メイリオ" panose="020B0604030504040204" pitchFamily="50" charset="-128"/>
+              </a:rPr>
+              <a:t>.mean(axis=1)</a:t>
+            </a:r>
+            <a:endParaRPr kumimoji="1" lang="ja-JP" altLang="en-US" sz="1600" dirty="0">
+              <a:latin typeface="メイリオ" panose="020B0604030504040204" pitchFamily="50" charset="-128"/>
+              <a:ea typeface="メイリオ" panose="020B0604030504040204" pitchFamily="50" charset="-128"/>
+            </a:endParaRPr>
+          </a:p>
+        </p:txBody>
+      </p:sp>
+      <p:graphicFrame>
+        <p:nvGraphicFramePr>
+          <p:cNvPr id="18" name="表 17">
             <a:extLst>
               <a:ext uri="{FF2B5EF4-FFF2-40B4-BE49-F238E27FC236}">
-                <a16:creationId xmlns:a16="http://schemas.microsoft.com/office/drawing/2014/main" id="{7703E9CA-D482-789E-4B3A-776508857619}"/>
+                <a16:creationId xmlns:a16="http://schemas.microsoft.com/office/drawing/2014/main" id="{7CE0BE20-266D-3F69-28FA-184B8A394D34}"/>
               </a:ext>
             </a:extLst>
           </p:cNvPr>
-          <p:cNvSpPr txBox="1"/>
-          <p:nvPr/>
-        </p:nvSpPr>
-        <p:spPr>
-          <a:xfrm>
-            <a:off x="6612296" y="1520890"/>
-            <a:ext cx="3727239" cy="369332"/>
-          </a:xfrm>
-          <a:prstGeom prst="rect">
-            <a:avLst/>
-          </a:prstGeom>
-          <a:noFill/>
-        </p:spPr>
-        <p:txBody>
-          <a:bodyPr wrap="none" rtlCol="0">
-            <a:spAutoFit/>
-          </a:bodyPr>
-          <a:lstStyle/>
-          <a:p>
-            <a:pPr algn="l"/>
-            <a:r>
-              <a:rPr kumimoji="1" lang="ja-JP" altLang="en-US" dirty="0">
-                <a:latin typeface="メイリオ" panose="020B0604030504040204" pitchFamily="50" charset="-128"/>
-                <a:ea typeface="メイリオ" panose="020B0604030504040204" pitchFamily="50" charset="-128"/>
-              </a:rPr>
-              <a:t>２．以下の</a:t>
-            </a:r>
-            <a:r>
-              <a:rPr kumimoji="1" lang="en-US" altLang="ja-JP" dirty="0" err="1">
-                <a:latin typeface="メイリオ" panose="020B0604030504040204" pitchFamily="50" charset="-128"/>
-                <a:ea typeface="メイリオ" panose="020B0604030504040204" pitchFamily="50" charset="-128"/>
-              </a:rPr>
-              <a:t>dataframe</a:t>
-            </a:r>
-            <a:r>
-              <a:rPr kumimoji="1" lang="en-US" altLang="ja-JP" dirty="0">
-                <a:latin typeface="メイリオ" panose="020B0604030504040204" pitchFamily="50" charset="-128"/>
-                <a:ea typeface="メイリオ" panose="020B0604030504040204" pitchFamily="50" charset="-128"/>
-              </a:rPr>
-              <a:t> </a:t>
-            </a:r>
-            <a:r>
-              <a:rPr kumimoji="1" lang="ja-JP" altLang="en-US" dirty="0">
-                <a:latin typeface="メイリオ" panose="020B0604030504040204" pitchFamily="50" charset="-128"/>
-                <a:ea typeface="メイリオ" panose="020B0604030504040204" pitchFamily="50" charset="-128"/>
-              </a:rPr>
-              <a:t>を作成せよ</a:t>
-            </a:r>
-          </a:p>
-        </p:txBody>
-      </p:sp>
-      <p:sp>
-        <p:nvSpPr>
-          <p:cNvPr id="8" name="テキスト ボックス 7">
-            <a:extLst>
-              <a:ext uri="{FF2B5EF4-FFF2-40B4-BE49-F238E27FC236}">
-                <a16:creationId xmlns:a16="http://schemas.microsoft.com/office/drawing/2014/main" id="{E94D2C8A-6D10-812D-C0A3-62D294DA8A9A}"/>
-              </a:ext>
-            </a:extLst>
-          </p:cNvPr>
-          <p:cNvSpPr txBox="1"/>
-          <p:nvPr/>
-        </p:nvSpPr>
-        <p:spPr>
-          <a:xfrm>
-            <a:off x="7151914" y="2068286"/>
-            <a:ext cx="1976823" cy="369332"/>
-          </a:xfrm>
-          <a:prstGeom prst="rect">
-            <a:avLst/>
-          </a:prstGeom>
-          <a:noFill/>
-        </p:spPr>
-        <p:txBody>
-          <a:bodyPr wrap="none" rtlCol="0">
-            <a:spAutoFit/>
-          </a:bodyPr>
-          <a:lstStyle/>
-          <a:p>
-            <a:pPr algn="l"/>
-            <a:r>
-              <a:rPr kumimoji="1" lang="en-US" altLang="ja-JP" dirty="0">
-                <a:latin typeface="メイリオ" panose="020B0604030504040204" pitchFamily="50" charset="-128"/>
-                <a:ea typeface="メイリオ" panose="020B0604030504040204" pitchFamily="50" charset="-128"/>
-              </a:rPr>
-              <a:t>Index</a:t>
-            </a:r>
-            <a:r>
-              <a:rPr kumimoji="1" lang="ja-JP" altLang="en-US" dirty="0">
-                <a:latin typeface="メイリオ" panose="020B0604030504040204" pitchFamily="50" charset="-128"/>
-                <a:ea typeface="メイリオ" panose="020B0604030504040204" pitchFamily="50" charset="-128"/>
-              </a:rPr>
-              <a:t>は省略する</a:t>
-            </a:r>
-          </a:p>
-        </p:txBody>
-      </p:sp>
+          <p:cNvGraphicFramePr>
+            <a:graphicFrameLocks noGrp="1"/>
+          </p:cNvGraphicFramePr>
+          <p:nvPr>
+            <p:extLst>
+              <p:ext uri="{D42A27DB-BD31-4B8C-83A1-F6EECF244321}">
+                <p14:modId xmlns:p14="http://schemas.microsoft.com/office/powerpoint/2010/main" val="3270402595"/>
+              </p:ext>
+            </p:extLst>
+          </p:nvPr>
+        </p:nvGraphicFramePr>
+        <p:xfrm>
+          <a:off x="2197644" y="5192170"/>
+          <a:ext cx="2406135" cy="370840"/>
+        </p:xfrm>
+        <a:graphic>
+          <a:graphicData uri="http://schemas.openxmlformats.org/drawingml/2006/table">
+            <a:tbl>
+              <a:tblPr firstRow="1" bandRow="1">
+                <a:tableStyleId>{5940675A-B579-460E-94D1-54222C63F5DA}</a:tableStyleId>
+              </a:tblPr>
+              <a:tblGrid>
+                <a:gridCol w="481227">
+                  <a:extLst>
+                    <a:ext uri="{9D8B030D-6E8A-4147-A177-3AD203B41FA5}">
+                      <a16:colId xmlns:a16="http://schemas.microsoft.com/office/drawing/2014/main" val="3034272740"/>
+                    </a:ext>
+                  </a:extLst>
+                </a:gridCol>
+                <a:gridCol w="481227">
+                  <a:extLst>
+                    <a:ext uri="{9D8B030D-6E8A-4147-A177-3AD203B41FA5}">
+                      <a16:colId xmlns:a16="http://schemas.microsoft.com/office/drawing/2014/main" val="2123752603"/>
+                    </a:ext>
+                  </a:extLst>
+                </a:gridCol>
+                <a:gridCol w="481227">
+                  <a:extLst>
+                    <a:ext uri="{9D8B030D-6E8A-4147-A177-3AD203B41FA5}">
+                      <a16:colId xmlns:a16="http://schemas.microsoft.com/office/drawing/2014/main" val="3415653458"/>
+                    </a:ext>
+                  </a:extLst>
+                </a:gridCol>
+                <a:gridCol w="481227">
+                  <a:extLst>
+                    <a:ext uri="{9D8B030D-6E8A-4147-A177-3AD203B41FA5}">
+                      <a16:colId xmlns:a16="http://schemas.microsoft.com/office/drawing/2014/main" val="3366814763"/>
+                    </a:ext>
+                  </a:extLst>
+                </a:gridCol>
+                <a:gridCol w="481227">
+                  <a:extLst>
+                    <a:ext uri="{9D8B030D-6E8A-4147-A177-3AD203B41FA5}">
+                      <a16:colId xmlns:a16="http://schemas.microsoft.com/office/drawing/2014/main" val="389225763"/>
+                    </a:ext>
+                  </a:extLst>
+                </a:gridCol>
+              </a:tblGrid>
+              <a:tr h="370840">
+                <a:tc>
+                  <a:txBody>
+                    <a:bodyPr/>
+                    <a:lstStyle/>
+                    <a:p>
+                      <a:endParaRPr kumimoji="1" lang="ja-JP" altLang="en-US" dirty="0"/>
+                    </a:p>
+                  </a:txBody>
+                  <a:tcPr>
+                    <a:solidFill>
+                      <a:schemeClr val="accent4">
+                        <a:lumMod val="40000"/>
+                        <a:lumOff val="60000"/>
+                      </a:schemeClr>
+                    </a:solidFill>
+                  </a:tcPr>
+                </a:tc>
+                <a:tc>
+                  <a:txBody>
+                    <a:bodyPr/>
+                    <a:lstStyle/>
+                    <a:p>
+                      <a:endParaRPr kumimoji="1" lang="ja-JP" altLang="en-US"/>
+                    </a:p>
+                  </a:txBody>
+                  <a:tcPr>
+                    <a:solidFill>
+                      <a:schemeClr val="accent4">
+                        <a:lumMod val="40000"/>
+                        <a:lumOff val="60000"/>
+                      </a:schemeClr>
+                    </a:solidFill>
+                  </a:tcPr>
+                </a:tc>
+                <a:tc>
+                  <a:txBody>
+                    <a:bodyPr/>
+                    <a:lstStyle/>
+                    <a:p>
+                      <a:endParaRPr kumimoji="1" lang="ja-JP" altLang="en-US" dirty="0"/>
+                    </a:p>
+                  </a:txBody>
+                  <a:tcPr>
+                    <a:solidFill>
+                      <a:schemeClr val="accent4">
+                        <a:lumMod val="40000"/>
+                        <a:lumOff val="60000"/>
+                      </a:schemeClr>
+                    </a:solidFill>
+                  </a:tcPr>
+                </a:tc>
+                <a:tc>
+                  <a:txBody>
+                    <a:bodyPr/>
+                    <a:lstStyle/>
+                    <a:p>
+                      <a:endParaRPr kumimoji="1" lang="ja-JP" altLang="en-US" dirty="0"/>
+                    </a:p>
+                  </a:txBody>
+                  <a:tcPr>
+                    <a:solidFill>
+                      <a:schemeClr val="accent4">
+                        <a:lumMod val="40000"/>
+                        <a:lumOff val="60000"/>
+                      </a:schemeClr>
+                    </a:solidFill>
+                  </a:tcPr>
+                </a:tc>
+                <a:tc>
+                  <a:txBody>
+                    <a:bodyPr/>
+                    <a:lstStyle/>
+                    <a:p>
+                      <a:endParaRPr kumimoji="1" lang="ja-JP" altLang="en-US" dirty="0"/>
+                    </a:p>
+                  </a:txBody>
+                  <a:tcPr>
+                    <a:solidFill>
+                      <a:schemeClr val="accent4">
+                        <a:lumMod val="40000"/>
+                        <a:lumOff val="60000"/>
+                      </a:schemeClr>
+                    </a:solidFill>
+                  </a:tcPr>
+                </a:tc>
+                <a:extLst>
+                  <a:ext uri="{0D108BD9-81ED-4DB2-BD59-A6C34878D82A}">
+                    <a16:rowId xmlns:a16="http://schemas.microsoft.com/office/drawing/2014/main" val="4287702657"/>
+                  </a:ext>
+                </a:extLst>
+              </a:tr>
+            </a:tbl>
+          </a:graphicData>
+        </a:graphic>
+      </p:graphicFrame>
     </p:spTree>
     <p:extLst>
       <p:ext uri="{BB962C8B-B14F-4D97-AF65-F5344CB8AC3E}">
-        <p14:creationId xmlns:p14="http://schemas.microsoft.com/office/powerpoint/2010/main" val="1519254304"/>
+        <p14:creationId xmlns:p14="http://schemas.microsoft.com/office/powerpoint/2010/main" val="2641287236"/>
       </p:ext>
     </p:extLst>
   </p:cSld>
@@ -16707,7 +18370,7 @@
           <p:cNvPr id="2" name="テキスト ボックス 1">
             <a:extLst>
               <a:ext uri="{FF2B5EF4-FFF2-40B4-BE49-F238E27FC236}">
-                <a16:creationId xmlns:a16="http://schemas.microsoft.com/office/drawing/2014/main" id="{A2C675D6-283D-4E94-AF7D-2009559E58D6}"/>
+                <a16:creationId xmlns:a16="http://schemas.microsoft.com/office/drawing/2014/main" id="{31636062-3AA6-7FB9-ED86-60772D168310}"/>
               </a:ext>
             </a:extLst>
           </p:cNvPr>
@@ -16716,8 +18379,8 @@
         </p:nvSpPr>
         <p:spPr>
           <a:xfrm>
-            <a:off x="2599178" y="1569893"/>
-            <a:ext cx="8025414" cy="2308324"/>
+            <a:off x="373224" y="643812"/>
+            <a:ext cx="1005403" cy="584775"/>
           </a:xfrm>
           <a:prstGeom prst="rect">
             <a:avLst/>
@@ -16725,120 +18388,19 @@
           <a:noFill/>
         </p:spPr>
         <p:txBody>
-          <a:bodyPr wrap="square" rtlCol="0">
+          <a:bodyPr wrap="none" rtlCol="0">
             <a:spAutoFit/>
           </a:bodyPr>
           <a:lstStyle/>
           <a:p>
-            <a:r>
-              <a:rPr kumimoji="1" lang="en-US" altLang="ja-JP" sz="2400" dirty="0">
-                <a:latin typeface="メイリオ" panose="020B0604030504040204" pitchFamily="50" charset="-128"/>
-                <a:ea typeface="メイリオ" panose="020B0604030504040204" pitchFamily="50" charset="-128"/>
-              </a:rPr>
-              <a:t>&gt;&gt;&gt; </a:t>
-            </a:r>
-            <a:r>
-              <a:rPr kumimoji="1" lang="en-US" altLang="ja-JP" sz="2400" dirty="0" err="1">
-                <a:latin typeface="メイリオ" panose="020B0604030504040204" pitchFamily="50" charset="-128"/>
-                <a:ea typeface="メイリオ" panose="020B0604030504040204" pitchFamily="50" charset="-128"/>
-              </a:rPr>
-              <a:t>df</a:t>
-            </a:r>
-            <a:endParaRPr kumimoji="1" lang="en-US" altLang="ja-JP" sz="2400" dirty="0">
-              <a:latin typeface="メイリオ" panose="020B0604030504040204" pitchFamily="50" charset="-128"/>
-              <a:ea typeface="メイリオ" panose="020B0604030504040204" pitchFamily="50" charset="-128"/>
-            </a:endParaRPr>
-          </a:p>
-          <a:p>
-            <a:r>
-              <a:rPr kumimoji="1" lang="en-US" altLang="ja-JP" sz="2400" dirty="0">
-                <a:latin typeface="メイリオ" panose="020B0604030504040204" pitchFamily="50" charset="-128"/>
-                <a:ea typeface="メイリオ" panose="020B0604030504040204" pitchFamily="50" charset="-128"/>
-              </a:rPr>
-              <a:t>       ID     City     Birth Year    Name</a:t>
-            </a:r>
-          </a:p>
-          <a:p>
-            <a:r>
-              <a:rPr kumimoji="1" lang="en-US" altLang="ja-JP" sz="2400" dirty="0">
-                <a:latin typeface="メイリオ" panose="020B0604030504040204" pitchFamily="50" charset="-128"/>
-                <a:ea typeface="メイリオ" panose="020B0604030504040204" pitchFamily="50" charset="-128"/>
-              </a:rPr>
-              <a:t>0  [[100  </a:t>
-            </a:r>
-            <a:r>
-              <a:rPr kumimoji="1" lang="en-US" altLang="ja-JP" sz="2400" dirty="0" err="1">
-                <a:latin typeface="メイリオ" panose="020B0604030504040204" pitchFamily="50" charset="-128"/>
-                <a:ea typeface="メイリオ" panose="020B0604030504040204" pitchFamily="50" charset="-128"/>
-              </a:rPr>
-              <a:t>tokyo</a:t>
-            </a:r>
-            <a:r>
-              <a:rPr kumimoji="1" lang="en-US" altLang="ja-JP" sz="2400" dirty="0">
-                <a:latin typeface="メイリオ" panose="020B0604030504040204" pitchFamily="50" charset="-128"/>
-                <a:ea typeface="メイリオ" panose="020B0604030504040204" pitchFamily="50" charset="-128"/>
-              </a:rPr>
-              <a:t>        1990     Hiroshi]</a:t>
-            </a:r>
-          </a:p>
-          <a:p>
-            <a:r>
-              <a:rPr kumimoji="1" lang="en-US" altLang="ja-JP" sz="2400" dirty="0">
-                <a:latin typeface="メイリオ" panose="020B0604030504040204" pitchFamily="50" charset="-128"/>
-                <a:ea typeface="メイリオ" panose="020B0604030504040204" pitchFamily="50" charset="-128"/>
-              </a:rPr>
-              <a:t>1   [101  </a:t>
-            </a:r>
-            <a:r>
-              <a:rPr kumimoji="1" lang="en-US" altLang="ja-JP" sz="2400" dirty="0" err="1">
-                <a:latin typeface="メイリオ" panose="020B0604030504040204" pitchFamily="50" charset="-128"/>
-                <a:ea typeface="メイリオ" panose="020B0604030504040204" pitchFamily="50" charset="-128"/>
-              </a:rPr>
-              <a:t>osaka</a:t>
-            </a:r>
-            <a:r>
-              <a:rPr kumimoji="1" lang="en-US" altLang="ja-JP" sz="2400" dirty="0">
-                <a:latin typeface="メイリオ" panose="020B0604030504040204" pitchFamily="50" charset="-128"/>
-                <a:ea typeface="メイリオ" panose="020B0604030504040204" pitchFamily="50" charset="-128"/>
-              </a:rPr>
-              <a:t>        1989       Akiko]</a:t>
-            </a:r>
-          </a:p>
-          <a:p>
-            <a:r>
-              <a:rPr kumimoji="1" lang="en-US" altLang="ja-JP" sz="2400" dirty="0">
-                <a:latin typeface="メイリオ" panose="020B0604030504040204" pitchFamily="50" charset="-128"/>
-                <a:ea typeface="メイリオ" panose="020B0604030504040204" pitchFamily="50" charset="-128"/>
-              </a:rPr>
-              <a:t>2   [102  Kyoto        1997     Satoru]</a:t>
-            </a:r>
-          </a:p>
-          <a:p>
-            <a:r>
-              <a:rPr kumimoji="1" lang="en-US" altLang="ja-JP" sz="2400" dirty="0">
-                <a:latin typeface="メイリオ" panose="020B0604030504040204" pitchFamily="50" charset="-128"/>
-                <a:ea typeface="メイリオ" panose="020B0604030504040204" pitchFamily="50" charset="-128"/>
-              </a:rPr>
-              <a:t>3   [104  </a:t>
-            </a:r>
-            <a:r>
-              <a:rPr kumimoji="1" lang="en-US" altLang="ja-JP" sz="2400" dirty="0" err="1">
-                <a:latin typeface="メイリオ" panose="020B0604030504040204" pitchFamily="50" charset="-128"/>
-                <a:ea typeface="メイリオ" panose="020B0604030504040204" pitchFamily="50" charset="-128"/>
-              </a:rPr>
-              <a:t>tokyo</a:t>
-            </a:r>
-            <a:r>
-              <a:rPr kumimoji="1" lang="en-US" altLang="ja-JP" sz="2400" dirty="0">
-                <a:latin typeface="メイリオ" panose="020B0604030504040204" pitchFamily="50" charset="-128"/>
-                <a:ea typeface="メイリオ" panose="020B0604030504040204" pitchFamily="50" charset="-128"/>
-              </a:rPr>
-              <a:t>        1982        Steve]]</a:t>
-            </a:r>
-            <a:endParaRPr kumimoji="1" lang="ja-JP" altLang="en-US" sz="2400" dirty="0">
-              <a:latin typeface="メイリオ" panose="020B0604030504040204" pitchFamily="50" charset="-128"/>
-              <a:ea typeface="メイリオ" panose="020B0604030504040204" pitchFamily="50" charset="-128"/>
-            </a:endParaRPr>
+            <a:pPr algn="l"/>
+            <a:r>
+              <a:rPr kumimoji="1" lang="ja-JP" altLang="en-US" sz="3200" dirty="0">
+                <a:latin typeface="メイリオ" panose="020B0604030504040204" pitchFamily="50" charset="-128"/>
+                <a:ea typeface="メイリオ" panose="020B0604030504040204" pitchFamily="50" charset="-128"/>
+              </a:rPr>
+              <a:t>演習</a:t>
+            </a:r>
           </a:p>
         </p:txBody>
       </p:sp>
@@ -16847,7 +18409,7 @@
           <p:cNvPr id="3" name="テキスト ボックス 2">
             <a:extLst>
               <a:ext uri="{FF2B5EF4-FFF2-40B4-BE49-F238E27FC236}">
-                <a16:creationId xmlns:a16="http://schemas.microsoft.com/office/drawing/2014/main" id="{16299383-4AAF-4560-B81C-ED1EBFD350E4}"/>
+                <a16:creationId xmlns:a16="http://schemas.microsoft.com/office/drawing/2014/main" id="{C99D7C1D-3ABA-CA44-B834-9D1618FD7753}"/>
               </a:ext>
             </a:extLst>
           </p:cNvPr>
@@ -16856,8 +18418,8 @@
         </p:nvSpPr>
         <p:spPr>
           <a:xfrm>
-            <a:off x="1029810" y="497149"/>
-            <a:ext cx="10268388" cy="523220"/>
+            <a:off x="681134" y="1619091"/>
+            <a:ext cx="4898572" cy="4801314"/>
           </a:xfrm>
           <a:prstGeom prst="rect">
             <a:avLst/>
@@ -16865,122 +18427,130 @@
           <a:noFill/>
         </p:spPr>
         <p:txBody>
-          <a:bodyPr wrap="none" rtlCol="0">
+          <a:bodyPr wrap="square" rtlCol="0">
             <a:spAutoFit/>
           </a:bodyPr>
           <a:lstStyle/>
           <a:p>
+            <a:r>
+              <a:rPr lang="ja-JP" altLang="en-US" dirty="0"/>
+              <a:t>以下のループの各回で計算される </a:t>
+            </a:r>
+            <a:r>
+              <a:rPr lang="en-US" altLang="ja-JP" dirty="0"/>
+              <a:t>b, a </a:t>
+            </a:r>
+            <a:r>
+              <a:rPr lang="ja-JP" altLang="en-US" dirty="0"/>
+              <a:t>を書きのような</a:t>
+            </a:r>
+            <a:r>
+              <a:rPr lang="en-US" altLang="ja-JP" dirty="0" err="1"/>
+              <a:t>DataFrame</a:t>
+            </a:r>
+            <a:r>
+              <a:rPr lang="ja-JP" altLang="en-US" dirty="0"/>
+              <a:t>にして表示せよ</a:t>
+            </a:r>
+          </a:p>
+          <a:p>
+            <a:endParaRPr lang="ja-JP" altLang="en-US" dirty="0"/>
+          </a:p>
+          <a:p>
+            <a:r>
+              <a:rPr lang="en-US" altLang="ja-JP" dirty="0"/>
+              <a:t>for a in range(100):</a:t>
+            </a:r>
+          </a:p>
+          <a:p>
+            <a:r>
+              <a:rPr lang="en-US" altLang="ja-JP" dirty="0"/>
+              <a:t>    b = a**</a:t>
+            </a:r>
+          </a:p>
+          <a:p>
+            <a:endParaRPr lang="en-US" altLang="ja-JP" dirty="0"/>
+          </a:p>
+          <a:p>
+            <a:r>
+              <a:rPr lang="en-US" altLang="ja-JP" dirty="0"/>
+              <a:t>b, a </a:t>
+            </a:r>
+            <a:r>
+              <a:rPr lang="ja-JP" altLang="en-US" dirty="0"/>
+              <a:t>を列見出しとする</a:t>
+            </a:r>
+          </a:p>
+          <a:p>
+            <a:endParaRPr lang="ja-JP" altLang="en-US" dirty="0"/>
+          </a:p>
+          <a:p>
+            <a:r>
+              <a:rPr lang="ja-JP" altLang="en-US" dirty="0"/>
+              <a:t>       </a:t>
+            </a:r>
+            <a:r>
+              <a:rPr lang="en-US" altLang="ja-JP" dirty="0"/>
+              <a:t>b  a</a:t>
+            </a:r>
+          </a:p>
+          <a:p>
+            <a:r>
+              <a:rPr lang="en-US" altLang="ja-JP" dirty="0"/>
+              <a:t>0     0  0</a:t>
+            </a:r>
+          </a:p>
+          <a:p>
+            <a:r>
+              <a:rPr lang="en-US" altLang="ja-JP" dirty="0"/>
+              <a:t>1     1  1</a:t>
+            </a:r>
+          </a:p>
+          <a:p>
+            <a:r>
+              <a:rPr lang="en-US" altLang="ja-JP" dirty="0"/>
+              <a:t>2     2  4</a:t>
+            </a:r>
+          </a:p>
+          <a:p>
+            <a:r>
+              <a:rPr lang="en-US" altLang="ja-JP" dirty="0"/>
+              <a:t>3     3  9</a:t>
+            </a:r>
+          </a:p>
+          <a:p>
+            <a:r>
+              <a:rPr lang="en-US" altLang="ja-JP" dirty="0"/>
+              <a:t>4     4  16</a:t>
+            </a:r>
+          </a:p>
+          <a:p>
+            <a:r>
+              <a:rPr lang="en-US" altLang="ja-JP" dirty="0"/>
+              <a:t>5     5   25</a:t>
+            </a:r>
+          </a:p>
+          <a:p>
+            <a:r>
+              <a:rPr lang="en-US" altLang="ja-JP" dirty="0"/>
+              <a:t>6     6   36</a:t>
+            </a:r>
+          </a:p>
+          <a:p>
             <a:pPr algn="l"/>
-            <a:r>
-              <a:rPr kumimoji="1" lang="ja-JP" altLang="en-US" sz="2800" dirty="0">
-                <a:latin typeface="メイリオ" panose="020B0604030504040204" pitchFamily="50" charset="-128"/>
-                <a:ea typeface="メイリオ" panose="020B0604030504040204" pitchFamily="50" charset="-128"/>
-              </a:rPr>
-              <a:t>実は、</a:t>
-            </a:r>
-            <a:r>
-              <a:rPr kumimoji="1" lang="en-US" altLang="ja-JP" sz="2800" dirty="0" err="1">
-                <a:latin typeface="メイリオ" panose="020B0604030504040204" pitchFamily="50" charset="-128"/>
-                <a:ea typeface="メイリオ" panose="020B0604030504040204" pitchFamily="50" charset="-128"/>
-              </a:rPr>
-              <a:t>DataFrame</a:t>
-            </a:r>
-            <a:r>
-              <a:rPr kumimoji="1" lang="ja-JP" altLang="en-US" sz="2800" dirty="0">
-                <a:latin typeface="メイリオ" panose="020B0604030504040204" pitchFamily="50" charset="-128"/>
-                <a:ea typeface="メイリオ" panose="020B0604030504040204" pitchFamily="50" charset="-128"/>
-              </a:rPr>
-              <a:t>は</a:t>
-            </a:r>
-            <a:r>
-              <a:rPr kumimoji="1" lang="en-US" altLang="ja-JP" sz="2800" dirty="0">
-                <a:latin typeface="メイリオ" panose="020B0604030504040204" pitchFamily="50" charset="-128"/>
-                <a:ea typeface="メイリオ" panose="020B0604030504040204" pitchFamily="50" charset="-128"/>
-              </a:rPr>
-              <a:t>columns, index</a:t>
-            </a:r>
-            <a:r>
-              <a:rPr kumimoji="1" lang="ja-JP" altLang="en-US" sz="2800" dirty="0">
-                <a:latin typeface="メイリオ" panose="020B0604030504040204" pitchFamily="50" charset="-128"/>
-                <a:ea typeface="メイリオ" panose="020B0604030504040204" pitchFamily="50" charset="-128"/>
-              </a:rPr>
-              <a:t>を取り除くと</a:t>
-            </a:r>
-            <a:r>
-              <a:rPr kumimoji="1" lang="en-US" altLang="ja-JP" sz="2800" dirty="0" err="1">
-                <a:latin typeface="メイリオ" panose="020B0604030504040204" pitchFamily="50" charset="-128"/>
-                <a:ea typeface="メイリオ" panose="020B0604030504040204" pitchFamily="50" charset="-128"/>
-              </a:rPr>
-              <a:t>numpy</a:t>
-            </a:r>
-            <a:r>
-              <a:rPr kumimoji="1" lang="ja-JP" altLang="en-US" sz="2800" dirty="0">
-                <a:latin typeface="メイリオ" panose="020B0604030504040204" pitchFamily="50" charset="-128"/>
-                <a:ea typeface="メイリオ" panose="020B0604030504040204" pitchFamily="50" charset="-128"/>
-              </a:rPr>
-              <a:t>配列</a:t>
-            </a:r>
-          </a:p>
-        </p:txBody>
-      </p:sp>
-      <p:sp>
-        <p:nvSpPr>
-          <p:cNvPr id="4" name="正方形/長方形 3">
+            <a:endParaRPr kumimoji="1" lang="ja-JP" altLang="en-US" dirty="0">
+              <a:latin typeface="メイリオ" panose="020B0604030504040204" pitchFamily="50" charset="-128"/>
+              <a:ea typeface="メイリオ" panose="020B0604030504040204" pitchFamily="50" charset="-128"/>
+            </a:endParaRPr>
+          </a:p>
+        </p:txBody>
+      </p:sp>
+      <p:sp>
+        <p:nvSpPr>
+          <p:cNvPr id="4" name="テキスト ボックス 3">
             <a:extLst>
               <a:ext uri="{FF2B5EF4-FFF2-40B4-BE49-F238E27FC236}">
-                <a16:creationId xmlns:a16="http://schemas.microsoft.com/office/drawing/2014/main" id="{0D4C7EB0-CFB6-4D2F-B20E-AB86100DD9D7}"/>
-              </a:ext>
-            </a:extLst>
-          </p:cNvPr>
-          <p:cNvSpPr/>
-          <p:nvPr/>
-        </p:nvSpPr>
-        <p:spPr>
-          <a:xfrm>
-            <a:off x="3009530" y="2263806"/>
-            <a:ext cx="5450889" cy="1589103"/>
-          </a:xfrm>
-          <a:prstGeom prst="rect">
-            <a:avLst/>
-          </a:prstGeom>
-          <a:noFill/>
-          <a:ln>
-            <a:solidFill>
-              <a:srgbClr val="FF0000"/>
-            </a:solidFill>
-          </a:ln>
-        </p:spPr>
-        <p:style>
-          <a:lnRef idx="2">
-            <a:schemeClr val="accent1">
-              <a:shade val="50000"/>
-            </a:schemeClr>
-          </a:lnRef>
-          <a:fillRef idx="1">
-            <a:schemeClr val="accent1"/>
-          </a:fillRef>
-          <a:effectRef idx="0">
-            <a:schemeClr val="accent1"/>
-          </a:effectRef>
-          <a:fontRef idx="minor">
-            <a:schemeClr val="lt1"/>
-          </a:fontRef>
-        </p:style>
-        <p:txBody>
-          <a:bodyPr rtlCol="0" anchor="ctr"/>
-          <a:lstStyle/>
-          <a:p>
-            <a:pPr algn="ctr"/>
-            <a:endParaRPr kumimoji="1" lang="ja-JP" altLang="en-US"/>
-          </a:p>
-        </p:txBody>
-      </p:sp>
-      <p:sp>
-        <p:nvSpPr>
-          <p:cNvPr id="5" name="テキスト ボックス 4">
-            <a:extLst>
-              <a:ext uri="{FF2B5EF4-FFF2-40B4-BE49-F238E27FC236}">
-                <a16:creationId xmlns:a16="http://schemas.microsoft.com/office/drawing/2014/main" id="{FA15D0F3-BCFE-4222-B5AF-56ED496157A4}"/>
+                <a16:creationId xmlns:a16="http://schemas.microsoft.com/office/drawing/2014/main" id="{66C56D3F-1091-680A-6FBA-A3D4C5FF125A}"/>
               </a:ext>
             </a:extLst>
           </p:cNvPr>
@@ -16989,8 +18559,8 @@
         </p:nvSpPr>
         <p:spPr>
           <a:xfrm>
-            <a:off x="2885243" y="4577608"/>
-            <a:ext cx="1885003" cy="369332"/>
+            <a:off x="6904653" y="2631234"/>
+            <a:ext cx="4227247" cy="1754326"/>
           </a:xfrm>
           <a:prstGeom prst="rect">
             <a:avLst/>
@@ -17005,18 +18575,187 @@
           <a:p>
             <a:pPr algn="l"/>
             <a:r>
+              <a:rPr kumimoji="1" lang="en-US" altLang="ja-JP" dirty="0">
+                <a:latin typeface="メイリオ" panose="020B0604030504040204" pitchFamily="50" charset="-128"/>
+                <a:ea typeface="メイリオ" panose="020B0604030504040204" pitchFamily="50" charset="-128"/>
+              </a:rPr>
+              <a:t>ID      City </a:t>
+            </a:r>
+            <a:r>
               <a:rPr kumimoji="1" lang="ja-JP" altLang="en-US" dirty="0">
                 <a:latin typeface="メイリオ" panose="020B0604030504040204" pitchFamily="50" charset="-128"/>
                 <a:ea typeface="メイリオ" panose="020B0604030504040204" pitchFamily="50" charset="-128"/>
               </a:rPr>
-              <a:t>赤枠内は</a:t>
+              <a:t>　</a:t>
+            </a:r>
+            <a:r>
+              <a:rPr kumimoji="1" lang="en-US" altLang="ja-JP" dirty="0">
+                <a:latin typeface="メイリオ" panose="020B0604030504040204" pitchFamily="50" charset="-128"/>
+                <a:ea typeface="メイリオ" panose="020B0604030504040204" pitchFamily="50" charset="-128"/>
+              </a:rPr>
+              <a:t>Birth Year      Name</a:t>
+            </a:r>
+          </a:p>
+          <a:p>
+            <a:pPr algn="l"/>
+            <a:r>
+              <a:rPr kumimoji="1" lang="en-US" altLang="ja-JP" dirty="0">
+                <a:latin typeface="メイリオ" panose="020B0604030504040204" pitchFamily="50" charset="-128"/>
+                <a:ea typeface="メイリオ" panose="020B0604030504040204" pitchFamily="50" charset="-128"/>
+              </a:rPr>
+              <a:t>  100     </a:t>
             </a:r>
             <a:r>
               <a:rPr kumimoji="1" lang="en-US" altLang="ja-JP" dirty="0" err="1">
                 <a:latin typeface="メイリオ" panose="020B0604030504040204" pitchFamily="50" charset="-128"/>
                 <a:ea typeface="メイリオ" panose="020B0604030504040204" pitchFamily="50" charset="-128"/>
               </a:rPr>
-              <a:t>numpy</a:t>
+              <a:t>tokyo</a:t>
+            </a:r>
+            <a:r>
+              <a:rPr kumimoji="1" lang="en-US" altLang="ja-JP" dirty="0">
+                <a:latin typeface="メイリオ" panose="020B0604030504040204" pitchFamily="50" charset="-128"/>
+                <a:ea typeface="メイリオ" panose="020B0604030504040204" pitchFamily="50" charset="-128"/>
+              </a:rPr>
+              <a:t>       1990 </a:t>
+            </a:r>
+            <a:r>
+              <a:rPr kumimoji="1" lang="ja-JP" altLang="en-US" dirty="0">
+                <a:latin typeface="メイリオ" panose="020B0604030504040204" pitchFamily="50" charset="-128"/>
+                <a:ea typeface="メイリオ" panose="020B0604030504040204" pitchFamily="50" charset="-128"/>
+              </a:rPr>
+              <a:t>　   </a:t>
+            </a:r>
+            <a:r>
+              <a:rPr kumimoji="1" lang="en-US" altLang="ja-JP" dirty="0">
+                <a:latin typeface="メイリオ" panose="020B0604030504040204" pitchFamily="50" charset="-128"/>
+                <a:ea typeface="メイリオ" panose="020B0604030504040204" pitchFamily="50" charset="-128"/>
+              </a:rPr>
+              <a:t>Hiroshi</a:t>
+            </a:r>
+          </a:p>
+          <a:p>
+            <a:pPr algn="l"/>
+            <a:r>
+              <a:rPr kumimoji="1" lang="en-US" altLang="ja-JP" dirty="0">
+                <a:latin typeface="メイリオ" panose="020B0604030504040204" pitchFamily="50" charset="-128"/>
+                <a:ea typeface="メイリオ" panose="020B0604030504040204" pitchFamily="50" charset="-128"/>
+              </a:rPr>
+              <a:t>  101     </a:t>
+            </a:r>
+            <a:r>
+              <a:rPr kumimoji="1" lang="en-US" altLang="ja-JP" dirty="0" err="1">
+                <a:latin typeface="メイリオ" panose="020B0604030504040204" pitchFamily="50" charset="-128"/>
+                <a:ea typeface="メイリオ" panose="020B0604030504040204" pitchFamily="50" charset="-128"/>
+              </a:rPr>
+              <a:t>osaka</a:t>
+            </a:r>
+            <a:r>
+              <a:rPr kumimoji="1" lang="en-US" altLang="ja-JP" dirty="0">
+                <a:latin typeface="メイリオ" panose="020B0604030504040204" pitchFamily="50" charset="-128"/>
+                <a:ea typeface="メイリオ" panose="020B0604030504040204" pitchFamily="50" charset="-128"/>
+              </a:rPr>
+              <a:t>       1989   </a:t>
+            </a:r>
+            <a:r>
+              <a:rPr kumimoji="1" lang="ja-JP" altLang="en-US" dirty="0">
+                <a:latin typeface="メイリオ" panose="020B0604030504040204" pitchFamily="50" charset="-128"/>
+                <a:ea typeface="メイリオ" panose="020B0604030504040204" pitchFamily="50" charset="-128"/>
+              </a:rPr>
+              <a:t>　 </a:t>
+            </a:r>
+            <a:r>
+              <a:rPr kumimoji="1" lang="en-US" altLang="ja-JP" dirty="0">
+                <a:latin typeface="メイリオ" panose="020B0604030504040204" pitchFamily="50" charset="-128"/>
+                <a:ea typeface="メイリオ" panose="020B0604030504040204" pitchFamily="50" charset="-128"/>
+              </a:rPr>
+              <a:t>Akiko</a:t>
+            </a:r>
+          </a:p>
+          <a:p>
+            <a:pPr algn="l"/>
+            <a:r>
+              <a:rPr kumimoji="1" lang="en-US" altLang="ja-JP" dirty="0">
+                <a:latin typeface="メイリオ" panose="020B0604030504040204" pitchFamily="50" charset="-128"/>
+                <a:ea typeface="メイリオ" panose="020B0604030504040204" pitchFamily="50" charset="-128"/>
+              </a:rPr>
+              <a:t>  102     </a:t>
+            </a:r>
+            <a:r>
+              <a:rPr kumimoji="1" lang="en-US" altLang="ja-JP" dirty="0" err="1">
+                <a:latin typeface="メイリオ" panose="020B0604030504040204" pitchFamily="50" charset="-128"/>
+                <a:ea typeface="メイリオ" panose="020B0604030504040204" pitchFamily="50" charset="-128"/>
+              </a:rPr>
+              <a:t>kyoto</a:t>
+            </a:r>
+            <a:r>
+              <a:rPr kumimoji="1" lang="en-US" altLang="ja-JP" dirty="0">
+                <a:latin typeface="メイリオ" panose="020B0604030504040204" pitchFamily="50" charset="-128"/>
+                <a:ea typeface="メイリオ" panose="020B0604030504040204" pitchFamily="50" charset="-128"/>
+              </a:rPr>
+              <a:t>       1992       Yuki</a:t>
+            </a:r>
+          </a:p>
+          <a:p>
+            <a:pPr algn="l"/>
+            <a:r>
+              <a:rPr kumimoji="1" lang="en-US" altLang="ja-JP" dirty="0">
+                <a:latin typeface="メイリオ" panose="020B0604030504040204" pitchFamily="50" charset="-128"/>
+                <a:ea typeface="メイリオ" panose="020B0604030504040204" pitchFamily="50" charset="-128"/>
+              </a:rPr>
+              <a:t>  103  </a:t>
+            </a:r>
+            <a:r>
+              <a:rPr kumimoji="1" lang="en-US" altLang="ja-JP" dirty="0" err="1">
+                <a:latin typeface="メイリオ" panose="020B0604030504040204" pitchFamily="50" charset="-128"/>
+                <a:ea typeface="メイリオ" panose="020B0604030504040204" pitchFamily="50" charset="-128"/>
+              </a:rPr>
+              <a:t>hokkaido</a:t>
+            </a:r>
+            <a:r>
+              <a:rPr kumimoji="1" lang="en-US" altLang="ja-JP" dirty="0">
+                <a:latin typeface="メイリオ" panose="020B0604030504040204" pitchFamily="50" charset="-128"/>
+                <a:ea typeface="メイリオ" panose="020B0604030504040204" pitchFamily="50" charset="-128"/>
+              </a:rPr>
+              <a:t>     1997   </a:t>
+            </a:r>
+            <a:r>
+              <a:rPr kumimoji="1" lang="ja-JP" altLang="en-US" dirty="0">
+                <a:latin typeface="メイリオ" panose="020B0604030504040204" pitchFamily="50" charset="-128"/>
+                <a:ea typeface="メイリオ" panose="020B0604030504040204" pitchFamily="50" charset="-128"/>
+              </a:rPr>
+              <a:t>　 </a:t>
+            </a:r>
+            <a:r>
+              <a:rPr kumimoji="1" lang="en-US" altLang="ja-JP" dirty="0">
+                <a:latin typeface="メイリオ" panose="020B0604030504040204" pitchFamily="50" charset="-128"/>
+                <a:ea typeface="メイリオ" panose="020B0604030504040204" pitchFamily="50" charset="-128"/>
+              </a:rPr>
+              <a:t>Satoru</a:t>
+            </a:r>
+          </a:p>
+          <a:p>
+            <a:pPr algn="l"/>
+            <a:r>
+              <a:rPr kumimoji="1" lang="en-US" altLang="ja-JP" dirty="0">
+                <a:latin typeface="メイリオ" panose="020B0604030504040204" pitchFamily="50" charset="-128"/>
+                <a:ea typeface="メイリオ" panose="020B0604030504040204" pitchFamily="50" charset="-128"/>
+              </a:rPr>
+              <a:t>  104     </a:t>
+            </a:r>
+            <a:r>
+              <a:rPr kumimoji="1" lang="en-US" altLang="ja-JP" dirty="0" err="1">
+                <a:latin typeface="メイリオ" panose="020B0604030504040204" pitchFamily="50" charset="-128"/>
+                <a:ea typeface="メイリオ" panose="020B0604030504040204" pitchFamily="50" charset="-128"/>
+              </a:rPr>
+              <a:t>tokyo</a:t>
+            </a:r>
+            <a:r>
+              <a:rPr kumimoji="1" lang="en-US" altLang="ja-JP" dirty="0">
+                <a:latin typeface="メイリオ" panose="020B0604030504040204" pitchFamily="50" charset="-128"/>
+                <a:ea typeface="メイリオ" panose="020B0604030504040204" pitchFamily="50" charset="-128"/>
+              </a:rPr>
+              <a:t>       1982       Steve</a:t>
             </a:r>
             <a:endParaRPr kumimoji="1" lang="ja-JP" altLang="en-US" dirty="0">
               <a:latin typeface="メイリオ" panose="020B0604030504040204" pitchFamily="50" charset="-128"/>
@@ -17027,10 +18766,10 @@
       </p:sp>
       <p:sp>
         <p:nvSpPr>
-          <p:cNvPr id="6" name="テキスト ボックス 5">
+          <p:cNvPr id="5" name="テキスト ボックス 4">
             <a:extLst>
               <a:ext uri="{FF2B5EF4-FFF2-40B4-BE49-F238E27FC236}">
-                <a16:creationId xmlns:a16="http://schemas.microsoft.com/office/drawing/2014/main" id="{D5D92210-83B0-468B-8558-DB620D7AC85B}"/>
+                <a16:creationId xmlns:a16="http://schemas.microsoft.com/office/drawing/2014/main" id="{10590A82-63CF-956A-16FC-4D0814DF6B49}"/>
               </a:ext>
             </a:extLst>
           </p:cNvPr>
@@ -17039,8 +18778,8 @@
         </p:nvSpPr>
         <p:spPr>
           <a:xfrm>
-            <a:off x="4736667" y="4582146"/>
-            <a:ext cx="4226991" cy="369332"/>
+            <a:off x="940045" y="6120882"/>
+            <a:ext cx="877163" cy="369332"/>
           </a:xfrm>
           <a:prstGeom prst="rect">
             <a:avLst/>
@@ -17055,49 +18794,21 @@
           <a:p>
             <a:pPr algn="l"/>
             <a:r>
-              <a:rPr kumimoji="1" lang="en-US" altLang="ja-JP" dirty="0" err="1">
-                <a:latin typeface="メイリオ" panose="020B0604030504040204" pitchFamily="50" charset="-128"/>
-                <a:ea typeface="メイリオ" panose="020B0604030504040204" pitchFamily="50" charset="-128"/>
-              </a:rPr>
-              <a:t>val</a:t>
-            </a:r>
-            <a:r>
-              <a:rPr kumimoji="1" lang="en-US" altLang="ja-JP" dirty="0">
-                <a:latin typeface="メイリオ" panose="020B0604030504040204" pitchFamily="50" charset="-128"/>
-                <a:ea typeface="メイリオ" panose="020B0604030504040204" pitchFamily="50" charset="-128"/>
-              </a:rPr>
-              <a:t> = </a:t>
-            </a:r>
-            <a:r>
-              <a:rPr kumimoji="1" lang="en-US" altLang="ja-JP" dirty="0" err="1">
-                <a:latin typeface="メイリオ" panose="020B0604030504040204" pitchFamily="50" charset="-128"/>
-                <a:ea typeface="メイリオ" panose="020B0604030504040204" pitchFamily="50" charset="-128"/>
-              </a:rPr>
-              <a:t>df.values</a:t>
-            </a:r>
-            <a:r>
-              <a:rPr kumimoji="1" lang="en-US" altLang="ja-JP" dirty="0">
-                <a:latin typeface="メイリオ" panose="020B0604030504040204" pitchFamily="50" charset="-128"/>
-                <a:ea typeface="メイリオ" panose="020B0604030504040204" pitchFamily="50" charset="-128"/>
-              </a:rPr>
-              <a:t> </a:t>
-            </a:r>
-            <a:r>
               <a:rPr kumimoji="1" lang="ja-JP" altLang="en-US" dirty="0">
                 <a:latin typeface="メイリオ" panose="020B0604030504040204" pitchFamily="50" charset="-128"/>
                 <a:ea typeface="メイリオ" panose="020B0604030504040204" pitchFamily="50" charset="-128"/>
               </a:rPr>
-              <a:t>ってやると取り出せる</a:t>
-            </a:r>
-          </a:p>
-        </p:txBody>
-      </p:sp>
-      <p:sp>
-        <p:nvSpPr>
-          <p:cNvPr id="7" name="テキスト ボックス 6">
+              <a:t>・・・</a:t>
+            </a:r>
+          </a:p>
+        </p:txBody>
+      </p:sp>
+      <p:sp>
+        <p:nvSpPr>
+          <p:cNvPr id="6" name="テキスト ボックス 5">
             <a:extLst>
               <a:ext uri="{FF2B5EF4-FFF2-40B4-BE49-F238E27FC236}">
-                <a16:creationId xmlns:a16="http://schemas.microsoft.com/office/drawing/2014/main" id="{4FA0947E-B1F8-4237-97AD-857C640AAF1F}"/>
+                <a16:creationId xmlns:a16="http://schemas.microsoft.com/office/drawing/2014/main" id="{2916D9C4-0981-4E51-1218-ACBE04260034}"/>
               </a:ext>
             </a:extLst>
           </p:cNvPr>
@@ -17106,8 +18817,8 @@
         </p:nvSpPr>
         <p:spPr>
           <a:xfrm>
-            <a:off x="3882596" y="5056333"/>
-            <a:ext cx="3483069" cy="369332"/>
+            <a:off x="293714" y="1619091"/>
+            <a:ext cx="646331" cy="369332"/>
           </a:xfrm>
           <a:prstGeom prst="rect">
             <a:avLst/>
@@ -17126,49 +18837,17 @@
                 <a:latin typeface="メイリオ" panose="020B0604030504040204" pitchFamily="50" charset="-128"/>
                 <a:ea typeface="メイリオ" panose="020B0604030504040204" pitchFamily="50" charset="-128"/>
               </a:rPr>
-              <a:t>変数名 </a:t>
-            </a:r>
-            <a:r>
-              <a:rPr kumimoji="1" lang="en-US" altLang="ja-JP" dirty="0">
-                <a:latin typeface="メイリオ" panose="020B0604030504040204" pitchFamily="50" charset="-128"/>
-                <a:ea typeface="メイリオ" panose="020B0604030504040204" pitchFamily="50" charset="-128"/>
-              </a:rPr>
-              <a:t>= </a:t>
-            </a:r>
-            <a:r>
-              <a:rPr kumimoji="1" lang="en-US" altLang="ja-JP" dirty="0" err="1">
-                <a:latin typeface="メイリオ" panose="020B0604030504040204" pitchFamily="50" charset="-128"/>
-                <a:ea typeface="メイリオ" panose="020B0604030504040204" pitchFamily="50" charset="-128"/>
-              </a:rPr>
-              <a:t>DataFrame</a:t>
-            </a:r>
-            <a:r>
-              <a:rPr kumimoji="1" lang="ja-JP" altLang="en-US" dirty="0">
-                <a:latin typeface="メイリオ" panose="020B0604030504040204" pitchFamily="50" charset="-128"/>
-                <a:ea typeface="メイリオ" panose="020B0604030504040204" pitchFamily="50" charset="-128"/>
-              </a:rPr>
-              <a:t>名</a:t>
-            </a:r>
-            <a:r>
-              <a:rPr kumimoji="1" lang="en-US" altLang="ja-JP" dirty="0">
-                <a:latin typeface="メイリオ" panose="020B0604030504040204" pitchFamily="50" charset="-128"/>
-                <a:ea typeface="メイリオ" panose="020B0604030504040204" pitchFamily="50" charset="-128"/>
-              </a:rPr>
-              <a:t>.values</a:t>
-            </a:r>
-            <a:endParaRPr kumimoji="1" lang="ja-JP" altLang="en-US" dirty="0">
-              <a:latin typeface="メイリオ" panose="020B0604030504040204" pitchFamily="50" charset="-128"/>
-              <a:ea typeface="メイリオ" panose="020B0604030504040204" pitchFamily="50" charset="-128"/>
-            </a:endParaRPr>
-          </a:p>
-        </p:txBody>
-      </p:sp>
-      <p:sp>
-        <p:nvSpPr>
-          <p:cNvPr id="8" name="テキスト ボックス 7">
+              <a:t>１．</a:t>
+            </a:r>
+          </a:p>
+        </p:txBody>
+      </p:sp>
+      <p:sp>
+        <p:nvSpPr>
+          <p:cNvPr id="7" name="テキスト ボックス 6">
             <a:extLst>
               <a:ext uri="{FF2B5EF4-FFF2-40B4-BE49-F238E27FC236}">
-                <a16:creationId xmlns:a16="http://schemas.microsoft.com/office/drawing/2014/main" id="{442034DD-DA65-460B-A25F-C5A21EB6AA6F}"/>
+                <a16:creationId xmlns:a16="http://schemas.microsoft.com/office/drawing/2014/main" id="{7703E9CA-D482-789E-4B3A-776508857619}"/>
               </a:ext>
             </a:extLst>
           </p:cNvPr>
@@ -17177,8 +18856,8 @@
         </p:nvSpPr>
         <p:spPr>
           <a:xfrm>
-            <a:off x="2885243" y="5635375"/>
-            <a:ext cx="3823034" cy="369332"/>
+            <a:off x="6612296" y="1520890"/>
+            <a:ext cx="3727239" cy="369332"/>
           </a:xfrm>
           <a:prstGeom prst="rect">
             <a:avLst/>
@@ -17193,42 +18872,42 @@
           <a:p>
             <a:pPr algn="l"/>
             <a:r>
+              <a:rPr kumimoji="1" lang="ja-JP" altLang="en-US" dirty="0">
+                <a:latin typeface="メイリオ" panose="020B0604030504040204" pitchFamily="50" charset="-128"/>
+                <a:ea typeface="メイリオ" panose="020B0604030504040204" pitchFamily="50" charset="-128"/>
+              </a:rPr>
+              <a:t>２．以下の</a:t>
+            </a:r>
+            <a:r>
               <a:rPr kumimoji="1" lang="en-US" altLang="ja-JP" dirty="0" err="1">
                 <a:latin typeface="メイリオ" panose="020B0604030504040204" pitchFamily="50" charset="-128"/>
                 <a:ea typeface="メイリオ" panose="020B0604030504040204" pitchFamily="50" charset="-128"/>
               </a:rPr>
-              <a:t>numpy</a:t>
+              <a:t>dataframe</a:t>
+            </a:r>
+            <a:r>
+              <a:rPr kumimoji="1" lang="en-US" altLang="ja-JP" dirty="0">
+                <a:latin typeface="メイリオ" panose="020B0604030504040204" pitchFamily="50" charset="-128"/>
+                <a:ea typeface="メイリオ" panose="020B0604030504040204" pitchFamily="50" charset="-128"/>
+              </a:rPr>
+              <a:t> </a:t>
             </a:r>
             <a:r>
               <a:rPr kumimoji="1" lang="ja-JP" altLang="en-US" dirty="0">
                 <a:latin typeface="メイリオ" panose="020B0604030504040204" pitchFamily="50" charset="-128"/>
                 <a:ea typeface="メイリオ" panose="020B0604030504040204" pitchFamily="50" charset="-128"/>
               </a:rPr>
-              <a:t>を</a:t>
-            </a:r>
-            <a:r>
-              <a:rPr kumimoji="1" lang="en-US" altLang="ja-JP" dirty="0">
-                <a:latin typeface="メイリオ" panose="020B0604030504040204" pitchFamily="50" charset="-128"/>
-                <a:ea typeface="メイリオ" panose="020B0604030504040204" pitchFamily="50" charset="-128"/>
-              </a:rPr>
-              <a:t>list</a:t>
-            </a:r>
-            <a:r>
-              <a:rPr kumimoji="1" lang="ja-JP" altLang="en-US" dirty="0">
-                <a:latin typeface="メイリオ" panose="020B0604030504040204" pitchFamily="50" charset="-128"/>
-                <a:ea typeface="メイリオ" panose="020B0604030504040204" pitchFamily="50" charset="-128"/>
-              </a:rPr>
-              <a:t>型に変換したい場合は</a:t>
-            </a:r>
-          </a:p>
-        </p:txBody>
-      </p:sp>
-      <p:sp>
-        <p:nvSpPr>
-          <p:cNvPr id="9" name="テキスト ボックス 8">
+              <a:t>を作成せよ</a:t>
+            </a:r>
+          </a:p>
+        </p:txBody>
+      </p:sp>
+      <p:sp>
+        <p:nvSpPr>
+          <p:cNvPr id="8" name="テキスト ボックス 7">
             <a:extLst>
               <a:ext uri="{FF2B5EF4-FFF2-40B4-BE49-F238E27FC236}">
-                <a16:creationId xmlns:a16="http://schemas.microsoft.com/office/drawing/2014/main" id="{F8864676-D913-4153-919C-D68D3B302A89}"/>
+                <a16:creationId xmlns:a16="http://schemas.microsoft.com/office/drawing/2014/main" id="{E94D2C8A-6D10-812D-C0A3-62D294DA8A9A}"/>
               </a:ext>
             </a:extLst>
           </p:cNvPr>
@@ -17237,8 +18916,8 @@
         </p:nvSpPr>
         <p:spPr>
           <a:xfrm>
-            <a:off x="3882596" y="6114100"/>
-            <a:ext cx="4313425" cy="369332"/>
+            <a:off x="7151914" y="2068286"/>
+            <a:ext cx="1976823" cy="369332"/>
           </a:xfrm>
           <a:prstGeom prst="rect">
             <a:avLst/>
@@ -17253,135 +18932,18 @@
           <a:p>
             <a:pPr algn="l"/>
             <a:r>
+              <a:rPr kumimoji="1" lang="en-US" altLang="ja-JP" dirty="0">
+                <a:latin typeface="メイリオ" panose="020B0604030504040204" pitchFamily="50" charset="-128"/>
+                <a:ea typeface="メイリオ" panose="020B0604030504040204" pitchFamily="50" charset="-128"/>
+              </a:rPr>
+              <a:t>Index</a:t>
+            </a:r>
+            <a:r>
               <a:rPr kumimoji="1" lang="ja-JP" altLang="en-US" dirty="0">
                 <a:latin typeface="メイリオ" panose="020B0604030504040204" pitchFamily="50" charset="-128"/>
                 <a:ea typeface="メイリオ" panose="020B0604030504040204" pitchFamily="50" charset="-128"/>
               </a:rPr>
-              <a:t>変数名 </a:t>
-            </a:r>
-            <a:r>
-              <a:rPr kumimoji="1" lang="en-US" altLang="ja-JP" dirty="0">
-                <a:latin typeface="メイリオ" panose="020B0604030504040204" pitchFamily="50" charset="-128"/>
-                <a:ea typeface="メイリオ" panose="020B0604030504040204" pitchFamily="50" charset="-128"/>
-              </a:rPr>
-              <a:t>= </a:t>
-            </a:r>
-            <a:r>
-              <a:rPr kumimoji="1" lang="en-US" altLang="ja-JP" dirty="0" err="1">
-                <a:latin typeface="メイリオ" panose="020B0604030504040204" pitchFamily="50" charset="-128"/>
-                <a:ea typeface="メイリオ" panose="020B0604030504040204" pitchFamily="50" charset="-128"/>
-              </a:rPr>
-              <a:t>DataFrame</a:t>
-            </a:r>
-            <a:r>
-              <a:rPr kumimoji="1" lang="ja-JP" altLang="en-US" dirty="0">
-                <a:latin typeface="メイリオ" panose="020B0604030504040204" pitchFamily="50" charset="-128"/>
-                <a:ea typeface="メイリオ" panose="020B0604030504040204" pitchFamily="50" charset="-128"/>
-              </a:rPr>
-              <a:t>名</a:t>
-            </a:r>
-            <a:r>
-              <a:rPr kumimoji="1" lang="en-US" altLang="ja-JP" dirty="0">
-                <a:latin typeface="メイリオ" panose="020B0604030504040204" pitchFamily="50" charset="-128"/>
-                <a:ea typeface="メイリオ" panose="020B0604030504040204" pitchFamily="50" charset="-128"/>
-              </a:rPr>
-              <a:t>.</a:t>
-            </a:r>
-            <a:r>
-              <a:rPr kumimoji="1" lang="en-US" altLang="ja-JP" dirty="0" err="1">
-                <a:latin typeface="メイリオ" panose="020B0604030504040204" pitchFamily="50" charset="-128"/>
-                <a:ea typeface="メイリオ" panose="020B0604030504040204" pitchFamily="50" charset="-128"/>
-              </a:rPr>
-              <a:t>values.tolist</a:t>
-            </a:r>
-            <a:r>
-              <a:rPr kumimoji="1" lang="en-US" altLang="ja-JP" dirty="0">
-                <a:latin typeface="メイリオ" panose="020B0604030504040204" pitchFamily="50" charset="-128"/>
-                <a:ea typeface="メイリオ" panose="020B0604030504040204" pitchFamily="50" charset="-128"/>
-              </a:rPr>
-              <a:t>()</a:t>
-            </a:r>
-            <a:endParaRPr kumimoji="1" lang="ja-JP" altLang="en-US" dirty="0">
-              <a:latin typeface="メイリオ" panose="020B0604030504040204" pitchFamily="50" charset="-128"/>
-              <a:ea typeface="メイリオ" panose="020B0604030504040204" pitchFamily="50" charset="-128"/>
-            </a:endParaRPr>
-          </a:p>
-        </p:txBody>
-      </p:sp>
-      <p:sp>
-        <p:nvSpPr>
-          <p:cNvPr id="10" name="テキスト ボックス 9">
-            <a:extLst>
-              <a:ext uri="{FF2B5EF4-FFF2-40B4-BE49-F238E27FC236}">
-                <a16:creationId xmlns:a16="http://schemas.microsoft.com/office/drawing/2014/main" id="{89B72BB0-CC93-406F-9A6C-5BBA74F4C2BA}"/>
-              </a:ext>
-            </a:extLst>
-          </p:cNvPr>
-          <p:cNvSpPr txBox="1"/>
-          <p:nvPr/>
-        </p:nvSpPr>
-        <p:spPr>
-          <a:xfrm>
-            <a:off x="3116979" y="5056333"/>
-            <a:ext cx="877163" cy="369332"/>
-          </a:xfrm>
-          <a:prstGeom prst="rect">
-            <a:avLst/>
-          </a:prstGeom>
-          <a:noFill/>
-        </p:spPr>
-        <p:txBody>
-          <a:bodyPr wrap="none" rtlCol="0">
-            <a:spAutoFit/>
-          </a:bodyPr>
-          <a:lstStyle/>
-          <a:p>
-            <a:pPr algn="l"/>
-            <a:r>
-              <a:rPr kumimoji="1" lang="ja-JP" altLang="en-US" dirty="0">
-                <a:latin typeface="メイリオ" panose="020B0604030504040204" pitchFamily="50" charset="-128"/>
-                <a:ea typeface="メイリオ" panose="020B0604030504040204" pitchFamily="50" charset="-128"/>
-              </a:rPr>
-              <a:t>構文：</a:t>
-            </a:r>
-          </a:p>
-        </p:txBody>
-      </p:sp>
-      <p:sp>
-        <p:nvSpPr>
-          <p:cNvPr id="11" name="テキスト ボックス 10">
-            <a:extLst>
-              <a:ext uri="{FF2B5EF4-FFF2-40B4-BE49-F238E27FC236}">
-                <a16:creationId xmlns:a16="http://schemas.microsoft.com/office/drawing/2014/main" id="{A44FA2E8-1299-48BC-99B7-F59DF052CA4E}"/>
-              </a:ext>
-            </a:extLst>
-          </p:cNvPr>
-          <p:cNvSpPr txBox="1"/>
-          <p:nvPr/>
-        </p:nvSpPr>
-        <p:spPr>
-          <a:xfrm>
-            <a:off x="3116979" y="6114100"/>
-            <a:ext cx="877163" cy="369332"/>
-          </a:xfrm>
-          <a:prstGeom prst="rect">
-            <a:avLst/>
-          </a:prstGeom>
-          <a:noFill/>
-        </p:spPr>
-        <p:txBody>
-          <a:bodyPr wrap="none" rtlCol="0">
-            <a:spAutoFit/>
-          </a:bodyPr>
-          <a:lstStyle/>
-          <a:p>
-            <a:pPr algn="l"/>
-            <a:r>
-              <a:rPr kumimoji="1" lang="ja-JP" altLang="en-US" dirty="0">
-                <a:latin typeface="メイリオ" panose="020B0604030504040204" pitchFamily="50" charset="-128"/>
-                <a:ea typeface="メイリオ" panose="020B0604030504040204" pitchFamily="50" charset="-128"/>
-              </a:rPr>
-              <a:t>構文：</a:t>
+              <a:t>は省略する</a:t>
             </a:r>
           </a:p>
         </p:txBody>
@@ -17389,7 +18951,7 @@
     </p:spTree>
     <p:extLst>
       <p:ext uri="{BB962C8B-B14F-4D97-AF65-F5344CB8AC3E}">
-        <p14:creationId xmlns:p14="http://schemas.microsoft.com/office/powerpoint/2010/main" val="1631340592"/>
+        <p14:creationId xmlns:p14="http://schemas.microsoft.com/office/powerpoint/2010/main" val="1519254304"/>
       </p:ext>
     </p:extLst>
   </p:cSld>
